--- a/Least Squares Presentation.pptx
+++ b/Least Squares Presentation.pptx
@@ -3,28 +3,30 @@
 <p:presentation xmlns:a="http://schemas.openxmlformats.org/drawingml/2006/main" xmlns:p="http://schemas.openxmlformats.org/presentationml/2006/main" xmlns:r="http://schemas.openxmlformats.org/officeDocument/2006/relationships" xmlns:p14="http://schemas.microsoft.com/office/powerpoint/2010/main" xmlns:p15="http://schemas.microsoft.com/office/powerpoint/2012/main" xmlns:mc="http://schemas.openxmlformats.org/markup-compatibility/2006">
   <p:sldMasterIdLst>
     <p:sldMasterId id="2147483648" r:id="rId2"/>
+    <p:sldMasterId id="2147483661" r:id="rId3"/>
   </p:sldMasterIdLst>
   <p:sldIdLst>
-    <p:sldId id="256" r:id="rId3"/>
-    <p:sldId id="257" r:id="rId4"/>
-    <p:sldId id="258" r:id="rId5"/>
-    <p:sldId id="259" r:id="rId6"/>
-    <p:sldId id="260" r:id="rId7"/>
-    <p:sldId id="261" r:id="rId8"/>
-    <p:sldId id="262" r:id="rId9"/>
-    <p:sldId id="263" r:id="rId10"/>
-    <p:sldId id="264" r:id="rId11"/>
-    <p:sldId id="265" r:id="rId12"/>
-    <p:sldId id="266" r:id="rId13"/>
-    <p:sldId id="267" r:id="rId14"/>
-    <p:sldId id="268" r:id="rId15"/>
-    <p:sldId id="269" r:id="rId16"/>
-    <p:sldId id="270" r:id="rId17"/>
-    <p:sldId id="271" r:id="rId18"/>
-    <p:sldId id="272" r:id="rId19"/>
+    <p:sldId id="256" r:id="rId4"/>
+    <p:sldId id="257" r:id="rId5"/>
+    <p:sldId id="258" r:id="rId6"/>
+    <p:sldId id="259" r:id="rId7"/>
+    <p:sldId id="260" r:id="rId8"/>
+    <p:sldId id="261" r:id="rId9"/>
+    <p:sldId id="262" r:id="rId10"/>
+    <p:sldId id="263" r:id="rId11"/>
+    <p:sldId id="264" r:id="rId12"/>
+    <p:sldId id="265" r:id="rId13"/>
+    <p:sldId id="266" r:id="rId14"/>
+    <p:sldId id="267" r:id="rId15"/>
+    <p:sldId id="268" r:id="rId16"/>
+    <p:sldId id="269" r:id="rId17"/>
+    <p:sldId id="270" r:id="rId18"/>
+    <p:sldId id="271" r:id="rId19"/>
+    <p:sldId id="272" r:id="rId20"/>
+    <p:sldId id="273" r:id="rId21"/>
   </p:sldIdLst>
   <p:sldSz cx="10080625" cy="7559675"/>
-  <p:notesSz cx="7559675" cy="10691812"/>
+  <p:notesSz cx="7772400" cy="10058400"/>
 </p:presentation>
 </file>
 
@@ -69,7 +71,7 @@
       </p:grpSpPr>
       <p:sp>
         <p:nvSpPr>
-          <p:cNvPr id="26" name="PlaceHolder 1"/>
+          <p:cNvPr id="23" name="PlaceHolder 1"/>
           <p:cNvSpPr>
             <a:spLocks noGrp="1"/>
           </p:cNvSpPr>
@@ -80,7 +82,7 @@
         <p:spPr>
           <a:xfrm>
             <a:off x="504000" y="301320"/>
-            <a:ext cx="9071640" cy="1262160"/>
+            <a:ext cx="9071280" cy="1261800"/>
           </a:xfrm>
           <a:prstGeom prst="rect">
             <a:avLst/>
@@ -90,23 +92,23 @@
           <a:bodyPr lIns="0" rIns="0" tIns="0" bIns="0" anchor="ctr"/>
           <a:p>
             <a:pPr algn="ctr"/>
-            <a:endParaRPr b="0" lang="zxx" sz="4400" spc="-1" strike="noStrike">
-              <a:solidFill>
-                <a:srgbClr val="000000"/>
-              </a:solidFill>
-              <a:uFill>
-                <a:solidFill>
-                  <a:srgbClr val="ffffff"/>
-                </a:solidFill>
-              </a:uFill>
-              <a:latin typeface="Arial"/>
-            </a:endParaRPr>
-          </a:p>
-        </p:txBody>
-      </p:sp>
-      <p:sp>
-        <p:nvSpPr>
-          <p:cNvPr id="27" name="PlaceHolder 2"/>
+            <a:endParaRPr b="0" lang="en-US" sz="4400" spc="-1" strike="noStrike">
+              <a:solidFill>
+                <a:srgbClr val="000000"/>
+              </a:solidFill>
+              <a:uFill>
+                <a:solidFill>
+                  <a:srgbClr val="ffffff"/>
+                </a:solidFill>
+              </a:uFill>
+              <a:latin typeface="Arial"/>
+            </a:endParaRPr>
+          </a:p>
+        </p:txBody>
+      </p:sp>
+      <p:sp>
+        <p:nvSpPr>
+          <p:cNvPr id="24" name="PlaceHolder 2"/>
           <p:cNvSpPr>
             <a:spLocks noGrp="1"/>
           </p:cNvSpPr>
@@ -117,32 +119,34 @@
         <p:spPr>
           <a:xfrm>
             <a:off x="504000" y="1769040"/>
-            <a:ext cx="9071640" cy="2091240"/>
-          </a:xfrm>
-          <a:prstGeom prst="rect">
-            <a:avLst/>
-          </a:prstGeom>
-        </p:spPr>
-        <p:txBody>
-          <a:bodyPr lIns="0" rIns="0" tIns="0" bIns="0"/>
-          <a:p>
-            <a:endParaRPr b="0" lang="zxx" sz="3200" spc="-1" strike="noStrike">
-              <a:solidFill>
-                <a:srgbClr val="000000"/>
-              </a:solidFill>
-              <a:uFill>
-                <a:solidFill>
-                  <a:srgbClr val="ffffff"/>
-                </a:solidFill>
-              </a:uFill>
-              <a:latin typeface="Arial"/>
-            </a:endParaRPr>
-          </a:p>
-        </p:txBody>
-      </p:sp>
-      <p:sp>
-        <p:nvSpPr>
-          <p:cNvPr id="28" name="PlaceHolder 3"/>
+            <a:ext cx="9071280" cy="2091240"/>
+          </a:xfrm>
+          <a:prstGeom prst="rect">
+            <a:avLst/>
+          </a:prstGeom>
+        </p:spPr>
+        <p:txBody>
+          <a:bodyPr lIns="0" rIns="0" tIns="0" bIns="0">
+            <a:normAutofit/>
+          </a:bodyPr>
+          <a:p>
+            <a:endParaRPr b="0" lang="en-US" sz="3200" spc="-1" strike="noStrike">
+              <a:solidFill>
+                <a:srgbClr val="000000"/>
+              </a:solidFill>
+              <a:uFill>
+                <a:solidFill>
+                  <a:srgbClr val="ffffff"/>
+                </a:solidFill>
+              </a:uFill>
+              <a:latin typeface="Arial"/>
+            </a:endParaRPr>
+          </a:p>
+        </p:txBody>
+      </p:sp>
+      <p:sp>
+        <p:nvSpPr>
+          <p:cNvPr id="25" name="PlaceHolder 3"/>
           <p:cNvSpPr>
             <a:spLocks noGrp="1"/>
           </p:cNvSpPr>
@@ -153,16 +157,18 @@
         <p:spPr>
           <a:xfrm>
             <a:off x="504000" y="4059360"/>
-            <a:ext cx="9071640" cy="2091240"/>
-          </a:xfrm>
-          <a:prstGeom prst="rect">
-            <a:avLst/>
-          </a:prstGeom>
-        </p:spPr>
-        <p:txBody>
-          <a:bodyPr lIns="0" rIns="0" tIns="0" bIns="0"/>
-          <a:p>
-            <a:endParaRPr b="0" lang="zxx" sz="3200" spc="-1" strike="noStrike">
+            <a:ext cx="9071280" cy="2091240"/>
+          </a:xfrm>
+          <a:prstGeom prst="rect">
+            <a:avLst/>
+          </a:prstGeom>
+        </p:spPr>
+        <p:txBody>
+          <a:bodyPr lIns="0" rIns="0" tIns="0" bIns="0">
+            <a:normAutofit/>
+          </a:bodyPr>
+          <a:p>
+            <a:endParaRPr b="0" lang="en-US" sz="3200" spc="-1" strike="noStrike">
               <a:solidFill>
                 <a:srgbClr val="000000"/>
               </a:solidFill>
@@ -200,7 +206,7 @@
       </p:grpSpPr>
       <p:sp>
         <p:nvSpPr>
-          <p:cNvPr id="29" name="PlaceHolder 1"/>
+          <p:cNvPr id="26" name="PlaceHolder 1"/>
           <p:cNvSpPr>
             <a:spLocks noGrp="1"/>
           </p:cNvSpPr>
@@ -211,7 +217,7 @@
         <p:spPr>
           <a:xfrm>
             <a:off x="504000" y="301320"/>
-            <a:ext cx="9071640" cy="1262160"/>
+            <a:ext cx="9071280" cy="1261800"/>
           </a:xfrm>
           <a:prstGeom prst="rect">
             <a:avLst/>
@@ -221,23 +227,23 @@
           <a:bodyPr lIns="0" rIns="0" tIns="0" bIns="0" anchor="ctr"/>
           <a:p>
             <a:pPr algn="ctr"/>
-            <a:endParaRPr b="0" lang="zxx" sz="4400" spc="-1" strike="noStrike">
-              <a:solidFill>
-                <a:srgbClr val="000000"/>
-              </a:solidFill>
-              <a:uFill>
-                <a:solidFill>
-                  <a:srgbClr val="ffffff"/>
-                </a:solidFill>
-              </a:uFill>
-              <a:latin typeface="Arial"/>
-            </a:endParaRPr>
-          </a:p>
-        </p:txBody>
-      </p:sp>
-      <p:sp>
-        <p:nvSpPr>
-          <p:cNvPr id="30" name="PlaceHolder 2"/>
+            <a:endParaRPr b="0" lang="en-US" sz="4400" spc="-1" strike="noStrike">
+              <a:solidFill>
+                <a:srgbClr val="000000"/>
+              </a:solidFill>
+              <a:uFill>
+                <a:solidFill>
+                  <a:srgbClr val="ffffff"/>
+                </a:solidFill>
+              </a:uFill>
+              <a:latin typeface="Arial"/>
+            </a:endParaRPr>
+          </a:p>
+        </p:txBody>
+      </p:sp>
+      <p:sp>
+        <p:nvSpPr>
+          <p:cNvPr id="27" name="PlaceHolder 2"/>
           <p:cNvSpPr>
             <a:spLocks noGrp="1"/>
           </p:cNvSpPr>
@@ -248,32 +254,34 @@
         <p:spPr>
           <a:xfrm>
             <a:off x="504000" y="1769040"/>
-            <a:ext cx="4426920" cy="2091240"/>
-          </a:xfrm>
-          <a:prstGeom prst="rect">
-            <a:avLst/>
-          </a:prstGeom>
-        </p:spPr>
-        <p:txBody>
-          <a:bodyPr lIns="0" rIns="0" tIns="0" bIns="0"/>
-          <a:p>
-            <a:endParaRPr b="0" lang="zxx" sz="3200" spc="-1" strike="noStrike">
-              <a:solidFill>
-                <a:srgbClr val="000000"/>
-              </a:solidFill>
-              <a:uFill>
-                <a:solidFill>
-                  <a:srgbClr val="ffffff"/>
-                </a:solidFill>
-              </a:uFill>
-              <a:latin typeface="Arial"/>
-            </a:endParaRPr>
-          </a:p>
-        </p:txBody>
-      </p:sp>
-      <p:sp>
-        <p:nvSpPr>
-          <p:cNvPr id="31" name="PlaceHolder 3"/>
+            <a:ext cx="4426560" cy="2091240"/>
+          </a:xfrm>
+          <a:prstGeom prst="rect">
+            <a:avLst/>
+          </a:prstGeom>
+        </p:spPr>
+        <p:txBody>
+          <a:bodyPr lIns="0" rIns="0" tIns="0" bIns="0">
+            <a:normAutofit/>
+          </a:bodyPr>
+          <a:p>
+            <a:endParaRPr b="0" lang="en-US" sz="3200" spc="-1" strike="noStrike">
+              <a:solidFill>
+                <a:srgbClr val="000000"/>
+              </a:solidFill>
+              <a:uFill>
+                <a:solidFill>
+                  <a:srgbClr val="ffffff"/>
+                </a:solidFill>
+              </a:uFill>
+              <a:latin typeface="Arial"/>
+            </a:endParaRPr>
+          </a:p>
+        </p:txBody>
+      </p:sp>
+      <p:sp>
+        <p:nvSpPr>
+          <p:cNvPr id="28" name="PlaceHolder 3"/>
           <p:cNvSpPr>
             <a:spLocks noGrp="1"/>
           </p:cNvSpPr>
@@ -283,33 +291,35 @@
         </p:nvSpPr>
         <p:spPr>
           <a:xfrm>
-            <a:off x="5152680" y="1769040"/>
-            <a:ext cx="4426920" cy="2091240"/>
-          </a:xfrm>
-          <a:prstGeom prst="rect">
-            <a:avLst/>
-          </a:prstGeom>
-        </p:spPr>
-        <p:txBody>
-          <a:bodyPr lIns="0" rIns="0" tIns="0" bIns="0"/>
-          <a:p>
-            <a:endParaRPr b="0" lang="zxx" sz="3200" spc="-1" strike="noStrike">
-              <a:solidFill>
-                <a:srgbClr val="000000"/>
-              </a:solidFill>
-              <a:uFill>
-                <a:solidFill>
-                  <a:srgbClr val="ffffff"/>
-                </a:solidFill>
-              </a:uFill>
-              <a:latin typeface="Arial"/>
-            </a:endParaRPr>
-          </a:p>
-        </p:txBody>
-      </p:sp>
-      <p:sp>
-        <p:nvSpPr>
-          <p:cNvPr id="32" name="PlaceHolder 4"/>
+            <a:off x="5152320" y="1769040"/>
+            <a:ext cx="4426560" cy="2091240"/>
+          </a:xfrm>
+          <a:prstGeom prst="rect">
+            <a:avLst/>
+          </a:prstGeom>
+        </p:spPr>
+        <p:txBody>
+          <a:bodyPr lIns="0" rIns="0" tIns="0" bIns="0">
+            <a:normAutofit/>
+          </a:bodyPr>
+          <a:p>
+            <a:endParaRPr b="0" lang="en-US" sz="3200" spc="-1" strike="noStrike">
+              <a:solidFill>
+                <a:srgbClr val="000000"/>
+              </a:solidFill>
+              <a:uFill>
+                <a:solidFill>
+                  <a:srgbClr val="ffffff"/>
+                </a:solidFill>
+              </a:uFill>
+              <a:latin typeface="Arial"/>
+            </a:endParaRPr>
+          </a:p>
+        </p:txBody>
+      </p:sp>
+      <p:sp>
+        <p:nvSpPr>
+          <p:cNvPr id="29" name="PlaceHolder 4"/>
           <p:cNvSpPr>
             <a:spLocks noGrp="1"/>
           </p:cNvSpPr>
@@ -319,33 +329,35 @@
         </p:nvSpPr>
         <p:spPr>
           <a:xfrm>
-            <a:off x="5152680" y="4059360"/>
-            <a:ext cx="4426920" cy="2091240"/>
-          </a:xfrm>
-          <a:prstGeom prst="rect">
-            <a:avLst/>
-          </a:prstGeom>
-        </p:spPr>
-        <p:txBody>
-          <a:bodyPr lIns="0" rIns="0" tIns="0" bIns="0"/>
-          <a:p>
-            <a:endParaRPr b="0" lang="zxx" sz="3200" spc="-1" strike="noStrike">
-              <a:solidFill>
-                <a:srgbClr val="000000"/>
-              </a:solidFill>
-              <a:uFill>
-                <a:solidFill>
-                  <a:srgbClr val="ffffff"/>
-                </a:solidFill>
-              </a:uFill>
-              <a:latin typeface="Arial"/>
-            </a:endParaRPr>
-          </a:p>
-        </p:txBody>
-      </p:sp>
-      <p:sp>
-        <p:nvSpPr>
-          <p:cNvPr id="33" name="PlaceHolder 5"/>
+            <a:off x="5152320" y="4059360"/>
+            <a:ext cx="4426560" cy="2091240"/>
+          </a:xfrm>
+          <a:prstGeom prst="rect">
+            <a:avLst/>
+          </a:prstGeom>
+        </p:spPr>
+        <p:txBody>
+          <a:bodyPr lIns="0" rIns="0" tIns="0" bIns="0">
+            <a:normAutofit/>
+          </a:bodyPr>
+          <a:p>
+            <a:endParaRPr b="0" lang="en-US" sz="3200" spc="-1" strike="noStrike">
+              <a:solidFill>
+                <a:srgbClr val="000000"/>
+              </a:solidFill>
+              <a:uFill>
+                <a:solidFill>
+                  <a:srgbClr val="ffffff"/>
+                </a:solidFill>
+              </a:uFill>
+              <a:latin typeface="Arial"/>
+            </a:endParaRPr>
+          </a:p>
+        </p:txBody>
+      </p:sp>
+      <p:sp>
+        <p:nvSpPr>
+          <p:cNvPr id="30" name="PlaceHolder 5"/>
           <p:cNvSpPr>
             <a:spLocks noGrp="1"/>
           </p:cNvSpPr>
@@ -356,16 +368,18 @@
         <p:spPr>
           <a:xfrm>
             <a:off x="504000" y="4059360"/>
-            <a:ext cx="4426920" cy="2091240"/>
-          </a:xfrm>
-          <a:prstGeom prst="rect">
-            <a:avLst/>
-          </a:prstGeom>
-        </p:spPr>
-        <p:txBody>
-          <a:bodyPr lIns="0" rIns="0" tIns="0" bIns="0"/>
-          <a:p>
-            <a:endParaRPr b="0" lang="zxx" sz="3200" spc="-1" strike="noStrike">
+            <a:ext cx="4426560" cy="2091240"/>
+          </a:xfrm>
+          <a:prstGeom prst="rect">
+            <a:avLst/>
+          </a:prstGeom>
+        </p:spPr>
+        <p:txBody>
+          <a:bodyPr lIns="0" rIns="0" tIns="0" bIns="0">
+            <a:normAutofit/>
+          </a:bodyPr>
+          <a:p>
+            <a:endParaRPr b="0" lang="en-US" sz="3200" spc="-1" strike="noStrike">
               <a:solidFill>
                 <a:srgbClr val="000000"/>
               </a:solidFill>
@@ -403,7 +417,7 @@
       </p:grpSpPr>
       <p:sp>
         <p:nvSpPr>
-          <p:cNvPr id="34" name="PlaceHolder 1"/>
+          <p:cNvPr id="31" name="PlaceHolder 1"/>
           <p:cNvSpPr>
             <a:spLocks noGrp="1"/>
           </p:cNvSpPr>
@@ -414,7 +428,7 @@
         <p:spPr>
           <a:xfrm>
             <a:off x="504000" y="301320"/>
-            <a:ext cx="9071640" cy="1262160"/>
+            <a:ext cx="9071280" cy="1261800"/>
           </a:xfrm>
           <a:prstGeom prst="rect">
             <a:avLst/>
@@ -424,23 +438,23 @@
           <a:bodyPr lIns="0" rIns="0" tIns="0" bIns="0" anchor="ctr"/>
           <a:p>
             <a:pPr algn="ctr"/>
-            <a:endParaRPr b="0" lang="zxx" sz="4400" spc="-1" strike="noStrike">
-              <a:solidFill>
-                <a:srgbClr val="000000"/>
-              </a:solidFill>
-              <a:uFill>
-                <a:solidFill>
-                  <a:srgbClr val="ffffff"/>
-                </a:solidFill>
-              </a:uFill>
-              <a:latin typeface="Arial"/>
-            </a:endParaRPr>
-          </a:p>
-        </p:txBody>
-      </p:sp>
-      <p:sp>
-        <p:nvSpPr>
-          <p:cNvPr id="35" name="PlaceHolder 2"/>
+            <a:endParaRPr b="0" lang="en-US" sz="4400" spc="-1" strike="noStrike">
+              <a:solidFill>
+                <a:srgbClr val="000000"/>
+              </a:solidFill>
+              <a:uFill>
+                <a:solidFill>
+                  <a:srgbClr val="ffffff"/>
+                </a:solidFill>
+              </a:uFill>
+              <a:latin typeface="Arial"/>
+            </a:endParaRPr>
+          </a:p>
+        </p:txBody>
+      </p:sp>
+      <p:sp>
+        <p:nvSpPr>
+          <p:cNvPr id="32" name="PlaceHolder 2"/>
           <p:cNvSpPr>
             <a:spLocks noGrp="1"/>
           </p:cNvSpPr>
@@ -458,25 +472,27 @@
           </a:prstGeom>
         </p:spPr>
         <p:txBody>
-          <a:bodyPr lIns="0" rIns="0" tIns="0" bIns="0"/>
-          <a:p>
-            <a:endParaRPr b="0" lang="zxx" sz="3200" spc="-1" strike="noStrike">
-              <a:solidFill>
-                <a:srgbClr val="000000"/>
-              </a:solidFill>
-              <a:uFill>
-                <a:solidFill>
-                  <a:srgbClr val="ffffff"/>
-                </a:solidFill>
-              </a:uFill>
-              <a:latin typeface="Arial"/>
-            </a:endParaRPr>
-          </a:p>
-        </p:txBody>
-      </p:sp>
-      <p:sp>
-        <p:nvSpPr>
-          <p:cNvPr id="36" name="PlaceHolder 3"/>
+          <a:bodyPr lIns="0" rIns="0" tIns="0" bIns="0">
+            <a:normAutofit/>
+          </a:bodyPr>
+          <a:p>
+            <a:endParaRPr b="0" lang="en-US" sz="3200" spc="-1" strike="noStrike">
+              <a:solidFill>
+                <a:srgbClr val="000000"/>
+              </a:solidFill>
+              <a:uFill>
+                <a:solidFill>
+                  <a:srgbClr val="ffffff"/>
+                </a:solidFill>
+              </a:uFill>
+              <a:latin typeface="Arial"/>
+            </a:endParaRPr>
+          </a:p>
+        </p:txBody>
+      </p:sp>
+      <p:sp>
+        <p:nvSpPr>
+          <p:cNvPr id="33" name="PlaceHolder 3"/>
           <p:cNvSpPr>
             <a:spLocks noGrp="1"/>
           </p:cNvSpPr>
@@ -494,25 +510,27 @@
           </a:prstGeom>
         </p:spPr>
         <p:txBody>
-          <a:bodyPr lIns="0" rIns="0" tIns="0" bIns="0"/>
-          <a:p>
-            <a:endParaRPr b="0" lang="zxx" sz="3200" spc="-1" strike="noStrike">
-              <a:solidFill>
-                <a:srgbClr val="000000"/>
-              </a:solidFill>
-              <a:uFill>
-                <a:solidFill>
-                  <a:srgbClr val="ffffff"/>
-                </a:solidFill>
-              </a:uFill>
-              <a:latin typeface="Arial"/>
-            </a:endParaRPr>
-          </a:p>
-        </p:txBody>
-      </p:sp>
-      <p:sp>
-        <p:nvSpPr>
-          <p:cNvPr id="37" name="PlaceHolder 4"/>
+          <a:bodyPr lIns="0" rIns="0" tIns="0" bIns="0">
+            <a:normAutofit/>
+          </a:bodyPr>
+          <a:p>
+            <a:endParaRPr b="0" lang="en-US" sz="3200" spc="-1" strike="noStrike">
+              <a:solidFill>
+                <a:srgbClr val="000000"/>
+              </a:solidFill>
+              <a:uFill>
+                <a:solidFill>
+                  <a:srgbClr val="ffffff"/>
+                </a:solidFill>
+              </a:uFill>
+              <a:latin typeface="Arial"/>
+            </a:endParaRPr>
+          </a:p>
+        </p:txBody>
+      </p:sp>
+      <p:sp>
+        <p:nvSpPr>
+          <p:cNvPr id="34" name="PlaceHolder 4"/>
           <p:cNvSpPr>
             <a:spLocks noGrp="1"/>
           </p:cNvSpPr>
@@ -530,25 +548,27 @@
           </a:prstGeom>
         </p:spPr>
         <p:txBody>
-          <a:bodyPr lIns="0" rIns="0" tIns="0" bIns="0"/>
-          <a:p>
-            <a:endParaRPr b="0" lang="zxx" sz="3200" spc="-1" strike="noStrike">
-              <a:solidFill>
-                <a:srgbClr val="000000"/>
-              </a:solidFill>
-              <a:uFill>
-                <a:solidFill>
-                  <a:srgbClr val="ffffff"/>
-                </a:solidFill>
-              </a:uFill>
-              <a:latin typeface="Arial"/>
-            </a:endParaRPr>
-          </a:p>
-        </p:txBody>
-      </p:sp>
-      <p:sp>
-        <p:nvSpPr>
-          <p:cNvPr id="38" name="PlaceHolder 5"/>
+          <a:bodyPr lIns="0" rIns="0" tIns="0" bIns="0">
+            <a:normAutofit/>
+          </a:bodyPr>
+          <a:p>
+            <a:endParaRPr b="0" lang="en-US" sz="3200" spc="-1" strike="noStrike">
+              <a:solidFill>
+                <a:srgbClr val="000000"/>
+              </a:solidFill>
+              <a:uFill>
+                <a:solidFill>
+                  <a:srgbClr val="ffffff"/>
+                </a:solidFill>
+              </a:uFill>
+              <a:latin typeface="Arial"/>
+            </a:endParaRPr>
+          </a:p>
+        </p:txBody>
+      </p:sp>
+      <p:sp>
+        <p:nvSpPr>
+          <p:cNvPr id="35" name="PlaceHolder 5"/>
           <p:cNvSpPr>
             <a:spLocks noGrp="1"/>
           </p:cNvSpPr>
@@ -566,25 +586,27 @@
           </a:prstGeom>
         </p:spPr>
         <p:txBody>
-          <a:bodyPr lIns="0" rIns="0" tIns="0" bIns="0"/>
-          <a:p>
-            <a:endParaRPr b="0" lang="zxx" sz="3200" spc="-1" strike="noStrike">
-              <a:solidFill>
-                <a:srgbClr val="000000"/>
-              </a:solidFill>
-              <a:uFill>
-                <a:solidFill>
-                  <a:srgbClr val="ffffff"/>
-                </a:solidFill>
-              </a:uFill>
-              <a:latin typeface="Arial"/>
-            </a:endParaRPr>
-          </a:p>
-        </p:txBody>
-      </p:sp>
-      <p:sp>
-        <p:nvSpPr>
-          <p:cNvPr id="39" name="PlaceHolder 6"/>
+          <a:bodyPr lIns="0" rIns="0" tIns="0" bIns="0">
+            <a:normAutofit/>
+          </a:bodyPr>
+          <a:p>
+            <a:endParaRPr b="0" lang="en-US" sz="3200" spc="-1" strike="noStrike">
+              <a:solidFill>
+                <a:srgbClr val="000000"/>
+              </a:solidFill>
+              <a:uFill>
+                <a:solidFill>
+                  <a:srgbClr val="ffffff"/>
+                </a:solidFill>
+              </a:uFill>
+              <a:latin typeface="Arial"/>
+            </a:endParaRPr>
+          </a:p>
+        </p:txBody>
+      </p:sp>
+      <p:sp>
+        <p:nvSpPr>
+          <p:cNvPr id="36" name="PlaceHolder 6"/>
           <p:cNvSpPr>
             <a:spLocks noGrp="1"/>
           </p:cNvSpPr>
@@ -602,25 +624,27 @@
           </a:prstGeom>
         </p:spPr>
         <p:txBody>
-          <a:bodyPr lIns="0" rIns="0" tIns="0" bIns="0"/>
-          <a:p>
-            <a:endParaRPr b="0" lang="zxx" sz="3200" spc="-1" strike="noStrike">
-              <a:solidFill>
-                <a:srgbClr val="000000"/>
-              </a:solidFill>
-              <a:uFill>
-                <a:solidFill>
-                  <a:srgbClr val="ffffff"/>
-                </a:solidFill>
-              </a:uFill>
-              <a:latin typeface="Arial"/>
-            </a:endParaRPr>
-          </a:p>
-        </p:txBody>
-      </p:sp>
-      <p:sp>
-        <p:nvSpPr>
-          <p:cNvPr id="40" name="PlaceHolder 7"/>
+          <a:bodyPr lIns="0" rIns="0" tIns="0" bIns="0">
+            <a:normAutofit/>
+          </a:bodyPr>
+          <a:p>
+            <a:endParaRPr b="0" lang="en-US" sz="3200" spc="-1" strike="noStrike">
+              <a:solidFill>
+                <a:srgbClr val="000000"/>
+              </a:solidFill>
+              <a:uFill>
+                <a:solidFill>
+                  <a:srgbClr val="ffffff"/>
+                </a:solidFill>
+              </a:uFill>
+              <a:latin typeface="Arial"/>
+            </a:endParaRPr>
+          </a:p>
+        </p:txBody>
+      </p:sp>
+      <p:sp>
+        <p:nvSpPr>
+          <p:cNvPr id="37" name="PlaceHolder 7"/>
           <p:cNvSpPr>
             <a:spLocks noGrp="1"/>
           </p:cNvSpPr>
@@ -638,9 +662,652 @@
           </a:prstGeom>
         </p:spPr>
         <p:txBody>
-          <a:bodyPr lIns="0" rIns="0" tIns="0" bIns="0"/>
-          <a:p>
-            <a:endParaRPr b="0" lang="zxx" sz="3200" spc="-1" strike="noStrike">
+          <a:bodyPr lIns="0" rIns="0" tIns="0" bIns="0">
+            <a:normAutofit/>
+          </a:bodyPr>
+          <a:p>
+            <a:endParaRPr b="0" lang="en-US" sz="3200" spc="-1" strike="noStrike">
+              <a:solidFill>
+                <a:srgbClr val="000000"/>
+              </a:solidFill>
+              <a:uFill>
+                <a:solidFill>
+                  <a:srgbClr val="ffffff"/>
+                </a:solidFill>
+              </a:uFill>
+              <a:latin typeface="Arial"/>
+            </a:endParaRPr>
+          </a:p>
+        </p:txBody>
+      </p:sp>
+    </p:spTree>
+  </p:cSld>
+</p:sldLayout>
+</file>
+
+<file path=ppt/slideLayouts/slideLayout13.xml><?xml version="1.0" encoding="utf-8"?>
+<p:sldLayout xmlns:a="http://schemas.openxmlformats.org/drawingml/2006/main" xmlns:p="http://schemas.openxmlformats.org/presentationml/2006/main" xmlns:r="http://schemas.openxmlformats.org/officeDocument/2006/relationships" xmlns:p14="http://schemas.microsoft.com/office/powerpoint/2010/main" xmlns:p15="http://schemas.microsoft.com/office/powerpoint/2012/main" xmlns:mc="http://schemas.openxmlformats.org/markup-compatibility/2006" type="blank" preserve="1">
+  <p:cSld name="Blank Slide">
+    <p:spTree>
+      <p:nvGrpSpPr>
+        <p:cNvPr id="1" name=""/>
+        <p:cNvGrpSpPr/>
+        <p:nvPr/>
+      </p:nvGrpSpPr>
+      <p:grpSpPr>
+        <a:xfrm>
+          <a:off x="0" y="0"/>
+          <a:ext cx="0" cy="0"/>
+          <a:chOff x="0" y="0"/>
+          <a:chExt cx="0" cy="0"/>
+        </a:xfrm>
+      </p:grpSpPr>
+    </p:spTree>
+  </p:cSld>
+</p:sldLayout>
+</file>
+
+<file path=ppt/slideLayouts/slideLayout14.xml><?xml version="1.0" encoding="utf-8"?>
+<p:sldLayout xmlns:a="http://schemas.openxmlformats.org/drawingml/2006/main" xmlns:p="http://schemas.openxmlformats.org/presentationml/2006/main" xmlns:r="http://schemas.openxmlformats.org/officeDocument/2006/relationships" xmlns:p14="http://schemas.microsoft.com/office/powerpoint/2010/main" xmlns:p15="http://schemas.microsoft.com/office/powerpoint/2012/main" xmlns:mc="http://schemas.openxmlformats.org/markup-compatibility/2006" type="tx" preserve="1">
+  <p:cSld name="Title Slide">
+    <p:spTree>
+      <p:nvGrpSpPr>
+        <p:cNvPr id="1" name=""/>
+        <p:cNvGrpSpPr/>
+        <p:nvPr/>
+      </p:nvGrpSpPr>
+      <p:grpSpPr>
+        <a:xfrm>
+          <a:off x="0" y="0"/>
+          <a:ext cx="0" cy="0"/>
+          <a:chOff x="0" y="0"/>
+          <a:chExt cx="0" cy="0"/>
+        </a:xfrm>
+      </p:grpSpPr>
+      <p:sp>
+        <p:nvSpPr>
+          <p:cNvPr id="40" name="PlaceHolder 1"/>
+          <p:cNvSpPr>
+            <a:spLocks noGrp="1"/>
+          </p:cNvSpPr>
+          <p:nvPr>
+            <p:ph type="title"/>
+          </p:nvPr>
+        </p:nvSpPr>
+        <p:spPr>
+          <a:xfrm>
+            <a:off x="504000" y="301320"/>
+            <a:ext cx="9071280" cy="1261800"/>
+          </a:xfrm>
+          <a:prstGeom prst="rect">
+            <a:avLst/>
+          </a:prstGeom>
+        </p:spPr>
+        <p:txBody>
+          <a:bodyPr lIns="0" rIns="0" tIns="0" bIns="0" anchor="ctr"/>
+          <a:p>
+            <a:pPr algn="ctr"/>
+            <a:endParaRPr b="0" lang="en-US" sz="4400" spc="-1" strike="noStrike">
+              <a:solidFill>
+                <a:srgbClr val="000000"/>
+              </a:solidFill>
+              <a:uFill>
+                <a:solidFill>
+                  <a:srgbClr val="ffffff"/>
+                </a:solidFill>
+              </a:uFill>
+              <a:latin typeface="Arial"/>
+            </a:endParaRPr>
+          </a:p>
+        </p:txBody>
+      </p:sp>
+      <p:sp>
+        <p:nvSpPr>
+          <p:cNvPr id="41" name="PlaceHolder 2"/>
+          <p:cNvSpPr>
+            <a:spLocks noGrp="1"/>
+          </p:cNvSpPr>
+          <p:nvPr>
+            <p:ph type="subTitle"/>
+          </p:nvPr>
+        </p:nvSpPr>
+        <p:spPr>
+          <a:xfrm>
+            <a:off x="504000" y="1769040"/>
+            <a:ext cx="9071280" cy="4384440"/>
+          </a:xfrm>
+          <a:prstGeom prst="rect">
+            <a:avLst/>
+          </a:prstGeom>
+        </p:spPr>
+        <p:txBody>
+          <a:bodyPr lIns="0" rIns="0" tIns="0" bIns="0" anchor="ctr"/>
+          <a:p>
+            <a:pPr algn="ctr"/>
+            <a:endParaRPr b="0" lang="en-US" sz="3200" spc="-1" strike="noStrike">
+              <a:solidFill>
+                <a:srgbClr val="000000"/>
+              </a:solidFill>
+              <a:uFill>
+                <a:solidFill>
+                  <a:srgbClr val="ffffff"/>
+                </a:solidFill>
+              </a:uFill>
+              <a:latin typeface="Arial"/>
+            </a:endParaRPr>
+          </a:p>
+        </p:txBody>
+      </p:sp>
+    </p:spTree>
+  </p:cSld>
+</p:sldLayout>
+</file>
+
+<file path=ppt/slideLayouts/slideLayout15.xml><?xml version="1.0" encoding="utf-8"?>
+<p:sldLayout xmlns:a="http://schemas.openxmlformats.org/drawingml/2006/main" xmlns:p="http://schemas.openxmlformats.org/presentationml/2006/main" xmlns:r="http://schemas.openxmlformats.org/officeDocument/2006/relationships" xmlns:p14="http://schemas.microsoft.com/office/powerpoint/2010/main" xmlns:p15="http://schemas.microsoft.com/office/powerpoint/2012/main" xmlns:mc="http://schemas.openxmlformats.org/markup-compatibility/2006" type="obj" preserve="1">
+  <p:cSld name="Title, Content">
+    <p:spTree>
+      <p:nvGrpSpPr>
+        <p:cNvPr id="1" name=""/>
+        <p:cNvGrpSpPr/>
+        <p:nvPr/>
+      </p:nvGrpSpPr>
+      <p:grpSpPr>
+        <a:xfrm>
+          <a:off x="0" y="0"/>
+          <a:ext cx="0" cy="0"/>
+          <a:chOff x="0" y="0"/>
+          <a:chExt cx="0" cy="0"/>
+        </a:xfrm>
+      </p:grpSpPr>
+      <p:sp>
+        <p:nvSpPr>
+          <p:cNvPr id="42" name="PlaceHolder 1"/>
+          <p:cNvSpPr>
+            <a:spLocks noGrp="1"/>
+          </p:cNvSpPr>
+          <p:nvPr>
+            <p:ph type="title"/>
+          </p:nvPr>
+        </p:nvSpPr>
+        <p:spPr>
+          <a:xfrm>
+            <a:off x="504000" y="301320"/>
+            <a:ext cx="9071280" cy="1261800"/>
+          </a:xfrm>
+          <a:prstGeom prst="rect">
+            <a:avLst/>
+          </a:prstGeom>
+        </p:spPr>
+        <p:txBody>
+          <a:bodyPr lIns="0" rIns="0" tIns="0" bIns="0" anchor="ctr"/>
+          <a:p>
+            <a:pPr algn="ctr"/>
+            <a:endParaRPr b="0" lang="en-US" sz="4400" spc="-1" strike="noStrike">
+              <a:solidFill>
+                <a:srgbClr val="000000"/>
+              </a:solidFill>
+              <a:uFill>
+                <a:solidFill>
+                  <a:srgbClr val="ffffff"/>
+                </a:solidFill>
+              </a:uFill>
+              <a:latin typeface="Arial"/>
+            </a:endParaRPr>
+          </a:p>
+        </p:txBody>
+      </p:sp>
+      <p:sp>
+        <p:nvSpPr>
+          <p:cNvPr id="43" name="PlaceHolder 2"/>
+          <p:cNvSpPr>
+            <a:spLocks noGrp="1"/>
+          </p:cNvSpPr>
+          <p:nvPr>
+            <p:ph type="body"/>
+          </p:nvPr>
+        </p:nvSpPr>
+        <p:spPr>
+          <a:xfrm>
+            <a:off x="504000" y="1769040"/>
+            <a:ext cx="9071280" cy="4384440"/>
+          </a:xfrm>
+          <a:prstGeom prst="rect">
+            <a:avLst/>
+          </a:prstGeom>
+        </p:spPr>
+        <p:txBody>
+          <a:bodyPr lIns="0" rIns="0" tIns="0" bIns="0">
+            <a:normAutofit/>
+          </a:bodyPr>
+          <a:p>
+            <a:endParaRPr b="0" lang="en-US" sz="3200" spc="-1" strike="noStrike">
+              <a:solidFill>
+                <a:srgbClr val="000000"/>
+              </a:solidFill>
+              <a:uFill>
+                <a:solidFill>
+                  <a:srgbClr val="ffffff"/>
+                </a:solidFill>
+              </a:uFill>
+              <a:latin typeface="Arial"/>
+            </a:endParaRPr>
+          </a:p>
+        </p:txBody>
+      </p:sp>
+    </p:spTree>
+  </p:cSld>
+</p:sldLayout>
+</file>
+
+<file path=ppt/slideLayouts/slideLayout16.xml><?xml version="1.0" encoding="utf-8"?>
+<p:sldLayout xmlns:a="http://schemas.openxmlformats.org/drawingml/2006/main" xmlns:p="http://schemas.openxmlformats.org/presentationml/2006/main" xmlns:r="http://schemas.openxmlformats.org/officeDocument/2006/relationships" xmlns:p14="http://schemas.microsoft.com/office/powerpoint/2010/main" xmlns:p15="http://schemas.microsoft.com/office/powerpoint/2012/main" xmlns:mc="http://schemas.openxmlformats.org/markup-compatibility/2006" type="twoObj" preserve="1">
+  <p:cSld name="Title, 2 Content">
+    <p:spTree>
+      <p:nvGrpSpPr>
+        <p:cNvPr id="1" name=""/>
+        <p:cNvGrpSpPr/>
+        <p:nvPr/>
+      </p:nvGrpSpPr>
+      <p:grpSpPr>
+        <a:xfrm>
+          <a:off x="0" y="0"/>
+          <a:ext cx="0" cy="0"/>
+          <a:chOff x="0" y="0"/>
+          <a:chExt cx="0" cy="0"/>
+        </a:xfrm>
+      </p:grpSpPr>
+      <p:sp>
+        <p:nvSpPr>
+          <p:cNvPr id="44" name="PlaceHolder 1"/>
+          <p:cNvSpPr>
+            <a:spLocks noGrp="1"/>
+          </p:cNvSpPr>
+          <p:nvPr>
+            <p:ph type="title"/>
+          </p:nvPr>
+        </p:nvSpPr>
+        <p:spPr>
+          <a:xfrm>
+            <a:off x="504000" y="301320"/>
+            <a:ext cx="9071280" cy="1261800"/>
+          </a:xfrm>
+          <a:prstGeom prst="rect">
+            <a:avLst/>
+          </a:prstGeom>
+        </p:spPr>
+        <p:txBody>
+          <a:bodyPr lIns="0" rIns="0" tIns="0" bIns="0" anchor="ctr"/>
+          <a:p>
+            <a:pPr algn="ctr"/>
+            <a:endParaRPr b="0" lang="en-US" sz="4400" spc="-1" strike="noStrike">
+              <a:solidFill>
+                <a:srgbClr val="000000"/>
+              </a:solidFill>
+              <a:uFill>
+                <a:solidFill>
+                  <a:srgbClr val="ffffff"/>
+                </a:solidFill>
+              </a:uFill>
+              <a:latin typeface="Arial"/>
+            </a:endParaRPr>
+          </a:p>
+        </p:txBody>
+      </p:sp>
+      <p:sp>
+        <p:nvSpPr>
+          <p:cNvPr id="45" name="PlaceHolder 2"/>
+          <p:cNvSpPr>
+            <a:spLocks noGrp="1"/>
+          </p:cNvSpPr>
+          <p:nvPr>
+            <p:ph type="body"/>
+          </p:nvPr>
+        </p:nvSpPr>
+        <p:spPr>
+          <a:xfrm>
+            <a:off x="504000" y="1769040"/>
+            <a:ext cx="4426560" cy="4384440"/>
+          </a:xfrm>
+          <a:prstGeom prst="rect">
+            <a:avLst/>
+          </a:prstGeom>
+        </p:spPr>
+        <p:txBody>
+          <a:bodyPr lIns="0" rIns="0" tIns="0" bIns="0">
+            <a:normAutofit/>
+          </a:bodyPr>
+          <a:p>
+            <a:endParaRPr b="0" lang="en-US" sz="3200" spc="-1" strike="noStrike">
+              <a:solidFill>
+                <a:srgbClr val="000000"/>
+              </a:solidFill>
+              <a:uFill>
+                <a:solidFill>
+                  <a:srgbClr val="ffffff"/>
+                </a:solidFill>
+              </a:uFill>
+              <a:latin typeface="Arial"/>
+            </a:endParaRPr>
+          </a:p>
+        </p:txBody>
+      </p:sp>
+      <p:sp>
+        <p:nvSpPr>
+          <p:cNvPr id="46" name="PlaceHolder 3"/>
+          <p:cNvSpPr>
+            <a:spLocks noGrp="1"/>
+          </p:cNvSpPr>
+          <p:nvPr>
+            <p:ph type="body"/>
+          </p:nvPr>
+        </p:nvSpPr>
+        <p:spPr>
+          <a:xfrm>
+            <a:off x="5152320" y="1769040"/>
+            <a:ext cx="4426560" cy="4384440"/>
+          </a:xfrm>
+          <a:prstGeom prst="rect">
+            <a:avLst/>
+          </a:prstGeom>
+        </p:spPr>
+        <p:txBody>
+          <a:bodyPr lIns="0" rIns="0" tIns="0" bIns="0">
+            <a:normAutofit/>
+          </a:bodyPr>
+          <a:p>
+            <a:endParaRPr b="0" lang="en-US" sz="3200" spc="-1" strike="noStrike">
+              <a:solidFill>
+                <a:srgbClr val="000000"/>
+              </a:solidFill>
+              <a:uFill>
+                <a:solidFill>
+                  <a:srgbClr val="ffffff"/>
+                </a:solidFill>
+              </a:uFill>
+              <a:latin typeface="Arial"/>
+            </a:endParaRPr>
+          </a:p>
+        </p:txBody>
+      </p:sp>
+    </p:spTree>
+  </p:cSld>
+</p:sldLayout>
+</file>
+
+<file path=ppt/slideLayouts/slideLayout17.xml><?xml version="1.0" encoding="utf-8"?>
+<p:sldLayout xmlns:a="http://schemas.openxmlformats.org/drawingml/2006/main" xmlns:p="http://schemas.openxmlformats.org/presentationml/2006/main" xmlns:r="http://schemas.openxmlformats.org/officeDocument/2006/relationships" xmlns:p14="http://schemas.microsoft.com/office/powerpoint/2010/main" xmlns:p15="http://schemas.microsoft.com/office/powerpoint/2012/main" xmlns:mc="http://schemas.openxmlformats.org/markup-compatibility/2006" type="titleOnly" preserve="1">
+  <p:cSld name="Title Only">
+    <p:spTree>
+      <p:nvGrpSpPr>
+        <p:cNvPr id="1" name=""/>
+        <p:cNvGrpSpPr/>
+        <p:nvPr/>
+      </p:nvGrpSpPr>
+      <p:grpSpPr>
+        <a:xfrm>
+          <a:off x="0" y="0"/>
+          <a:ext cx="0" cy="0"/>
+          <a:chOff x="0" y="0"/>
+          <a:chExt cx="0" cy="0"/>
+        </a:xfrm>
+      </p:grpSpPr>
+      <p:sp>
+        <p:nvSpPr>
+          <p:cNvPr id="47" name="PlaceHolder 1"/>
+          <p:cNvSpPr>
+            <a:spLocks noGrp="1"/>
+          </p:cNvSpPr>
+          <p:nvPr>
+            <p:ph type="title"/>
+          </p:nvPr>
+        </p:nvSpPr>
+        <p:spPr>
+          <a:xfrm>
+            <a:off x="504000" y="301320"/>
+            <a:ext cx="9071280" cy="1261800"/>
+          </a:xfrm>
+          <a:prstGeom prst="rect">
+            <a:avLst/>
+          </a:prstGeom>
+        </p:spPr>
+        <p:txBody>
+          <a:bodyPr lIns="0" rIns="0" tIns="0" bIns="0" anchor="ctr"/>
+          <a:p>
+            <a:pPr algn="ctr"/>
+            <a:endParaRPr b="0" lang="en-US" sz="4400" spc="-1" strike="noStrike">
+              <a:solidFill>
+                <a:srgbClr val="000000"/>
+              </a:solidFill>
+              <a:uFill>
+                <a:solidFill>
+                  <a:srgbClr val="ffffff"/>
+                </a:solidFill>
+              </a:uFill>
+              <a:latin typeface="Arial"/>
+            </a:endParaRPr>
+          </a:p>
+        </p:txBody>
+      </p:sp>
+    </p:spTree>
+  </p:cSld>
+</p:sldLayout>
+</file>
+
+<file path=ppt/slideLayouts/slideLayout18.xml><?xml version="1.0" encoding="utf-8"?>
+<p:sldLayout xmlns:a="http://schemas.openxmlformats.org/drawingml/2006/main" xmlns:p="http://schemas.openxmlformats.org/presentationml/2006/main" xmlns:r="http://schemas.openxmlformats.org/officeDocument/2006/relationships" xmlns:p14="http://schemas.microsoft.com/office/powerpoint/2010/main" xmlns:p15="http://schemas.microsoft.com/office/powerpoint/2012/main" xmlns:mc="http://schemas.openxmlformats.org/markup-compatibility/2006" type="objOnly" preserve="1">
+  <p:cSld name="Centered Text">
+    <p:spTree>
+      <p:nvGrpSpPr>
+        <p:cNvPr id="1" name=""/>
+        <p:cNvGrpSpPr/>
+        <p:nvPr/>
+      </p:nvGrpSpPr>
+      <p:grpSpPr>
+        <a:xfrm>
+          <a:off x="0" y="0"/>
+          <a:ext cx="0" cy="0"/>
+          <a:chOff x="0" y="0"/>
+          <a:chExt cx="0" cy="0"/>
+        </a:xfrm>
+      </p:grpSpPr>
+      <p:sp>
+        <p:nvSpPr>
+          <p:cNvPr id="48" name="PlaceHolder 1"/>
+          <p:cNvSpPr>
+            <a:spLocks noGrp="1"/>
+          </p:cNvSpPr>
+          <p:nvPr>
+            <p:ph type="subTitle"/>
+          </p:nvPr>
+        </p:nvSpPr>
+        <p:spPr>
+          <a:xfrm>
+            <a:off x="504000" y="301320"/>
+            <a:ext cx="9071280" cy="5850360"/>
+          </a:xfrm>
+          <a:prstGeom prst="rect">
+            <a:avLst/>
+          </a:prstGeom>
+        </p:spPr>
+        <p:txBody>
+          <a:bodyPr lIns="0" rIns="0" tIns="0" bIns="0" anchor="ctr"/>
+          <a:p>
+            <a:pPr algn="ctr"/>
+            <a:endParaRPr b="0" lang="en-US" sz="3200" spc="-1" strike="noStrike">
+              <a:solidFill>
+                <a:srgbClr val="000000"/>
+              </a:solidFill>
+              <a:uFill>
+                <a:solidFill>
+                  <a:srgbClr val="ffffff"/>
+                </a:solidFill>
+              </a:uFill>
+              <a:latin typeface="Arial"/>
+            </a:endParaRPr>
+          </a:p>
+        </p:txBody>
+      </p:sp>
+    </p:spTree>
+  </p:cSld>
+</p:sldLayout>
+</file>
+
+<file path=ppt/slideLayouts/slideLayout19.xml><?xml version="1.0" encoding="utf-8"?>
+<p:sldLayout xmlns:a="http://schemas.openxmlformats.org/drawingml/2006/main" xmlns:p="http://schemas.openxmlformats.org/presentationml/2006/main" xmlns:r="http://schemas.openxmlformats.org/officeDocument/2006/relationships" xmlns:p14="http://schemas.microsoft.com/office/powerpoint/2010/main" xmlns:p15="http://schemas.microsoft.com/office/powerpoint/2012/main" xmlns:mc="http://schemas.openxmlformats.org/markup-compatibility/2006" type="twoObjAndObj" preserve="1">
+  <p:cSld name="Title, 2 Content and Content">
+    <p:spTree>
+      <p:nvGrpSpPr>
+        <p:cNvPr id="1" name=""/>
+        <p:cNvGrpSpPr/>
+        <p:nvPr/>
+      </p:nvGrpSpPr>
+      <p:grpSpPr>
+        <a:xfrm>
+          <a:off x="0" y="0"/>
+          <a:ext cx="0" cy="0"/>
+          <a:chOff x="0" y="0"/>
+          <a:chExt cx="0" cy="0"/>
+        </a:xfrm>
+      </p:grpSpPr>
+      <p:sp>
+        <p:nvSpPr>
+          <p:cNvPr id="49" name="PlaceHolder 1"/>
+          <p:cNvSpPr>
+            <a:spLocks noGrp="1"/>
+          </p:cNvSpPr>
+          <p:nvPr>
+            <p:ph type="title"/>
+          </p:nvPr>
+        </p:nvSpPr>
+        <p:spPr>
+          <a:xfrm>
+            <a:off x="504000" y="301320"/>
+            <a:ext cx="9071280" cy="1261800"/>
+          </a:xfrm>
+          <a:prstGeom prst="rect">
+            <a:avLst/>
+          </a:prstGeom>
+        </p:spPr>
+        <p:txBody>
+          <a:bodyPr lIns="0" rIns="0" tIns="0" bIns="0" anchor="ctr"/>
+          <a:p>
+            <a:pPr algn="ctr"/>
+            <a:endParaRPr b="0" lang="en-US" sz="4400" spc="-1" strike="noStrike">
+              <a:solidFill>
+                <a:srgbClr val="000000"/>
+              </a:solidFill>
+              <a:uFill>
+                <a:solidFill>
+                  <a:srgbClr val="ffffff"/>
+                </a:solidFill>
+              </a:uFill>
+              <a:latin typeface="Arial"/>
+            </a:endParaRPr>
+          </a:p>
+        </p:txBody>
+      </p:sp>
+      <p:sp>
+        <p:nvSpPr>
+          <p:cNvPr id="50" name="PlaceHolder 2"/>
+          <p:cNvSpPr>
+            <a:spLocks noGrp="1"/>
+          </p:cNvSpPr>
+          <p:nvPr>
+            <p:ph type="body"/>
+          </p:nvPr>
+        </p:nvSpPr>
+        <p:spPr>
+          <a:xfrm>
+            <a:off x="504000" y="1769040"/>
+            <a:ext cx="4426560" cy="2091240"/>
+          </a:xfrm>
+          <a:prstGeom prst="rect">
+            <a:avLst/>
+          </a:prstGeom>
+        </p:spPr>
+        <p:txBody>
+          <a:bodyPr lIns="0" rIns="0" tIns="0" bIns="0">
+            <a:normAutofit/>
+          </a:bodyPr>
+          <a:p>
+            <a:endParaRPr b="0" lang="en-US" sz="3200" spc="-1" strike="noStrike">
+              <a:solidFill>
+                <a:srgbClr val="000000"/>
+              </a:solidFill>
+              <a:uFill>
+                <a:solidFill>
+                  <a:srgbClr val="ffffff"/>
+                </a:solidFill>
+              </a:uFill>
+              <a:latin typeface="Arial"/>
+            </a:endParaRPr>
+          </a:p>
+        </p:txBody>
+      </p:sp>
+      <p:sp>
+        <p:nvSpPr>
+          <p:cNvPr id="51" name="PlaceHolder 3"/>
+          <p:cNvSpPr>
+            <a:spLocks noGrp="1"/>
+          </p:cNvSpPr>
+          <p:nvPr>
+            <p:ph type="body"/>
+          </p:nvPr>
+        </p:nvSpPr>
+        <p:spPr>
+          <a:xfrm>
+            <a:off x="504000" y="4059360"/>
+            <a:ext cx="4426560" cy="2091240"/>
+          </a:xfrm>
+          <a:prstGeom prst="rect">
+            <a:avLst/>
+          </a:prstGeom>
+        </p:spPr>
+        <p:txBody>
+          <a:bodyPr lIns="0" rIns="0" tIns="0" bIns="0">
+            <a:normAutofit/>
+          </a:bodyPr>
+          <a:p>
+            <a:endParaRPr b="0" lang="en-US" sz="3200" spc="-1" strike="noStrike">
+              <a:solidFill>
+                <a:srgbClr val="000000"/>
+              </a:solidFill>
+              <a:uFill>
+                <a:solidFill>
+                  <a:srgbClr val="ffffff"/>
+                </a:solidFill>
+              </a:uFill>
+              <a:latin typeface="Arial"/>
+            </a:endParaRPr>
+          </a:p>
+        </p:txBody>
+      </p:sp>
+      <p:sp>
+        <p:nvSpPr>
+          <p:cNvPr id="52" name="PlaceHolder 4"/>
+          <p:cNvSpPr>
+            <a:spLocks noGrp="1"/>
+          </p:cNvSpPr>
+          <p:nvPr>
+            <p:ph type="body"/>
+          </p:nvPr>
+        </p:nvSpPr>
+        <p:spPr>
+          <a:xfrm>
+            <a:off x="5152320" y="1769040"/>
+            <a:ext cx="4426560" cy="4384440"/>
+          </a:xfrm>
+          <a:prstGeom prst="rect">
+            <a:avLst/>
+          </a:prstGeom>
+        </p:spPr>
+        <p:txBody>
+          <a:bodyPr lIns="0" rIns="0" tIns="0" bIns="0">
+            <a:normAutofit/>
+          </a:bodyPr>
+          <a:p>
+            <a:endParaRPr b="0" lang="en-US" sz="3200" spc="-1" strike="noStrike">
               <a:solidFill>
                 <a:srgbClr val="000000"/>
               </a:solidFill>
@@ -678,7 +1345,7 @@
       </p:grpSpPr>
       <p:sp>
         <p:nvSpPr>
-          <p:cNvPr id="5" name="PlaceHolder 1"/>
+          <p:cNvPr id="2" name="PlaceHolder 1"/>
           <p:cNvSpPr>
             <a:spLocks noGrp="1"/>
           </p:cNvSpPr>
@@ -689,7 +1356,7 @@
         <p:spPr>
           <a:xfrm>
             <a:off x="504000" y="301320"/>
-            <a:ext cx="9071640" cy="1262160"/>
+            <a:ext cx="9071280" cy="1261800"/>
           </a:xfrm>
           <a:prstGeom prst="rect">
             <a:avLst/>
@@ -699,23 +1366,23 @@
           <a:bodyPr lIns="0" rIns="0" tIns="0" bIns="0" anchor="ctr"/>
           <a:p>
             <a:pPr algn="ctr"/>
-            <a:endParaRPr b="0" lang="zxx" sz="4400" spc="-1" strike="noStrike">
-              <a:solidFill>
-                <a:srgbClr val="000000"/>
-              </a:solidFill>
-              <a:uFill>
-                <a:solidFill>
-                  <a:srgbClr val="ffffff"/>
-                </a:solidFill>
-              </a:uFill>
-              <a:latin typeface="Arial"/>
-            </a:endParaRPr>
-          </a:p>
-        </p:txBody>
-      </p:sp>
-      <p:sp>
-        <p:nvSpPr>
-          <p:cNvPr id="6" name="PlaceHolder 2"/>
+            <a:endParaRPr b="0" lang="en-US" sz="4400" spc="-1" strike="noStrike">
+              <a:solidFill>
+                <a:srgbClr val="000000"/>
+              </a:solidFill>
+              <a:uFill>
+                <a:solidFill>
+                  <a:srgbClr val="ffffff"/>
+                </a:solidFill>
+              </a:uFill>
+              <a:latin typeface="Arial"/>
+            </a:endParaRPr>
+          </a:p>
+        </p:txBody>
+      </p:sp>
+      <p:sp>
+        <p:nvSpPr>
+          <p:cNvPr id="3" name="PlaceHolder 2"/>
           <p:cNvSpPr>
             <a:spLocks noGrp="1"/>
           </p:cNvSpPr>
@@ -726,7 +1393,7 @@
         <p:spPr>
           <a:xfrm>
             <a:off x="504000" y="1769040"/>
-            <a:ext cx="9071640" cy="4384800"/>
+            <a:ext cx="9071280" cy="4384440"/>
           </a:xfrm>
           <a:prstGeom prst="rect">
             <a:avLst/>
@@ -736,7 +1403,986 @@
           <a:bodyPr lIns="0" rIns="0" tIns="0" bIns="0" anchor="ctr"/>
           <a:p>
             <a:pPr algn="ctr"/>
-            <a:endParaRPr b="0" lang="zxx" sz="3200" spc="-1" strike="noStrike">
+            <a:endParaRPr b="0" lang="en-US" sz="3200" spc="-1" strike="noStrike">
+              <a:solidFill>
+                <a:srgbClr val="000000"/>
+              </a:solidFill>
+              <a:uFill>
+                <a:solidFill>
+                  <a:srgbClr val="ffffff"/>
+                </a:solidFill>
+              </a:uFill>
+              <a:latin typeface="Arial"/>
+            </a:endParaRPr>
+          </a:p>
+        </p:txBody>
+      </p:sp>
+    </p:spTree>
+  </p:cSld>
+</p:sldLayout>
+</file>
+
+<file path=ppt/slideLayouts/slideLayout20.xml><?xml version="1.0" encoding="utf-8"?>
+<p:sldLayout xmlns:a="http://schemas.openxmlformats.org/drawingml/2006/main" xmlns:p="http://schemas.openxmlformats.org/presentationml/2006/main" xmlns:r="http://schemas.openxmlformats.org/officeDocument/2006/relationships" xmlns:p14="http://schemas.microsoft.com/office/powerpoint/2010/main" xmlns:p15="http://schemas.microsoft.com/office/powerpoint/2012/main" xmlns:mc="http://schemas.openxmlformats.org/markup-compatibility/2006" type="objAndTwoObj" preserve="1">
+  <p:cSld name="Title Content and 2 Content">
+    <p:spTree>
+      <p:nvGrpSpPr>
+        <p:cNvPr id="1" name=""/>
+        <p:cNvGrpSpPr/>
+        <p:nvPr/>
+      </p:nvGrpSpPr>
+      <p:grpSpPr>
+        <a:xfrm>
+          <a:off x="0" y="0"/>
+          <a:ext cx="0" cy="0"/>
+          <a:chOff x="0" y="0"/>
+          <a:chExt cx="0" cy="0"/>
+        </a:xfrm>
+      </p:grpSpPr>
+      <p:sp>
+        <p:nvSpPr>
+          <p:cNvPr id="53" name="PlaceHolder 1"/>
+          <p:cNvSpPr>
+            <a:spLocks noGrp="1"/>
+          </p:cNvSpPr>
+          <p:nvPr>
+            <p:ph type="title"/>
+          </p:nvPr>
+        </p:nvSpPr>
+        <p:spPr>
+          <a:xfrm>
+            <a:off x="504000" y="301320"/>
+            <a:ext cx="9071280" cy="1261800"/>
+          </a:xfrm>
+          <a:prstGeom prst="rect">
+            <a:avLst/>
+          </a:prstGeom>
+        </p:spPr>
+        <p:txBody>
+          <a:bodyPr lIns="0" rIns="0" tIns="0" bIns="0" anchor="ctr"/>
+          <a:p>
+            <a:pPr algn="ctr"/>
+            <a:endParaRPr b="0" lang="en-US" sz="4400" spc="-1" strike="noStrike">
+              <a:solidFill>
+                <a:srgbClr val="000000"/>
+              </a:solidFill>
+              <a:uFill>
+                <a:solidFill>
+                  <a:srgbClr val="ffffff"/>
+                </a:solidFill>
+              </a:uFill>
+              <a:latin typeface="Arial"/>
+            </a:endParaRPr>
+          </a:p>
+        </p:txBody>
+      </p:sp>
+      <p:sp>
+        <p:nvSpPr>
+          <p:cNvPr id="54" name="PlaceHolder 2"/>
+          <p:cNvSpPr>
+            <a:spLocks noGrp="1"/>
+          </p:cNvSpPr>
+          <p:nvPr>
+            <p:ph type="body"/>
+          </p:nvPr>
+        </p:nvSpPr>
+        <p:spPr>
+          <a:xfrm>
+            <a:off x="504000" y="1769040"/>
+            <a:ext cx="4426560" cy="4384440"/>
+          </a:xfrm>
+          <a:prstGeom prst="rect">
+            <a:avLst/>
+          </a:prstGeom>
+        </p:spPr>
+        <p:txBody>
+          <a:bodyPr lIns="0" rIns="0" tIns="0" bIns="0">
+            <a:normAutofit/>
+          </a:bodyPr>
+          <a:p>
+            <a:endParaRPr b="0" lang="en-US" sz="3200" spc="-1" strike="noStrike">
+              <a:solidFill>
+                <a:srgbClr val="000000"/>
+              </a:solidFill>
+              <a:uFill>
+                <a:solidFill>
+                  <a:srgbClr val="ffffff"/>
+                </a:solidFill>
+              </a:uFill>
+              <a:latin typeface="Arial"/>
+            </a:endParaRPr>
+          </a:p>
+        </p:txBody>
+      </p:sp>
+      <p:sp>
+        <p:nvSpPr>
+          <p:cNvPr id="55" name="PlaceHolder 3"/>
+          <p:cNvSpPr>
+            <a:spLocks noGrp="1"/>
+          </p:cNvSpPr>
+          <p:nvPr>
+            <p:ph type="body"/>
+          </p:nvPr>
+        </p:nvSpPr>
+        <p:spPr>
+          <a:xfrm>
+            <a:off x="5152320" y="1769040"/>
+            <a:ext cx="4426560" cy="2091240"/>
+          </a:xfrm>
+          <a:prstGeom prst="rect">
+            <a:avLst/>
+          </a:prstGeom>
+        </p:spPr>
+        <p:txBody>
+          <a:bodyPr lIns="0" rIns="0" tIns="0" bIns="0">
+            <a:normAutofit/>
+          </a:bodyPr>
+          <a:p>
+            <a:endParaRPr b="0" lang="en-US" sz="3200" spc="-1" strike="noStrike">
+              <a:solidFill>
+                <a:srgbClr val="000000"/>
+              </a:solidFill>
+              <a:uFill>
+                <a:solidFill>
+                  <a:srgbClr val="ffffff"/>
+                </a:solidFill>
+              </a:uFill>
+              <a:latin typeface="Arial"/>
+            </a:endParaRPr>
+          </a:p>
+        </p:txBody>
+      </p:sp>
+      <p:sp>
+        <p:nvSpPr>
+          <p:cNvPr id="56" name="PlaceHolder 4"/>
+          <p:cNvSpPr>
+            <a:spLocks noGrp="1"/>
+          </p:cNvSpPr>
+          <p:nvPr>
+            <p:ph type="body"/>
+          </p:nvPr>
+        </p:nvSpPr>
+        <p:spPr>
+          <a:xfrm>
+            <a:off x="5152320" y="4059360"/>
+            <a:ext cx="4426560" cy="2091240"/>
+          </a:xfrm>
+          <a:prstGeom prst="rect">
+            <a:avLst/>
+          </a:prstGeom>
+        </p:spPr>
+        <p:txBody>
+          <a:bodyPr lIns="0" rIns="0" tIns="0" bIns="0">
+            <a:normAutofit/>
+          </a:bodyPr>
+          <a:p>
+            <a:endParaRPr b="0" lang="en-US" sz="3200" spc="-1" strike="noStrike">
+              <a:solidFill>
+                <a:srgbClr val="000000"/>
+              </a:solidFill>
+              <a:uFill>
+                <a:solidFill>
+                  <a:srgbClr val="ffffff"/>
+                </a:solidFill>
+              </a:uFill>
+              <a:latin typeface="Arial"/>
+            </a:endParaRPr>
+          </a:p>
+        </p:txBody>
+      </p:sp>
+    </p:spTree>
+  </p:cSld>
+</p:sldLayout>
+</file>
+
+<file path=ppt/slideLayouts/slideLayout21.xml><?xml version="1.0" encoding="utf-8"?>
+<p:sldLayout xmlns:a="http://schemas.openxmlformats.org/drawingml/2006/main" xmlns:p="http://schemas.openxmlformats.org/presentationml/2006/main" xmlns:r="http://schemas.openxmlformats.org/officeDocument/2006/relationships" xmlns:p14="http://schemas.microsoft.com/office/powerpoint/2010/main" xmlns:p15="http://schemas.microsoft.com/office/powerpoint/2012/main" xmlns:mc="http://schemas.openxmlformats.org/markup-compatibility/2006" type="twoObjOverTx" preserve="1">
+  <p:cSld name="Title, 2 Content over Content">
+    <p:spTree>
+      <p:nvGrpSpPr>
+        <p:cNvPr id="1" name=""/>
+        <p:cNvGrpSpPr/>
+        <p:nvPr/>
+      </p:nvGrpSpPr>
+      <p:grpSpPr>
+        <a:xfrm>
+          <a:off x="0" y="0"/>
+          <a:ext cx="0" cy="0"/>
+          <a:chOff x="0" y="0"/>
+          <a:chExt cx="0" cy="0"/>
+        </a:xfrm>
+      </p:grpSpPr>
+      <p:sp>
+        <p:nvSpPr>
+          <p:cNvPr id="57" name="PlaceHolder 1"/>
+          <p:cNvSpPr>
+            <a:spLocks noGrp="1"/>
+          </p:cNvSpPr>
+          <p:nvPr>
+            <p:ph type="title"/>
+          </p:nvPr>
+        </p:nvSpPr>
+        <p:spPr>
+          <a:xfrm>
+            <a:off x="504000" y="301320"/>
+            <a:ext cx="9071280" cy="1261800"/>
+          </a:xfrm>
+          <a:prstGeom prst="rect">
+            <a:avLst/>
+          </a:prstGeom>
+        </p:spPr>
+        <p:txBody>
+          <a:bodyPr lIns="0" rIns="0" tIns="0" bIns="0" anchor="ctr"/>
+          <a:p>
+            <a:pPr algn="ctr"/>
+            <a:endParaRPr b="0" lang="en-US" sz="4400" spc="-1" strike="noStrike">
+              <a:solidFill>
+                <a:srgbClr val="000000"/>
+              </a:solidFill>
+              <a:uFill>
+                <a:solidFill>
+                  <a:srgbClr val="ffffff"/>
+                </a:solidFill>
+              </a:uFill>
+              <a:latin typeface="Arial"/>
+            </a:endParaRPr>
+          </a:p>
+        </p:txBody>
+      </p:sp>
+      <p:sp>
+        <p:nvSpPr>
+          <p:cNvPr id="58" name="PlaceHolder 2"/>
+          <p:cNvSpPr>
+            <a:spLocks noGrp="1"/>
+          </p:cNvSpPr>
+          <p:nvPr>
+            <p:ph type="body"/>
+          </p:nvPr>
+        </p:nvSpPr>
+        <p:spPr>
+          <a:xfrm>
+            <a:off x="504000" y="1769040"/>
+            <a:ext cx="4426560" cy="2091240"/>
+          </a:xfrm>
+          <a:prstGeom prst="rect">
+            <a:avLst/>
+          </a:prstGeom>
+        </p:spPr>
+        <p:txBody>
+          <a:bodyPr lIns="0" rIns="0" tIns="0" bIns="0">
+            <a:normAutofit/>
+          </a:bodyPr>
+          <a:p>
+            <a:endParaRPr b="0" lang="en-US" sz="3200" spc="-1" strike="noStrike">
+              <a:solidFill>
+                <a:srgbClr val="000000"/>
+              </a:solidFill>
+              <a:uFill>
+                <a:solidFill>
+                  <a:srgbClr val="ffffff"/>
+                </a:solidFill>
+              </a:uFill>
+              <a:latin typeface="Arial"/>
+            </a:endParaRPr>
+          </a:p>
+        </p:txBody>
+      </p:sp>
+      <p:sp>
+        <p:nvSpPr>
+          <p:cNvPr id="59" name="PlaceHolder 3"/>
+          <p:cNvSpPr>
+            <a:spLocks noGrp="1"/>
+          </p:cNvSpPr>
+          <p:nvPr>
+            <p:ph type="body"/>
+          </p:nvPr>
+        </p:nvSpPr>
+        <p:spPr>
+          <a:xfrm>
+            <a:off x="5152320" y="1769040"/>
+            <a:ext cx="4426560" cy="2091240"/>
+          </a:xfrm>
+          <a:prstGeom prst="rect">
+            <a:avLst/>
+          </a:prstGeom>
+        </p:spPr>
+        <p:txBody>
+          <a:bodyPr lIns="0" rIns="0" tIns="0" bIns="0">
+            <a:normAutofit/>
+          </a:bodyPr>
+          <a:p>
+            <a:endParaRPr b="0" lang="en-US" sz="3200" spc="-1" strike="noStrike">
+              <a:solidFill>
+                <a:srgbClr val="000000"/>
+              </a:solidFill>
+              <a:uFill>
+                <a:solidFill>
+                  <a:srgbClr val="ffffff"/>
+                </a:solidFill>
+              </a:uFill>
+              <a:latin typeface="Arial"/>
+            </a:endParaRPr>
+          </a:p>
+        </p:txBody>
+      </p:sp>
+      <p:sp>
+        <p:nvSpPr>
+          <p:cNvPr id="60" name="PlaceHolder 4"/>
+          <p:cNvSpPr>
+            <a:spLocks noGrp="1"/>
+          </p:cNvSpPr>
+          <p:nvPr>
+            <p:ph type="body"/>
+          </p:nvPr>
+        </p:nvSpPr>
+        <p:spPr>
+          <a:xfrm>
+            <a:off x="504000" y="4059360"/>
+            <a:ext cx="9071280" cy="2091240"/>
+          </a:xfrm>
+          <a:prstGeom prst="rect">
+            <a:avLst/>
+          </a:prstGeom>
+        </p:spPr>
+        <p:txBody>
+          <a:bodyPr lIns="0" rIns="0" tIns="0" bIns="0">
+            <a:normAutofit/>
+          </a:bodyPr>
+          <a:p>
+            <a:endParaRPr b="0" lang="en-US" sz="3200" spc="-1" strike="noStrike">
+              <a:solidFill>
+                <a:srgbClr val="000000"/>
+              </a:solidFill>
+              <a:uFill>
+                <a:solidFill>
+                  <a:srgbClr val="ffffff"/>
+                </a:solidFill>
+              </a:uFill>
+              <a:latin typeface="Arial"/>
+            </a:endParaRPr>
+          </a:p>
+        </p:txBody>
+      </p:sp>
+    </p:spTree>
+  </p:cSld>
+</p:sldLayout>
+</file>
+
+<file path=ppt/slideLayouts/slideLayout22.xml><?xml version="1.0" encoding="utf-8"?>
+<p:sldLayout xmlns:a="http://schemas.openxmlformats.org/drawingml/2006/main" xmlns:p="http://schemas.openxmlformats.org/presentationml/2006/main" xmlns:r="http://schemas.openxmlformats.org/officeDocument/2006/relationships" xmlns:p14="http://schemas.microsoft.com/office/powerpoint/2010/main" xmlns:p15="http://schemas.microsoft.com/office/powerpoint/2012/main" xmlns:mc="http://schemas.openxmlformats.org/markup-compatibility/2006" type="objOverTx" preserve="1">
+  <p:cSld name="Title, Content over Content">
+    <p:spTree>
+      <p:nvGrpSpPr>
+        <p:cNvPr id="1" name=""/>
+        <p:cNvGrpSpPr/>
+        <p:nvPr/>
+      </p:nvGrpSpPr>
+      <p:grpSpPr>
+        <a:xfrm>
+          <a:off x="0" y="0"/>
+          <a:ext cx="0" cy="0"/>
+          <a:chOff x="0" y="0"/>
+          <a:chExt cx="0" cy="0"/>
+        </a:xfrm>
+      </p:grpSpPr>
+      <p:sp>
+        <p:nvSpPr>
+          <p:cNvPr id="61" name="PlaceHolder 1"/>
+          <p:cNvSpPr>
+            <a:spLocks noGrp="1"/>
+          </p:cNvSpPr>
+          <p:nvPr>
+            <p:ph type="title"/>
+          </p:nvPr>
+        </p:nvSpPr>
+        <p:spPr>
+          <a:xfrm>
+            <a:off x="504000" y="301320"/>
+            <a:ext cx="9071280" cy="1261800"/>
+          </a:xfrm>
+          <a:prstGeom prst="rect">
+            <a:avLst/>
+          </a:prstGeom>
+        </p:spPr>
+        <p:txBody>
+          <a:bodyPr lIns="0" rIns="0" tIns="0" bIns="0" anchor="ctr"/>
+          <a:p>
+            <a:pPr algn="ctr"/>
+            <a:endParaRPr b="0" lang="en-US" sz="4400" spc="-1" strike="noStrike">
+              <a:solidFill>
+                <a:srgbClr val="000000"/>
+              </a:solidFill>
+              <a:uFill>
+                <a:solidFill>
+                  <a:srgbClr val="ffffff"/>
+                </a:solidFill>
+              </a:uFill>
+              <a:latin typeface="Arial"/>
+            </a:endParaRPr>
+          </a:p>
+        </p:txBody>
+      </p:sp>
+      <p:sp>
+        <p:nvSpPr>
+          <p:cNvPr id="62" name="PlaceHolder 2"/>
+          <p:cNvSpPr>
+            <a:spLocks noGrp="1"/>
+          </p:cNvSpPr>
+          <p:nvPr>
+            <p:ph type="body"/>
+          </p:nvPr>
+        </p:nvSpPr>
+        <p:spPr>
+          <a:xfrm>
+            <a:off x="504000" y="1769040"/>
+            <a:ext cx="9071280" cy="2091240"/>
+          </a:xfrm>
+          <a:prstGeom prst="rect">
+            <a:avLst/>
+          </a:prstGeom>
+        </p:spPr>
+        <p:txBody>
+          <a:bodyPr lIns="0" rIns="0" tIns="0" bIns="0">
+            <a:normAutofit/>
+          </a:bodyPr>
+          <a:p>
+            <a:endParaRPr b="0" lang="en-US" sz="3200" spc="-1" strike="noStrike">
+              <a:solidFill>
+                <a:srgbClr val="000000"/>
+              </a:solidFill>
+              <a:uFill>
+                <a:solidFill>
+                  <a:srgbClr val="ffffff"/>
+                </a:solidFill>
+              </a:uFill>
+              <a:latin typeface="Arial"/>
+            </a:endParaRPr>
+          </a:p>
+        </p:txBody>
+      </p:sp>
+      <p:sp>
+        <p:nvSpPr>
+          <p:cNvPr id="63" name="PlaceHolder 3"/>
+          <p:cNvSpPr>
+            <a:spLocks noGrp="1"/>
+          </p:cNvSpPr>
+          <p:nvPr>
+            <p:ph type="body"/>
+          </p:nvPr>
+        </p:nvSpPr>
+        <p:spPr>
+          <a:xfrm>
+            <a:off x="504000" y="4059360"/>
+            <a:ext cx="9071280" cy="2091240"/>
+          </a:xfrm>
+          <a:prstGeom prst="rect">
+            <a:avLst/>
+          </a:prstGeom>
+        </p:spPr>
+        <p:txBody>
+          <a:bodyPr lIns="0" rIns="0" tIns="0" bIns="0">
+            <a:normAutofit/>
+          </a:bodyPr>
+          <a:p>
+            <a:endParaRPr b="0" lang="en-US" sz="3200" spc="-1" strike="noStrike">
+              <a:solidFill>
+                <a:srgbClr val="000000"/>
+              </a:solidFill>
+              <a:uFill>
+                <a:solidFill>
+                  <a:srgbClr val="ffffff"/>
+                </a:solidFill>
+              </a:uFill>
+              <a:latin typeface="Arial"/>
+            </a:endParaRPr>
+          </a:p>
+        </p:txBody>
+      </p:sp>
+    </p:spTree>
+  </p:cSld>
+</p:sldLayout>
+</file>
+
+<file path=ppt/slideLayouts/slideLayout23.xml><?xml version="1.0" encoding="utf-8"?>
+<p:sldLayout xmlns:a="http://schemas.openxmlformats.org/drawingml/2006/main" xmlns:p="http://schemas.openxmlformats.org/presentationml/2006/main" xmlns:r="http://schemas.openxmlformats.org/officeDocument/2006/relationships" xmlns:p14="http://schemas.microsoft.com/office/powerpoint/2010/main" xmlns:p15="http://schemas.microsoft.com/office/powerpoint/2012/main" xmlns:mc="http://schemas.openxmlformats.org/markup-compatibility/2006" type="fourObj" preserve="1">
+  <p:cSld name="Title, 4 Content">
+    <p:spTree>
+      <p:nvGrpSpPr>
+        <p:cNvPr id="1" name=""/>
+        <p:cNvGrpSpPr/>
+        <p:nvPr/>
+      </p:nvGrpSpPr>
+      <p:grpSpPr>
+        <a:xfrm>
+          <a:off x="0" y="0"/>
+          <a:ext cx="0" cy="0"/>
+          <a:chOff x="0" y="0"/>
+          <a:chExt cx="0" cy="0"/>
+        </a:xfrm>
+      </p:grpSpPr>
+      <p:sp>
+        <p:nvSpPr>
+          <p:cNvPr id="64" name="PlaceHolder 1"/>
+          <p:cNvSpPr>
+            <a:spLocks noGrp="1"/>
+          </p:cNvSpPr>
+          <p:nvPr>
+            <p:ph type="title"/>
+          </p:nvPr>
+        </p:nvSpPr>
+        <p:spPr>
+          <a:xfrm>
+            <a:off x="504000" y="301320"/>
+            <a:ext cx="9071280" cy="1261800"/>
+          </a:xfrm>
+          <a:prstGeom prst="rect">
+            <a:avLst/>
+          </a:prstGeom>
+        </p:spPr>
+        <p:txBody>
+          <a:bodyPr lIns="0" rIns="0" tIns="0" bIns="0" anchor="ctr"/>
+          <a:p>
+            <a:pPr algn="ctr"/>
+            <a:endParaRPr b="0" lang="en-US" sz="4400" spc="-1" strike="noStrike">
+              <a:solidFill>
+                <a:srgbClr val="000000"/>
+              </a:solidFill>
+              <a:uFill>
+                <a:solidFill>
+                  <a:srgbClr val="ffffff"/>
+                </a:solidFill>
+              </a:uFill>
+              <a:latin typeface="Arial"/>
+            </a:endParaRPr>
+          </a:p>
+        </p:txBody>
+      </p:sp>
+      <p:sp>
+        <p:nvSpPr>
+          <p:cNvPr id="65" name="PlaceHolder 2"/>
+          <p:cNvSpPr>
+            <a:spLocks noGrp="1"/>
+          </p:cNvSpPr>
+          <p:nvPr>
+            <p:ph type="body"/>
+          </p:nvPr>
+        </p:nvSpPr>
+        <p:spPr>
+          <a:xfrm>
+            <a:off x="504000" y="1769040"/>
+            <a:ext cx="4426560" cy="2091240"/>
+          </a:xfrm>
+          <a:prstGeom prst="rect">
+            <a:avLst/>
+          </a:prstGeom>
+        </p:spPr>
+        <p:txBody>
+          <a:bodyPr lIns="0" rIns="0" tIns="0" bIns="0">
+            <a:normAutofit/>
+          </a:bodyPr>
+          <a:p>
+            <a:endParaRPr b="0" lang="en-US" sz="3200" spc="-1" strike="noStrike">
+              <a:solidFill>
+                <a:srgbClr val="000000"/>
+              </a:solidFill>
+              <a:uFill>
+                <a:solidFill>
+                  <a:srgbClr val="ffffff"/>
+                </a:solidFill>
+              </a:uFill>
+              <a:latin typeface="Arial"/>
+            </a:endParaRPr>
+          </a:p>
+        </p:txBody>
+      </p:sp>
+      <p:sp>
+        <p:nvSpPr>
+          <p:cNvPr id="66" name="PlaceHolder 3"/>
+          <p:cNvSpPr>
+            <a:spLocks noGrp="1"/>
+          </p:cNvSpPr>
+          <p:nvPr>
+            <p:ph type="body"/>
+          </p:nvPr>
+        </p:nvSpPr>
+        <p:spPr>
+          <a:xfrm>
+            <a:off x="5152320" y="1769040"/>
+            <a:ext cx="4426560" cy="2091240"/>
+          </a:xfrm>
+          <a:prstGeom prst="rect">
+            <a:avLst/>
+          </a:prstGeom>
+        </p:spPr>
+        <p:txBody>
+          <a:bodyPr lIns="0" rIns="0" tIns="0" bIns="0">
+            <a:normAutofit/>
+          </a:bodyPr>
+          <a:p>
+            <a:endParaRPr b="0" lang="en-US" sz="3200" spc="-1" strike="noStrike">
+              <a:solidFill>
+                <a:srgbClr val="000000"/>
+              </a:solidFill>
+              <a:uFill>
+                <a:solidFill>
+                  <a:srgbClr val="ffffff"/>
+                </a:solidFill>
+              </a:uFill>
+              <a:latin typeface="Arial"/>
+            </a:endParaRPr>
+          </a:p>
+        </p:txBody>
+      </p:sp>
+      <p:sp>
+        <p:nvSpPr>
+          <p:cNvPr id="67" name="PlaceHolder 4"/>
+          <p:cNvSpPr>
+            <a:spLocks noGrp="1"/>
+          </p:cNvSpPr>
+          <p:nvPr>
+            <p:ph type="body"/>
+          </p:nvPr>
+        </p:nvSpPr>
+        <p:spPr>
+          <a:xfrm>
+            <a:off x="5152320" y="4059360"/>
+            <a:ext cx="4426560" cy="2091240"/>
+          </a:xfrm>
+          <a:prstGeom prst="rect">
+            <a:avLst/>
+          </a:prstGeom>
+        </p:spPr>
+        <p:txBody>
+          <a:bodyPr lIns="0" rIns="0" tIns="0" bIns="0">
+            <a:normAutofit/>
+          </a:bodyPr>
+          <a:p>
+            <a:endParaRPr b="0" lang="en-US" sz="3200" spc="-1" strike="noStrike">
+              <a:solidFill>
+                <a:srgbClr val="000000"/>
+              </a:solidFill>
+              <a:uFill>
+                <a:solidFill>
+                  <a:srgbClr val="ffffff"/>
+                </a:solidFill>
+              </a:uFill>
+              <a:latin typeface="Arial"/>
+            </a:endParaRPr>
+          </a:p>
+        </p:txBody>
+      </p:sp>
+      <p:sp>
+        <p:nvSpPr>
+          <p:cNvPr id="68" name="PlaceHolder 5"/>
+          <p:cNvSpPr>
+            <a:spLocks noGrp="1"/>
+          </p:cNvSpPr>
+          <p:nvPr>
+            <p:ph type="body"/>
+          </p:nvPr>
+        </p:nvSpPr>
+        <p:spPr>
+          <a:xfrm>
+            <a:off x="504000" y="4059360"/>
+            <a:ext cx="4426560" cy="2091240"/>
+          </a:xfrm>
+          <a:prstGeom prst="rect">
+            <a:avLst/>
+          </a:prstGeom>
+        </p:spPr>
+        <p:txBody>
+          <a:bodyPr lIns="0" rIns="0" tIns="0" bIns="0">
+            <a:normAutofit/>
+          </a:bodyPr>
+          <a:p>
+            <a:endParaRPr b="0" lang="en-US" sz="3200" spc="-1" strike="noStrike">
+              <a:solidFill>
+                <a:srgbClr val="000000"/>
+              </a:solidFill>
+              <a:uFill>
+                <a:solidFill>
+                  <a:srgbClr val="ffffff"/>
+                </a:solidFill>
+              </a:uFill>
+              <a:latin typeface="Arial"/>
+            </a:endParaRPr>
+          </a:p>
+        </p:txBody>
+      </p:sp>
+    </p:spTree>
+  </p:cSld>
+</p:sldLayout>
+</file>
+
+<file path=ppt/slideLayouts/slideLayout24.xml><?xml version="1.0" encoding="utf-8"?>
+<p:sldLayout xmlns:a="http://schemas.openxmlformats.org/drawingml/2006/main" xmlns:p="http://schemas.openxmlformats.org/presentationml/2006/main" xmlns:r="http://schemas.openxmlformats.org/officeDocument/2006/relationships" xmlns:p14="http://schemas.microsoft.com/office/powerpoint/2010/main" xmlns:p15="http://schemas.microsoft.com/office/powerpoint/2012/main" xmlns:mc="http://schemas.openxmlformats.org/markup-compatibility/2006" type="blank" preserve="1">
+  <p:cSld name="Title, 6 Content">
+    <p:spTree>
+      <p:nvGrpSpPr>
+        <p:cNvPr id="1" name=""/>
+        <p:cNvGrpSpPr/>
+        <p:nvPr/>
+      </p:nvGrpSpPr>
+      <p:grpSpPr>
+        <a:xfrm>
+          <a:off x="0" y="0"/>
+          <a:ext cx="0" cy="0"/>
+          <a:chOff x="0" y="0"/>
+          <a:chExt cx="0" cy="0"/>
+        </a:xfrm>
+      </p:grpSpPr>
+      <p:sp>
+        <p:nvSpPr>
+          <p:cNvPr id="69" name="PlaceHolder 1"/>
+          <p:cNvSpPr>
+            <a:spLocks noGrp="1"/>
+          </p:cNvSpPr>
+          <p:nvPr>
+            <p:ph type="title"/>
+          </p:nvPr>
+        </p:nvSpPr>
+        <p:spPr>
+          <a:xfrm>
+            <a:off x="504000" y="301320"/>
+            <a:ext cx="9071280" cy="1261800"/>
+          </a:xfrm>
+          <a:prstGeom prst="rect">
+            <a:avLst/>
+          </a:prstGeom>
+        </p:spPr>
+        <p:txBody>
+          <a:bodyPr lIns="0" rIns="0" tIns="0" bIns="0" anchor="ctr"/>
+          <a:p>
+            <a:pPr algn="ctr"/>
+            <a:endParaRPr b="0" lang="en-US" sz="4400" spc="-1" strike="noStrike">
+              <a:solidFill>
+                <a:srgbClr val="000000"/>
+              </a:solidFill>
+              <a:uFill>
+                <a:solidFill>
+                  <a:srgbClr val="ffffff"/>
+                </a:solidFill>
+              </a:uFill>
+              <a:latin typeface="Arial"/>
+            </a:endParaRPr>
+          </a:p>
+        </p:txBody>
+      </p:sp>
+      <p:sp>
+        <p:nvSpPr>
+          <p:cNvPr id="70" name="PlaceHolder 2"/>
+          <p:cNvSpPr>
+            <a:spLocks noGrp="1"/>
+          </p:cNvSpPr>
+          <p:nvPr>
+            <p:ph type="body"/>
+          </p:nvPr>
+        </p:nvSpPr>
+        <p:spPr>
+          <a:xfrm>
+            <a:off x="504000" y="1769040"/>
+            <a:ext cx="2920680" cy="2091240"/>
+          </a:xfrm>
+          <a:prstGeom prst="rect">
+            <a:avLst/>
+          </a:prstGeom>
+        </p:spPr>
+        <p:txBody>
+          <a:bodyPr lIns="0" rIns="0" tIns="0" bIns="0">
+            <a:normAutofit/>
+          </a:bodyPr>
+          <a:p>
+            <a:endParaRPr b="0" lang="en-US" sz="3200" spc="-1" strike="noStrike">
+              <a:solidFill>
+                <a:srgbClr val="000000"/>
+              </a:solidFill>
+              <a:uFill>
+                <a:solidFill>
+                  <a:srgbClr val="ffffff"/>
+                </a:solidFill>
+              </a:uFill>
+              <a:latin typeface="Arial"/>
+            </a:endParaRPr>
+          </a:p>
+        </p:txBody>
+      </p:sp>
+      <p:sp>
+        <p:nvSpPr>
+          <p:cNvPr id="71" name="PlaceHolder 3"/>
+          <p:cNvSpPr>
+            <a:spLocks noGrp="1"/>
+          </p:cNvSpPr>
+          <p:nvPr>
+            <p:ph type="body"/>
+          </p:nvPr>
+        </p:nvSpPr>
+        <p:spPr>
+          <a:xfrm>
+            <a:off x="3571200" y="1769040"/>
+            <a:ext cx="2920680" cy="2091240"/>
+          </a:xfrm>
+          <a:prstGeom prst="rect">
+            <a:avLst/>
+          </a:prstGeom>
+        </p:spPr>
+        <p:txBody>
+          <a:bodyPr lIns="0" rIns="0" tIns="0" bIns="0">
+            <a:normAutofit/>
+          </a:bodyPr>
+          <a:p>
+            <a:endParaRPr b="0" lang="en-US" sz="3200" spc="-1" strike="noStrike">
+              <a:solidFill>
+                <a:srgbClr val="000000"/>
+              </a:solidFill>
+              <a:uFill>
+                <a:solidFill>
+                  <a:srgbClr val="ffffff"/>
+                </a:solidFill>
+              </a:uFill>
+              <a:latin typeface="Arial"/>
+            </a:endParaRPr>
+          </a:p>
+        </p:txBody>
+      </p:sp>
+      <p:sp>
+        <p:nvSpPr>
+          <p:cNvPr id="72" name="PlaceHolder 4"/>
+          <p:cNvSpPr>
+            <a:spLocks noGrp="1"/>
+          </p:cNvSpPr>
+          <p:nvPr>
+            <p:ph type="body"/>
+          </p:nvPr>
+        </p:nvSpPr>
+        <p:spPr>
+          <a:xfrm>
+            <a:off x="6638040" y="1769040"/>
+            <a:ext cx="2920680" cy="2091240"/>
+          </a:xfrm>
+          <a:prstGeom prst="rect">
+            <a:avLst/>
+          </a:prstGeom>
+        </p:spPr>
+        <p:txBody>
+          <a:bodyPr lIns="0" rIns="0" tIns="0" bIns="0">
+            <a:normAutofit/>
+          </a:bodyPr>
+          <a:p>
+            <a:endParaRPr b="0" lang="en-US" sz="3200" spc="-1" strike="noStrike">
+              <a:solidFill>
+                <a:srgbClr val="000000"/>
+              </a:solidFill>
+              <a:uFill>
+                <a:solidFill>
+                  <a:srgbClr val="ffffff"/>
+                </a:solidFill>
+              </a:uFill>
+              <a:latin typeface="Arial"/>
+            </a:endParaRPr>
+          </a:p>
+        </p:txBody>
+      </p:sp>
+      <p:sp>
+        <p:nvSpPr>
+          <p:cNvPr id="73" name="PlaceHolder 5"/>
+          <p:cNvSpPr>
+            <a:spLocks noGrp="1"/>
+          </p:cNvSpPr>
+          <p:nvPr>
+            <p:ph type="body"/>
+          </p:nvPr>
+        </p:nvSpPr>
+        <p:spPr>
+          <a:xfrm>
+            <a:off x="6638040" y="4059360"/>
+            <a:ext cx="2920680" cy="2091240"/>
+          </a:xfrm>
+          <a:prstGeom prst="rect">
+            <a:avLst/>
+          </a:prstGeom>
+        </p:spPr>
+        <p:txBody>
+          <a:bodyPr lIns="0" rIns="0" tIns="0" bIns="0">
+            <a:normAutofit/>
+          </a:bodyPr>
+          <a:p>
+            <a:endParaRPr b="0" lang="en-US" sz="3200" spc="-1" strike="noStrike">
+              <a:solidFill>
+                <a:srgbClr val="000000"/>
+              </a:solidFill>
+              <a:uFill>
+                <a:solidFill>
+                  <a:srgbClr val="ffffff"/>
+                </a:solidFill>
+              </a:uFill>
+              <a:latin typeface="Arial"/>
+            </a:endParaRPr>
+          </a:p>
+        </p:txBody>
+      </p:sp>
+      <p:sp>
+        <p:nvSpPr>
+          <p:cNvPr id="74" name="PlaceHolder 6"/>
+          <p:cNvSpPr>
+            <a:spLocks noGrp="1"/>
+          </p:cNvSpPr>
+          <p:nvPr>
+            <p:ph type="body"/>
+          </p:nvPr>
+        </p:nvSpPr>
+        <p:spPr>
+          <a:xfrm>
+            <a:off x="3571200" y="4059360"/>
+            <a:ext cx="2920680" cy="2091240"/>
+          </a:xfrm>
+          <a:prstGeom prst="rect">
+            <a:avLst/>
+          </a:prstGeom>
+        </p:spPr>
+        <p:txBody>
+          <a:bodyPr lIns="0" rIns="0" tIns="0" bIns="0">
+            <a:normAutofit/>
+          </a:bodyPr>
+          <a:p>
+            <a:endParaRPr b="0" lang="en-US" sz="3200" spc="-1" strike="noStrike">
+              <a:solidFill>
+                <a:srgbClr val="000000"/>
+              </a:solidFill>
+              <a:uFill>
+                <a:solidFill>
+                  <a:srgbClr val="ffffff"/>
+                </a:solidFill>
+              </a:uFill>
+              <a:latin typeface="Arial"/>
+            </a:endParaRPr>
+          </a:p>
+        </p:txBody>
+      </p:sp>
+      <p:sp>
+        <p:nvSpPr>
+          <p:cNvPr id="75" name="PlaceHolder 7"/>
+          <p:cNvSpPr>
+            <a:spLocks noGrp="1"/>
+          </p:cNvSpPr>
+          <p:nvPr>
+            <p:ph type="body"/>
+          </p:nvPr>
+        </p:nvSpPr>
+        <p:spPr>
+          <a:xfrm>
+            <a:off x="504000" y="4059360"/>
+            <a:ext cx="2920680" cy="2091240"/>
+          </a:xfrm>
+          <a:prstGeom prst="rect">
+            <a:avLst/>
+          </a:prstGeom>
+        </p:spPr>
+        <p:txBody>
+          <a:bodyPr lIns="0" rIns="0" tIns="0" bIns="0">
+            <a:normAutofit/>
+          </a:bodyPr>
+          <a:p>
+            <a:endParaRPr b="0" lang="en-US" sz="3200" spc="-1" strike="noStrike">
               <a:solidFill>
                 <a:srgbClr val="000000"/>
               </a:solidFill>
@@ -774,7 +2420,7 @@
       </p:grpSpPr>
       <p:sp>
         <p:nvSpPr>
-          <p:cNvPr id="7" name="PlaceHolder 1"/>
+          <p:cNvPr id="4" name="PlaceHolder 1"/>
           <p:cNvSpPr>
             <a:spLocks noGrp="1"/>
           </p:cNvSpPr>
@@ -785,7 +2431,7 @@
         <p:spPr>
           <a:xfrm>
             <a:off x="504000" y="301320"/>
-            <a:ext cx="9071640" cy="1262160"/>
+            <a:ext cx="9071280" cy="1261800"/>
           </a:xfrm>
           <a:prstGeom prst="rect">
             <a:avLst/>
@@ -795,23 +2441,23 @@
           <a:bodyPr lIns="0" rIns="0" tIns="0" bIns="0" anchor="ctr"/>
           <a:p>
             <a:pPr algn="ctr"/>
-            <a:endParaRPr b="0" lang="zxx" sz="4400" spc="-1" strike="noStrike">
-              <a:solidFill>
-                <a:srgbClr val="000000"/>
-              </a:solidFill>
-              <a:uFill>
-                <a:solidFill>
-                  <a:srgbClr val="ffffff"/>
-                </a:solidFill>
-              </a:uFill>
-              <a:latin typeface="Arial"/>
-            </a:endParaRPr>
-          </a:p>
-        </p:txBody>
-      </p:sp>
-      <p:sp>
-        <p:nvSpPr>
-          <p:cNvPr id="8" name="PlaceHolder 2"/>
+            <a:endParaRPr b="0" lang="en-US" sz="4400" spc="-1" strike="noStrike">
+              <a:solidFill>
+                <a:srgbClr val="000000"/>
+              </a:solidFill>
+              <a:uFill>
+                <a:solidFill>
+                  <a:srgbClr val="ffffff"/>
+                </a:solidFill>
+              </a:uFill>
+              <a:latin typeface="Arial"/>
+            </a:endParaRPr>
+          </a:p>
+        </p:txBody>
+      </p:sp>
+      <p:sp>
+        <p:nvSpPr>
+          <p:cNvPr id="5" name="PlaceHolder 2"/>
           <p:cNvSpPr>
             <a:spLocks noGrp="1"/>
           </p:cNvSpPr>
@@ -822,16 +2468,18 @@
         <p:spPr>
           <a:xfrm>
             <a:off x="504000" y="1769040"/>
-            <a:ext cx="9071640" cy="4384800"/>
-          </a:xfrm>
-          <a:prstGeom prst="rect">
-            <a:avLst/>
-          </a:prstGeom>
-        </p:spPr>
-        <p:txBody>
-          <a:bodyPr lIns="0" rIns="0" tIns="0" bIns="0"/>
-          <a:p>
-            <a:endParaRPr b="0" lang="zxx" sz="3200" spc="-1" strike="noStrike">
+            <a:ext cx="9071280" cy="4384440"/>
+          </a:xfrm>
+          <a:prstGeom prst="rect">
+            <a:avLst/>
+          </a:prstGeom>
+        </p:spPr>
+        <p:txBody>
+          <a:bodyPr lIns="0" rIns="0" tIns="0" bIns="0">
+            <a:normAutofit/>
+          </a:bodyPr>
+          <a:p>
+            <a:endParaRPr b="0" lang="en-US" sz="3200" spc="-1" strike="noStrike">
               <a:solidFill>
                 <a:srgbClr val="000000"/>
               </a:solidFill>
@@ -869,7 +2517,7 @@
       </p:grpSpPr>
       <p:sp>
         <p:nvSpPr>
-          <p:cNvPr id="9" name="PlaceHolder 1"/>
+          <p:cNvPr id="6" name="PlaceHolder 1"/>
           <p:cNvSpPr>
             <a:spLocks noGrp="1"/>
           </p:cNvSpPr>
@@ -880,7 +2528,7 @@
         <p:spPr>
           <a:xfrm>
             <a:off x="504000" y="301320"/>
-            <a:ext cx="9071640" cy="1262160"/>
+            <a:ext cx="9071280" cy="1261800"/>
           </a:xfrm>
           <a:prstGeom prst="rect">
             <a:avLst/>
@@ -890,23 +2538,23 @@
           <a:bodyPr lIns="0" rIns="0" tIns="0" bIns="0" anchor="ctr"/>
           <a:p>
             <a:pPr algn="ctr"/>
-            <a:endParaRPr b="0" lang="zxx" sz="4400" spc="-1" strike="noStrike">
-              <a:solidFill>
-                <a:srgbClr val="000000"/>
-              </a:solidFill>
-              <a:uFill>
-                <a:solidFill>
-                  <a:srgbClr val="ffffff"/>
-                </a:solidFill>
-              </a:uFill>
-              <a:latin typeface="Arial"/>
-            </a:endParaRPr>
-          </a:p>
-        </p:txBody>
-      </p:sp>
-      <p:sp>
-        <p:nvSpPr>
-          <p:cNvPr id="10" name="PlaceHolder 2"/>
+            <a:endParaRPr b="0" lang="en-US" sz="4400" spc="-1" strike="noStrike">
+              <a:solidFill>
+                <a:srgbClr val="000000"/>
+              </a:solidFill>
+              <a:uFill>
+                <a:solidFill>
+                  <a:srgbClr val="ffffff"/>
+                </a:solidFill>
+              </a:uFill>
+              <a:latin typeface="Arial"/>
+            </a:endParaRPr>
+          </a:p>
+        </p:txBody>
+      </p:sp>
+      <p:sp>
+        <p:nvSpPr>
+          <p:cNvPr id="7" name="PlaceHolder 2"/>
           <p:cNvSpPr>
             <a:spLocks noGrp="1"/>
           </p:cNvSpPr>
@@ -917,32 +2565,34 @@
         <p:spPr>
           <a:xfrm>
             <a:off x="504000" y="1769040"/>
-            <a:ext cx="4426920" cy="4384800"/>
-          </a:xfrm>
-          <a:prstGeom prst="rect">
-            <a:avLst/>
-          </a:prstGeom>
-        </p:spPr>
-        <p:txBody>
-          <a:bodyPr lIns="0" rIns="0" tIns="0" bIns="0"/>
-          <a:p>
-            <a:endParaRPr b="0" lang="zxx" sz="3200" spc="-1" strike="noStrike">
-              <a:solidFill>
-                <a:srgbClr val="000000"/>
-              </a:solidFill>
-              <a:uFill>
-                <a:solidFill>
-                  <a:srgbClr val="ffffff"/>
-                </a:solidFill>
-              </a:uFill>
-              <a:latin typeface="Arial"/>
-            </a:endParaRPr>
-          </a:p>
-        </p:txBody>
-      </p:sp>
-      <p:sp>
-        <p:nvSpPr>
-          <p:cNvPr id="11" name="PlaceHolder 3"/>
+            <a:ext cx="4426560" cy="4384440"/>
+          </a:xfrm>
+          <a:prstGeom prst="rect">
+            <a:avLst/>
+          </a:prstGeom>
+        </p:spPr>
+        <p:txBody>
+          <a:bodyPr lIns="0" rIns="0" tIns="0" bIns="0">
+            <a:normAutofit/>
+          </a:bodyPr>
+          <a:p>
+            <a:endParaRPr b="0" lang="en-US" sz="3200" spc="-1" strike="noStrike">
+              <a:solidFill>
+                <a:srgbClr val="000000"/>
+              </a:solidFill>
+              <a:uFill>
+                <a:solidFill>
+                  <a:srgbClr val="ffffff"/>
+                </a:solidFill>
+              </a:uFill>
+              <a:latin typeface="Arial"/>
+            </a:endParaRPr>
+          </a:p>
+        </p:txBody>
+      </p:sp>
+      <p:sp>
+        <p:nvSpPr>
+          <p:cNvPr id="8" name="PlaceHolder 3"/>
           <p:cNvSpPr>
             <a:spLocks noGrp="1"/>
           </p:cNvSpPr>
@@ -952,17 +2602,19 @@
         </p:nvSpPr>
         <p:spPr>
           <a:xfrm>
-            <a:off x="5152680" y="1769040"/>
-            <a:ext cx="4426920" cy="4384800"/>
-          </a:xfrm>
-          <a:prstGeom prst="rect">
-            <a:avLst/>
-          </a:prstGeom>
-        </p:spPr>
-        <p:txBody>
-          <a:bodyPr lIns="0" rIns="0" tIns="0" bIns="0"/>
-          <a:p>
-            <a:endParaRPr b="0" lang="zxx" sz="3200" spc="-1" strike="noStrike">
+            <a:off x="5152320" y="1769040"/>
+            <a:ext cx="4426560" cy="4384440"/>
+          </a:xfrm>
+          <a:prstGeom prst="rect">
+            <a:avLst/>
+          </a:prstGeom>
+        </p:spPr>
+        <p:txBody>
+          <a:bodyPr lIns="0" rIns="0" tIns="0" bIns="0">
+            <a:normAutofit/>
+          </a:bodyPr>
+          <a:p>
+            <a:endParaRPr b="0" lang="en-US" sz="3200" spc="-1" strike="noStrike">
               <a:solidFill>
                 <a:srgbClr val="000000"/>
               </a:solidFill>
@@ -1000,7 +2652,7 @@
       </p:grpSpPr>
       <p:sp>
         <p:nvSpPr>
-          <p:cNvPr id="12" name="PlaceHolder 1"/>
+          <p:cNvPr id="9" name="PlaceHolder 1"/>
           <p:cNvSpPr>
             <a:spLocks noGrp="1"/>
           </p:cNvSpPr>
@@ -1011,7 +2663,7 @@
         <p:spPr>
           <a:xfrm>
             <a:off x="504000" y="301320"/>
-            <a:ext cx="9071640" cy="1262160"/>
+            <a:ext cx="9071280" cy="1261800"/>
           </a:xfrm>
           <a:prstGeom prst="rect">
             <a:avLst/>
@@ -1021,7 +2673,7 @@
           <a:bodyPr lIns="0" rIns="0" tIns="0" bIns="0" anchor="ctr"/>
           <a:p>
             <a:pPr algn="ctr"/>
-            <a:endParaRPr b="0" lang="zxx" sz="4400" spc="-1" strike="noStrike">
+            <a:endParaRPr b="0" lang="en-US" sz="4400" spc="-1" strike="noStrike">
               <a:solidFill>
                 <a:srgbClr val="000000"/>
               </a:solidFill>
@@ -1059,7 +2711,7 @@
       </p:grpSpPr>
       <p:sp>
         <p:nvSpPr>
-          <p:cNvPr id="13" name="PlaceHolder 1"/>
+          <p:cNvPr id="10" name="PlaceHolder 1"/>
           <p:cNvSpPr>
             <a:spLocks noGrp="1"/>
           </p:cNvSpPr>
@@ -1070,7 +2722,7 @@
         <p:spPr>
           <a:xfrm>
             <a:off x="504000" y="301320"/>
-            <a:ext cx="9071640" cy="5851800"/>
+            <a:ext cx="9071280" cy="5850360"/>
           </a:xfrm>
           <a:prstGeom prst="rect">
             <a:avLst/>
@@ -1080,7 +2732,7 @@
           <a:bodyPr lIns="0" rIns="0" tIns="0" bIns="0" anchor="ctr"/>
           <a:p>
             <a:pPr algn="ctr"/>
-            <a:endParaRPr b="0" lang="zxx" sz="3200" spc="-1" strike="noStrike">
+            <a:endParaRPr b="0" lang="en-US" sz="3200" spc="-1" strike="noStrike">
               <a:solidFill>
                 <a:srgbClr val="000000"/>
               </a:solidFill>
@@ -1118,7 +2770,7 @@
       </p:grpSpPr>
       <p:sp>
         <p:nvSpPr>
-          <p:cNvPr id="14" name="PlaceHolder 1"/>
+          <p:cNvPr id="11" name="PlaceHolder 1"/>
           <p:cNvSpPr>
             <a:spLocks noGrp="1"/>
           </p:cNvSpPr>
@@ -1129,7 +2781,7 @@
         <p:spPr>
           <a:xfrm>
             <a:off x="504000" y="301320"/>
-            <a:ext cx="9071640" cy="1262160"/>
+            <a:ext cx="9071280" cy="1261800"/>
           </a:xfrm>
           <a:prstGeom prst="rect">
             <a:avLst/>
@@ -1139,23 +2791,23 @@
           <a:bodyPr lIns="0" rIns="0" tIns="0" bIns="0" anchor="ctr"/>
           <a:p>
             <a:pPr algn="ctr"/>
-            <a:endParaRPr b="0" lang="zxx" sz="4400" spc="-1" strike="noStrike">
-              <a:solidFill>
-                <a:srgbClr val="000000"/>
-              </a:solidFill>
-              <a:uFill>
-                <a:solidFill>
-                  <a:srgbClr val="ffffff"/>
-                </a:solidFill>
-              </a:uFill>
-              <a:latin typeface="Arial"/>
-            </a:endParaRPr>
-          </a:p>
-        </p:txBody>
-      </p:sp>
-      <p:sp>
-        <p:nvSpPr>
-          <p:cNvPr id="15" name="PlaceHolder 2"/>
+            <a:endParaRPr b="0" lang="en-US" sz="4400" spc="-1" strike="noStrike">
+              <a:solidFill>
+                <a:srgbClr val="000000"/>
+              </a:solidFill>
+              <a:uFill>
+                <a:solidFill>
+                  <a:srgbClr val="ffffff"/>
+                </a:solidFill>
+              </a:uFill>
+              <a:latin typeface="Arial"/>
+            </a:endParaRPr>
+          </a:p>
+        </p:txBody>
+      </p:sp>
+      <p:sp>
+        <p:nvSpPr>
+          <p:cNvPr id="12" name="PlaceHolder 2"/>
           <p:cNvSpPr>
             <a:spLocks noGrp="1"/>
           </p:cNvSpPr>
@@ -1166,32 +2818,34 @@
         <p:spPr>
           <a:xfrm>
             <a:off x="504000" y="1769040"/>
-            <a:ext cx="4426920" cy="2091240"/>
-          </a:xfrm>
-          <a:prstGeom prst="rect">
-            <a:avLst/>
-          </a:prstGeom>
-        </p:spPr>
-        <p:txBody>
-          <a:bodyPr lIns="0" rIns="0" tIns="0" bIns="0"/>
-          <a:p>
-            <a:endParaRPr b="0" lang="zxx" sz="3200" spc="-1" strike="noStrike">
-              <a:solidFill>
-                <a:srgbClr val="000000"/>
-              </a:solidFill>
-              <a:uFill>
-                <a:solidFill>
-                  <a:srgbClr val="ffffff"/>
-                </a:solidFill>
-              </a:uFill>
-              <a:latin typeface="Arial"/>
-            </a:endParaRPr>
-          </a:p>
-        </p:txBody>
-      </p:sp>
-      <p:sp>
-        <p:nvSpPr>
-          <p:cNvPr id="16" name="PlaceHolder 3"/>
+            <a:ext cx="4426560" cy="2091240"/>
+          </a:xfrm>
+          <a:prstGeom prst="rect">
+            <a:avLst/>
+          </a:prstGeom>
+        </p:spPr>
+        <p:txBody>
+          <a:bodyPr lIns="0" rIns="0" tIns="0" bIns="0">
+            <a:normAutofit/>
+          </a:bodyPr>
+          <a:p>
+            <a:endParaRPr b="0" lang="en-US" sz="3200" spc="-1" strike="noStrike">
+              <a:solidFill>
+                <a:srgbClr val="000000"/>
+              </a:solidFill>
+              <a:uFill>
+                <a:solidFill>
+                  <a:srgbClr val="ffffff"/>
+                </a:solidFill>
+              </a:uFill>
+              <a:latin typeface="Arial"/>
+            </a:endParaRPr>
+          </a:p>
+        </p:txBody>
+      </p:sp>
+      <p:sp>
+        <p:nvSpPr>
+          <p:cNvPr id="13" name="PlaceHolder 3"/>
           <p:cNvSpPr>
             <a:spLocks noGrp="1"/>
           </p:cNvSpPr>
@@ -1202,32 +2856,34 @@
         <p:spPr>
           <a:xfrm>
             <a:off x="504000" y="4059360"/>
-            <a:ext cx="4426920" cy="2091240"/>
-          </a:xfrm>
-          <a:prstGeom prst="rect">
-            <a:avLst/>
-          </a:prstGeom>
-        </p:spPr>
-        <p:txBody>
-          <a:bodyPr lIns="0" rIns="0" tIns="0" bIns="0"/>
-          <a:p>
-            <a:endParaRPr b="0" lang="zxx" sz="3200" spc="-1" strike="noStrike">
-              <a:solidFill>
-                <a:srgbClr val="000000"/>
-              </a:solidFill>
-              <a:uFill>
-                <a:solidFill>
-                  <a:srgbClr val="ffffff"/>
-                </a:solidFill>
-              </a:uFill>
-              <a:latin typeface="Arial"/>
-            </a:endParaRPr>
-          </a:p>
-        </p:txBody>
-      </p:sp>
-      <p:sp>
-        <p:nvSpPr>
-          <p:cNvPr id="17" name="PlaceHolder 4"/>
+            <a:ext cx="4426560" cy="2091240"/>
+          </a:xfrm>
+          <a:prstGeom prst="rect">
+            <a:avLst/>
+          </a:prstGeom>
+        </p:spPr>
+        <p:txBody>
+          <a:bodyPr lIns="0" rIns="0" tIns="0" bIns="0">
+            <a:normAutofit/>
+          </a:bodyPr>
+          <a:p>
+            <a:endParaRPr b="0" lang="en-US" sz="3200" spc="-1" strike="noStrike">
+              <a:solidFill>
+                <a:srgbClr val="000000"/>
+              </a:solidFill>
+              <a:uFill>
+                <a:solidFill>
+                  <a:srgbClr val="ffffff"/>
+                </a:solidFill>
+              </a:uFill>
+              <a:latin typeface="Arial"/>
+            </a:endParaRPr>
+          </a:p>
+        </p:txBody>
+      </p:sp>
+      <p:sp>
+        <p:nvSpPr>
+          <p:cNvPr id="14" name="PlaceHolder 4"/>
           <p:cNvSpPr>
             <a:spLocks noGrp="1"/>
           </p:cNvSpPr>
@@ -1237,17 +2893,19 @@
         </p:nvSpPr>
         <p:spPr>
           <a:xfrm>
-            <a:off x="5152680" y="1769040"/>
-            <a:ext cx="4426920" cy="4384800"/>
-          </a:xfrm>
-          <a:prstGeom prst="rect">
-            <a:avLst/>
-          </a:prstGeom>
-        </p:spPr>
-        <p:txBody>
-          <a:bodyPr lIns="0" rIns="0" tIns="0" bIns="0"/>
-          <a:p>
-            <a:endParaRPr b="0" lang="zxx" sz="3200" spc="-1" strike="noStrike">
+            <a:off x="5152320" y="1769040"/>
+            <a:ext cx="4426560" cy="4384440"/>
+          </a:xfrm>
+          <a:prstGeom prst="rect">
+            <a:avLst/>
+          </a:prstGeom>
+        </p:spPr>
+        <p:txBody>
+          <a:bodyPr lIns="0" rIns="0" tIns="0" bIns="0">
+            <a:normAutofit/>
+          </a:bodyPr>
+          <a:p>
+            <a:endParaRPr b="0" lang="en-US" sz="3200" spc="-1" strike="noStrike">
               <a:solidFill>
                 <a:srgbClr val="000000"/>
               </a:solidFill>
@@ -1285,7 +2943,7 @@
       </p:grpSpPr>
       <p:sp>
         <p:nvSpPr>
-          <p:cNvPr id="18" name="PlaceHolder 1"/>
+          <p:cNvPr id="15" name="PlaceHolder 1"/>
           <p:cNvSpPr>
             <a:spLocks noGrp="1"/>
           </p:cNvSpPr>
@@ -1296,7 +2954,7 @@
         <p:spPr>
           <a:xfrm>
             <a:off x="504000" y="301320"/>
-            <a:ext cx="9071640" cy="1262160"/>
+            <a:ext cx="9071280" cy="1261800"/>
           </a:xfrm>
           <a:prstGeom prst="rect">
             <a:avLst/>
@@ -1306,23 +2964,23 @@
           <a:bodyPr lIns="0" rIns="0" tIns="0" bIns="0" anchor="ctr"/>
           <a:p>
             <a:pPr algn="ctr"/>
-            <a:endParaRPr b="0" lang="zxx" sz="4400" spc="-1" strike="noStrike">
-              <a:solidFill>
-                <a:srgbClr val="000000"/>
-              </a:solidFill>
-              <a:uFill>
-                <a:solidFill>
-                  <a:srgbClr val="ffffff"/>
-                </a:solidFill>
-              </a:uFill>
-              <a:latin typeface="Arial"/>
-            </a:endParaRPr>
-          </a:p>
-        </p:txBody>
-      </p:sp>
-      <p:sp>
-        <p:nvSpPr>
-          <p:cNvPr id="19" name="PlaceHolder 2"/>
+            <a:endParaRPr b="0" lang="en-US" sz="4400" spc="-1" strike="noStrike">
+              <a:solidFill>
+                <a:srgbClr val="000000"/>
+              </a:solidFill>
+              <a:uFill>
+                <a:solidFill>
+                  <a:srgbClr val="ffffff"/>
+                </a:solidFill>
+              </a:uFill>
+              <a:latin typeface="Arial"/>
+            </a:endParaRPr>
+          </a:p>
+        </p:txBody>
+      </p:sp>
+      <p:sp>
+        <p:nvSpPr>
+          <p:cNvPr id="16" name="PlaceHolder 2"/>
           <p:cNvSpPr>
             <a:spLocks noGrp="1"/>
           </p:cNvSpPr>
@@ -1333,32 +2991,34 @@
         <p:spPr>
           <a:xfrm>
             <a:off x="504000" y="1769040"/>
-            <a:ext cx="4426920" cy="4384800"/>
-          </a:xfrm>
-          <a:prstGeom prst="rect">
-            <a:avLst/>
-          </a:prstGeom>
-        </p:spPr>
-        <p:txBody>
-          <a:bodyPr lIns="0" rIns="0" tIns="0" bIns="0"/>
-          <a:p>
-            <a:endParaRPr b="0" lang="zxx" sz="3200" spc="-1" strike="noStrike">
-              <a:solidFill>
-                <a:srgbClr val="000000"/>
-              </a:solidFill>
-              <a:uFill>
-                <a:solidFill>
-                  <a:srgbClr val="ffffff"/>
-                </a:solidFill>
-              </a:uFill>
-              <a:latin typeface="Arial"/>
-            </a:endParaRPr>
-          </a:p>
-        </p:txBody>
-      </p:sp>
-      <p:sp>
-        <p:nvSpPr>
-          <p:cNvPr id="20" name="PlaceHolder 3"/>
+            <a:ext cx="4426560" cy="4384440"/>
+          </a:xfrm>
+          <a:prstGeom prst="rect">
+            <a:avLst/>
+          </a:prstGeom>
+        </p:spPr>
+        <p:txBody>
+          <a:bodyPr lIns="0" rIns="0" tIns="0" bIns="0">
+            <a:normAutofit/>
+          </a:bodyPr>
+          <a:p>
+            <a:endParaRPr b="0" lang="en-US" sz="3200" spc="-1" strike="noStrike">
+              <a:solidFill>
+                <a:srgbClr val="000000"/>
+              </a:solidFill>
+              <a:uFill>
+                <a:solidFill>
+                  <a:srgbClr val="ffffff"/>
+                </a:solidFill>
+              </a:uFill>
+              <a:latin typeface="Arial"/>
+            </a:endParaRPr>
+          </a:p>
+        </p:txBody>
+      </p:sp>
+      <p:sp>
+        <p:nvSpPr>
+          <p:cNvPr id="17" name="PlaceHolder 3"/>
           <p:cNvSpPr>
             <a:spLocks noGrp="1"/>
           </p:cNvSpPr>
@@ -1368,33 +3028,35 @@
         </p:nvSpPr>
         <p:spPr>
           <a:xfrm>
-            <a:off x="5152680" y="1769040"/>
-            <a:ext cx="4426920" cy="2091240"/>
-          </a:xfrm>
-          <a:prstGeom prst="rect">
-            <a:avLst/>
-          </a:prstGeom>
-        </p:spPr>
-        <p:txBody>
-          <a:bodyPr lIns="0" rIns="0" tIns="0" bIns="0"/>
-          <a:p>
-            <a:endParaRPr b="0" lang="zxx" sz="3200" spc="-1" strike="noStrike">
-              <a:solidFill>
-                <a:srgbClr val="000000"/>
-              </a:solidFill>
-              <a:uFill>
-                <a:solidFill>
-                  <a:srgbClr val="ffffff"/>
-                </a:solidFill>
-              </a:uFill>
-              <a:latin typeface="Arial"/>
-            </a:endParaRPr>
-          </a:p>
-        </p:txBody>
-      </p:sp>
-      <p:sp>
-        <p:nvSpPr>
-          <p:cNvPr id="21" name="PlaceHolder 4"/>
+            <a:off x="5152320" y="1769040"/>
+            <a:ext cx="4426560" cy="2091240"/>
+          </a:xfrm>
+          <a:prstGeom prst="rect">
+            <a:avLst/>
+          </a:prstGeom>
+        </p:spPr>
+        <p:txBody>
+          <a:bodyPr lIns="0" rIns="0" tIns="0" bIns="0">
+            <a:normAutofit/>
+          </a:bodyPr>
+          <a:p>
+            <a:endParaRPr b="0" lang="en-US" sz="3200" spc="-1" strike="noStrike">
+              <a:solidFill>
+                <a:srgbClr val="000000"/>
+              </a:solidFill>
+              <a:uFill>
+                <a:solidFill>
+                  <a:srgbClr val="ffffff"/>
+                </a:solidFill>
+              </a:uFill>
+              <a:latin typeface="Arial"/>
+            </a:endParaRPr>
+          </a:p>
+        </p:txBody>
+      </p:sp>
+      <p:sp>
+        <p:nvSpPr>
+          <p:cNvPr id="18" name="PlaceHolder 4"/>
           <p:cNvSpPr>
             <a:spLocks noGrp="1"/>
           </p:cNvSpPr>
@@ -1404,17 +3066,19 @@
         </p:nvSpPr>
         <p:spPr>
           <a:xfrm>
-            <a:off x="5152680" y="4059360"/>
-            <a:ext cx="4426920" cy="2091240"/>
-          </a:xfrm>
-          <a:prstGeom prst="rect">
-            <a:avLst/>
-          </a:prstGeom>
-        </p:spPr>
-        <p:txBody>
-          <a:bodyPr lIns="0" rIns="0" tIns="0" bIns="0"/>
-          <a:p>
-            <a:endParaRPr b="0" lang="zxx" sz="3200" spc="-1" strike="noStrike">
+            <a:off x="5152320" y="4059360"/>
+            <a:ext cx="4426560" cy="2091240"/>
+          </a:xfrm>
+          <a:prstGeom prst="rect">
+            <a:avLst/>
+          </a:prstGeom>
+        </p:spPr>
+        <p:txBody>
+          <a:bodyPr lIns="0" rIns="0" tIns="0" bIns="0">
+            <a:normAutofit/>
+          </a:bodyPr>
+          <a:p>
+            <a:endParaRPr b="0" lang="en-US" sz="3200" spc="-1" strike="noStrike">
               <a:solidFill>
                 <a:srgbClr val="000000"/>
               </a:solidFill>
@@ -1452,7 +3116,7 @@
       </p:grpSpPr>
       <p:sp>
         <p:nvSpPr>
-          <p:cNvPr id="22" name="PlaceHolder 1"/>
+          <p:cNvPr id="19" name="PlaceHolder 1"/>
           <p:cNvSpPr>
             <a:spLocks noGrp="1"/>
           </p:cNvSpPr>
@@ -1463,7 +3127,7 @@
         <p:spPr>
           <a:xfrm>
             <a:off x="504000" y="301320"/>
-            <a:ext cx="9071640" cy="1262160"/>
+            <a:ext cx="9071280" cy="1261800"/>
           </a:xfrm>
           <a:prstGeom prst="rect">
             <a:avLst/>
@@ -1473,23 +3137,23 @@
           <a:bodyPr lIns="0" rIns="0" tIns="0" bIns="0" anchor="ctr"/>
           <a:p>
             <a:pPr algn="ctr"/>
-            <a:endParaRPr b="0" lang="zxx" sz="4400" spc="-1" strike="noStrike">
-              <a:solidFill>
-                <a:srgbClr val="000000"/>
-              </a:solidFill>
-              <a:uFill>
-                <a:solidFill>
-                  <a:srgbClr val="ffffff"/>
-                </a:solidFill>
-              </a:uFill>
-              <a:latin typeface="Arial"/>
-            </a:endParaRPr>
-          </a:p>
-        </p:txBody>
-      </p:sp>
-      <p:sp>
-        <p:nvSpPr>
-          <p:cNvPr id="23" name="PlaceHolder 2"/>
+            <a:endParaRPr b="0" lang="en-US" sz="4400" spc="-1" strike="noStrike">
+              <a:solidFill>
+                <a:srgbClr val="000000"/>
+              </a:solidFill>
+              <a:uFill>
+                <a:solidFill>
+                  <a:srgbClr val="ffffff"/>
+                </a:solidFill>
+              </a:uFill>
+              <a:latin typeface="Arial"/>
+            </a:endParaRPr>
+          </a:p>
+        </p:txBody>
+      </p:sp>
+      <p:sp>
+        <p:nvSpPr>
+          <p:cNvPr id="20" name="PlaceHolder 2"/>
           <p:cNvSpPr>
             <a:spLocks noGrp="1"/>
           </p:cNvSpPr>
@@ -1500,32 +3164,34 @@
         <p:spPr>
           <a:xfrm>
             <a:off x="504000" y="1769040"/>
-            <a:ext cx="4426920" cy="2091240"/>
-          </a:xfrm>
-          <a:prstGeom prst="rect">
-            <a:avLst/>
-          </a:prstGeom>
-        </p:spPr>
-        <p:txBody>
-          <a:bodyPr lIns="0" rIns="0" tIns="0" bIns="0"/>
-          <a:p>
-            <a:endParaRPr b="0" lang="zxx" sz="3200" spc="-1" strike="noStrike">
-              <a:solidFill>
-                <a:srgbClr val="000000"/>
-              </a:solidFill>
-              <a:uFill>
-                <a:solidFill>
-                  <a:srgbClr val="ffffff"/>
-                </a:solidFill>
-              </a:uFill>
-              <a:latin typeface="Arial"/>
-            </a:endParaRPr>
-          </a:p>
-        </p:txBody>
-      </p:sp>
-      <p:sp>
-        <p:nvSpPr>
-          <p:cNvPr id="24" name="PlaceHolder 3"/>
+            <a:ext cx="4426560" cy="2091240"/>
+          </a:xfrm>
+          <a:prstGeom prst="rect">
+            <a:avLst/>
+          </a:prstGeom>
+        </p:spPr>
+        <p:txBody>
+          <a:bodyPr lIns="0" rIns="0" tIns="0" bIns="0">
+            <a:normAutofit/>
+          </a:bodyPr>
+          <a:p>
+            <a:endParaRPr b="0" lang="en-US" sz="3200" spc="-1" strike="noStrike">
+              <a:solidFill>
+                <a:srgbClr val="000000"/>
+              </a:solidFill>
+              <a:uFill>
+                <a:solidFill>
+                  <a:srgbClr val="ffffff"/>
+                </a:solidFill>
+              </a:uFill>
+              <a:latin typeface="Arial"/>
+            </a:endParaRPr>
+          </a:p>
+        </p:txBody>
+      </p:sp>
+      <p:sp>
+        <p:nvSpPr>
+          <p:cNvPr id="21" name="PlaceHolder 3"/>
           <p:cNvSpPr>
             <a:spLocks noGrp="1"/>
           </p:cNvSpPr>
@@ -1535,33 +3201,35 @@
         </p:nvSpPr>
         <p:spPr>
           <a:xfrm>
-            <a:off x="5152680" y="1769040"/>
-            <a:ext cx="4426920" cy="2091240"/>
-          </a:xfrm>
-          <a:prstGeom prst="rect">
-            <a:avLst/>
-          </a:prstGeom>
-        </p:spPr>
-        <p:txBody>
-          <a:bodyPr lIns="0" rIns="0" tIns="0" bIns="0"/>
-          <a:p>
-            <a:endParaRPr b="0" lang="zxx" sz="3200" spc="-1" strike="noStrike">
-              <a:solidFill>
-                <a:srgbClr val="000000"/>
-              </a:solidFill>
-              <a:uFill>
-                <a:solidFill>
-                  <a:srgbClr val="ffffff"/>
-                </a:solidFill>
-              </a:uFill>
-              <a:latin typeface="Arial"/>
-            </a:endParaRPr>
-          </a:p>
-        </p:txBody>
-      </p:sp>
-      <p:sp>
-        <p:nvSpPr>
-          <p:cNvPr id="25" name="PlaceHolder 4"/>
+            <a:off x="5152320" y="1769040"/>
+            <a:ext cx="4426560" cy="2091240"/>
+          </a:xfrm>
+          <a:prstGeom prst="rect">
+            <a:avLst/>
+          </a:prstGeom>
+        </p:spPr>
+        <p:txBody>
+          <a:bodyPr lIns="0" rIns="0" tIns="0" bIns="0">
+            <a:normAutofit/>
+          </a:bodyPr>
+          <a:p>
+            <a:endParaRPr b="0" lang="en-US" sz="3200" spc="-1" strike="noStrike">
+              <a:solidFill>
+                <a:srgbClr val="000000"/>
+              </a:solidFill>
+              <a:uFill>
+                <a:solidFill>
+                  <a:srgbClr val="ffffff"/>
+                </a:solidFill>
+              </a:uFill>
+              <a:latin typeface="Arial"/>
+            </a:endParaRPr>
+          </a:p>
+        </p:txBody>
+      </p:sp>
+      <p:sp>
+        <p:nvSpPr>
+          <p:cNvPr id="22" name="PlaceHolder 4"/>
           <p:cNvSpPr>
             <a:spLocks noGrp="1"/>
           </p:cNvSpPr>
@@ -1572,16 +3240,18 @@
         <p:spPr>
           <a:xfrm>
             <a:off x="504000" y="4059360"/>
-            <a:ext cx="9071640" cy="2091240"/>
-          </a:xfrm>
-          <a:prstGeom prst="rect">
-            <a:avLst/>
-          </a:prstGeom>
-        </p:spPr>
-        <p:txBody>
-          <a:bodyPr lIns="0" rIns="0" tIns="0" bIns="0"/>
-          <a:p>
-            <a:endParaRPr b="0" lang="zxx" sz="3200" spc="-1" strike="noStrike">
+            <a:ext cx="9071280" cy="2091240"/>
+          </a:xfrm>
+          <a:prstGeom prst="rect">
+            <a:avLst/>
+          </a:prstGeom>
+        </p:spPr>
+        <p:txBody>
+          <a:bodyPr lIns="0" rIns="0" tIns="0" bIns="0">
+            <a:normAutofit/>
+          </a:bodyPr>
+          <a:p>
+            <a:endParaRPr b="0" lang="en-US" sz="3200" spc="-1" strike="noStrike">
               <a:solidFill>
                 <a:srgbClr val="000000"/>
               </a:solidFill>
@@ -1630,7 +3300,7 @@
         <p:spPr>
           <a:xfrm>
             <a:off x="504000" y="301320"/>
-            <a:ext cx="9071640" cy="1262160"/>
+            <a:ext cx="9071280" cy="1261800"/>
           </a:xfrm>
           <a:prstGeom prst="rect">
             <a:avLst/>
@@ -1639,9 +3309,8 @@
         <p:txBody>
           <a:bodyPr lIns="0" rIns="0" tIns="0" bIns="0" anchor="ctr"/>
           <a:p>
-            <a:pPr algn="ctr"/>
             <a:r>
-              <a:rPr b="0" lang="zxx" sz="4400" spc="-1" strike="noStrike">
+              <a:rPr b="0" lang="en-US" sz="1800" spc="-1" strike="noStrike">
                 <a:solidFill>
                   <a:srgbClr val="000000"/>
                 </a:solidFill>
@@ -1654,7 +3323,7 @@
               </a:rPr>
               <a:t>Click to edit the title text format</a:t>
             </a:r>
-            <a:endParaRPr b="0" lang="zxx" sz="4400" spc="-1" strike="noStrike">
+            <a:endParaRPr b="0" lang="en-US" sz="1800" spc="-1" strike="noStrike">
               <a:solidFill>
                 <a:srgbClr val="000000"/>
               </a:solidFill>
@@ -1680,20 +3349,22 @@
         </p:nvSpPr>
         <p:spPr>
           <a:xfrm>
-            <a:off x="504000" y="1769040"/>
-            <a:ext cx="9071640" cy="4384800"/>
-          </a:xfrm>
-          <a:prstGeom prst="rect">
-            <a:avLst/>
-          </a:prstGeom>
-        </p:spPr>
-        <p:txBody>
-          <a:bodyPr lIns="0" rIns="0" tIns="0" bIns="0"/>
+            <a:off x="504000" y="1768680"/>
+            <a:ext cx="9072000" cy="4384080"/>
+          </a:xfrm>
+          <a:prstGeom prst="rect">
+            <a:avLst/>
+          </a:prstGeom>
+        </p:spPr>
+        <p:txBody>
+          <a:bodyPr lIns="0" rIns="0" tIns="0" bIns="0">
+            <a:normAutofit/>
+          </a:bodyPr>
           <a:p>
             <a:pPr marL="432000" indent="-324000">
-              <a:spcAft>
+              <a:spcBef>
                 <a:spcPts val="1417"/>
-              </a:spcAft>
+              </a:spcBef>
               <a:buClr>
                 <a:srgbClr val="000000"/>
               </a:buClr>
@@ -1702,7 +3373,7 @@
               <a:buChar char=""/>
             </a:pPr>
             <a:r>
-              <a:rPr b="0" lang="zxx" sz="3200" spc="-1" strike="noStrike">
+              <a:rPr b="0" lang="en-US" sz="3200" spc="-1" strike="noStrike">
                 <a:solidFill>
                   <a:srgbClr val="000000"/>
                 </a:solidFill>
@@ -1715,7 +3386,7 @@
               </a:rPr>
               <a:t>Click to edit the outline text format</a:t>
             </a:r>
-            <a:endParaRPr b="0" lang="zxx" sz="3200" spc="-1" strike="noStrike">
+            <a:endParaRPr b="0" lang="en-US" sz="3200" spc="-1" strike="noStrike">
               <a:solidFill>
                 <a:srgbClr val="000000"/>
               </a:solidFill>
@@ -1729,18 +3400,18 @@
           </a:p>
           <a:p>
             <a:pPr lvl="1" marL="864000" indent="-324000">
-              <a:spcAft>
+              <a:spcBef>
                 <a:spcPts val="1134"/>
-              </a:spcAft>
+              </a:spcBef>
               <a:buClr>
                 <a:srgbClr val="000000"/>
               </a:buClr>
-              <a:buSzPct val="45000"/>
-              <a:buFont typeface="Wingdings" charset="2"/>
-              <a:buChar char=""/>
+              <a:buSzPct val="75000"/>
+              <a:buFont typeface="Symbol" charset="2"/>
+              <a:buChar char=""/>
             </a:pPr>
             <a:r>
-              <a:rPr b="0" lang="zxx" sz="2800" spc="-1" strike="noStrike">
+              <a:rPr b="0" lang="en-US" sz="2800" spc="-1" strike="noStrike">
                 <a:solidFill>
                   <a:srgbClr val="000000"/>
                 </a:solidFill>
@@ -1753,7 +3424,7 @@
               </a:rPr>
               <a:t>Second Outline Level</a:t>
             </a:r>
-            <a:endParaRPr b="0" lang="zxx" sz="2800" spc="-1" strike="noStrike">
+            <a:endParaRPr b="0" lang="en-US" sz="2800" spc="-1" strike="noStrike">
               <a:solidFill>
                 <a:srgbClr val="000000"/>
               </a:solidFill>
@@ -1767,18 +3438,18 @@
           </a:p>
           <a:p>
             <a:pPr lvl="2" marL="1296000" indent="-288000">
-              <a:spcAft>
+              <a:spcBef>
                 <a:spcPts val="850"/>
-              </a:spcAft>
+              </a:spcBef>
               <a:buClr>
                 <a:srgbClr val="000000"/>
               </a:buClr>
-              <a:buSzPct val="75000"/>
-              <a:buFont typeface="Symbol" charset="2"/>
-              <a:buChar char=""/>
+              <a:buSzPct val="45000"/>
+              <a:buFont typeface="Wingdings" charset="2"/>
+              <a:buChar char=""/>
             </a:pPr>
             <a:r>
-              <a:rPr b="0" lang="zxx" sz="2400" spc="-1" strike="noStrike">
+              <a:rPr b="0" lang="en-US" sz="2400" spc="-1" strike="noStrike">
                 <a:solidFill>
                   <a:srgbClr val="000000"/>
                 </a:solidFill>
@@ -1791,7 +3462,7 @@
               </a:rPr>
               <a:t>Third Outline Level</a:t>
             </a:r>
-            <a:endParaRPr b="0" lang="zxx" sz="2400" spc="-1" strike="noStrike">
+            <a:endParaRPr b="0" lang="en-US" sz="2400" spc="-1" strike="noStrike">
               <a:solidFill>
                 <a:srgbClr val="000000"/>
               </a:solidFill>
@@ -1805,18 +3476,18 @@
           </a:p>
           <a:p>
             <a:pPr lvl="3" marL="1728000" indent="-216000">
-              <a:spcAft>
+              <a:spcBef>
                 <a:spcPts val="567"/>
-              </a:spcAft>
+              </a:spcBef>
               <a:buClr>
                 <a:srgbClr val="000000"/>
               </a:buClr>
-              <a:buSzPct val="45000"/>
-              <a:buFont typeface="Wingdings" charset="2"/>
-              <a:buChar char=""/>
+              <a:buSzPct val="75000"/>
+              <a:buFont typeface="Symbol" charset="2"/>
+              <a:buChar char=""/>
             </a:pPr>
             <a:r>
-              <a:rPr b="0" lang="zxx" sz="2000" spc="-1" strike="noStrike">
+              <a:rPr b="0" lang="en-US" sz="2000" spc="-1" strike="noStrike">
                 <a:solidFill>
                   <a:srgbClr val="000000"/>
                 </a:solidFill>
@@ -1829,7 +3500,7 @@
               </a:rPr>
               <a:t>Fourth Outline Level</a:t>
             </a:r>
-            <a:endParaRPr b="0" lang="zxx" sz="2000" spc="-1" strike="noStrike">
+            <a:endParaRPr b="0" lang="en-US" sz="2000" spc="-1" strike="noStrike">
               <a:solidFill>
                 <a:srgbClr val="000000"/>
               </a:solidFill>
@@ -1843,18 +3514,18 @@
           </a:p>
           <a:p>
             <a:pPr lvl="4" marL="2160000" indent="-216000">
-              <a:spcAft>
+              <a:spcBef>
                 <a:spcPts val="283"/>
-              </a:spcAft>
+              </a:spcBef>
               <a:buClr>
                 <a:srgbClr val="000000"/>
               </a:buClr>
-              <a:buSzPct val="75000"/>
-              <a:buFont typeface="Symbol" charset="2"/>
-              <a:buChar char=""/>
+              <a:buSzPct val="45000"/>
+              <a:buFont typeface="Wingdings" charset="2"/>
+              <a:buChar char=""/>
             </a:pPr>
             <a:r>
-              <a:rPr b="0" lang="zxx" sz="2000" spc="-1" strike="noStrike">
+              <a:rPr b="0" lang="en-US" sz="2000" spc="-1" strike="noStrike">
                 <a:solidFill>
                   <a:srgbClr val="000000"/>
                 </a:solidFill>
@@ -1867,7 +3538,7 @@
               </a:rPr>
               <a:t>Fifth Outline Level</a:t>
             </a:r>
-            <a:endParaRPr b="0" lang="zxx" sz="2000" spc="-1" strike="noStrike">
+            <a:endParaRPr b="0" lang="en-US" sz="2000" spc="-1" strike="noStrike">
               <a:solidFill>
                 <a:srgbClr val="000000"/>
               </a:solidFill>
@@ -1881,9 +3552,9 @@
           </a:p>
           <a:p>
             <a:pPr lvl="5" marL="2592000" indent="-216000">
-              <a:spcAft>
+              <a:spcBef>
                 <a:spcPts val="283"/>
-              </a:spcAft>
+              </a:spcBef>
               <a:buClr>
                 <a:srgbClr val="000000"/>
               </a:buClr>
@@ -1892,7 +3563,7 @@
               <a:buChar char=""/>
             </a:pPr>
             <a:r>
-              <a:rPr b="0" lang="zxx" sz="2000" spc="-1" strike="noStrike">
+              <a:rPr b="0" lang="en-US" sz="2000" spc="-1" strike="noStrike">
                 <a:solidFill>
                   <a:srgbClr val="000000"/>
                 </a:solidFill>
@@ -1905,7 +3576,7 @@
               </a:rPr>
               <a:t>Sixth Outline Level</a:t>
             </a:r>
-            <a:endParaRPr b="0" lang="zxx" sz="2000" spc="-1" strike="noStrike">
+            <a:endParaRPr b="0" lang="en-US" sz="2000" spc="-1" strike="noStrike">
               <a:solidFill>
                 <a:srgbClr val="000000"/>
               </a:solidFill>
@@ -1919,9 +3590,9 @@
           </a:p>
           <a:p>
             <a:pPr lvl="6" marL="3024000" indent="-216000">
-              <a:spcAft>
+              <a:spcBef>
                 <a:spcPts val="283"/>
-              </a:spcAft>
+              </a:spcBef>
               <a:buClr>
                 <a:srgbClr val="000000"/>
               </a:buClr>
@@ -1930,7 +3601,7 @@
               <a:buChar char=""/>
             </a:pPr>
             <a:r>
-              <a:rPr b="0" lang="zxx" sz="2000" spc="-1" strike="noStrike">
+              <a:rPr b="0" lang="en-US" sz="2000" spc="-1" strike="noStrike">
                 <a:solidFill>
                   <a:srgbClr val="000000"/>
                 </a:solidFill>
@@ -1943,168 +3614,16 @@
               </a:rPr>
               <a:t>Seventh Outline Level</a:t>
             </a:r>
-            <a:endParaRPr b="0" lang="zxx" sz="2000" spc="-1" strike="noStrike">
-              <a:solidFill>
-                <a:srgbClr val="000000"/>
-              </a:solidFill>
-              <a:uFill>
-                <a:solidFill>
-                  <a:srgbClr val="ffffff"/>
-                </a:solidFill>
-              </a:uFill>
-              <a:latin typeface="Arial"/>
-            </a:endParaRPr>
-          </a:p>
-        </p:txBody>
-      </p:sp>
-      <p:sp>
-        <p:nvSpPr>
-          <p:cNvPr id="2" name="PlaceHolder 3"/>
-          <p:cNvSpPr>
-            <a:spLocks noGrp="1"/>
-          </p:cNvSpPr>
-          <p:nvPr>
-            <p:ph type="dt"/>
-          </p:nvPr>
-        </p:nvSpPr>
-        <p:spPr>
-          <a:xfrm>
-            <a:off x="504000" y="6887160"/>
-            <a:ext cx="2348280" cy="521280"/>
-          </a:xfrm>
-          <a:prstGeom prst="rect">
-            <a:avLst/>
-          </a:prstGeom>
-        </p:spPr>
-        <p:txBody>
-          <a:bodyPr lIns="0" rIns="0" tIns="0" bIns="0"/>
-          <a:p>
-            <a:r>
-              <a:rPr b="0" lang="zxx" sz="1400" spc="-1" strike="noStrike">
-                <a:solidFill>
-                  <a:srgbClr val="000000"/>
-                </a:solidFill>
-                <a:uFill>
-                  <a:solidFill>
-                    <a:srgbClr val="ffffff"/>
-                  </a:solidFill>
-                </a:uFill>
-                <a:latin typeface="Times New Roman"/>
-              </a:rPr>
-              <a:t>&lt;date/time&gt;</a:t>
-            </a:r>
-            <a:endParaRPr b="0" lang="zxx" sz="1400" spc="-1" strike="noStrike">
-              <a:solidFill>
-                <a:srgbClr val="000000"/>
-              </a:solidFill>
-              <a:uFill>
-                <a:solidFill>
-                  <a:srgbClr val="ffffff"/>
-                </a:solidFill>
-              </a:uFill>
-              <a:latin typeface="Times New Roman"/>
-            </a:endParaRPr>
-          </a:p>
-        </p:txBody>
-      </p:sp>
-      <p:sp>
-        <p:nvSpPr>
-          <p:cNvPr id="3" name="PlaceHolder 4"/>
-          <p:cNvSpPr>
-            <a:spLocks noGrp="1"/>
-          </p:cNvSpPr>
-          <p:nvPr>
-            <p:ph type="ftr"/>
-          </p:nvPr>
-        </p:nvSpPr>
-        <p:spPr>
-          <a:xfrm>
-            <a:off x="3447360" y="6887160"/>
-            <a:ext cx="3195000" cy="521280"/>
-          </a:xfrm>
-          <a:prstGeom prst="rect">
-            <a:avLst/>
-          </a:prstGeom>
-        </p:spPr>
-        <p:txBody>
-          <a:bodyPr lIns="0" rIns="0" tIns="0" bIns="0"/>
-          <a:p>
-            <a:pPr algn="ctr"/>
-            <a:r>
-              <a:rPr b="0" lang="zxx" sz="1400" spc="-1" strike="noStrike">
-                <a:solidFill>
-                  <a:srgbClr val="000000"/>
-                </a:solidFill>
-                <a:uFill>
-                  <a:solidFill>
-                    <a:srgbClr val="ffffff"/>
-                  </a:solidFill>
-                </a:uFill>
-                <a:latin typeface="Times New Roman"/>
-              </a:rPr>
-              <a:t>&lt;footer&gt;</a:t>
-            </a:r>
-            <a:endParaRPr b="0" lang="zxx" sz="1400" spc="-1" strike="noStrike">
-              <a:solidFill>
-                <a:srgbClr val="000000"/>
-              </a:solidFill>
-              <a:uFill>
-                <a:solidFill>
-                  <a:srgbClr val="ffffff"/>
-                </a:solidFill>
-              </a:uFill>
-              <a:latin typeface="Times New Roman"/>
-            </a:endParaRPr>
-          </a:p>
-        </p:txBody>
-      </p:sp>
-      <p:sp>
-        <p:nvSpPr>
-          <p:cNvPr id="4" name="PlaceHolder 5"/>
-          <p:cNvSpPr>
-            <a:spLocks noGrp="1"/>
-          </p:cNvSpPr>
-          <p:nvPr>
-            <p:ph type="sldNum"/>
-          </p:nvPr>
-        </p:nvSpPr>
-        <p:spPr>
-          <a:xfrm>
-            <a:off x="7227360" y="6887160"/>
-            <a:ext cx="2348280" cy="521280"/>
-          </a:xfrm>
-          <a:prstGeom prst="rect">
-            <a:avLst/>
-          </a:prstGeom>
-        </p:spPr>
-        <p:txBody>
-          <a:bodyPr lIns="0" rIns="0" tIns="0" bIns="0"/>
-          <a:p>
-            <a:pPr algn="r"/>
-            <a:fld id="{73E27A7E-B946-4B3B-AD83-17967F4C165E}" type="slidenum">
-              <a:rPr b="0" lang="zxx" sz="1400" spc="-1" strike="noStrike">
-                <a:solidFill>
-                  <a:srgbClr val="000000"/>
-                </a:solidFill>
-                <a:uFill>
-                  <a:solidFill>
-                    <a:srgbClr val="ffffff"/>
-                  </a:solidFill>
-                </a:uFill>
-                <a:latin typeface="Times New Roman"/>
-              </a:rPr>
-              <a:t>&lt;number&gt;</a:t>
-            </a:fld>
-            <a:endParaRPr b="0" lang="zxx" sz="1400" spc="-1" strike="noStrike">
-              <a:solidFill>
-                <a:srgbClr val="000000"/>
-              </a:solidFill>
-              <a:uFill>
-                <a:solidFill>
-                  <a:srgbClr val="ffffff"/>
-                </a:solidFill>
-              </a:uFill>
-              <a:latin typeface="Times New Roman"/>
+            <a:endParaRPr b="0" lang="en-US" sz="2000" spc="-1" strike="noStrike">
+              <a:solidFill>
+                <a:srgbClr val="000000"/>
+              </a:solidFill>
+              <a:uFill>
+                <a:solidFill>
+                  <a:srgbClr val="ffffff"/>
+                </a:solidFill>
+              </a:uFill>
+              <a:latin typeface="Arial"/>
             </a:endParaRPr>
           </a:p>
         </p:txBody>
@@ -2125,6 +3644,382 @@
     <p:sldLayoutId id="2147483658" r:id="rId11"/>
     <p:sldLayoutId id="2147483659" r:id="rId12"/>
     <p:sldLayoutId id="2147483660" r:id="rId13"/>
+  </p:sldLayoutIdLst>
+</p:sldMaster>
+</file>
+
+<file path=ppt/slideMasters/slideMaster2.xml><?xml version="1.0" encoding="utf-8"?>
+<p:sldMaster xmlns:a="http://schemas.openxmlformats.org/drawingml/2006/main" xmlns:p="http://schemas.openxmlformats.org/presentationml/2006/main" xmlns:r="http://schemas.openxmlformats.org/officeDocument/2006/relationships" xmlns:p14="http://schemas.microsoft.com/office/powerpoint/2010/main" xmlns:p15="http://schemas.microsoft.com/office/powerpoint/2012/main" xmlns:mc="http://schemas.openxmlformats.org/markup-compatibility/2006">
+  <p:cSld>
+    <p:spTree>
+      <p:nvGrpSpPr>
+        <p:cNvPr id="1" name=""/>
+        <p:cNvGrpSpPr/>
+        <p:nvPr/>
+      </p:nvGrpSpPr>
+      <p:grpSpPr>
+        <a:xfrm>
+          <a:off x="0" y="0"/>
+          <a:ext cx="0" cy="0"/>
+          <a:chOff x="0" y="0"/>
+          <a:chExt cx="0" cy="0"/>
+        </a:xfrm>
+      </p:grpSpPr>
+      <p:sp>
+        <p:nvSpPr>
+          <p:cNvPr id="38" name="PlaceHolder 1"/>
+          <p:cNvSpPr>
+            <a:spLocks noGrp="1"/>
+          </p:cNvSpPr>
+          <p:nvPr>
+            <p:ph type="title"/>
+          </p:nvPr>
+        </p:nvSpPr>
+        <p:spPr>
+          <a:xfrm>
+            <a:off x="504000" y="301320"/>
+            <a:ext cx="9071280" cy="1261800"/>
+          </a:xfrm>
+          <a:prstGeom prst="rect">
+            <a:avLst/>
+          </a:prstGeom>
+        </p:spPr>
+        <p:txBody>
+          <a:bodyPr lIns="0" rIns="0" tIns="0" bIns="0" anchor="ctr"/>
+          <a:p>
+            <a:r>
+              <a:rPr b="0" lang="en-US" sz="1800" spc="-1" strike="noStrike">
+                <a:solidFill>
+                  <a:srgbClr val="000000"/>
+                </a:solidFill>
+                <a:uFill>
+                  <a:solidFill>
+                    <a:srgbClr val="ffffff"/>
+                  </a:solidFill>
+                </a:uFill>
+                <a:latin typeface="Arial"/>
+              </a:rPr>
+              <a:t>Click to edit the title text format</a:t>
+            </a:r>
+            <a:endParaRPr b="0" lang="en-US" sz="1800" spc="-1" strike="noStrike">
+              <a:solidFill>
+                <a:srgbClr val="000000"/>
+              </a:solidFill>
+              <a:uFill>
+                <a:solidFill>
+                  <a:srgbClr val="ffffff"/>
+                </a:solidFill>
+              </a:uFill>
+              <a:latin typeface="Arial"/>
+            </a:endParaRPr>
+          </a:p>
+        </p:txBody>
+      </p:sp>
+      <p:sp>
+        <p:nvSpPr>
+          <p:cNvPr id="39" name="PlaceHolder 2"/>
+          <p:cNvSpPr>
+            <a:spLocks noGrp="1"/>
+          </p:cNvSpPr>
+          <p:nvPr>
+            <p:ph type="body"/>
+          </p:nvPr>
+        </p:nvSpPr>
+        <p:spPr>
+          <a:xfrm>
+            <a:off x="504000" y="1769040"/>
+            <a:ext cx="9071280" cy="4384440"/>
+          </a:xfrm>
+          <a:prstGeom prst="rect">
+            <a:avLst/>
+          </a:prstGeom>
+        </p:spPr>
+        <p:txBody>
+          <a:bodyPr lIns="0" rIns="0" tIns="0" bIns="0"/>
+          <a:p>
+            <a:pPr marL="432000" indent="-324000">
+              <a:spcBef>
+                <a:spcPts val="1417"/>
+              </a:spcBef>
+              <a:buClr>
+                <a:srgbClr val="000000"/>
+              </a:buClr>
+              <a:buSzPct val="45000"/>
+              <a:buFont typeface="Wingdings" charset="2"/>
+              <a:buChar char=""/>
+            </a:pPr>
+            <a:r>
+              <a:rPr b="0" lang="en-US" sz="1800" spc="-1" strike="noStrike">
+                <a:solidFill>
+                  <a:srgbClr val="000000"/>
+                </a:solidFill>
+                <a:uFill>
+                  <a:solidFill>
+                    <a:srgbClr val="ffffff"/>
+                  </a:solidFill>
+                </a:uFill>
+                <a:latin typeface="Arial"/>
+              </a:rPr>
+              <a:t>Click to edit the outline text format</a:t>
+            </a:r>
+            <a:endParaRPr b="0" lang="en-US" sz="1800" spc="-1" strike="noStrike">
+              <a:solidFill>
+                <a:srgbClr val="000000"/>
+              </a:solidFill>
+              <a:uFill>
+                <a:solidFill>
+                  <a:srgbClr val="ffffff"/>
+                </a:solidFill>
+              </a:uFill>
+              <a:latin typeface="Arial"/>
+            </a:endParaRPr>
+          </a:p>
+          <a:p>
+            <a:pPr lvl="1" marL="864000" indent="-324000">
+              <a:spcBef>
+                <a:spcPts val="1134"/>
+              </a:spcBef>
+              <a:buClr>
+                <a:srgbClr val="000000"/>
+              </a:buClr>
+              <a:buSzPct val="75000"/>
+              <a:buFont typeface="Symbol" charset="2"/>
+              <a:buChar char=""/>
+            </a:pPr>
+            <a:r>
+              <a:rPr b="0" lang="en-US" sz="1800" spc="-1" strike="noStrike">
+                <a:solidFill>
+                  <a:srgbClr val="000000"/>
+                </a:solidFill>
+                <a:uFill>
+                  <a:solidFill>
+                    <a:srgbClr val="ffffff"/>
+                  </a:solidFill>
+                </a:uFill>
+                <a:latin typeface="Arial"/>
+              </a:rPr>
+              <a:t>Second Outline Level</a:t>
+            </a:r>
+            <a:endParaRPr b="0" lang="en-US" sz="1800" spc="-1" strike="noStrike">
+              <a:solidFill>
+                <a:srgbClr val="000000"/>
+              </a:solidFill>
+              <a:uFill>
+                <a:solidFill>
+                  <a:srgbClr val="ffffff"/>
+                </a:solidFill>
+              </a:uFill>
+              <a:latin typeface="Arial"/>
+            </a:endParaRPr>
+          </a:p>
+          <a:p>
+            <a:pPr lvl="2" marL="1296000" indent="-288000">
+              <a:spcBef>
+                <a:spcPts val="850"/>
+              </a:spcBef>
+              <a:buClr>
+                <a:srgbClr val="000000"/>
+              </a:buClr>
+              <a:buSzPct val="45000"/>
+              <a:buFont typeface="Wingdings" charset="2"/>
+              <a:buChar char=""/>
+            </a:pPr>
+            <a:r>
+              <a:rPr b="0" lang="en-US" sz="1800" spc="-1" strike="noStrike">
+                <a:solidFill>
+                  <a:srgbClr val="000000"/>
+                </a:solidFill>
+                <a:uFill>
+                  <a:solidFill>
+                    <a:srgbClr val="ffffff"/>
+                  </a:solidFill>
+                </a:uFill>
+                <a:latin typeface="Arial"/>
+              </a:rPr>
+              <a:t>Third Outline Level</a:t>
+            </a:r>
+            <a:endParaRPr b="0" lang="en-US" sz="1800" spc="-1" strike="noStrike">
+              <a:solidFill>
+                <a:srgbClr val="000000"/>
+              </a:solidFill>
+              <a:uFill>
+                <a:solidFill>
+                  <a:srgbClr val="ffffff"/>
+                </a:solidFill>
+              </a:uFill>
+              <a:latin typeface="Arial"/>
+            </a:endParaRPr>
+          </a:p>
+          <a:p>
+            <a:pPr lvl="3" marL="1728000" indent="-216000">
+              <a:spcBef>
+                <a:spcPts val="567"/>
+              </a:spcBef>
+              <a:buClr>
+                <a:srgbClr val="000000"/>
+              </a:buClr>
+              <a:buSzPct val="75000"/>
+              <a:buFont typeface="Symbol" charset="2"/>
+              <a:buChar char=""/>
+            </a:pPr>
+            <a:r>
+              <a:rPr b="0" lang="en-US" sz="1800" spc="-1" strike="noStrike">
+                <a:solidFill>
+                  <a:srgbClr val="000000"/>
+                </a:solidFill>
+                <a:uFill>
+                  <a:solidFill>
+                    <a:srgbClr val="ffffff"/>
+                  </a:solidFill>
+                </a:uFill>
+                <a:latin typeface="Arial"/>
+              </a:rPr>
+              <a:t>Fourth Outline Level</a:t>
+            </a:r>
+            <a:endParaRPr b="0" lang="en-US" sz="1800" spc="-1" strike="noStrike">
+              <a:solidFill>
+                <a:srgbClr val="000000"/>
+              </a:solidFill>
+              <a:uFill>
+                <a:solidFill>
+                  <a:srgbClr val="ffffff"/>
+                </a:solidFill>
+              </a:uFill>
+              <a:latin typeface="Arial"/>
+            </a:endParaRPr>
+          </a:p>
+          <a:p>
+            <a:pPr lvl="4" marL="2160000" indent="-216000">
+              <a:spcBef>
+                <a:spcPts val="283"/>
+              </a:spcBef>
+              <a:buClr>
+                <a:srgbClr val="000000"/>
+              </a:buClr>
+              <a:buSzPct val="45000"/>
+              <a:buFont typeface="Wingdings" charset="2"/>
+              <a:buChar char=""/>
+            </a:pPr>
+            <a:r>
+              <a:rPr b="0" lang="en-US" sz="1800" spc="-1" strike="noStrike">
+                <a:solidFill>
+                  <a:srgbClr val="000000"/>
+                </a:solidFill>
+                <a:uFill>
+                  <a:solidFill>
+                    <a:srgbClr val="ffffff"/>
+                  </a:solidFill>
+                </a:uFill>
+                <a:latin typeface="Arial"/>
+              </a:rPr>
+              <a:t>Fifth Outline Level</a:t>
+            </a:r>
+            <a:endParaRPr b="0" lang="en-US" sz="1800" spc="-1" strike="noStrike">
+              <a:solidFill>
+                <a:srgbClr val="000000"/>
+              </a:solidFill>
+              <a:uFill>
+                <a:solidFill>
+                  <a:srgbClr val="ffffff"/>
+                </a:solidFill>
+              </a:uFill>
+              <a:latin typeface="Arial"/>
+            </a:endParaRPr>
+          </a:p>
+          <a:p>
+            <a:pPr lvl="5" marL="2592000" indent="-216000">
+              <a:spcBef>
+                <a:spcPts val="283"/>
+              </a:spcBef>
+              <a:buClr>
+                <a:srgbClr val="000000"/>
+              </a:buClr>
+              <a:buSzPct val="45000"/>
+              <a:buFont typeface="Wingdings" charset="2"/>
+              <a:buChar char=""/>
+            </a:pPr>
+            <a:r>
+              <a:rPr b="0" lang="en-US" sz="1800" spc="-1" strike="noStrike">
+                <a:solidFill>
+                  <a:srgbClr val="000000"/>
+                </a:solidFill>
+                <a:uFill>
+                  <a:solidFill>
+                    <a:srgbClr val="ffffff"/>
+                  </a:solidFill>
+                </a:uFill>
+                <a:latin typeface="Arial"/>
+              </a:rPr>
+              <a:t>Sixth Outline Level</a:t>
+            </a:r>
+            <a:endParaRPr b="0" lang="en-US" sz="1800" spc="-1" strike="noStrike">
+              <a:solidFill>
+                <a:srgbClr val="000000"/>
+              </a:solidFill>
+              <a:uFill>
+                <a:solidFill>
+                  <a:srgbClr val="ffffff"/>
+                </a:solidFill>
+              </a:uFill>
+              <a:latin typeface="Arial"/>
+            </a:endParaRPr>
+          </a:p>
+          <a:p>
+            <a:pPr lvl="6" marL="3024000" indent="-216000">
+              <a:spcBef>
+                <a:spcPts val="283"/>
+              </a:spcBef>
+              <a:buClr>
+                <a:srgbClr val="000000"/>
+              </a:buClr>
+              <a:buSzPct val="45000"/>
+              <a:buFont typeface="Wingdings" charset="2"/>
+              <a:buChar char=""/>
+            </a:pPr>
+            <a:r>
+              <a:rPr b="0" lang="en-US" sz="1800" spc="-1" strike="noStrike">
+                <a:solidFill>
+                  <a:srgbClr val="000000"/>
+                </a:solidFill>
+                <a:uFill>
+                  <a:solidFill>
+                    <a:srgbClr val="ffffff"/>
+                  </a:solidFill>
+                </a:uFill>
+                <a:latin typeface="Arial"/>
+              </a:rPr>
+              <a:t>Seventh Outline Level</a:t>
+            </a:r>
+            <a:endParaRPr b="0" lang="en-US" sz="1800" spc="-1" strike="noStrike">
+              <a:solidFill>
+                <a:srgbClr val="000000"/>
+              </a:solidFill>
+              <a:uFill>
+                <a:solidFill>
+                  <a:srgbClr val="ffffff"/>
+                </a:solidFill>
+              </a:uFill>
+              <a:latin typeface="Arial"/>
+            </a:endParaRPr>
+          </a:p>
+        </p:txBody>
+      </p:sp>
+    </p:spTree>
+  </p:cSld>
+  <p:clrMap bg1="lt1" bg2="lt2" tx1="dk1" tx2="dk2" accent1="accent1" accent2="accent2" accent3="accent3" accent4="accent4" accent5="accent5" accent6="accent6" hlink="hlink" folHlink="folHlink"/>
+  <p:sldLayoutIdLst>
+    <p:sldLayoutId id="2147483662" r:id="rId2"/>
+    <p:sldLayoutId id="2147483663" r:id="rId3"/>
+    <p:sldLayoutId id="2147483664" r:id="rId4"/>
+    <p:sldLayoutId id="2147483665" r:id="rId5"/>
+    <p:sldLayoutId id="2147483666" r:id="rId6"/>
+    <p:sldLayoutId id="2147483667" r:id="rId7"/>
+    <p:sldLayoutId id="2147483668" r:id="rId8"/>
+    <p:sldLayoutId id="2147483669" r:id="rId9"/>
+    <p:sldLayoutId id="2147483670" r:id="rId10"/>
+    <p:sldLayoutId id="2147483671" r:id="rId11"/>
+    <p:sldLayoutId id="2147483672" r:id="rId12"/>
+    <p:sldLayoutId id="2147483673" r:id="rId13"/>
   </p:sldLayoutIdLst>
 </p:sldMaster>
 </file>
@@ -2148,14 +4043,14 @@
       </p:grpSpPr>
       <p:sp>
         <p:nvSpPr>
-          <p:cNvPr id="41" name="TextShape 1"/>
-          <p:cNvSpPr txBox="1"/>
+          <p:cNvPr id="76" name="CustomShape 1"/>
+          <p:cNvSpPr/>
           <p:nvPr/>
         </p:nvSpPr>
         <p:spPr>
           <a:xfrm>
             <a:off x="468360" y="2340000"/>
-            <a:ext cx="9071640" cy="1262160"/>
+            <a:ext cx="9071280" cy="1261800"/>
           </a:xfrm>
           <a:prstGeom prst="rect">
             <a:avLst/>
@@ -2165,11 +4060,17 @@
             <a:noFill/>
           </a:ln>
         </p:spPr>
+        <p:style>
+          <a:lnRef idx="0"/>
+          <a:fillRef idx="0"/>
+          <a:effectRef idx="0"/>
+          <a:fontRef idx="minor"/>
+        </p:style>
         <p:txBody>
           <a:bodyPr lIns="0" rIns="0" tIns="0" bIns="0" anchor="ctr"/>
           <a:p>
             <a:r>
-              <a:rPr b="0" lang="zxx" sz="4400" spc="-1" strike="noStrike">
+              <a:rPr b="0" lang="en-US" sz="4400" spc="-1" strike="noStrike">
                 <a:solidFill>
                   <a:srgbClr val="000000"/>
                 </a:solidFill>
@@ -2184,7 +4085,7 @@
             </a:r>
             <a:br/>
             <a:r>
-              <a:rPr b="0" lang="zxx" sz="4400" spc="-1" strike="noStrike">
+              <a:rPr b="0" lang="en-US" sz="4400" spc="-1" strike="noStrike">
                 <a:solidFill>
                   <a:srgbClr val="000000"/>
                 </a:solidFill>
@@ -2197,7 +4098,7 @@
               </a:rPr>
               <a:t>Team Least Squares</a:t>
             </a:r>
-            <a:endParaRPr b="0" lang="zxx" sz="4400" spc="-1" strike="noStrike">
+            <a:endParaRPr b="0" lang="en-US" sz="4400" spc="-1" strike="noStrike">
               <a:solidFill>
                 <a:srgbClr val="000000"/>
               </a:solidFill>
@@ -2213,6 +4114,33 @@
       </p:sp>
     </p:spTree>
   </p:cSld>
+  <p:timing>
+    <p:tnLst>
+      <p:par>
+        <p:cTn id="1" dur="indefinite" restart="never" nodeType="tmRoot">
+          <p:childTnLst>
+            <p:seq>
+              <p:cTn id="2" nodeType="mainSeq"/>
+              <p:prevCondLst>
+                <p:cond delay="0" evt="onPrev">
+                  <p:tgtEl>
+                    <p:sldTgt/>
+                  </p:tgtEl>
+                </p:cond>
+              </p:prevCondLst>
+              <p:nextCondLst>
+                <p:cond delay="0" evt="onNext">
+                  <p:tgtEl>
+                    <p:sldTgt/>
+                  </p:tgtEl>
+                </p:cond>
+              </p:nextCondLst>
+            </p:seq>
+          </p:childTnLst>
+        </p:cTn>
+      </p:par>
+    </p:tnLst>
+  </p:timing>
 </p:sld>
 </file>
 
@@ -2235,14 +4163,14 @@
       </p:grpSpPr>
       <p:sp>
         <p:nvSpPr>
-          <p:cNvPr id="57" name="TextShape 1"/>
-          <p:cNvSpPr txBox="1"/>
+          <p:cNvPr id="92" name="CustomShape 1"/>
+          <p:cNvSpPr/>
           <p:nvPr/>
         </p:nvSpPr>
         <p:spPr>
           <a:xfrm>
             <a:off x="504000" y="301320"/>
-            <a:ext cx="9071640" cy="1262160"/>
+            <a:ext cx="9071280" cy="1261800"/>
           </a:xfrm>
           <a:prstGeom prst="rect">
             <a:avLst/>
@@ -2252,12 +4180,22 @@
             <a:noFill/>
           </a:ln>
         </p:spPr>
+        <p:style>
+          <a:lnRef idx="0"/>
+          <a:fillRef idx="0"/>
+          <a:effectRef idx="0"/>
+          <a:fontRef idx="minor"/>
+        </p:style>
         <p:txBody>
           <a:bodyPr lIns="0" rIns="0" tIns="0" bIns="0" anchor="ctr"/>
           <a:p>
-            <a:pPr algn="ctr"/>
+            <a:pPr algn="ctr">
+              <a:lnSpc>
+                <a:spcPct val="100000"/>
+              </a:lnSpc>
+            </a:pPr>
             <a:r>
-              <a:rPr b="0" lang="zxx" sz="4400" spc="-1" strike="noStrike">
+              <a:rPr b="0" lang="en-US" sz="4400" spc="-1" strike="noStrike">
                 <a:solidFill>
                   <a:srgbClr val="000000"/>
                 </a:solidFill>
@@ -2270,30 +4208,30 @@
               </a:rPr>
               <a:t>Feature Engineering</a:t>
             </a:r>
-            <a:endParaRPr b="0" lang="zxx" sz="4400" spc="-1" strike="noStrike">
-              <a:solidFill>
-                <a:srgbClr val="000000"/>
-              </a:solidFill>
-              <a:uFill>
-                <a:solidFill>
-                  <a:srgbClr val="ffffff"/>
-                </a:solidFill>
-              </a:uFill>
-              <a:latin typeface="Arial"/>
-            </a:endParaRPr>
-          </a:p>
-        </p:txBody>
-      </p:sp>
-      <p:sp>
-        <p:nvSpPr>
-          <p:cNvPr id="58" name="TextShape 2"/>
-          <p:cNvSpPr txBox="1"/>
+            <a:endParaRPr b="0" lang="en-US" sz="4400" spc="-1" strike="noStrike">
+              <a:solidFill>
+                <a:srgbClr val="000000"/>
+              </a:solidFill>
+              <a:uFill>
+                <a:solidFill>
+                  <a:srgbClr val="ffffff"/>
+                </a:solidFill>
+              </a:uFill>
+              <a:latin typeface="Arial"/>
+            </a:endParaRPr>
+          </a:p>
+        </p:txBody>
+      </p:sp>
+      <p:sp>
+        <p:nvSpPr>
+          <p:cNvPr id="93" name="CustomShape 2"/>
+          <p:cNvSpPr/>
           <p:nvPr/>
         </p:nvSpPr>
         <p:spPr>
           <a:xfrm>
             <a:off x="504000" y="1769040"/>
-            <a:ext cx="9071640" cy="4384800"/>
+            <a:ext cx="9071280" cy="4384440"/>
           </a:xfrm>
           <a:prstGeom prst="rect">
             <a:avLst/>
@@ -2303,10 +4241,19 @@
             <a:noFill/>
           </a:ln>
         </p:spPr>
+        <p:style>
+          <a:lnRef idx="0"/>
+          <a:fillRef idx="0"/>
+          <a:effectRef idx="0"/>
+          <a:fontRef idx="minor"/>
+        </p:style>
         <p:txBody>
           <a:bodyPr lIns="0" rIns="0" tIns="0" bIns="0"/>
           <a:p>
-            <a:pPr marL="432000" indent="-324000">
+            <a:pPr marL="432000" indent="-323640">
+              <a:lnSpc>
+                <a:spcPct val="100000"/>
+              </a:lnSpc>
               <a:spcAft>
                 <a:spcPts val="1417"/>
               </a:spcAft>
@@ -2318,7 +4265,7 @@
               <a:buChar char=""/>
             </a:pPr>
             <a:r>
-              <a:rPr b="0" lang="zxx" sz="3200" spc="-1" strike="noStrike">
+              <a:rPr b="0" lang="en-US" sz="3200" spc="-1" strike="noStrike">
                 <a:solidFill>
                   <a:srgbClr val="000000"/>
                 </a:solidFill>
@@ -2331,20 +4278,23 @@
               </a:rPr>
               <a:t>Outliers</a:t>
             </a:r>
-            <a:endParaRPr b="0" lang="zxx" sz="3200" spc="-1" strike="noStrike">
-              <a:solidFill>
-                <a:srgbClr val="000000"/>
-              </a:solidFill>
-              <a:uFill>
-                <a:solidFill>
-                  <a:srgbClr val="ffffff"/>
-                </a:solidFill>
-              </a:uFill>
-              <a:latin typeface="Arial"/>
-            </a:endParaRPr>
-          </a:p>
-          <a:p>
-            <a:pPr marL="432000" indent="-324000">
+            <a:endParaRPr b="0" lang="en-US" sz="3200" spc="-1" strike="noStrike">
+              <a:solidFill>
+                <a:srgbClr val="000000"/>
+              </a:solidFill>
+              <a:uFill>
+                <a:solidFill>
+                  <a:srgbClr val="ffffff"/>
+                </a:solidFill>
+              </a:uFill>
+              <a:latin typeface="Arial"/>
+            </a:endParaRPr>
+          </a:p>
+          <a:p>
+            <a:pPr marL="432000" indent="-323640">
+              <a:lnSpc>
+                <a:spcPct val="100000"/>
+              </a:lnSpc>
               <a:spcAft>
                 <a:spcPts val="1417"/>
               </a:spcAft>
@@ -2356,7 +4306,7 @@
               <a:buChar char=""/>
             </a:pPr>
             <a:r>
-              <a:rPr b="0" lang="zxx" sz="3200" spc="-1" strike="noStrike">
+              <a:rPr b="0" lang="en-US" sz="3200" spc="-1" strike="noStrike">
                 <a:solidFill>
                   <a:srgbClr val="000000"/>
                 </a:solidFill>
@@ -2369,20 +4319,23 @@
               </a:rPr>
               <a:t>Skewness</a:t>
             </a:r>
-            <a:endParaRPr b="0" lang="zxx" sz="3200" spc="-1" strike="noStrike">
-              <a:solidFill>
-                <a:srgbClr val="000000"/>
-              </a:solidFill>
-              <a:uFill>
-                <a:solidFill>
-                  <a:srgbClr val="ffffff"/>
-                </a:solidFill>
-              </a:uFill>
-              <a:latin typeface="Arial"/>
-            </a:endParaRPr>
-          </a:p>
-          <a:p>
-            <a:pPr marL="432000" indent="-324000">
+            <a:endParaRPr b="0" lang="en-US" sz="3200" spc="-1" strike="noStrike">
+              <a:solidFill>
+                <a:srgbClr val="000000"/>
+              </a:solidFill>
+              <a:uFill>
+                <a:solidFill>
+                  <a:srgbClr val="ffffff"/>
+                </a:solidFill>
+              </a:uFill>
+              <a:latin typeface="Arial"/>
+            </a:endParaRPr>
+          </a:p>
+          <a:p>
+            <a:pPr marL="432000" indent="-323640">
+              <a:lnSpc>
+                <a:spcPct val="100000"/>
+              </a:lnSpc>
               <a:spcAft>
                 <a:spcPts val="1417"/>
               </a:spcAft>
@@ -2394,7 +4347,7 @@
               <a:buChar char=""/>
             </a:pPr>
             <a:r>
-              <a:rPr b="0" lang="zxx" sz="3200" spc="-1" strike="noStrike">
+              <a:rPr b="0" lang="en-US" sz="3200" spc="-1" strike="noStrike">
                 <a:solidFill>
                   <a:srgbClr val="000000"/>
                 </a:solidFill>
@@ -2407,20 +4360,23 @@
               </a:rPr>
               <a:t>Scaled</a:t>
             </a:r>
-            <a:endParaRPr b="0" lang="zxx" sz="3200" spc="-1" strike="noStrike">
-              <a:solidFill>
-                <a:srgbClr val="000000"/>
-              </a:solidFill>
-              <a:uFill>
-                <a:solidFill>
-                  <a:srgbClr val="ffffff"/>
-                </a:solidFill>
-              </a:uFill>
-              <a:latin typeface="Arial"/>
-            </a:endParaRPr>
-          </a:p>
-          <a:p>
-            <a:pPr marL="432000" indent="-324000">
+            <a:endParaRPr b="0" lang="en-US" sz="3200" spc="-1" strike="noStrike">
+              <a:solidFill>
+                <a:srgbClr val="000000"/>
+              </a:solidFill>
+              <a:uFill>
+                <a:solidFill>
+                  <a:srgbClr val="ffffff"/>
+                </a:solidFill>
+              </a:uFill>
+              <a:latin typeface="Arial"/>
+            </a:endParaRPr>
+          </a:p>
+          <a:p>
+            <a:pPr marL="432000" indent="-323640">
+              <a:lnSpc>
+                <a:spcPct val="100000"/>
+              </a:lnSpc>
               <a:spcAft>
                 <a:spcPts val="1417"/>
               </a:spcAft>
@@ -2432,7 +4388,7 @@
               <a:buChar char=""/>
             </a:pPr>
             <a:r>
-              <a:rPr b="0" lang="zxx" sz="3200" spc="-1" strike="noStrike">
+              <a:rPr b="0" lang="en-US" sz="3200" spc="-1" strike="noStrike">
                 <a:solidFill>
                   <a:srgbClr val="000000"/>
                 </a:solidFill>
@@ -2445,7 +4401,7 @@
               </a:rPr>
               <a:t>Numerical=&gt;Categorical</a:t>
             </a:r>
-            <a:endParaRPr b="0" lang="zxx" sz="3200" spc="-1" strike="noStrike">
+            <a:endParaRPr b="0" lang="en-US" sz="3200" spc="-1" strike="noStrike">
               <a:solidFill>
                 <a:srgbClr val="000000"/>
               </a:solidFill>
@@ -2461,6 +4417,33 @@
       </p:sp>
     </p:spTree>
   </p:cSld>
+  <p:timing>
+    <p:tnLst>
+      <p:par>
+        <p:cTn id="19" dur="indefinite" restart="never" nodeType="tmRoot">
+          <p:childTnLst>
+            <p:seq>
+              <p:cTn id="20" nodeType="mainSeq"/>
+              <p:prevCondLst>
+                <p:cond delay="0" evt="onPrev">
+                  <p:tgtEl>
+                    <p:sldTgt/>
+                  </p:tgtEl>
+                </p:cond>
+              </p:prevCondLst>
+              <p:nextCondLst>
+                <p:cond delay="0" evt="onNext">
+                  <p:tgtEl>
+                    <p:sldTgt/>
+                  </p:tgtEl>
+                </p:cond>
+              </p:nextCondLst>
+            </p:seq>
+          </p:childTnLst>
+        </p:cTn>
+      </p:par>
+    </p:tnLst>
+  </p:timing>
 </p:sld>
 </file>
 
@@ -2483,14 +4466,14 @@
       </p:grpSpPr>
       <p:sp>
         <p:nvSpPr>
-          <p:cNvPr id="59" name="TextShape 1"/>
+          <p:cNvPr id="94" name="TextShape 1"/>
           <p:cNvSpPr txBox="1"/>
           <p:nvPr/>
         </p:nvSpPr>
         <p:spPr>
           <a:xfrm>
-            <a:off x="504000" y="301320"/>
-            <a:ext cx="9071640" cy="1262160"/>
+            <a:off x="540000" y="-166680"/>
+            <a:ext cx="9071280" cy="1261800"/>
           </a:xfrm>
           <a:prstGeom prst="rect">
             <a:avLst/>
@@ -2505,7 +4488,7 @@
           <a:p>
             <a:pPr algn="ctr"/>
             <a:r>
-              <a:rPr b="0" lang="zxx" sz="4400" spc="-1" strike="noStrike">
+              <a:rPr b="0" lang="en-US" sz="4400" spc="-1" strike="noStrike">
                 <a:solidFill>
                   <a:srgbClr val="000000"/>
                 </a:solidFill>
@@ -2516,237 +4499,74 @@
                 </a:uFill>
                 <a:latin typeface="Arial"/>
               </a:rPr>
-              <a:t>Linear Models</a:t>
+              <a:t>Feature Transformation</a:t>
             </a:r>
-            <a:endParaRPr b="0" lang="zxx" sz="4400" spc="-1" strike="noStrike">
-              <a:solidFill>
-                <a:srgbClr val="000000"/>
-              </a:solidFill>
-              <a:uFill>
-                <a:solidFill>
-                  <a:srgbClr val="ffffff"/>
-                </a:solidFill>
-              </a:uFill>
-              <a:latin typeface="Arial"/>
-            </a:endParaRPr>
-          </a:p>
-        </p:txBody>
-      </p:sp>
-      <p:sp>
-        <p:nvSpPr>
-          <p:cNvPr id="60" name="TextShape 2"/>
-          <p:cNvSpPr txBox="1"/>
+            <a:endParaRPr b="0" lang="en-US" sz="4400" spc="-1" strike="noStrike">
+              <a:solidFill>
+                <a:srgbClr val="000000"/>
+              </a:solidFill>
+              <a:uFill>
+                <a:solidFill>
+                  <a:srgbClr val="ffffff"/>
+                </a:solidFill>
+              </a:uFill>
+              <a:latin typeface="Arial"/>
+            </a:endParaRPr>
+          </a:p>
+        </p:txBody>
+      </p:sp>
+      <p:pic>
+        <p:nvPicPr>
+          <p:cNvPr id="95" name="" descr=""/>
+          <p:cNvPicPr/>
           <p:nvPr/>
-        </p:nvSpPr>
-        <p:spPr>
-          <a:xfrm>
-            <a:off x="504000" y="1769040"/>
-            <a:ext cx="9071640" cy="4384800"/>
-          </a:xfrm>
-          <a:prstGeom prst="rect">
-            <a:avLst/>
-          </a:prstGeom>
-          <a:noFill/>
+        </p:nvPicPr>
+        <p:blipFill>
+          <a:blip r:embed="rId1"/>
+          <a:stretch/>
+        </p:blipFill>
+        <p:spPr>
+          <a:xfrm>
+            <a:off x="1046880" y="731520"/>
+            <a:ext cx="8118720" cy="6724440"/>
+          </a:xfrm>
+          <a:prstGeom prst="rect">
+            <a:avLst/>
+          </a:prstGeom>
           <a:ln>
             <a:noFill/>
           </a:ln>
         </p:spPr>
-        <p:txBody>
-          <a:bodyPr lIns="0" rIns="0" tIns="0" bIns="0"/>
-          <a:p>
-            <a:pPr marL="432000" indent="-324000">
-              <a:spcAft>
-                <a:spcPts val="1417"/>
-              </a:spcAft>
-              <a:buClr>
-                <a:srgbClr val="000000"/>
-              </a:buClr>
-              <a:buSzPct val="45000"/>
-              <a:buFont typeface="Wingdings" charset="2"/>
-              <a:buChar char=""/>
-            </a:pPr>
-            <a:r>
-              <a:rPr b="0" lang="zxx" sz="3200" spc="-1" strike="noStrike">
-                <a:solidFill>
-                  <a:srgbClr val="000000"/>
-                </a:solidFill>
-                <a:uFill>
-                  <a:solidFill>
-                    <a:srgbClr val="ffffff"/>
-                  </a:solidFill>
-                </a:uFill>
-                <a:latin typeface="Arial"/>
-              </a:rPr>
-              <a:t>Worked with Shortlisted 20</a:t>
-            </a:r>
-            <a:endParaRPr b="0" lang="zxx" sz="3200" spc="-1" strike="noStrike">
-              <a:solidFill>
-                <a:srgbClr val="000000"/>
-              </a:solidFill>
-              <a:uFill>
-                <a:solidFill>
-                  <a:srgbClr val="ffffff"/>
-                </a:solidFill>
-              </a:uFill>
-              <a:latin typeface="Arial"/>
-            </a:endParaRPr>
-          </a:p>
-          <a:p>
-            <a:pPr marL="432000" indent="-324000">
-              <a:spcAft>
-                <a:spcPts val="1417"/>
-              </a:spcAft>
-              <a:buClr>
-                <a:srgbClr val="000000"/>
-              </a:buClr>
-              <a:buSzPct val="45000"/>
-              <a:buFont typeface="Wingdings" charset="2"/>
-              <a:buChar char=""/>
-            </a:pPr>
-            <a:r>
-              <a:rPr b="0" lang="zxx" sz="3200" spc="-1" strike="noStrike">
-                <a:solidFill>
-                  <a:srgbClr val="000000"/>
-                </a:solidFill>
-                <a:uFill>
-                  <a:solidFill>
-                    <a:srgbClr val="ffffff"/>
-                  </a:solidFill>
-                </a:uFill>
-                <a:latin typeface="Arial"/>
-              </a:rPr>
-              <a:t>Categorical Grouped into Quartiles</a:t>
-            </a:r>
-            <a:endParaRPr b="0" lang="zxx" sz="3200" spc="-1" strike="noStrike">
-              <a:solidFill>
-                <a:srgbClr val="000000"/>
-              </a:solidFill>
-              <a:uFill>
-                <a:solidFill>
-                  <a:srgbClr val="ffffff"/>
-                </a:solidFill>
-              </a:uFill>
-              <a:latin typeface="Arial"/>
-            </a:endParaRPr>
-          </a:p>
-          <a:p>
-            <a:pPr lvl="1" marL="864000" indent="-324000">
-              <a:spcAft>
-                <a:spcPts val="1134"/>
-              </a:spcAft>
-              <a:buClr>
-                <a:srgbClr val="000000"/>
-              </a:buClr>
-              <a:buSzPct val="45000"/>
-              <a:buFont typeface="Wingdings" charset="2"/>
-              <a:buChar char=""/>
-            </a:pPr>
-            <a:r>
-              <a:rPr b="0" lang="zxx" sz="2800" spc="-1" strike="noStrike">
-                <a:solidFill>
-                  <a:srgbClr val="000000"/>
-                </a:solidFill>
-                <a:uFill>
-                  <a:solidFill>
-                    <a:srgbClr val="ffffff"/>
-                  </a:solidFill>
-                </a:uFill>
-                <a:latin typeface="Arial"/>
-              </a:rPr>
-              <a:t>Neighborhood</a:t>
-            </a:r>
-            <a:endParaRPr b="0" lang="zxx" sz="2800" spc="-1" strike="noStrike">
-              <a:solidFill>
-                <a:srgbClr val="000000"/>
-              </a:solidFill>
-              <a:uFill>
-                <a:solidFill>
-                  <a:srgbClr val="ffffff"/>
-                </a:solidFill>
-              </a:uFill>
-              <a:latin typeface="Arial"/>
-            </a:endParaRPr>
-          </a:p>
-          <a:p>
-            <a:pPr lvl="1" marL="864000" indent="-324000">
-              <a:spcAft>
-                <a:spcPts val="1134"/>
-              </a:spcAft>
-              <a:buClr>
-                <a:srgbClr val="000000"/>
-              </a:buClr>
-              <a:buSzPct val="45000"/>
-              <a:buFont typeface="Wingdings" charset="2"/>
-              <a:buChar char=""/>
-            </a:pPr>
-            <a:r>
-              <a:rPr b="0" lang="zxx" sz="2800" spc="-1" strike="noStrike">
-                <a:solidFill>
-                  <a:srgbClr val="000000"/>
-                </a:solidFill>
-                <a:uFill>
-                  <a:solidFill>
-                    <a:srgbClr val="ffffff"/>
-                  </a:solidFill>
-                </a:uFill>
-                <a:latin typeface="Arial"/>
-              </a:rPr>
-              <a:t>Overall Quality</a:t>
-            </a:r>
-            <a:endParaRPr b="0" lang="zxx" sz="2800" spc="-1" strike="noStrike">
-              <a:solidFill>
-                <a:srgbClr val="000000"/>
-              </a:solidFill>
-              <a:uFill>
-                <a:solidFill>
-                  <a:srgbClr val="ffffff"/>
-                </a:solidFill>
-              </a:uFill>
-              <a:latin typeface="Arial"/>
-            </a:endParaRPr>
-          </a:p>
-          <a:p>
-            <a:pPr marL="432000" indent="-324000">
-              <a:spcAft>
-                <a:spcPts val="1417"/>
-              </a:spcAft>
-              <a:buClr>
-                <a:srgbClr val="000000"/>
-              </a:buClr>
-              <a:buSzPct val="45000"/>
-              <a:buFont typeface="Wingdings" charset="2"/>
-              <a:buChar char=""/>
-            </a:pPr>
-            <a:r>
-              <a:rPr b="0" lang="zxx" sz="3200" spc="-1" strike="noStrike">
-                <a:solidFill>
-                  <a:srgbClr val="000000"/>
-                </a:solidFill>
-                <a:uFill>
-                  <a:solidFill>
-                    <a:srgbClr val="ffffff"/>
-                  </a:solidFill>
-                </a:uFill>
-                <a:latin typeface="Arial"/>
-              </a:rPr>
-              <a:t>Table of VIF</a:t>
-            </a:r>
-            <a:endParaRPr b="0" lang="zxx" sz="3200" spc="-1" strike="noStrike">
-              <a:solidFill>
-                <a:srgbClr val="000000"/>
-              </a:solidFill>
-              <a:uFill>
-                <a:solidFill>
-                  <a:srgbClr val="ffffff"/>
-                </a:solidFill>
-              </a:uFill>
-              <a:latin typeface="Arial"/>
-            </a:endParaRPr>
-          </a:p>
-        </p:txBody>
-      </p:sp>
+      </p:pic>
     </p:spTree>
   </p:cSld>
+  <p:timing>
+    <p:tnLst>
+      <p:par>
+        <p:cTn id="21" dur="indefinite" restart="never" nodeType="tmRoot">
+          <p:childTnLst>
+            <p:seq>
+              <p:cTn id="22" nodeType="mainSeq"/>
+              <p:prevCondLst>
+                <p:cond delay="0" evt="onPrev">
+                  <p:tgtEl>
+                    <p:sldTgt/>
+                  </p:tgtEl>
+                </p:cond>
+              </p:prevCondLst>
+              <p:nextCondLst>
+                <p:cond delay="0" evt="onNext">
+                  <p:tgtEl>
+                    <p:sldTgt/>
+                  </p:tgtEl>
+                </p:cond>
+              </p:nextCondLst>
+            </p:seq>
+          </p:childTnLst>
+        </p:cTn>
+      </p:par>
+    </p:tnLst>
+  </p:timing>
 </p:sld>
 </file>
 
@@ -2769,14 +4589,14 @@
       </p:grpSpPr>
       <p:sp>
         <p:nvSpPr>
-          <p:cNvPr id="61" name="TextShape 1"/>
-          <p:cNvSpPr txBox="1"/>
+          <p:cNvPr id="96" name="CustomShape 1"/>
+          <p:cNvSpPr/>
           <p:nvPr/>
         </p:nvSpPr>
         <p:spPr>
           <a:xfrm>
             <a:off x="504000" y="301320"/>
-            <a:ext cx="9071640" cy="1262160"/>
+            <a:ext cx="9071280" cy="1261800"/>
           </a:xfrm>
           <a:prstGeom prst="rect">
             <a:avLst/>
@@ -2786,12 +4606,22 @@
             <a:noFill/>
           </a:ln>
         </p:spPr>
+        <p:style>
+          <a:lnRef idx="0"/>
+          <a:fillRef idx="0"/>
+          <a:effectRef idx="0"/>
+          <a:fontRef idx="minor"/>
+        </p:style>
         <p:txBody>
           <a:bodyPr lIns="0" rIns="0" tIns="0" bIns="0" anchor="ctr"/>
           <a:p>
-            <a:pPr algn="ctr"/>
+            <a:pPr algn="ctr">
+              <a:lnSpc>
+                <a:spcPct val="100000"/>
+              </a:lnSpc>
+            </a:pPr>
             <a:r>
-              <a:rPr b="0" lang="zxx" sz="4400" spc="-1" strike="noStrike">
+              <a:rPr b="0" lang="en-US" sz="4400" spc="-1" strike="noStrike">
                 <a:solidFill>
                   <a:srgbClr val="000000"/>
                 </a:solidFill>
@@ -2802,32 +4632,32 @@
                 </a:uFill>
                 <a:latin typeface="Arial"/>
               </a:rPr>
-              <a:t>Linear Model (cont.)</a:t>
+              <a:t>Linear Models</a:t>
             </a:r>
-            <a:endParaRPr b="0" lang="zxx" sz="4400" spc="-1" strike="noStrike">
-              <a:solidFill>
-                <a:srgbClr val="000000"/>
-              </a:solidFill>
-              <a:uFill>
-                <a:solidFill>
-                  <a:srgbClr val="ffffff"/>
-                </a:solidFill>
-              </a:uFill>
-              <a:latin typeface="Arial"/>
-            </a:endParaRPr>
-          </a:p>
-        </p:txBody>
-      </p:sp>
-      <p:sp>
-        <p:nvSpPr>
-          <p:cNvPr id="62" name="TextShape 2"/>
-          <p:cNvSpPr txBox="1"/>
+            <a:endParaRPr b="0" lang="en-US" sz="4400" spc="-1" strike="noStrike">
+              <a:solidFill>
+                <a:srgbClr val="000000"/>
+              </a:solidFill>
+              <a:uFill>
+                <a:solidFill>
+                  <a:srgbClr val="ffffff"/>
+                </a:solidFill>
+              </a:uFill>
+              <a:latin typeface="Arial"/>
+            </a:endParaRPr>
+          </a:p>
+        </p:txBody>
+      </p:sp>
+      <p:sp>
+        <p:nvSpPr>
+          <p:cNvPr id="97" name="CustomShape 2"/>
+          <p:cNvSpPr/>
           <p:nvPr/>
         </p:nvSpPr>
         <p:spPr>
           <a:xfrm>
             <a:off x="504000" y="1769040"/>
-            <a:ext cx="9071640" cy="4384800"/>
+            <a:ext cx="9071280" cy="4384440"/>
           </a:xfrm>
           <a:prstGeom prst="rect">
             <a:avLst/>
@@ -2837,10 +4667,19 @@
             <a:noFill/>
           </a:ln>
         </p:spPr>
+        <p:style>
+          <a:lnRef idx="0"/>
+          <a:fillRef idx="0"/>
+          <a:effectRef idx="0"/>
+          <a:fontRef idx="minor"/>
+        </p:style>
         <p:txBody>
           <a:bodyPr lIns="0" rIns="0" tIns="0" bIns="0"/>
           <a:p>
-            <a:pPr marL="432000" indent="-324000">
+            <a:pPr marL="432000" indent="-323640">
+              <a:lnSpc>
+                <a:spcPct val="100000"/>
+              </a:lnSpc>
               <a:spcAft>
                 <a:spcPts val="1417"/>
               </a:spcAft>
@@ -2852,7 +4691,7 @@
               <a:buChar char=""/>
             </a:pPr>
             <a:r>
-              <a:rPr b="0" lang="zxx" sz="3200" spc="-1" strike="noStrike">
+              <a:rPr b="0" lang="en-US" sz="3200" spc="-1" strike="noStrike">
                 <a:solidFill>
                   <a:srgbClr val="000000"/>
                 </a:solidFill>
@@ -2863,9 +4702,173 @@
                 </a:uFill>
                 <a:latin typeface="Arial"/>
               </a:rPr>
-              <a:t>Influence Plot</a:t>
+              <a:t>Worked with Shortlisted 20</a:t>
             </a:r>
-            <a:endParaRPr b="0" lang="zxx" sz="3200" spc="-1" strike="noStrike">
+            <a:endParaRPr b="0" lang="en-US" sz="3200" spc="-1" strike="noStrike">
+              <a:solidFill>
+                <a:srgbClr val="000000"/>
+              </a:solidFill>
+              <a:uFill>
+                <a:solidFill>
+                  <a:srgbClr val="ffffff"/>
+                </a:solidFill>
+              </a:uFill>
+              <a:latin typeface="Arial"/>
+            </a:endParaRPr>
+          </a:p>
+          <a:p>
+            <a:pPr marL="432000" indent="-323640">
+              <a:lnSpc>
+                <a:spcPct val="100000"/>
+              </a:lnSpc>
+              <a:spcAft>
+                <a:spcPts val="1417"/>
+              </a:spcAft>
+              <a:buClr>
+                <a:srgbClr val="000000"/>
+              </a:buClr>
+              <a:buSzPct val="45000"/>
+              <a:buFont typeface="Wingdings" charset="2"/>
+              <a:buChar char=""/>
+            </a:pPr>
+            <a:r>
+              <a:rPr b="0" lang="en-US" sz="3200" spc="-1" strike="noStrike">
+                <a:solidFill>
+                  <a:srgbClr val="000000"/>
+                </a:solidFill>
+                <a:uFill>
+                  <a:solidFill>
+                    <a:srgbClr val="ffffff"/>
+                  </a:solidFill>
+                </a:uFill>
+                <a:latin typeface="Arial"/>
+              </a:rPr>
+              <a:t>Categorical Grouped into Quartiles</a:t>
+            </a:r>
+            <a:endParaRPr b="0" lang="en-US" sz="3200" spc="-1" strike="noStrike">
+              <a:solidFill>
+                <a:srgbClr val="000000"/>
+              </a:solidFill>
+              <a:uFill>
+                <a:solidFill>
+                  <a:srgbClr val="ffffff"/>
+                </a:solidFill>
+              </a:uFill>
+              <a:latin typeface="Arial"/>
+            </a:endParaRPr>
+          </a:p>
+          <a:p>
+            <a:pPr lvl="1" marL="864000" indent="-323640">
+              <a:lnSpc>
+                <a:spcPct val="100000"/>
+              </a:lnSpc>
+              <a:spcAft>
+                <a:spcPts val="1134"/>
+              </a:spcAft>
+              <a:buClr>
+                <a:srgbClr val="000000"/>
+              </a:buClr>
+              <a:buSzPct val="45000"/>
+              <a:buFont typeface="Wingdings" charset="2"/>
+              <a:buChar char=""/>
+            </a:pPr>
+            <a:r>
+              <a:rPr b="0" lang="en-US" sz="2800" spc="-1" strike="noStrike">
+                <a:solidFill>
+                  <a:srgbClr val="000000"/>
+                </a:solidFill>
+                <a:uFill>
+                  <a:solidFill>
+                    <a:srgbClr val="ffffff"/>
+                  </a:solidFill>
+                </a:uFill>
+                <a:latin typeface="Arial"/>
+              </a:rPr>
+              <a:t>Neighborhood</a:t>
+            </a:r>
+            <a:endParaRPr b="0" lang="en-US" sz="2800" spc="-1" strike="noStrike">
+              <a:solidFill>
+                <a:srgbClr val="000000"/>
+              </a:solidFill>
+              <a:uFill>
+                <a:solidFill>
+                  <a:srgbClr val="ffffff"/>
+                </a:solidFill>
+              </a:uFill>
+              <a:latin typeface="Arial"/>
+            </a:endParaRPr>
+          </a:p>
+          <a:p>
+            <a:pPr lvl="1" marL="864000" indent="-323640">
+              <a:lnSpc>
+                <a:spcPct val="100000"/>
+              </a:lnSpc>
+              <a:spcAft>
+                <a:spcPts val="1134"/>
+              </a:spcAft>
+              <a:buClr>
+                <a:srgbClr val="000000"/>
+              </a:buClr>
+              <a:buSzPct val="45000"/>
+              <a:buFont typeface="Wingdings" charset="2"/>
+              <a:buChar char=""/>
+            </a:pPr>
+            <a:r>
+              <a:rPr b="0" lang="en-US" sz="2800" spc="-1" strike="noStrike">
+                <a:solidFill>
+                  <a:srgbClr val="000000"/>
+                </a:solidFill>
+                <a:uFill>
+                  <a:solidFill>
+                    <a:srgbClr val="ffffff"/>
+                  </a:solidFill>
+                </a:uFill>
+                <a:latin typeface="Arial"/>
+              </a:rPr>
+              <a:t>Overall Quality</a:t>
+            </a:r>
+            <a:endParaRPr b="0" lang="en-US" sz="2800" spc="-1" strike="noStrike">
+              <a:solidFill>
+                <a:srgbClr val="000000"/>
+              </a:solidFill>
+              <a:uFill>
+                <a:solidFill>
+                  <a:srgbClr val="ffffff"/>
+                </a:solidFill>
+              </a:uFill>
+              <a:latin typeface="Arial"/>
+            </a:endParaRPr>
+          </a:p>
+          <a:p>
+            <a:pPr marL="432000" indent="-323640">
+              <a:lnSpc>
+                <a:spcPct val="100000"/>
+              </a:lnSpc>
+              <a:spcAft>
+                <a:spcPts val="1417"/>
+              </a:spcAft>
+              <a:buClr>
+                <a:srgbClr val="000000"/>
+              </a:buClr>
+              <a:buSzPct val="45000"/>
+              <a:buFont typeface="Wingdings" charset="2"/>
+              <a:buChar char=""/>
+            </a:pPr>
+            <a:r>
+              <a:rPr b="0" lang="en-US" sz="3200" spc="-1" strike="noStrike">
+                <a:solidFill>
+                  <a:srgbClr val="000000"/>
+                </a:solidFill>
+                <a:uFill>
+                  <a:solidFill>
+                    <a:srgbClr val="ffffff"/>
+                  </a:solidFill>
+                </a:uFill>
+                <a:latin typeface="Arial"/>
+              </a:rPr>
+              <a:t>Table of VIF</a:t>
+            </a:r>
+            <a:endParaRPr b="0" lang="en-US" sz="3200" spc="-1" strike="noStrike">
               <a:solidFill>
                 <a:srgbClr val="000000"/>
               </a:solidFill>
@@ -2881,6 +4884,33 @@
       </p:sp>
     </p:spTree>
   </p:cSld>
+  <p:timing>
+    <p:tnLst>
+      <p:par>
+        <p:cTn id="23" dur="indefinite" restart="never" nodeType="tmRoot">
+          <p:childTnLst>
+            <p:seq>
+              <p:cTn id="24" nodeType="mainSeq"/>
+              <p:prevCondLst>
+                <p:cond delay="0" evt="onPrev">
+                  <p:tgtEl>
+                    <p:sldTgt/>
+                  </p:tgtEl>
+                </p:cond>
+              </p:prevCondLst>
+              <p:nextCondLst>
+                <p:cond delay="0" evt="onNext">
+                  <p:tgtEl>
+                    <p:sldTgt/>
+                  </p:tgtEl>
+                </p:cond>
+              </p:nextCondLst>
+            </p:seq>
+          </p:childTnLst>
+        </p:cTn>
+      </p:par>
+    </p:tnLst>
+  </p:timing>
 </p:sld>
 </file>
 
@@ -2903,14 +4933,14 @@
       </p:grpSpPr>
       <p:sp>
         <p:nvSpPr>
-          <p:cNvPr id="63" name="TextShape 1"/>
-          <p:cNvSpPr txBox="1"/>
+          <p:cNvPr id="98" name="CustomShape 1"/>
+          <p:cNvSpPr/>
           <p:nvPr/>
         </p:nvSpPr>
         <p:spPr>
           <a:xfrm>
             <a:off x="504000" y="301320"/>
-            <a:ext cx="9071640" cy="1262160"/>
+            <a:ext cx="9071280" cy="1261800"/>
           </a:xfrm>
           <a:prstGeom prst="rect">
             <a:avLst/>
@@ -2920,12 +4950,22 @@
             <a:noFill/>
           </a:ln>
         </p:spPr>
+        <p:style>
+          <a:lnRef idx="0"/>
+          <a:fillRef idx="0"/>
+          <a:effectRef idx="0"/>
+          <a:fontRef idx="minor"/>
+        </p:style>
         <p:txBody>
           <a:bodyPr lIns="0" rIns="0" tIns="0" bIns="0" anchor="ctr"/>
           <a:p>
-            <a:pPr algn="ctr"/>
+            <a:pPr algn="ctr">
+              <a:lnSpc>
+                <a:spcPct val="100000"/>
+              </a:lnSpc>
+            </a:pPr>
             <a:r>
-              <a:rPr b="0" lang="zxx" sz="4400" spc="-1" strike="noStrike">
+              <a:rPr b="0" lang="en-US" sz="4400" spc="-1" strike="noStrike">
                 <a:solidFill>
                   <a:srgbClr val="000000"/>
                 </a:solidFill>
@@ -2938,30 +4978,30 @@
               </a:rPr>
               <a:t>Linear Model (cont.)</a:t>
             </a:r>
-            <a:endParaRPr b="0" lang="zxx" sz="4400" spc="-1" strike="noStrike">
-              <a:solidFill>
-                <a:srgbClr val="000000"/>
-              </a:solidFill>
-              <a:uFill>
-                <a:solidFill>
-                  <a:srgbClr val="ffffff"/>
-                </a:solidFill>
-              </a:uFill>
-              <a:latin typeface="Arial"/>
-            </a:endParaRPr>
-          </a:p>
-        </p:txBody>
-      </p:sp>
-      <p:sp>
-        <p:nvSpPr>
-          <p:cNvPr id="64" name="TextShape 2"/>
-          <p:cNvSpPr txBox="1"/>
+            <a:endParaRPr b="0" lang="en-US" sz="4400" spc="-1" strike="noStrike">
+              <a:solidFill>
+                <a:srgbClr val="000000"/>
+              </a:solidFill>
+              <a:uFill>
+                <a:solidFill>
+                  <a:srgbClr val="ffffff"/>
+                </a:solidFill>
+              </a:uFill>
+              <a:latin typeface="Arial"/>
+            </a:endParaRPr>
+          </a:p>
+        </p:txBody>
+      </p:sp>
+      <p:sp>
+        <p:nvSpPr>
+          <p:cNvPr id="99" name="CustomShape 2"/>
+          <p:cNvSpPr/>
           <p:nvPr/>
         </p:nvSpPr>
         <p:spPr>
           <a:xfrm>
             <a:off x="504000" y="1769040"/>
-            <a:ext cx="9071640" cy="4384800"/>
+            <a:ext cx="9071280" cy="4384440"/>
           </a:xfrm>
           <a:prstGeom prst="rect">
             <a:avLst/>
@@ -2971,10 +5011,19 @@
             <a:noFill/>
           </a:ln>
         </p:spPr>
+        <p:style>
+          <a:lnRef idx="0"/>
+          <a:fillRef idx="0"/>
+          <a:effectRef idx="0"/>
+          <a:fontRef idx="minor"/>
+        </p:style>
         <p:txBody>
           <a:bodyPr lIns="0" rIns="0" tIns="0" bIns="0"/>
           <a:p>
-            <a:pPr marL="432000" indent="-324000">
+            <a:pPr marL="432000" indent="-323640">
+              <a:lnSpc>
+                <a:spcPct val="100000"/>
+              </a:lnSpc>
               <a:spcAft>
                 <a:spcPts val="1417"/>
               </a:spcAft>
@@ -2986,7 +5035,7 @@
               <a:buChar char=""/>
             </a:pPr>
             <a:r>
-              <a:rPr b="0" lang="zxx" sz="3200" spc="-1" strike="noStrike">
+              <a:rPr b="0" lang="en-US" sz="3200" spc="-1" strike="noStrike">
                 <a:solidFill>
                   <a:srgbClr val="000000"/>
                 </a:solidFill>
@@ -2997,9 +5046,9 @@
                 </a:uFill>
                 <a:latin typeface="Arial"/>
               </a:rPr>
-              <a:t>Residual Plot</a:t>
+              <a:t>Influence Plot</a:t>
             </a:r>
-            <a:endParaRPr b="0" lang="zxx" sz="3200" spc="-1" strike="noStrike">
+            <a:endParaRPr b="0" lang="en-US" sz="3200" spc="-1" strike="noStrike">
               <a:solidFill>
                 <a:srgbClr val="000000"/>
               </a:solidFill>
@@ -3015,6 +5064,33 @@
       </p:sp>
     </p:spTree>
   </p:cSld>
+  <p:timing>
+    <p:tnLst>
+      <p:par>
+        <p:cTn id="25" dur="indefinite" restart="never" nodeType="tmRoot">
+          <p:childTnLst>
+            <p:seq>
+              <p:cTn id="26" nodeType="mainSeq"/>
+              <p:prevCondLst>
+                <p:cond delay="0" evt="onPrev">
+                  <p:tgtEl>
+                    <p:sldTgt/>
+                  </p:tgtEl>
+                </p:cond>
+              </p:prevCondLst>
+              <p:nextCondLst>
+                <p:cond delay="0" evt="onNext">
+                  <p:tgtEl>
+                    <p:sldTgt/>
+                  </p:tgtEl>
+                </p:cond>
+              </p:nextCondLst>
+            </p:seq>
+          </p:childTnLst>
+        </p:cTn>
+      </p:par>
+    </p:tnLst>
+  </p:timing>
 </p:sld>
 </file>
 
@@ -3037,14 +5113,14 @@
       </p:grpSpPr>
       <p:sp>
         <p:nvSpPr>
-          <p:cNvPr id="65" name="TextShape 1"/>
-          <p:cNvSpPr txBox="1"/>
+          <p:cNvPr id="100" name="CustomShape 1"/>
+          <p:cNvSpPr/>
           <p:nvPr/>
         </p:nvSpPr>
         <p:spPr>
           <a:xfrm>
             <a:off x="504000" y="301320"/>
-            <a:ext cx="9071640" cy="1262160"/>
+            <a:ext cx="9071280" cy="1261800"/>
           </a:xfrm>
           <a:prstGeom prst="rect">
             <a:avLst/>
@@ -3054,12 +5130,22 @@
             <a:noFill/>
           </a:ln>
         </p:spPr>
+        <p:style>
+          <a:lnRef idx="0"/>
+          <a:fillRef idx="0"/>
+          <a:effectRef idx="0"/>
+          <a:fontRef idx="minor"/>
+        </p:style>
         <p:txBody>
           <a:bodyPr lIns="0" rIns="0" tIns="0" bIns="0" anchor="ctr"/>
           <a:p>
-            <a:pPr algn="ctr"/>
+            <a:pPr algn="ctr">
+              <a:lnSpc>
+                <a:spcPct val="100000"/>
+              </a:lnSpc>
+            </a:pPr>
             <a:r>
-              <a:rPr b="0" lang="zxx" sz="4400" spc="-1" strike="noStrike">
+              <a:rPr b="0" lang="en-US" sz="4400" spc="-1" strike="noStrike">
                 <a:solidFill>
                   <a:srgbClr val="000000"/>
                 </a:solidFill>
@@ -3070,47 +5156,121 @@
                 </a:uFill>
                 <a:latin typeface="Arial"/>
               </a:rPr>
-              <a:t>Decision Trees</a:t>
+              <a:t>Linear Model (cont.)</a:t>
             </a:r>
-            <a:endParaRPr b="0" lang="zxx" sz="4400" spc="-1" strike="noStrike">
-              <a:solidFill>
-                <a:srgbClr val="000000"/>
-              </a:solidFill>
-              <a:uFill>
-                <a:solidFill>
-                  <a:srgbClr val="ffffff"/>
-                </a:solidFill>
-              </a:uFill>
-              <a:latin typeface="Arial"/>
-            </a:endParaRPr>
-          </a:p>
-        </p:txBody>
-      </p:sp>
-      <p:pic>
-        <p:nvPicPr>
-          <p:cNvPr id="66" name="" descr=""/>
-          <p:cNvPicPr/>
+            <a:endParaRPr b="0" lang="en-US" sz="4400" spc="-1" strike="noStrike">
+              <a:solidFill>
+                <a:srgbClr val="000000"/>
+              </a:solidFill>
+              <a:uFill>
+                <a:solidFill>
+                  <a:srgbClr val="ffffff"/>
+                </a:solidFill>
+              </a:uFill>
+              <a:latin typeface="Arial"/>
+            </a:endParaRPr>
+          </a:p>
+        </p:txBody>
+      </p:sp>
+      <p:sp>
+        <p:nvSpPr>
+          <p:cNvPr id="101" name="CustomShape 2"/>
+          <p:cNvSpPr/>
           <p:nvPr/>
-        </p:nvPicPr>
-        <p:blipFill>
-          <a:blip r:embed="rId1"/>
-          <a:stretch/>
-        </p:blipFill>
-        <p:spPr>
-          <a:xfrm>
-            <a:off x="62640" y="2109960"/>
-            <a:ext cx="9824040" cy="4010040"/>
-          </a:xfrm>
-          <a:prstGeom prst="rect">
-            <a:avLst/>
-          </a:prstGeom>
+        </p:nvSpPr>
+        <p:spPr>
+          <a:xfrm>
+            <a:off x="504000" y="1769040"/>
+            <a:ext cx="9071280" cy="4384440"/>
+          </a:xfrm>
+          <a:prstGeom prst="rect">
+            <a:avLst/>
+          </a:prstGeom>
+          <a:noFill/>
           <a:ln>
             <a:noFill/>
           </a:ln>
         </p:spPr>
-      </p:pic>
+        <p:style>
+          <a:lnRef idx="0"/>
+          <a:fillRef idx="0"/>
+          <a:effectRef idx="0"/>
+          <a:fontRef idx="minor"/>
+        </p:style>
+        <p:txBody>
+          <a:bodyPr lIns="0" rIns="0" tIns="0" bIns="0"/>
+          <a:p>
+            <a:pPr marL="432000" indent="-323640">
+              <a:lnSpc>
+                <a:spcPct val="100000"/>
+              </a:lnSpc>
+              <a:spcAft>
+                <a:spcPts val="1417"/>
+              </a:spcAft>
+              <a:buClr>
+                <a:srgbClr val="000000"/>
+              </a:buClr>
+              <a:buSzPct val="45000"/>
+              <a:buFont typeface="Wingdings" charset="2"/>
+              <a:buChar char=""/>
+            </a:pPr>
+            <a:r>
+              <a:rPr b="0" lang="en-US" sz="3200" spc="-1" strike="noStrike">
+                <a:solidFill>
+                  <a:srgbClr val="000000"/>
+                </a:solidFill>
+                <a:uFill>
+                  <a:solidFill>
+                    <a:srgbClr val="ffffff"/>
+                  </a:solidFill>
+                </a:uFill>
+                <a:latin typeface="Arial"/>
+              </a:rPr>
+              <a:t>Residual Plot</a:t>
+            </a:r>
+            <a:endParaRPr b="0" lang="en-US" sz="3200" spc="-1" strike="noStrike">
+              <a:solidFill>
+                <a:srgbClr val="000000"/>
+              </a:solidFill>
+              <a:uFill>
+                <a:solidFill>
+                  <a:srgbClr val="ffffff"/>
+                </a:solidFill>
+              </a:uFill>
+              <a:latin typeface="Arial"/>
+            </a:endParaRPr>
+          </a:p>
+        </p:txBody>
+      </p:sp>
     </p:spTree>
   </p:cSld>
+  <p:timing>
+    <p:tnLst>
+      <p:par>
+        <p:cTn id="27" dur="indefinite" restart="never" nodeType="tmRoot">
+          <p:childTnLst>
+            <p:seq>
+              <p:cTn id="28" nodeType="mainSeq"/>
+              <p:prevCondLst>
+                <p:cond delay="0" evt="onPrev">
+                  <p:tgtEl>
+                    <p:sldTgt/>
+                  </p:tgtEl>
+                </p:cond>
+              </p:prevCondLst>
+              <p:nextCondLst>
+                <p:cond delay="0" evt="onNext">
+                  <p:tgtEl>
+                    <p:sldTgt/>
+                  </p:tgtEl>
+                </p:cond>
+              </p:nextCondLst>
+            </p:seq>
+          </p:childTnLst>
+        </p:cTn>
+      </p:par>
+    </p:tnLst>
+  </p:timing>
 </p:sld>
 </file>
 
@@ -3133,14 +5293,14 @@
       </p:grpSpPr>
       <p:sp>
         <p:nvSpPr>
-          <p:cNvPr id="67" name="TextShape 1"/>
-          <p:cNvSpPr txBox="1"/>
+          <p:cNvPr id="102" name="CustomShape 1"/>
+          <p:cNvSpPr/>
           <p:nvPr/>
         </p:nvSpPr>
         <p:spPr>
           <a:xfrm>
             <a:off x="504000" y="301320"/>
-            <a:ext cx="9071640" cy="1262160"/>
+            <a:ext cx="9071280" cy="1261800"/>
           </a:xfrm>
           <a:prstGeom prst="rect">
             <a:avLst/>
@@ -3150,12 +5310,22 @@
             <a:noFill/>
           </a:ln>
         </p:spPr>
+        <p:style>
+          <a:lnRef idx="0"/>
+          <a:fillRef idx="0"/>
+          <a:effectRef idx="0"/>
+          <a:fontRef idx="minor"/>
+        </p:style>
         <p:txBody>
           <a:bodyPr lIns="0" rIns="0" tIns="0" bIns="0" anchor="ctr"/>
           <a:p>
-            <a:pPr algn="ctr"/>
+            <a:pPr algn="ctr">
+              <a:lnSpc>
+                <a:spcPct val="100000"/>
+              </a:lnSpc>
+            </a:pPr>
             <a:r>
-              <a:rPr b="0" lang="zxx" sz="4400" spc="-1" strike="noStrike">
+              <a:rPr b="0" lang="en-US" sz="4400" spc="-1" strike="noStrike">
                 <a:solidFill>
                   <a:srgbClr val="000000"/>
                 </a:solidFill>
@@ -3168,7 +5338,7 @@
               </a:rPr>
               <a:t>Decision Trees</a:t>
             </a:r>
-            <a:endParaRPr b="0" lang="zxx" sz="4400" spc="-1" strike="noStrike">
+            <a:endParaRPr b="0" lang="en-US" sz="4400" spc="-1" strike="noStrike">
               <a:solidFill>
                 <a:srgbClr val="000000"/>
               </a:solidFill>
@@ -3184,7 +5354,7 @@
       </p:sp>
       <p:pic>
         <p:nvPicPr>
-          <p:cNvPr id="68" name="" descr=""/>
+          <p:cNvPr id="103" name="" descr=""/>
           <p:cNvPicPr/>
           <p:nvPr/>
         </p:nvPicPr>
@@ -3194,8 +5364,8 @@
         </p:blipFill>
         <p:spPr>
           <a:xfrm>
-            <a:off x="1301040" y="1980000"/>
-            <a:ext cx="7158960" cy="4384800"/>
+            <a:off x="62640" y="2109960"/>
+            <a:ext cx="9823680" cy="4009680"/>
           </a:xfrm>
           <a:prstGeom prst="rect">
             <a:avLst/>
@@ -3207,6 +5377,33 @@
       </p:pic>
     </p:spTree>
   </p:cSld>
+  <p:timing>
+    <p:tnLst>
+      <p:par>
+        <p:cTn id="29" dur="indefinite" restart="never" nodeType="tmRoot">
+          <p:childTnLst>
+            <p:seq>
+              <p:cTn id="30" nodeType="mainSeq"/>
+              <p:prevCondLst>
+                <p:cond delay="0" evt="onPrev">
+                  <p:tgtEl>
+                    <p:sldTgt/>
+                  </p:tgtEl>
+                </p:cond>
+              </p:prevCondLst>
+              <p:nextCondLst>
+                <p:cond delay="0" evt="onNext">
+                  <p:tgtEl>
+                    <p:sldTgt/>
+                  </p:tgtEl>
+                </p:cond>
+              </p:nextCondLst>
+            </p:seq>
+          </p:childTnLst>
+        </p:cTn>
+      </p:par>
+    </p:tnLst>
+  </p:timing>
 </p:sld>
 </file>
 
@@ -3229,14 +5426,14 @@
       </p:grpSpPr>
       <p:sp>
         <p:nvSpPr>
-          <p:cNvPr id="69" name="TextShape 1"/>
-          <p:cNvSpPr txBox="1"/>
+          <p:cNvPr id="104" name="CustomShape 1"/>
+          <p:cNvSpPr/>
           <p:nvPr/>
         </p:nvSpPr>
         <p:spPr>
           <a:xfrm>
             <a:off x="504000" y="301320"/>
-            <a:ext cx="9071640" cy="1262160"/>
+            <a:ext cx="9071280" cy="1261800"/>
           </a:xfrm>
           <a:prstGeom prst="rect">
             <a:avLst/>
@@ -3246,12 +5443,22 @@
             <a:noFill/>
           </a:ln>
         </p:spPr>
+        <p:style>
+          <a:lnRef idx="0"/>
+          <a:fillRef idx="0"/>
+          <a:effectRef idx="0"/>
+          <a:fontRef idx="minor"/>
+        </p:style>
         <p:txBody>
           <a:bodyPr lIns="0" rIns="0" tIns="0" bIns="0" anchor="ctr"/>
           <a:p>
-            <a:pPr algn="ctr"/>
+            <a:pPr algn="ctr">
+              <a:lnSpc>
+                <a:spcPct val="100000"/>
+              </a:lnSpc>
+            </a:pPr>
             <a:r>
-              <a:rPr b="0" lang="zxx" sz="4400" spc="-1" strike="noStrike">
+              <a:rPr b="0" lang="en-US" sz="4400" spc="-1" strike="noStrike">
                 <a:solidFill>
                   <a:srgbClr val="000000"/>
                 </a:solidFill>
@@ -3262,9 +5469,9 @@
                 </a:uFill>
                 <a:latin typeface="Arial"/>
               </a:rPr>
-              <a:t>Random Forest</a:t>
+              <a:t>Decision Trees</a:t>
             </a:r>
-            <a:endParaRPr b="0" lang="zxx" sz="4400" spc="-1" strike="noStrike">
+            <a:endParaRPr b="0" lang="en-US" sz="4400" spc="-1" strike="noStrike">
               <a:solidFill>
                 <a:srgbClr val="000000"/>
               </a:solidFill>
@@ -3280,7 +5487,7 @@
       </p:sp>
       <p:pic>
         <p:nvPicPr>
-          <p:cNvPr id="70" name="" descr=""/>
+          <p:cNvPr id="105" name="" descr=""/>
           <p:cNvPicPr/>
           <p:nvPr/>
         </p:nvPicPr>
@@ -3290,8 +5497,8 @@
         </p:blipFill>
         <p:spPr>
           <a:xfrm>
-            <a:off x="60480" y="2119680"/>
-            <a:ext cx="9851760" cy="4000320"/>
+            <a:off x="1301040" y="1980000"/>
+            <a:ext cx="7158600" cy="4384440"/>
           </a:xfrm>
           <a:prstGeom prst="rect">
             <a:avLst/>
@@ -3303,6 +5510,33 @@
       </p:pic>
     </p:spTree>
   </p:cSld>
+  <p:timing>
+    <p:tnLst>
+      <p:par>
+        <p:cTn id="31" dur="indefinite" restart="never" nodeType="tmRoot">
+          <p:childTnLst>
+            <p:seq>
+              <p:cTn id="32" nodeType="mainSeq"/>
+              <p:prevCondLst>
+                <p:cond delay="0" evt="onPrev">
+                  <p:tgtEl>
+                    <p:sldTgt/>
+                  </p:tgtEl>
+                </p:cond>
+              </p:prevCondLst>
+              <p:nextCondLst>
+                <p:cond delay="0" evt="onNext">
+                  <p:tgtEl>
+                    <p:sldTgt/>
+                  </p:tgtEl>
+                </p:cond>
+              </p:nextCondLst>
+            </p:seq>
+          </p:childTnLst>
+        </p:cTn>
+      </p:par>
+    </p:tnLst>
+  </p:timing>
 </p:sld>
 </file>
 
@@ -3325,14 +5559,14 @@
       </p:grpSpPr>
       <p:sp>
         <p:nvSpPr>
-          <p:cNvPr id="71" name="TextShape 1"/>
-          <p:cNvSpPr txBox="1"/>
+          <p:cNvPr id="106" name="CustomShape 1"/>
+          <p:cNvSpPr/>
           <p:nvPr/>
         </p:nvSpPr>
         <p:spPr>
           <a:xfrm>
             <a:off x="504000" y="301320"/>
-            <a:ext cx="9071640" cy="1262160"/>
+            <a:ext cx="9071280" cy="1261800"/>
           </a:xfrm>
           <a:prstGeom prst="rect">
             <a:avLst/>
@@ -3342,12 +5576,155 @@
             <a:noFill/>
           </a:ln>
         </p:spPr>
+        <p:style>
+          <a:lnRef idx="0"/>
+          <a:fillRef idx="0"/>
+          <a:effectRef idx="0"/>
+          <a:fontRef idx="minor"/>
+        </p:style>
         <p:txBody>
           <a:bodyPr lIns="0" rIns="0" tIns="0" bIns="0" anchor="ctr"/>
           <a:p>
-            <a:pPr algn="ctr"/>
+            <a:pPr algn="ctr">
+              <a:lnSpc>
+                <a:spcPct val="100000"/>
+              </a:lnSpc>
+            </a:pPr>
             <a:r>
-              <a:rPr b="0" lang="zxx" sz="4400" spc="-1" strike="noStrike">
+              <a:rPr b="0" lang="en-US" sz="4400" spc="-1" strike="noStrike">
+                <a:solidFill>
+                  <a:srgbClr val="000000"/>
+                </a:solidFill>
+                <a:uFill>
+                  <a:solidFill>
+                    <a:srgbClr val="ffffff"/>
+                  </a:solidFill>
+                </a:uFill>
+                <a:latin typeface="Arial"/>
+              </a:rPr>
+              <a:t>Random Forest</a:t>
+            </a:r>
+            <a:endParaRPr b="0" lang="en-US" sz="4400" spc="-1" strike="noStrike">
+              <a:solidFill>
+                <a:srgbClr val="000000"/>
+              </a:solidFill>
+              <a:uFill>
+                <a:solidFill>
+                  <a:srgbClr val="ffffff"/>
+                </a:solidFill>
+              </a:uFill>
+              <a:latin typeface="Arial"/>
+            </a:endParaRPr>
+          </a:p>
+        </p:txBody>
+      </p:sp>
+      <p:pic>
+        <p:nvPicPr>
+          <p:cNvPr id="107" name="" descr=""/>
+          <p:cNvPicPr/>
+          <p:nvPr/>
+        </p:nvPicPr>
+        <p:blipFill>
+          <a:blip r:embed="rId1"/>
+          <a:stretch/>
+        </p:blipFill>
+        <p:spPr>
+          <a:xfrm>
+            <a:off x="60480" y="2119680"/>
+            <a:ext cx="9851400" cy="3999960"/>
+          </a:xfrm>
+          <a:prstGeom prst="rect">
+            <a:avLst/>
+          </a:prstGeom>
+          <a:ln>
+            <a:noFill/>
+          </a:ln>
+        </p:spPr>
+      </p:pic>
+    </p:spTree>
+  </p:cSld>
+  <p:timing>
+    <p:tnLst>
+      <p:par>
+        <p:cTn id="33" dur="indefinite" restart="never" nodeType="tmRoot">
+          <p:childTnLst>
+            <p:seq>
+              <p:cTn id="34" nodeType="mainSeq"/>
+              <p:prevCondLst>
+                <p:cond delay="0" evt="onPrev">
+                  <p:tgtEl>
+                    <p:sldTgt/>
+                  </p:tgtEl>
+                </p:cond>
+              </p:prevCondLst>
+              <p:nextCondLst>
+                <p:cond delay="0" evt="onNext">
+                  <p:tgtEl>
+                    <p:sldTgt/>
+                  </p:tgtEl>
+                </p:cond>
+              </p:nextCondLst>
+            </p:seq>
+          </p:childTnLst>
+        </p:cTn>
+      </p:par>
+    </p:tnLst>
+  </p:timing>
+</p:sld>
+</file>
+
+<file path=ppt/slides/slide18.xml><?xml version="1.0" encoding="utf-8"?>
+<p:sld xmlns:a="http://schemas.openxmlformats.org/drawingml/2006/main" xmlns:p="http://schemas.openxmlformats.org/presentationml/2006/main" xmlns:r="http://schemas.openxmlformats.org/officeDocument/2006/relationships" xmlns:p14="http://schemas.microsoft.com/office/powerpoint/2010/main" xmlns:p15="http://schemas.microsoft.com/office/powerpoint/2012/main" xmlns:mc="http://schemas.openxmlformats.org/markup-compatibility/2006">
+  <p:cSld>
+    <p:spTree>
+      <p:nvGrpSpPr>
+        <p:cNvPr id="1" name=""/>
+        <p:cNvGrpSpPr/>
+        <p:nvPr/>
+      </p:nvGrpSpPr>
+      <p:grpSpPr>
+        <a:xfrm>
+          <a:off x="0" y="0"/>
+          <a:ext cx="0" cy="0"/>
+          <a:chOff x="0" y="0"/>
+          <a:chExt cx="0" cy="0"/>
+        </a:xfrm>
+      </p:grpSpPr>
+      <p:sp>
+        <p:nvSpPr>
+          <p:cNvPr id="108" name="CustomShape 1"/>
+          <p:cNvSpPr/>
+          <p:nvPr/>
+        </p:nvSpPr>
+        <p:spPr>
+          <a:xfrm>
+            <a:off x="504000" y="301320"/>
+            <a:ext cx="9071280" cy="1261800"/>
+          </a:xfrm>
+          <a:prstGeom prst="rect">
+            <a:avLst/>
+          </a:prstGeom>
+          <a:noFill/>
+          <a:ln>
+            <a:noFill/>
+          </a:ln>
+        </p:spPr>
+        <p:style>
+          <a:lnRef idx="0"/>
+          <a:fillRef idx="0"/>
+          <a:effectRef idx="0"/>
+          <a:fontRef idx="minor"/>
+        </p:style>
+        <p:txBody>
+          <a:bodyPr lIns="0" rIns="0" tIns="0" bIns="0" anchor="ctr"/>
+          <a:p>
+            <a:pPr algn="ctr">
+              <a:lnSpc>
+                <a:spcPct val="100000"/>
+              </a:lnSpc>
+            </a:pPr>
+            <a:r>
+              <a:rPr b="0" lang="en-US" sz="4400" spc="-1" strike="noStrike">
                 <a:solidFill>
                   <a:srgbClr val="000000"/>
                 </a:solidFill>
@@ -3360,7 +5737,7 @@
               </a:rPr>
               <a:t>Gradient Boosting</a:t>
             </a:r>
-            <a:endParaRPr b="0" lang="zxx" sz="4400" spc="-1" strike="noStrike">
+            <a:endParaRPr b="0" lang="en-US" sz="4400" spc="-1" strike="noStrike">
               <a:solidFill>
                 <a:srgbClr val="000000"/>
               </a:solidFill>
@@ -3376,7 +5753,7 @@
       </p:sp>
       <p:pic>
         <p:nvPicPr>
-          <p:cNvPr id="72" name="" descr=""/>
+          <p:cNvPr id="109" name="" descr=""/>
           <p:cNvPicPr/>
           <p:nvPr/>
         </p:nvPicPr>
@@ -3387,7 +5764,7 @@
         <p:spPr>
           <a:xfrm>
             <a:off x="63000" y="2108160"/>
-            <a:ext cx="9819000" cy="4011840"/>
+            <a:ext cx="9818640" cy="4011480"/>
           </a:xfrm>
           <a:prstGeom prst="rect">
             <a:avLst/>
@@ -3399,6 +5776,33 @@
       </p:pic>
     </p:spTree>
   </p:cSld>
+  <p:timing>
+    <p:tnLst>
+      <p:par>
+        <p:cTn id="35" dur="indefinite" restart="never" nodeType="tmRoot">
+          <p:childTnLst>
+            <p:seq>
+              <p:cTn id="36" nodeType="mainSeq"/>
+              <p:prevCondLst>
+                <p:cond delay="0" evt="onPrev">
+                  <p:tgtEl>
+                    <p:sldTgt/>
+                  </p:tgtEl>
+                </p:cond>
+              </p:prevCondLst>
+              <p:nextCondLst>
+                <p:cond delay="0" evt="onNext">
+                  <p:tgtEl>
+                    <p:sldTgt/>
+                  </p:tgtEl>
+                </p:cond>
+              </p:nextCondLst>
+            </p:seq>
+          </p:childTnLst>
+        </p:cTn>
+      </p:par>
+    </p:tnLst>
+  </p:timing>
 </p:sld>
 </file>
 
@@ -3421,14 +5825,14 @@
       </p:grpSpPr>
       <p:sp>
         <p:nvSpPr>
-          <p:cNvPr id="42" name="TextShape 1"/>
-          <p:cNvSpPr txBox="1"/>
+          <p:cNvPr id="77" name="CustomShape 1"/>
+          <p:cNvSpPr/>
           <p:nvPr/>
         </p:nvSpPr>
         <p:spPr>
           <a:xfrm>
             <a:off x="504000" y="301320"/>
-            <a:ext cx="9071640" cy="1262160"/>
+            <a:ext cx="9071280" cy="1261800"/>
           </a:xfrm>
           <a:prstGeom prst="rect">
             <a:avLst/>
@@ -3438,12 +5842,22 @@
             <a:noFill/>
           </a:ln>
         </p:spPr>
+        <p:style>
+          <a:lnRef idx="0"/>
+          <a:fillRef idx="0"/>
+          <a:effectRef idx="0"/>
+          <a:fontRef idx="minor"/>
+        </p:style>
         <p:txBody>
           <a:bodyPr lIns="0" rIns="0" tIns="0" bIns="0" anchor="ctr"/>
           <a:p>
-            <a:pPr algn="ctr"/>
+            <a:pPr algn="ctr">
+              <a:lnSpc>
+                <a:spcPct val="100000"/>
+              </a:lnSpc>
+            </a:pPr>
             <a:r>
-              <a:rPr b="0" lang="zxx" sz="4400" spc="-1" strike="noStrike">
+              <a:rPr b="0" lang="en-US" sz="4400" spc="-1" strike="noStrike">
                 <a:solidFill>
                   <a:srgbClr val="000000"/>
                 </a:solidFill>
@@ -3456,30 +5870,30 @@
               </a:rPr>
               <a:t>Workflow</a:t>
             </a:r>
-            <a:endParaRPr b="0" lang="zxx" sz="4400" spc="-1" strike="noStrike">
-              <a:solidFill>
-                <a:srgbClr val="000000"/>
-              </a:solidFill>
-              <a:uFill>
-                <a:solidFill>
-                  <a:srgbClr val="ffffff"/>
-                </a:solidFill>
-              </a:uFill>
-              <a:latin typeface="Arial"/>
-            </a:endParaRPr>
-          </a:p>
-        </p:txBody>
-      </p:sp>
-      <p:sp>
-        <p:nvSpPr>
-          <p:cNvPr id="43" name="TextShape 2"/>
-          <p:cNvSpPr txBox="1"/>
+            <a:endParaRPr b="0" lang="en-US" sz="4400" spc="-1" strike="noStrike">
+              <a:solidFill>
+                <a:srgbClr val="000000"/>
+              </a:solidFill>
+              <a:uFill>
+                <a:solidFill>
+                  <a:srgbClr val="ffffff"/>
+                </a:solidFill>
+              </a:uFill>
+              <a:latin typeface="Arial"/>
+            </a:endParaRPr>
+          </a:p>
+        </p:txBody>
+      </p:sp>
+      <p:sp>
+        <p:nvSpPr>
+          <p:cNvPr id="78" name="CustomShape 2"/>
+          <p:cNvSpPr/>
           <p:nvPr/>
         </p:nvSpPr>
         <p:spPr>
           <a:xfrm>
             <a:off x="504000" y="1769040"/>
-            <a:ext cx="9071640" cy="4384800"/>
+            <a:ext cx="9071280" cy="4384440"/>
           </a:xfrm>
           <a:prstGeom prst="rect">
             <a:avLst/>
@@ -3489,10 +5903,19 @@
             <a:noFill/>
           </a:ln>
         </p:spPr>
+        <p:style>
+          <a:lnRef idx="0"/>
+          <a:fillRef idx="0"/>
+          <a:effectRef idx="0"/>
+          <a:fontRef idx="minor"/>
+        </p:style>
         <p:txBody>
           <a:bodyPr lIns="0" rIns="0" tIns="0" bIns="0"/>
           <a:p>
-            <a:pPr marL="432000" indent="-324000">
+            <a:pPr marL="432000" indent="-323640">
+              <a:lnSpc>
+                <a:spcPct val="100000"/>
+              </a:lnSpc>
               <a:spcAft>
                 <a:spcPts val="1417"/>
               </a:spcAft>
@@ -3504,7 +5927,7 @@
               <a:buChar char=""/>
             </a:pPr>
             <a:r>
-              <a:rPr b="0" lang="zxx" sz="3200" spc="-1" strike="noStrike">
+              <a:rPr b="0" lang="en-US" sz="3200" spc="-1" strike="noStrike">
                 <a:solidFill>
                   <a:srgbClr val="000000"/>
                 </a:solidFill>
@@ -3517,7 +5940,7 @@
               </a:rPr>
               <a:t>Insert Diagram</a:t>
             </a:r>
-            <a:endParaRPr b="0" lang="zxx" sz="3200" spc="-1" strike="noStrike">
+            <a:endParaRPr b="0" lang="en-US" sz="3200" spc="-1" strike="noStrike">
               <a:solidFill>
                 <a:srgbClr val="000000"/>
               </a:solidFill>
@@ -3533,6 +5956,33 @@
       </p:sp>
     </p:spTree>
   </p:cSld>
+  <p:timing>
+    <p:tnLst>
+      <p:par>
+        <p:cTn id="3" dur="indefinite" restart="never" nodeType="tmRoot">
+          <p:childTnLst>
+            <p:seq>
+              <p:cTn id="4" nodeType="mainSeq"/>
+              <p:prevCondLst>
+                <p:cond delay="0" evt="onPrev">
+                  <p:tgtEl>
+                    <p:sldTgt/>
+                  </p:tgtEl>
+                </p:cond>
+              </p:prevCondLst>
+              <p:nextCondLst>
+                <p:cond delay="0" evt="onNext">
+                  <p:tgtEl>
+                    <p:sldTgt/>
+                  </p:tgtEl>
+                </p:cond>
+              </p:nextCondLst>
+            </p:seq>
+          </p:childTnLst>
+        </p:cTn>
+      </p:par>
+    </p:tnLst>
+  </p:timing>
 </p:sld>
 </file>
 
@@ -3555,14 +6005,14 @@
       </p:grpSpPr>
       <p:sp>
         <p:nvSpPr>
-          <p:cNvPr id="44" name="TextShape 1"/>
-          <p:cNvSpPr txBox="1"/>
+          <p:cNvPr id="79" name="CustomShape 1"/>
+          <p:cNvSpPr/>
           <p:nvPr/>
         </p:nvSpPr>
         <p:spPr>
           <a:xfrm>
             <a:off x="504000" y="301320"/>
-            <a:ext cx="9071640" cy="1262160"/>
+            <a:ext cx="9071280" cy="1261800"/>
           </a:xfrm>
           <a:prstGeom prst="rect">
             <a:avLst/>
@@ -3572,12 +6022,22 @@
             <a:noFill/>
           </a:ln>
         </p:spPr>
+        <p:style>
+          <a:lnRef idx="0"/>
+          <a:fillRef idx="0"/>
+          <a:effectRef idx="0"/>
+          <a:fontRef idx="minor"/>
+        </p:style>
         <p:txBody>
           <a:bodyPr lIns="0" rIns="0" tIns="0" bIns="0" anchor="ctr"/>
           <a:p>
-            <a:pPr algn="ctr"/>
+            <a:pPr algn="ctr">
+              <a:lnSpc>
+                <a:spcPct val="100000"/>
+              </a:lnSpc>
+            </a:pPr>
             <a:r>
-              <a:rPr b="0" lang="zxx" sz="4400" spc="-1" strike="noStrike">
+              <a:rPr b="0" lang="en-US" sz="4400" spc="-1" strike="noStrike">
                 <a:solidFill>
                   <a:srgbClr val="000000"/>
                 </a:solidFill>
@@ -3590,30 +6050,30 @@
               </a:rPr>
               <a:t>Machine Learning Models</a:t>
             </a:r>
-            <a:endParaRPr b="0" lang="zxx" sz="4400" spc="-1" strike="noStrike">
-              <a:solidFill>
-                <a:srgbClr val="000000"/>
-              </a:solidFill>
-              <a:uFill>
-                <a:solidFill>
-                  <a:srgbClr val="ffffff"/>
-                </a:solidFill>
-              </a:uFill>
-              <a:latin typeface="Arial"/>
-            </a:endParaRPr>
-          </a:p>
-        </p:txBody>
-      </p:sp>
-      <p:sp>
-        <p:nvSpPr>
-          <p:cNvPr id="45" name="TextShape 2"/>
-          <p:cNvSpPr txBox="1"/>
+            <a:endParaRPr b="0" lang="en-US" sz="4400" spc="-1" strike="noStrike">
+              <a:solidFill>
+                <a:srgbClr val="000000"/>
+              </a:solidFill>
+              <a:uFill>
+                <a:solidFill>
+                  <a:srgbClr val="ffffff"/>
+                </a:solidFill>
+              </a:uFill>
+              <a:latin typeface="Arial"/>
+            </a:endParaRPr>
+          </a:p>
+        </p:txBody>
+      </p:sp>
+      <p:sp>
+        <p:nvSpPr>
+          <p:cNvPr id="80" name="CustomShape 2"/>
+          <p:cNvSpPr/>
           <p:nvPr/>
         </p:nvSpPr>
         <p:spPr>
           <a:xfrm>
             <a:off x="504000" y="1769040"/>
-            <a:ext cx="9071640" cy="4384800"/>
+            <a:ext cx="9071280" cy="4384440"/>
           </a:xfrm>
           <a:prstGeom prst="rect">
             <a:avLst/>
@@ -3623,10 +6083,19 @@
             <a:noFill/>
           </a:ln>
         </p:spPr>
+        <p:style>
+          <a:lnRef idx="0"/>
+          <a:fillRef idx="0"/>
+          <a:effectRef idx="0"/>
+          <a:fontRef idx="minor"/>
+        </p:style>
         <p:txBody>
           <a:bodyPr lIns="0" rIns="0" tIns="0" bIns="0"/>
           <a:p>
-            <a:pPr marL="432000" indent="-324000">
+            <a:pPr marL="432000" indent="-323640">
+              <a:lnSpc>
+                <a:spcPct val="100000"/>
+              </a:lnSpc>
               <a:spcAft>
                 <a:spcPts val="1417"/>
               </a:spcAft>
@@ -3638,7 +6107,7 @@
               <a:buChar char=""/>
             </a:pPr>
             <a:r>
-              <a:rPr b="0" lang="zxx" sz="3200" spc="-1" strike="noStrike">
+              <a:rPr b="0" lang="en-US" sz="3200" spc="-1" strike="noStrike">
                 <a:solidFill>
                   <a:srgbClr val="000000"/>
                 </a:solidFill>
@@ -3651,20 +6120,23 @@
               </a:rPr>
               <a:t>Insert diagram</a:t>
             </a:r>
-            <a:endParaRPr b="0" lang="zxx" sz="3200" spc="-1" strike="noStrike">
-              <a:solidFill>
-                <a:srgbClr val="000000"/>
-              </a:solidFill>
-              <a:uFill>
-                <a:solidFill>
-                  <a:srgbClr val="ffffff"/>
-                </a:solidFill>
-              </a:uFill>
-              <a:latin typeface="Arial"/>
-            </a:endParaRPr>
-          </a:p>
-          <a:p>
-            <a:pPr marL="432000" indent="-324000">
+            <a:endParaRPr b="0" lang="en-US" sz="3200" spc="-1" strike="noStrike">
+              <a:solidFill>
+                <a:srgbClr val="000000"/>
+              </a:solidFill>
+              <a:uFill>
+                <a:solidFill>
+                  <a:srgbClr val="ffffff"/>
+                </a:solidFill>
+              </a:uFill>
+              <a:latin typeface="Arial"/>
+            </a:endParaRPr>
+          </a:p>
+          <a:p>
+            <a:pPr marL="432000" indent="-323640">
+              <a:lnSpc>
+                <a:spcPct val="100000"/>
+              </a:lnSpc>
               <a:spcAft>
                 <a:spcPts val="1417"/>
               </a:spcAft>
@@ -3676,7 +6148,7 @@
               <a:buChar char=""/>
             </a:pPr>
             <a:r>
-              <a:rPr b="0" lang="zxx" sz="3200" spc="-1" strike="noStrike">
+              <a:rPr b="0" lang="en-US" sz="3200" spc="-1" strike="noStrike">
                 <a:solidFill>
                   <a:srgbClr val="000000"/>
                 </a:solidFill>
@@ -3689,20 +6161,23 @@
               </a:rPr>
               <a:t>Linear Regression Based</a:t>
             </a:r>
-            <a:endParaRPr b="0" lang="zxx" sz="3200" spc="-1" strike="noStrike">
-              <a:solidFill>
-                <a:srgbClr val="000000"/>
-              </a:solidFill>
-              <a:uFill>
-                <a:solidFill>
-                  <a:srgbClr val="ffffff"/>
-                </a:solidFill>
-              </a:uFill>
-              <a:latin typeface="Arial"/>
-            </a:endParaRPr>
-          </a:p>
-          <a:p>
-            <a:pPr lvl="1" marL="864000" indent="-324000">
+            <a:endParaRPr b="0" lang="en-US" sz="3200" spc="-1" strike="noStrike">
+              <a:solidFill>
+                <a:srgbClr val="000000"/>
+              </a:solidFill>
+              <a:uFill>
+                <a:solidFill>
+                  <a:srgbClr val="ffffff"/>
+                </a:solidFill>
+              </a:uFill>
+              <a:latin typeface="Arial"/>
+            </a:endParaRPr>
+          </a:p>
+          <a:p>
+            <a:pPr lvl="1" marL="864000" indent="-323640">
+              <a:lnSpc>
+                <a:spcPct val="100000"/>
+              </a:lnSpc>
               <a:spcAft>
                 <a:spcPts val="1134"/>
               </a:spcAft>
@@ -3714,7 +6189,7 @@
               <a:buChar char=""/>
             </a:pPr>
             <a:r>
-              <a:rPr b="0" lang="zxx" sz="2800" spc="-1" strike="noStrike">
+              <a:rPr b="0" lang="en-US" sz="2800" spc="-1" strike="noStrike">
                 <a:solidFill>
                   <a:srgbClr val="000000"/>
                 </a:solidFill>
@@ -3727,20 +6202,23 @@
               </a:rPr>
               <a:t>Multi-Linear</a:t>
             </a:r>
-            <a:endParaRPr b="0" lang="zxx" sz="2800" spc="-1" strike="noStrike">
-              <a:solidFill>
-                <a:srgbClr val="000000"/>
-              </a:solidFill>
-              <a:uFill>
-                <a:solidFill>
-                  <a:srgbClr val="ffffff"/>
-                </a:solidFill>
-              </a:uFill>
-              <a:latin typeface="Arial"/>
-            </a:endParaRPr>
-          </a:p>
-          <a:p>
-            <a:pPr lvl="1" marL="864000" indent="-324000">
+            <a:endParaRPr b="0" lang="en-US" sz="2800" spc="-1" strike="noStrike">
+              <a:solidFill>
+                <a:srgbClr val="000000"/>
+              </a:solidFill>
+              <a:uFill>
+                <a:solidFill>
+                  <a:srgbClr val="ffffff"/>
+                </a:solidFill>
+              </a:uFill>
+              <a:latin typeface="Arial"/>
+            </a:endParaRPr>
+          </a:p>
+          <a:p>
+            <a:pPr lvl="1" marL="864000" indent="-323640">
+              <a:lnSpc>
+                <a:spcPct val="100000"/>
+              </a:lnSpc>
               <a:spcAft>
                 <a:spcPts val="1134"/>
               </a:spcAft>
@@ -3752,7 +6230,7 @@
               <a:buChar char=""/>
             </a:pPr>
             <a:r>
-              <a:rPr b="0" lang="zxx" sz="2800" spc="-1" strike="noStrike">
+              <a:rPr b="0" lang="en-US" sz="2800" spc="-1" strike="noStrike">
                 <a:solidFill>
                   <a:srgbClr val="000000"/>
                 </a:solidFill>
@@ -3765,20 +6243,23 @@
               </a:rPr>
               <a:t>Ridge Regression</a:t>
             </a:r>
-            <a:endParaRPr b="0" lang="zxx" sz="2800" spc="-1" strike="noStrike">
-              <a:solidFill>
-                <a:srgbClr val="000000"/>
-              </a:solidFill>
-              <a:uFill>
-                <a:solidFill>
-                  <a:srgbClr val="ffffff"/>
-                </a:solidFill>
-              </a:uFill>
-              <a:latin typeface="Arial"/>
-            </a:endParaRPr>
-          </a:p>
-          <a:p>
-            <a:pPr lvl="1" marL="864000" indent="-324000">
+            <a:endParaRPr b="0" lang="en-US" sz="2800" spc="-1" strike="noStrike">
+              <a:solidFill>
+                <a:srgbClr val="000000"/>
+              </a:solidFill>
+              <a:uFill>
+                <a:solidFill>
+                  <a:srgbClr val="ffffff"/>
+                </a:solidFill>
+              </a:uFill>
+              <a:latin typeface="Arial"/>
+            </a:endParaRPr>
+          </a:p>
+          <a:p>
+            <a:pPr lvl="1" marL="864000" indent="-323640">
+              <a:lnSpc>
+                <a:spcPct val="100000"/>
+              </a:lnSpc>
               <a:spcAft>
                 <a:spcPts val="1134"/>
               </a:spcAft>
@@ -3790,7 +6271,7 @@
               <a:buChar char=""/>
             </a:pPr>
             <a:r>
-              <a:rPr b="0" lang="zxx" sz="2800" spc="-1" strike="noStrike">
+              <a:rPr b="0" lang="en-US" sz="2800" spc="-1" strike="noStrike">
                 <a:solidFill>
                   <a:srgbClr val="000000"/>
                 </a:solidFill>
@@ -3803,31 +6284,28 @@
               </a:rPr>
               <a:t>Lasso Regression</a:t>
             </a:r>
-            <a:endParaRPr b="0" lang="zxx" sz="2800" spc="-1" strike="noStrike">
-              <a:solidFill>
-                <a:srgbClr val="000000"/>
-              </a:solidFill>
-              <a:uFill>
-                <a:solidFill>
-                  <a:srgbClr val="ffffff"/>
-                </a:solidFill>
-              </a:uFill>
-              <a:latin typeface="Arial"/>
-            </a:endParaRPr>
-          </a:p>
-          <a:p>
-            <a:pPr marL="432000" indent="-324000">
+            <a:endParaRPr b="0" lang="en-US" sz="2800" spc="-1" strike="noStrike">
+              <a:solidFill>
+                <a:srgbClr val="000000"/>
+              </a:solidFill>
+              <a:uFill>
+                <a:solidFill>
+                  <a:srgbClr val="ffffff"/>
+                </a:solidFill>
+              </a:uFill>
+              <a:latin typeface="Arial"/>
+            </a:endParaRPr>
+          </a:p>
+          <a:p>
+            <a:pPr>
+              <a:lnSpc>
+                <a:spcPct val="100000"/>
+              </a:lnSpc>
               <a:spcAft>
                 <a:spcPts val="1417"/>
               </a:spcAft>
-              <a:buClr>
-                <a:srgbClr val="000000"/>
-              </a:buClr>
-              <a:buSzPct val="45000"/>
-              <a:buFont typeface="Wingdings" charset="2"/>
-              <a:buChar char=""/>
             </a:pPr>
-            <a:endParaRPr b="0" lang="zxx" sz="2800" spc="-1" strike="noStrike">
+            <a:endParaRPr b="0" lang="en-US" sz="2800" spc="-1" strike="noStrike">
               <a:solidFill>
                 <a:srgbClr val="000000"/>
               </a:solidFill>
@@ -3843,6 +6321,33 @@
       </p:sp>
     </p:spTree>
   </p:cSld>
+  <p:timing>
+    <p:tnLst>
+      <p:par>
+        <p:cTn id="5" dur="indefinite" restart="never" nodeType="tmRoot">
+          <p:childTnLst>
+            <p:seq>
+              <p:cTn id="6" nodeType="mainSeq"/>
+              <p:prevCondLst>
+                <p:cond delay="0" evt="onPrev">
+                  <p:tgtEl>
+                    <p:sldTgt/>
+                  </p:tgtEl>
+                </p:cond>
+              </p:prevCondLst>
+              <p:nextCondLst>
+                <p:cond delay="0" evt="onNext">
+                  <p:tgtEl>
+                    <p:sldTgt/>
+                  </p:tgtEl>
+                </p:cond>
+              </p:nextCondLst>
+            </p:seq>
+          </p:childTnLst>
+        </p:cTn>
+      </p:par>
+    </p:tnLst>
+  </p:timing>
 </p:sld>
 </file>
 
@@ -3865,14 +6370,14 @@
       </p:grpSpPr>
       <p:sp>
         <p:nvSpPr>
-          <p:cNvPr id="46" name="TextShape 1"/>
-          <p:cNvSpPr txBox="1"/>
+          <p:cNvPr id="81" name="CustomShape 1"/>
+          <p:cNvSpPr/>
           <p:nvPr/>
         </p:nvSpPr>
         <p:spPr>
           <a:xfrm>
             <a:off x="468360" y="2700000"/>
-            <a:ext cx="9071640" cy="1262160"/>
+            <a:ext cx="9071280" cy="1261800"/>
           </a:xfrm>
           <a:prstGeom prst="rect">
             <a:avLst/>
@@ -3882,12 +6387,22 @@
             <a:noFill/>
           </a:ln>
         </p:spPr>
+        <p:style>
+          <a:lnRef idx="0"/>
+          <a:fillRef idx="0"/>
+          <a:effectRef idx="0"/>
+          <a:fontRef idx="minor"/>
+        </p:style>
         <p:txBody>
           <a:bodyPr lIns="0" rIns="0" tIns="0" bIns="0" anchor="ctr"/>
           <a:p>
-            <a:pPr algn="ctr"/>
+            <a:pPr algn="ctr">
+              <a:lnSpc>
+                <a:spcPct val="100000"/>
+              </a:lnSpc>
+            </a:pPr>
             <a:r>
-              <a:rPr b="0" lang="zxx" sz="4400" spc="-1" strike="noStrike">
+              <a:rPr b="0" lang="en-US" sz="4400" spc="-1" strike="noStrike">
                 <a:solidFill>
                   <a:srgbClr val="000000"/>
                 </a:solidFill>
@@ -3900,7 +6415,7 @@
               </a:rPr>
               <a:t>EDA</a:t>
             </a:r>
-            <a:endParaRPr b="0" lang="zxx" sz="4400" spc="-1" strike="noStrike">
+            <a:endParaRPr b="0" lang="en-US" sz="4400" spc="-1" strike="noStrike">
               <a:solidFill>
                 <a:srgbClr val="000000"/>
               </a:solidFill>
@@ -3916,6 +6431,33 @@
       </p:sp>
     </p:spTree>
   </p:cSld>
+  <p:timing>
+    <p:tnLst>
+      <p:par>
+        <p:cTn id="7" dur="indefinite" restart="never" nodeType="tmRoot">
+          <p:childTnLst>
+            <p:seq>
+              <p:cTn id="8" nodeType="mainSeq"/>
+              <p:prevCondLst>
+                <p:cond delay="0" evt="onPrev">
+                  <p:tgtEl>
+                    <p:sldTgt/>
+                  </p:tgtEl>
+                </p:cond>
+              </p:prevCondLst>
+              <p:nextCondLst>
+                <p:cond delay="0" evt="onNext">
+                  <p:tgtEl>
+                    <p:sldTgt/>
+                  </p:tgtEl>
+                </p:cond>
+              </p:nextCondLst>
+            </p:seq>
+          </p:childTnLst>
+        </p:cTn>
+      </p:par>
+    </p:tnLst>
+  </p:timing>
 </p:sld>
 </file>
 
@@ -3938,14 +6480,14 @@
       </p:grpSpPr>
       <p:sp>
         <p:nvSpPr>
-          <p:cNvPr id="47" name="TextShape 1"/>
-          <p:cNvSpPr txBox="1"/>
+          <p:cNvPr id="82" name="CustomShape 1"/>
+          <p:cNvSpPr/>
           <p:nvPr/>
         </p:nvSpPr>
         <p:spPr>
           <a:xfrm>
             <a:off x="540000" y="180000"/>
-            <a:ext cx="9071640" cy="1262160"/>
+            <a:ext cx="9071280" cy="1261800"/>
           </a:xfrm>
           <a:prstGeom prst="rect">
             <a:avLst/>
@@ -3955,12 +6497,22 @@
             <a:noFill/>
           </a:ln>
         </p:spPr>
+        <p:style>
+          <a:lnRef idx="0"/>
+          <a:fillRef idx="0"/>
+          <a:effectRef idx="0"/>
+          <a:fontRef idx="minor"/>
+        </p:style>
         <p:txBody>
           <a:bodyPr lIns="0" rIns="0" tIns="0" bIns="0" anchor="ctr"/>
           <a:p>
-            <a:pPr algn="ctr"/>
+            <a:pPr algn="ctr">
+              <a:lnSpc>
+                <a:spcPct val="100000"/>
+              </a:lnSpc>
+            </a:pPr>
             <a:r>
-              <a:rPr b="0" lang="zxx" sz="4400" spc="-1" strike="noStrike">
+              <a:rPr b="0" lang="en-US" sz="4400" spc="-1" strike="noStrike">
                 <a:solidFill>
                   <a:srgbClr val="000000"/>
                 </a:solidFill>
@@ -3973,7 +6525,7 @@
               </a:rPr>
               <a:t>EDA - Categorical Vars</a:t>
             </a:r>
-            <a:endParaRPr b="0" lang="zxx" sz="4400" spc="-1" strike="noStrike">
+            <a:endParaRPr b="0" lang="en-US" sz="4400" spc="-1" strike="noStrike">
               <a:solidFill>
                 <a:srgbClr val="000000"/>
               </a:solidFill>
@@ -3989,7 +6541,7 @@
       </p:sp>
       <p:pic>
         <p:nvPicPr>
-          <p:cNvPr id="48" name="" descr=""/>
+          <p:cNvPr id="83" name="" descr=""/>
           <p:cNvPicPr/>
           <p:nvPr/>
         </p:nvPicPr>
@@ -4000,7 +6552,7 @@
         <p:spPr>
           <a:xfrm>
             <a:off x="540000" y="1224360"/>
-            <a:ext cx="9301320" cy="5940000"/>
+            <a:ext cx="9300960" cy="5939640"/>
           </a:xfrm>
           <a:prstGeom prst="rect">
             <a:avLst/>
@@ -4012,6 +6564,33 @@
       </p:pic>
     </p:spTree>
   </p:cSld>
+  <p:timing>
+    <p:tnLst>
+      <p:par>
+        <p:cTn id="9" dur="indefinite" restart="never" nodeType="tmRoot">
+          <p:childTnLst>
+            <p:seq>
+              <p:cTn id="10" nodeType="mainSeq"/>
+              <p:prevCondLst>
+                <p:cond delay="0" evt="onPrev">
+                  <p:tgtEl>
+                    <p:sldTgt/>
+                  </p:tgtEl>
+                </p:cond>
+              </p:prevCondLst>
+              <p:nextCondLst>
+                <p:cond delay="0" evt="onNext">
+                  <p:tgtEl>
+                    <p:sldTgt/>
+                  </p:tgtEl>
+                </p:cond>
+              </p:nextCondLst>
+            </p:seq>
+          </p:childTnLst>
+        </p:cTn>
+      </p:par>
+    </p:tnLst>
+  </p:timing>
 </p:sld>
 </file>
 
@@ -4034,14 +6613,14 @@
       </p:grpSpPr>
       <p:sp>
         <p:nvSpPr>
-          <p:cNvPr id="49" name="TextShape 1"/>
-          <p:cNvSpPr txBox="1"/>
+          <p:cNvPr id="84" name="CustomShape 1"/>
+          <p:cNvSpPr/>
           <p:nvPr/>
         </p:nvSpPr>
         <p:spPr>
           <a:xfrm>
             <a:off x="504000" y="301320"/>
-            <a:ext cx="9071640" cy="1262160"/>
+            <a:ext cx="9071280" cy="1261800"/>
           </a:xfrm>
           <a:prstGeom prst="rect">
             <a:avLst/>
@@ -4051,12 +6630,22 @@
             <a:noFill/>
           </a:ln>
         </p:spPr>
+        <p:style>
+          <a:lnRef idx="0"/>
+          <a:fillRef idx="0"/>
+          <a:effectRef idx="0"/>
+          <a:fontRef idx="minor"/>
+        </p:style>
         <p:txBody>
           <a:bodyPr lIns="0" rIns="0" tIns="0" bIns="0" anchor="ctr"/>
           <a:p>
-            <a:pPr algn="ctr"/>
+            <a:pPr algn="ctr">
+              <a:lnSpc>
+                <a:spcPct val="100000"/>
+              </a:lnSpc>
+            </a:pPr>
             <a:r>
-              <a:rPr b="0" lang="zxx" sz="4400" spc="-1" strike="noStrike">
+              <a:rPr b="0" lang="en-US" sz="4400" spc="-1" strike="noStrike">
                 <a:solidFill>
                   <a:srgbClr val="000000"/>
                 </a:solidFill>
@@ -4069,7 +6658,7 @@
               </a:rPr>
               <a:t>EDA - Continuous Vars </a:t>
             </a:r>
-            <a:endParaRPr b="0" lang="zxx" sz="4400" spc="-1" strike="noStrike">
+            <a:endParaRPr b="0" lang="en-US" sz="4400" spc="-1" strike="noStrike">
               <a:solidFill>
                 <a:srgbClr val="000000"/>
               </a:solidFill>
@@ -4085,7 +6674,7 @@
       </p:sp>
       <p:pic>
         <p:nvPicPr>
-          <p:cNvPr id="50" name="" descr=""/>
+          <p:cNvPr id="85" name="" descr=""/>
           <p:cNvPicPr/>
           <p:nvPr/>
         </p:nvPicPr>
@@ -4096,7 +6685,7 @@
         <p:spPr>
           <a:xfrm>
             <a:off x="1080000" y="1440000"/>
-            <a:ext cx="8173800" cy="5220000"/>
+            <a:ext cx="8173440" cy="5219640"/>
           </a:xfrm>
           <a:prstGeom prst="rect">
             <a:avLst/>
@@ -4108,6 +6697,33 @@
       </p:pic>
     </p:spTree>
   </p:cSld>
+  <p:timing>
+    <p:tnLst>
+      <p:par>
+        <p:cTn id="11" dur="indefinite" restart="never" nodeType="tmRoot">
+          <p:childTnLst>
+            <p:seq>
+              <p:cTn id="12" nodeType="mainSeq"/>
+              <p:prevCondLst>
+                <p:cond delay="0" evt="onPrev">
+                  <p:tgtEl>
+                    <p:sldTgt/>
+                  </p:tgtEl>
+                </p:cond>
+              </p:prevCondLst>
+              <p:nextCondLst>
+                <p:cond delay="0" evt="onNext">
+                  <p:tgtEl>
+                    <p:sldTgt/>
+                  </p:tgtEl>
+                </p:cond>
+              </p:nextCondLst>
+            </p:seq>
+          </p:childTnLst>
+        </p:cTn>
+      </p:par>
+    </p:tnLst>
+  </p:timing>
 </p:sld>
 </file>
 
@@ -4130,14 +6746,14 @@
       </p:grpSpPr>
       <p:sp>
         <p:nvSpPr>
-          <p:cNvPr id="51" name="TextShape 1"/>
-          <p:cNvSpPr txBox="1"/>
+          <p:cNvPr id="86" name="CustomShape 1"/>
+          <p:cNvSpPr/>
           <p:nvPr/>
         </p:nvSpPr>
         <p:spPr>
           <a:xfrm>
             <a:off x="504000" y="301320"/>
-            <a:ext cx="9071640" cy="1262160"/>
+            <a:ext cx="9071280" cy="1261800"/>
           </a:xfrm>
           <a:prstGeom prst="rect">
             <a:avLst/>
@@ -4147,12 +6763,22 @@
             <a:noFill/>
           </a:ln>
         </p:spPr>
+        <p:style>
+          <a:lnRef idx="0"/>
+          <a:fillRef idx="0"/>
+          <a:effectRef idx="0"/>
+          <a:fontRef idx="minor"/>
+        </p:style>
         <p:txBody>
           <a:bodyPr lIns="0" rIns="0" tIns="0" bIns="0" anchor="ctr"/>
           <a:p>
-            <a:pPr algn="ctr"/>
+            <a:pPr algn="ctr">
+              <a:lnSpc>
+                <a:spcPct val="100000"/>
+              </a:lnSpc>
+            </a:pPr>
             <a:r>
-              <a:rPr b="0" lang="zxx" sz="4400" spc="-1" strike="noStrike">
+              <a:rPr b="0" lang="en-US" sz="4400" spc="-1" strike="noStrike">
                 <a:solidFill>
                   <a:srgbClr val="000000"/>
                 </a:solidFill>
@@ -4165,7 +6791,7 @@
               </a:rPr>
               <a:t>EDA – Correlation Plots</a:t>
             </a:r>
-            <a:endParaRPr b="0" lang="zxx" sz="4400" spc="-1" strike="noStrike">
+            <a:endParaRPr b="0" lang="en-US" sz="4400" spc="-1" strike="noStrike">
               <a:solidFill>
                 <a:srgbClr val="000000"/>
               </a:solidFill>
@@ -4181,7 +6807,7 @@
       </p:sp>
       <p:pic>
         <p:nvPicPr>
-          <p:cNvPr id="52" name="" descr=""/>
+          <p:cNvPr id="87" name="" descr=""/>
           <p:cNvPicPr/>
           <p:nvPr/>
         </p:nvPicPr>
@@ -4192,7 +6818,7 @@
         <p:spPr>
           <a:xfrm>
             <a:off x="1234080" y="1800000"/>
-            <a:ext cx="7405920" cy="4729680"/>
+            <a:ext cx="7405560" cy="4729320"/>
           </a:xfrm>
           <a:prstGeom prst="rect">
             <a:avLst/>
@@ -4204,6 +6830,33 @@
       </p:pic>
     </p:spTree>
   </p:cSld>
+  <p:timing>
+    <p:tnLst>
+      <p:par>
+        <p:cTn id="13" dur="indefinite" restart="never" nodeType="tmRoot">
+          <p:childTnLst>
+            <p:seq>
+              <p:cTn id="14" nodeType="mainSeq"/>
+              <p:prevCondLst>
+                <p:cond delay="0" evt="onPrev">
+                  <p:tgtEl>
+                    <p:sldTgt/>
+                  </p:tgtEl>
+                </p:cond>
+              </p:prevCondLst>
+              <p:nextCondLst>
+                <p:cond delay="0" evt="onNext">
+                  <p:tgtEl>
+                    <p:sldTgt/>
+                  </p:tgtEl>
+                </p:cond>
+              </p:nextCondLst>
+            </p:seq>
+          </p:childTnLst>
+        </p:cTn>
+      </p:par>
+    </p:tnLst>
+  </p:timing>
 </p:sld>
 </file>
 
@@ -4226,14 +6879,14 @@
       </p:grpSpPr>
       <p:sp>
         <p:nvSpPr>
-          <p:cNvPr id="53" name="TextShape 1"/>
-          <p:cNvSpPr txBox="1"/>
+          <p:cNvPr id="88" name="CustomShape 1"/>
+          <p:cNvSpPr/>
           <p:nvPr/>
         </p:nvSpPr>
         <p:spPr>
           <a:xfrm>
             <a:off x="504000" y="301320"/>
-            <a:ext cx="9071640" cy="1262160"/>
+            <a:ext cx="9071280" cy="1261800"/>
           </a:xfrm>
           <a:prstGeom prst="rect">
             <a:avLst/>
@@ -4243,12 +6896,22 @@
             <a:noFill/>
           </a:ln>
         </p:spPr>
+        <p:style>
+          <a:lnRef idx="0"/>
+          <a:fillRef idx="0"/>
+          <a:effectRef idx="0"/>
+          <a:fontRef idx="minor"/>
+        </p:style>
         <p:txBody>
           <a:bodyPr lIns="0" rIns="0" tIns="0" bIns="0" anchor="ctr"/>
           <a:p>
-            <a:pPr algn="ctr"/>
+            <a:pPr algn="ctr">
+              <a:lnSpc>
+                <a:spcPct val="100000"/>
+              </a:lnSpc>
+            </a:pPr>
             <a:r>
-              <a:rPr b="0" lang="zxx" sz="4400" spc="-1" strike="noStrike">
+              <a:rPr b="0" lang="en-US" sz="4400" spc="-1" strike="noStrike">
                 <a:solidFill>
                   <a:srgbClr val="000000"/>
                 </a:solidFill>
@@ -4261,7 +6924,7 @@
               </a:rPr>
               <a:t>EDA - Scatterplot</a:t>
             </a:r>
-            <a:endParaRPr b="0" lang="zxx" sz="4400" spc="-1" strike="noStrike">
+            <a:endParaRPr b="0" lang="en-US" sz="4400" spc="-1" strike="noStrike">
               <a:solidFill>
                 <a:srgbClr val="000000"/>
               </a:solidFill>
@@ -4277,7 +6940,7 @@
       </p:sp>
       <p:pic>
         <p:nvPicPr>
-          <p:cNvPr id="54" name="" descr=""/>
+          <p:cNvPr id="89" name="" descr=""/>
           <p:cNvPicPr/>
           <p:nvPr/>
         </p:nvPicPr>
@@ -4288,7 +6951,7 @@
         <p:spPr>
           <a:xfrm>
             <a:off x="618120" y="1440000"/>
-            <a:ext cx="9019440" cy="5760000"/>
+            <a:ext cx="9019080" cy="5759640"/>
           </a:xfrm>
           <a:prstGeom prst="rect">
             <a:avLst/>
@@ -4300,6 +6963,33 @@
       </p:pic>
     </p:spTree>
   </p:cSld>
+  <p:timing>
+    <p:tnLst>
+      <p:par>
+        <p:cTn id="15" dur="indefinite" restart="never" nodeType="tmRoot">
+          <p:childTnLst>
+            <p:seq>
+              <p:cTn id="16" nodeType="mainSeq"/>
+              <p:prevCondLst>
+                <p:cond delay="0" evt="onPrev">
+                  <p:tgtEl>
+                    <p:sldTgt/>
+                  </p:tgtEl>
+                </p:cond>
+              </p:prevCondLst>
+              <p:nextCondLst>
+                <p:cond delay="0" evt="onNext">
+                  <p:tgtEl>
+                    <p:sldTgt/>
+                  </p:tgtEl>
+                </p:cond>
+              </p:nextCondLst>
+            </p:seq>
+          </p:childTnLst>
+        </p:cTn>
+      </p:par>
+    </p:tnLst>
+  </p:timing>
 </p:sld>
 </file>
 
@@ -4322,14 +7012,14 @@
       </p:grpSpPr>
       <p:sp>
         <p:nvSpPr>
-          <p:cNvPr id="55" name="TextShape 1"/>
-          <p:cNvSpPr txBox="1"/>
+          <p:cNvPr id="90" name="CustomShape 1"/>
+          <p:cNvSpPr/>
           <p:nvPr/>
         </p:nvSpPr>
         <p:spPr>
           <a:xfrm>
             <a:off x="504000" y="301320"/>
-            <a:ext cx="9071640" cy="1262160"/>
+            <a:ext cx="9071280" cy="1261800"/>
           </a:xfrm>
           <a:prstGeom prst="rect">
             <a:avLst/>
@@ -4339,12 +7029,22 @@
             <a:noFill/>
           </a:ln>
         </p:spPr>
+        <p:style>
+          <a:lnRef idx="0"/>
+          <a:fillRef idx="0"/>
+          <a:effectRef idx="0"/>
+          <a:fontRef idx="minor"/>
+        </p:style>
         <p:txBody>
           <a:bodyPr lIns="0" rIns="0" tIns="0" bIns="0" anchor="ctr"/>
           <a:p>
-            <a:pPr algn="ctr"/>
+            <a:pPr algn="ctr">
+              <a:lnSpc>
+                <a:spcPct val="100000"/>
+              </a:lnSpc>
+            </a:pPr>
             <a:r>
-              <a:rPr b="0" lang="zxx" sz="4400" spc="-1" strike="noStrike">
+              <a:rPr b="0" lang="en-US" sz="4400" spc="-1" strike="noStrike">
                 <a:solidFill>
                   <a:srgbClr val="000000"/>
                 </a:solidFill>
@@ -4357,30 +7057,30 @@
               </a:rPr>
               <a:t>Missingness</a:t>
             </a:r>
-            <a:endParaRPr b="0" lang="zxx" sz="4400" spc="-1" strike="noStrike">
-              <a:solidFill>
-                <a:srgbClr val="000000"/>
-              </a:solidFill>
-              <a:uFill>
-                <a:solidFill>
-                  <a:srgbClr val="ffffff"/>
-                </a:solidFill>
-              </a:uFill>
-              <a:latin typeface="Arial"/>
-            </a:endParaRPr>
-          </a:p>
-        </p:txBody>
-      </p:sp>
-      <p:sp>
-        <p:nvSpPr>
-          <p:cNvPr id="56" name="TextShape 2"/>
-          <p:cNvSpPr txBox="1"/>
+            <a:endParaRPr b="0" lang="en-US" sz="4400" spc="-1" strike="noStrike">
+              <a:solidFill>
+                <a:srgbClr val="000000"/>
+              </a:solidFill>
+              <a:uFill>
+                <a:solidFill>
+                  <a:srgbClr val="ffffff"/>
+                </a:solidFill>
+              </a:uFill>
+              <a:latin typeface="Arial"/>
+            </a:endParaRPr>
+          </a:p>
+        </p:txBody>
+      </p:sp>
+      <p:sp>
+        <p:nvSpPr>
+          <p:cNvPr id="91" name="CustomShape 2"/>
+          <p:cNvSpPr/>
           <p:nvPr/>
         </p:nvSpPr>
         <p:spPr>
           <a:xfrm>
             <a:off x="504000" y="1769040"/>
-            <a:ext cx="9071640" cy="4384800"/>
+            <a:ext cx="9071280" cy="4384440"/>
           </a:xfrm>
           <a:prstGeom prst="rect">
             <a:avLst/>
@@ -4390,10 +7090,19 @@
             <a:noFill/>
           </a:ln>
         </p:spPr>
+        <p:style>
+          <a:lnRef idx="0"/>
+          <a:fillRef idx="0"/>
+          <a:effectRef idx="0"/>
+          <a:fontRef idx="minor"/>
+        </p:style>
         <p:txBody>
           <a:bodyPr lIns="0" rIns="0" tIns="0" bIns="0"/>
           <a:p>
-            <a:pPr marL="432000" indent="-324000">
+            <a:pPr marL="432000" indent="-323640">
+              <a:lnSpc>
+                <a:spcPct val="100000"/>
+              </a:lnSpc>
               <a:spcAft>
                 <a:spcPts val="1417"/>
               </a:spcAft>
@@ -4405,7 +7114,7 @@
               <a:buChar char=""/>
             </a:pPr>
             <a:r>
-              <a:rPr b="0" lang="zxx" sz="3200" spc="-1" strike="noStrike">
+              <a:rPr b="0" lang="en-US" sz="3200" spc="-1" strike="noStrike">
                 <a:solidFill>
                   <a:srgbClr val="000000"/>
                 </a:solidFill>
@@ -4418,20 +7127,23 @@
               </a:rPr>
               <a:t>Categorical</a:t>
             </a:r>
-            <a:endParaRPr b="0" lang="zxx" sz="3200" spc="-1" strike="noStrike">
-              <a:solidFill>
-                <a:srgbClr val="000000"/>
-              </a:solidFill>
-              <a:uFill>
-                <a:solidFill>
-                  <a:srgbClr val="ffffff"/>
-                </a:solidFill>
-              </a:uFill>
-              <a:latin typeface="Arial"/>
-            </a:endParaRPr>
-          </a:p>
-          <a:p>
-            <a:pPr lvl="1" marL="864000" indent="-324000">
+            <a:endParaRPr b="0" lang="en-US" sz="3200" spc="-1" strike="noStrike">
+              <a:solidFill>
+                <a:srgbClr val="000000"/>
+              </a:solidFill>
+              <a:uFill>
+                <a:solidFill>
+                  <a:srgbClr val="ffffff"/>
+                </a:solidFill>
+              </a:uFill>
+              <a:latin typeface="Arial"/>
+            </a:endParaRPr>
+          </a:p>
+          <a:p>
+            <a:pPr lvl="1" marL="864000" indent="-323640">
+              <a:lnSpc>
+                <a:spcPct val="100000"/>
+              </a:lnSpc>
               <a:spcAft>
                 <a:spcPts val="1134"/>
               </a:spcAft>
@@ -4443,7 +7155,7 @@
               <a:buChar char=""/>
             </a:pPr>
             <a:r>
-              <a:rPr b="0" lang="zxx" sz="2800" spc="-1" strike="noStrike">
+              <a:rPr b="0" lang="en-US" sz="2800" spc="-1" strike="noStrike">
                 <a:solidFill>
                   <a:srgbClr val="000000"/>
                 </a:solidFill>
@@ -4456,20 +7168,23 @@
               </a:rPr>
               <a:t>Impute 'None'</a:t>
             </a:r>
-            <a:endParaRPr b="0" lang="zxx" sz="2800" spc="-1" strike="noStrike">
-              <a:solidFill>
-                <a:srgbClr val="000000"/>
-              </a:solidFill>
-              <a:uFill>
-                <a:solidFill>
-                  <a:srgbClr val="ffffff"/>
-                </a:solidFill>
-              </a:uFill>
-              <a:latin typeface="Arial"/>
-            </a:endParaRPr>
-          </a:p>
-          <a:p>
-            <a:pPr lvl="1" marL="864000" indent="-324000">
+            <a:endParaRPr b="0" lang="en-US" sz="2800" spc="-1" strike="noStrike">
+              <a:solidFill>
+                <a:srgbClr val="000000"/>
+              </a:solidFill>
+              <a:uFill>
+                <a:solidFill>
+                  <a:srgbClr val="ffffff"/>
+                </a:solidFill>
+              </a:uFill>
+              <a:latin typeface="Arial"/>
+            </a:endParaRPr>
+          </a:p>
+          <a:p>
+            <a:pPr lvl="1" marL="864000" indent="-323640">
+              <a:lnSpc>
+                <a:spcPct val="100000"/>
+              </a:lnSpc>
               <a:spcAft>
                 <a:spcPts val="1134"/>
               </a:spcAft>
@@ -4481,7 +7196,7 @@
               <a:buChar char=""/>
             </a:pPr>
             <a:r>
-              <a:rPr b="0" lang="zxx" sz="2800" spc="-1" strike="noStrike">
+              <a:rPr b="0" lang="en-US" sz="2800" spc="-1" strike="noStrike">
                 <a:solidFill>
                   <a:srgbClr val="000000"/>
                 </a:solidFill>
@@ -4494,20 +7209,23 @@
               </a:rPr>
               <a:t>Mode : Electrical</a:t>
             </a:r>
-            <a:endParaRPr b="0" lang="zxx" sz="2800" spc="-1" strike="noStrike">
-              <a:solidFill>
-                <a:srgbClr val="000000"/>
-              </a:solidFill>
-              <a:uFill>
-                <a:solidFill>
-                  <a:srgbClr val="ffffff"/>
-                </a:solidFill>
-              </a:uFill>
-              <a:latin typeface="Arial"/>
-            </a:endParaRPr>
-          </a:p>
-          <a:p>
-            <a:pPr marL="432000" indent="-324000">
+            <a:endParaRPr b="0" lang="en-US" sz="2800" spc="-1" strike="noStrike">
+              <a:solidFill>
+                <a:srgbClr val="000000"/>
+              </a:solidFill>
+              <a:uFill>
+                <a:solidFill>
+                  <a:srgbClr val="ffffff"/>
+                </a:solidFill>
+              </a:uFill>
+              <a:latin typeface="Arial"/>
+            </a:endParaRPr>
+          </a:p>
+          <a:p>
+            <a:pPr marL="432000" indent="-323640">
+              <a:lnSpc>
+                <a:spcPct val="100000"/>
+              </a:lnSpc>
               <a:spcAft>
                 <a:spcPts val="1417"/>
               </a:spcAft>
@@ -4519,7 +7237,7 @@
               <a:buChar char=""/>
             </a:pPr>
             <a:r>
-              <a:rPr b="0" lang="zxx" sz="3200" spc="-1" strike="noStrike">
+              <a:rPr b="0" lang="en-US" sz="3200" spc="-1" strike="noStrike">
                 <a:solidFill>
                   <a:srgbClr val="000000"/>
                 </a:solidFill>
@@ -4532,20 +7250,23 @@
               </a:rPr>
               <a:t>Continuous</a:t>
             </a:r>
-            <a:endParaRPr b="0" lang="zxx" sz="3200" spc="-1" strike="noStrike">
-              <a:solidFill>
-                <a:srgbClr val="000000"/>
-              </a:solidFill>
-              <a:uFill>
-                <a:solidFill>
-                  <a:srgbClr val="ffffff"/>
-                </a:solidFill>
-              </a:uFill>
-              <a:latin typeface="Arial"/>
-            </a:endParaRPr>
-          </a:p>
-          <a:p>
-            <a:pPr lvl="1" marL="864000" indent="-324000">
+            <a:endParaRPr b="0" lang="en-US" sz="3200" spc="-1" strike="noStrike">
+              <a:solidFill>
+                <a:srgbClr val="000000"/>
+              </a:solidFill>
+              <a:uFill>
+                <a:solidFill>
+                  <a:srgbClr val="ffffff"/>
+                </a:solidFill>
+              </a:uFill>
+              <a:latin typeface="Arial"/>
+            </a:endParaRPr>
+          </a:p>
+          <a:p>
+            <a:pPr lvl="1" marL="864000" indent="-323640">
+              <a:lnSpc>
+                <a:spcPct val="100000"/>
+              </a:lnSpc>
               <a:spcAft>
                 <a:spcPts val="1134"/>
               </a:spcAft>
@@ -4557,7 +7278,7 @@
               <a:buChar char=""/>
             </a:pPr>
             <a:r>
-              <a:rPr b="0" lang="zxx" sz="2800" spc="-1" strike="noStrike">
+              <a:rPr b="0" lang="en-US" sz="2800" spc="-1" strike="noStrike">
                 <a:solidFill>
                   <a:srgbClr val="000000"/>
                 </a:solidFill>
@@ -4570,20 +7291,23 @@
               </a:rPr>
               <a:t>Mean</a:t>
             </a:r>
-            <a:endParaRPr b="0" lang="zxx" sz="2800" spc="-1" strike="noStrike">
-              <a:solidFill>
-                <a:srgbClr val="000000"/>
-              </a:solidFill>
-              <a:uFill>
-                <a:solidFill>
-                  <a:srgbClr val="ffffff"/>
-                </a:solidFill>
-              </a:uFill>
-              <a:latin typeface="Arial"/>
-            </a:endParaRPr>
-          </a:p>
-          <a:p>
-            <a:pPr lvl="1" marL="864000" indent="-324000">
+            <a:endParaRPr b="0" lang="en-US" sz="2800" spc="-1" strike="noStrike">
+              <a:solidFill>
+                <a:srgbClr val="000000"/>
+              </a:solidFill>
+              <a:uFill>
+                <a:solidFill>
+                  <a:srgbClr val="ffffff"/>
+                </a:solidFill>
+              </a:uFill>
+              <a:latin typeface="Arial"/>
+            </a:endParaRPr>
+          </a:p>
+          <a:p>
+            <a:pPr lvl="1" marL="864000" indent="-323640">
+              <a:lnSpc>
+                <a:spcPct val="100000"/>
+              </a:lnSpc>
               <a:spcAft>
                 <a:spcPts val="1134"/>
               </a:spcAft>
@@ -4595,7 +7319,7 @@
               <a:buChar char=""/>
             </a:pPr>
             <a:r>
-              <a:rPr b="0" lang="zxx" sz="2800" spc="-1" strike="noStrike">
+              <a:rPr b="0" lang="en-US" sz="2800" spc="-1" strike="noStrike">
                 <a:solidFill>
                   <a:srgbClr val="000000"/>
                 </a:solidFill>
@@ -4608,7 +7332,7 @@
               </a:rPr>
               <a:t>Median</a:t>
             </a:r>
-            <a:endParaRPr b="0" lang="zxx" sz="2800" spc="-1" strike="noStrike">
+            <a:endParaRPr b="0" lang="en-US" sz="2800" spc="-1" strike="noStrike">
               <a:solidFill>
                 <a:srgbClr val="000000"/>
               </a:solidFill>
@@ -4624,6 +7348,33 @@
       </p:sp>
     </p:spTree>
   </p:cSld>
+  <p:timing>
+    <p:tnLst>
+      <p:par>
+        <p:cTn id="17" dur="indefinite" restart="never" nodeType="tmRoot">
+          <p:childTnLst>
+            <p:seq>
+              <p:cTn id="18" nodeType="mainSeq"/>
+              <p:prevCondLst>
+                <p:cond delay="0" evt="onPrev">
+                  <p:tgtEl>
+                    <p:sldTgt/>
+                  </p:tgtEl>
+                </p:cond>
+              </p:prevCondLst>
+              <p:nextCondLst>
+                <p:cond delay="0" evt="onNext">
+                  <p:tgtEl>
+                    <p:sldTgt/>
+                  </p:tgtEl>
+                </p:cond>
+              </p:nextCondLst>
+            </p:seq>
+          </p:childTnLst>
+        </p:cTn>
+      </p:par>
+    </p:tnLst>
+  </p:timing>
 </p:sld>
 </file>
 
@@ -4848,4 +7599,227 @@
     </a:fmtScheme>
   </a:themeElements>
 </a:theme>
+</file>
+
+<file path=ppt/theme/theme2.xml><?xml version="1.0" encoding="utf-8"?>
+<a:theme xmlns:a="http://schemas.openxmlformats.org/drawingml/2006/main" name="Office Theme">
+  <a:themeElements>
+    <a:clrScheme name="Office">
+      <a:dk1>
+        <a:sysClr val="windowText" lastClr="000000"/>
+      </a:dk1>
+      <a:lt1>
+        <a:sysClr val="window" lastClr="FFFFFF"/>
+      </a:lt1>
+      <a:dk2>
+        <a:srgbClr val="1F497D"/>
+      </a:dk2>
+      <a:lt2>
+        <a:srgbClr val="EEECE1"/>
+      </a:lt2>
+      <a:accent1>
+        <a:srgbClr val="4F81BD"/>
+      </a:accent1>
+      <a:accent2>
+        <a:srgbClr val="C0504D"/>
+      </a:accent2>
+      <a:accent3>
+        <a:srgbClr val="9BBB59"/>
+      </a:accent3>
+      <a:accent4>
+        <a:srgbClr val="8064A2"/>
+      </a:accent4>
+      <a:accent5>
+        <a:srgbClr val="4BACC6"/>
+      </a:accent5>
+      <a:accent6>
+        <a:srgbClr val="F79646"/>
+      </a:accent6>
+      <a:hlink>
+        <a:srgbClr val="0000FF"/>
+      </a:hlink>
+      <a:folHlink>
+        <a:srgbClr val="800080"/>
+      </a:folHlink>
+    </a:clrScheme>
+    <a:fontScheme name="Office">
+      <a:majorFont>
+        <a:latin typeface="Arial"/>
+        <a:ea typeface="DejaVu Sans"/>
+        <a:cs typeface="DejaVu Sans"/>
+      </a:majorFont>
+      <a:minorFont>
+        <a:latin typeface="Arial"/>
+        <a:ea typeface="DejaVu Sans"/>
+        <a:cs typeface="DejaVu Sans"/>
+      </a:minorFont>
+    </a:fontScheme>
+    <a:fmtScheme name="Office">
+      <a:fillStyleLst>
+        <a:solidFill>
+          <a:schemeClr val="phClr"/>
+        </a:solidFill>
+        <a:gradFill rotWithShape="1">
+          <a:gsLst>
+            <a:gs pos="0">
+              <a:schemeClr val="phClr">
+                <a:tint val="50000"/>
+                <a:satMod val="300000"/>
+              </a:schemeClr>
+            </a:gs>
+            <a:gs pos="35000">
+              <a:schemeClr val="phClr">
+                <a:tint val="37000"/>
+                <a:satMod val="300000"/>
+              </a:schemeClr>
+            </a:gs>
+            <a:gs pos="100000">
+              <a:schemeClr val="phClr">
+                <a:tint val="15000"/>
+                <a:satMod val="350000"/>
+              </a:schemeClr>
+            </a:gs>
+          </a:gsLst>
+          <a:lin ang="16200000" scaled="1"/>
+        </a:gradFill>
+        <a:gradFill rotWithShape="1">
+          <a:gsLst>
+            <a:gs pos="0">
+              <a:schemeClr val="phClr">
+                <a:shade val="51000"/>
+                <a:satMod val="130000"/>
+              </a:schemeClr>
+            </a:gs>
+            <a:gs pos="80000">
+              <a:schemeClr val="phClr">
+                <a:shade val="93000"/>
+                <a:satMod val="130000"/>
+              </a:schemeClr>
+            </a:gs>
+            <a:gs pos="100000">
+              <a:schemeClr val="phClr">
+                <a:shade val="94000"/>
+                <a:satMod val="135000"/>
+              </a:schemeClr>
+            </a:gs>
+          </a:gsLst>
+          <a:lin ang="16200000" scaled="0"/>
+        </a:gradFill>
+      </a:fillStyleLst>
+      <a:lnStyleLst>
+        <a:ln w="9525" cap="flat" cmpd="sng" algn="ctr">
+          <a:solidFill>
+            <a:schemeClr val="phClr">
+              <a:shade val="95000"/>
+              <a:satMod val="105000"/>
+            </a:schemeClr>
+          </a:solidFill>
+          <a:prstDash val="solid"/>
+        </a:ln>
+        <a:ln w="25400" cap="flat" cmpd="sng" algn="ctr">
+          <a:solidFill>
+            <a:schemeClr val="phClr"/>
+          </a:solidFill>
+          <a:prstDash val="solid"/>
+        </a:ln>
+        <a:ln w="38100" cap="flat" cmpd="sng" algn="ctr">
+          <a:solidFill>
+            <a:schemeClr val="phClr"/>
+          </a:solidFill>
+          <a:prstDash val="solid"/>
+        </a:ln>
+      </a:lnStyleLst>
+      <a:effectStyleLst>
+        <a:effectStyle>
+          <a:effectLst>
+            <a:outerShdw blurRad="40000" dist="20000" dir="5400000" rotWithShape="0">
+              <a:srgbClr val="000000">
+                <a:alpha val="38000"/>
+              </a:srgbClr>
+            </a:outerShdw>
+          </a:effectLst>
+        </a:effectStyle>
+        <a:effectStyle>
+          <a:effectLst>
+            <a:outerShdw blurRad="40000" dist="23000" dir="5400000" rotWithShape="0">
+              <a:srgbClr val="000000">
+                <a:alpha val="35000"/>
+              </a:srgbClr>
+            </a:outerShdw>
+          </a:effectLst>
+        </a:effectStyle>
+        <a:effectStyle>
+          <a:effectLst>
+            <a:outerShdw blurRad="40000" dist="23000" dir="5400000" rotWithShape="0">
+              <a:srgbClr val="000000">
+                <a:alpha val="35000"/>
+              </a:srgbClr>
+            </a:outerShdw>
+          </a:effectLst>
+          <a:scene3d>
+            <a:camera prst="orthographicFront">
+              <a:rot lat="0" lon="0" rev="0"/>
+            </a:camera>
+            <a:lightRig rig="threePt" dir="t">
+              <a:rot lat="0" lon="0" rev="1200000"/>
+            </a:lightRig>
+          </a:scene3d>
+          <a:sp3d>
+            <a:bevelT w="63500" h="25400"/>
+          </a:sp3d>
+        </a:effectStyle>
+      </a:effectStyleLst>
+      <a:bgFillStyleLst>
+        <a:solidFill>
+          <a:schemeClr val="phClr"/>
+        </a:solidFill>
+        <a:gradFill rotWithShape="1">
+          <a:gsLst>
+            <a:gs pos="0">
+              <a:schemeClr val="phClr">
+                <a:tint val="40000"/>
+                <a:satMod val="350000"/>
+              </a:schemeClr>
+            </a:gs>
+            <a:gs pos="40000">
+              <a:schemeClr val="phClr">
+                <a:tint val="45000"/>
+                <a:shade val="99000"/>
+                <a:satMod val="350000"/>
+              </a:schemeClr>
+            </a:gs>
+            <a:gs pos="100000">
+              <a:schemeClr val="phClr">
+                <a:shade val="20000"/>
+                <a:satMod val="255000"/>
+              </a:schemeClr>
+            </a:gs>
+          </a:gsLst>
+          <a:path path="circle">
+            <a:fillToRect l="50000" t="-80000" r="50000" b="180000"/>
+          </a:path>
+        </a:gradFill>
+        <a:gradFill rotWithShape="1">
+          <a:gsLst>
+            <a:gs pos="0">
+              <a:schemeClr val="phClr">
+                <a:tint val="80000"/>
+                <a:satMod val="300000"/>
+              </a:schemeClr>
+            </a:gs>
+            <a:gs pos="100000">
+              <a:schemeClr val="phClr">
+                <a:shade val="30000"/>
+                <a:satMod val="200000"/>
+              </a:schemeClr>
+            </a:gs>
+          </a:gsLst>
+          <a:path path="circle">
+            <a:fillToRect l="50000" t="50000" r="50000" b="50000"/>
+          </a:path>
+        </a:gradFill>
+      </a:bgFillStyleLst>
+    </a:fmtScheme>
+  </a:themeElements>
+</a:theme>
 </file>
--- a/Least Squares Presentation.pptx
+++ b/Least Squares Presentation.pptx
@@ -4,26 +4,31 @@
   <p:sldMasterIdLst>
     <p:sldMasterId id="2147483648" r:id="rId2"/>
     <p:sldMasterId id="2147483661" r:id="rId3"/>
+    <p:sldMasterId id="2147483674" r:id="rId4"/>
   </p:sldMasterIdLst>
   <p:sldIdLst>
-    <p:sldId id="256" r:id="rId4"/>
-    <p:sldId id="257" r:id="rId5"/>
-    <p:sldId id="258" r:id="rId6"/>
-    <p:sldId id="259" r:id="rId7"/>
-    <p:sldId id="260" r:id="rId8"/>
-    <p:sldId id="261" r:id="rId9"/>
-    <p:sldId id="262" r:id="rId10"/>
-    <p:sldId id="263" r:id="rId11"/>
-    <p:sldId id="264" r:id="rId12"/>
-    <p:sldId id="265" r:id="rId13"/>
-    <p:sldId id="266" r:id="rId14"/>
-    <p:sldId id="267" r:id="rId15"/>
-    <p:sldId id="268" r:id="rId16"/>
-    <p:sldId id="269" r:id="rId17"/>
-    <p:sldId id="270" r:id="rId18"/>
-    <p:sldId id="271" r:id="rId19"/>
-    <p:sldId id="272" r:id="rId20"/>
-    <p:sldId id="273" r:id="rId21"/>
+    <p:sldId id="256" r:id="rId5"/>
+    <p:sldId id="257" r:id="rId6"/>
+    <p:sldId id="258" r:id="rId7"/>
+    <p:sldId id="259" r:id="rId8"/>
+    <p:sldId id="260" r:id="rId9"/>
+    <p:sldId id="261" r:id="rId10"/>
+    <p:sldId id="262" r:id="rId11"/>
+    <p:sldId id="263" r:id="rId12"/>
+    <p:sldId id="264" r:id="rId13"/>
+    <p:sldId id="265" r:id="rId14"/>
+    <p:sldId id="266" r:id="rId15"/>
+    <p:sldId id="267" r:id="rId16"/>
+    <p:sldId id="268" r:id="rId17"/>
+    <p:sldId id="269" r:id="rId18"/>
+    <p:sldId id="270" r:id="rId19"/>
+    <p:sldId id="271" r:id="rId20"/>
+    <p:sldId id="272" r:id="rId21"/>
+    <p:sldId id="273" r:id="rId22"/>
+    <p:sldId id="274" r:id="rId23"/>
+    <p:sldId id="275" r:id="rId24"/>
+    <p:sldId id="276" r:id="rId25"/>
+    <p:sldId id="277" r:id="rId26"/>
   </p:sldIdLst>
   <p:sldSz cx="10080625" cy="7559675"/>
   <p:notesSz cx="7772400" cy="10058400"/>
@@ -82,7 +87,7 @@
         <p:spPr>
           <a:xfrm>
             <a:off x="504000" y="301320"/>
-            <a:ext cx="9071280" cy="1261800"/>
+            <a:ext cx="9071640" cy="1261440"/>
           </a:xfrm>
           <a:prstGeom prst="rect">
             <a:avLst/>
@@ -118,8 +123,8 @@
         </p:nvSpPr>
         <p:spPr>
           <a:xfrm>
-            <a:off x="504000" y="1769040"/>
-            <a:ext cx="9071280" cy="2091240"/>
+            <a:off x="504000" y="1768680"/>
+            <a:ext cx="9071640" cy="2090880"/>
           </a:xfrm>
           <a:prstGeom prst="rect">
             <a:avLst/>
@@ -156,8 +161,8 @@
         </p:nvSpPr>
         <p:spPr>
           <a:xfrm>
-            <a:off x="504000" y="4059360"/>
-            <a:ext cx="9071280" cy="2091240"/>
+            <a:off x="504000" y="4058640"/>
+            <a:ext cx="9071640" cy="2090880"/>
           </a:xfrm>
           <a:prstGeom prst="rect">
             <a:avLst/>
@@ -217,7 +222,7 @@
         <p:spPr>
           <a:xfrm>
             <a:off x="504000" y="301320"/>
-            <a:ext cx="9071280" cy="1261800"/>
+            <a:ext cx="9071640" cy="1261440"/>
           </a:xfrm>
           <a:prstGeom prst="rect">
             <a:avLst/>
@@ -253,8 +258,8 @@
         </p:nvSpPr>
         <p:spPr>
           <a:xfrm>
-            <a:off x="504000" y="1769040"/>
-            <a:ext cx="4426560" cy="2091240"/>
+            <a:off x="504000" y="1768680"/>
+            <a:ext cx="4426920" cy="2090880"/>
           </a:xfrm>
           <a:prstGeom prst="rect">
             <a:avLst/>
@@ -291,8 +296,8 @@
         </p:nvSpPr>
         <p:spPr>
           <a:xfrm>
-            <a:off x="5152320" y="1769040"/>
-            <a:ext cx="4426560" cy="2091240"/>
+            <a:off x="5152680" y="1768680"/>
+            <a:ext cx="4426920" cy="2090880"/>
           </a:xfrm>
           <a:prstGeom prst="rect">
             <a:avLst/>
@@ -329,8 +334,8 @@
         </p:nvSpPr>
         <p:spPr>
           <a:xfrm>
-            <a:off x="5152320" y="4059360"/>
-            <a:ext cx="4426560" cy="2091240"/>
+            <a:off x="5152680" y="4058640"/>
+            <a:ext cx="4426920" cy="2090880"/>
           </a:xfrm>
           <a:prstGeom prst="rect">
             <a:avLst/>
@@ -367,8 +372,8 @@
         </p:nvSpPr>
         <p:spPr>
           <a:xfrm>
-            <a:off x="504000" y="4059360"/>
-            <a:ext cx="4426560" cy="2091240"/>
+            <a:off x="504000" y="4058640"/>
+            <a:ext cx="4426920" cy="2090880"/>
           </a:xfrm>
           <a:prstGeom prst="rect">
             <a:avLst/>
@@ -428,7 +433,7 @@
         <p:spPr>
           <a:xfrm>
             <a:off x="504000" y="301320"/>
-            <a:ext cx="9071280" cy="1261800"/>
+            <a:ext cx="9071640" cy="1261440"/>
           </a:xfrm>
           <a:prstGeom prst="rect">
             <a:avLst/>
@@ -464,8 +469,8 @@
         </p:nvSpPr>
         <p:spPr>
           <a:xfrm>
-            <a:off x="504000" y="1769040"/>
-            <a:ext cx="2920680" cy="2091240"/>
+            <a:off x="504000" y="1768680"/>
+            <a:ext cx="2920680" cy="2090880"/>
           </a:xfrm>
           <a:prstGeom prst="rect">
             <a:avLst/>
@@ -502,8 +507,8 @@
         </p:nvSpPr>
         <p:spPr>
           <a:xfrm>
-            <a:off x="3571200" y="1769040"/>
-            <a:ext cx="2920680" cy="2091240"/>
+            <a:off x="3571200" y="1768680"/>
+            <a:ext cx="2920680" cy="2090880"/>
           </a:xfrm>
           <a:prstGeom prst="rect">
             <a:avLst/>
@@ -540,8 +545,8 @@
         </p:nvSpPr>
         <p:spPr>
           <a:xfrm>
-            <a:off x="6638040" y="1769040"/>
-            <a:ext cx="2920680" cy="2091240"/>
+            <a:off x="6638040" y="1768680"/>
+            <a:ext cx="2920680" cy="2090880"/>
           </a:xfrm>
           <a:prstGeom prst="rect">
             <a:avLst/>
@@ -578,8 +583,8 @@
         </p:nvSpPr>
         <p:spPr>
           <a:xfrm>
-            <a:off x="6638040" y="4059360"/>
-            <a:ext cx="2920680" cy="2091240"/>
+            <a:off x="6638040" y="4058640"/>
+            <a:ext cx="2920680" cy="2090880"/>
           </a:xfrm>
           <a:prstGeom prst="rect">
             <a:avLst/>
@@ -616,8 +621,8 @@
         </p:nvSpPr>
         <p:spPr>
           <a:xfrm>
-            <a:off x="3571200" y="4059360"/>
-            <a:ext cx="2920680" cy="2091240"/>
+            <a:off x="3571200" y="4058640"/>
+            <a:ext cx="2920680" cy="2090880"/>
           </a:xfrm>
           <a:prstGeom prst="rect">
             <a:avLst/>
@@ -654,8 +659,8 @@
         </p:nvSpPr>
         <p:spPr>
           <a:xfrm>
-            <a:off x="504000" y="4059360"/>
-            <a:ext cx="2920680" cy="2091240"/>
+            <a:off x="504000" y="4058640"/>
+            <a:ext cx="2920680" cy="2090880"/>
           </a:xfrm>
           <a:prstGeom prst="rect">
             <a:avLst/>
@@ -737,7 +742,7 @@
         <p:spPr>
           <a:xfrm>
             <a:off x="504000" y="301320"/>
-            <a:ext cx="9071280" cy="1261800"/>
+            <a:ext cx="9071640" cy="1261440"/>
           </a:xfrm>
           <a:prstGeom prst="rect">
             <a:avLst/>
@@ -773,8 +778,8 @@
         </p:nvSpPr>
         <p:spPr>
           <a:xfrm>
-            <a:off x="504000" y="1769040"/>
-            <a:ext cx="9071280" cy="4384440"/>
+            <a:off x="504000" y="1768680"/>
+            <a:ext cx="9071640" cy="4383720"/>
           </a:xfrm>
           <a:prstGeom prst="rect">
             <a:avLst/>
@@ -833,7 +838,7 @@
         <p:spPr>
           <a:xfrm>
             <a:off x="504000" y="301320"/>
-            <a:ext cx="9071280" cy="1261800"/>
+            <a:ext cx="9071640" cy="1261440"/>
           </a:xfrm>
           <a:prstGeom prst="rect">
             <a:avLst/>
@@ -869,8 +874,8 @@
         </p:nvSpPr>
         <p:spPr>
           <a:xfrm>
-            <a:off x="504000" y="1769040"/>
-            <a:ext cx="9071280" cy="4384440"/>
+            <a:off x="504000" y="1768680"/>
+            <a:ext cx="9071640" cy="4383720"/>
           </a:xfrm>
           <a:prstGeom prst="rect">
             <a:avLst/>
@@ -930,7 +935,7 @@
         <p:spPr>
           <a:xfrm>
             <a:off x="504000" y="301320"/>
-            <a:ext cx="9071280" cy="1261800"/>
+            <a:ext cx="9071640" cy="1261440"/>
           </a:xfrm>
           <a:prstGeom prst="rect">
             <a:avLst/>
@@ -966,8 +971,8 @@
         </p:nvSpPr>
         <p:spPr>
           <a:xfrm>
-            <a:off x="504000" y="1769040"/>
-            <a:ext cx="4426560" cy="4384440"/>
+            <a:off x="504000" y="1768680"/>
+            <a:ext cx="4426920" cy="4383720"/>
           </a:xfrm>
           <a:prstGeom prst="rect">
             <a:avLst/>
@@ -1004,8 +1009,8 @@
         </p:nvSpPr>
         <p:spPr>
           <a:xfrm>
-            <a:off x="5152320" y="1769040"/>
-            <a:ext cx="4426560" cy="4384440"/>
+            <a:off x="5152680" y="1768680"/>
+            <a:ext cx="4426920" cy="4383720"/>
           </a:xfrm>
           <a:prstGeom prst="rect">
             <a:avLst/>
@@ -1065,7 +1070,7 @@
         <p:spPr>
           <a:xfrm>
             <a:off x="504000" y="301320"/>
-            <a:ext cx="9071280" cy="1261800"/>
+            <a:ext cx="9071640" cy="1261440"/>
           </a:xfrm>
           <a:prstGeom prst="rect">
             <a:avLst/>
@@ -1124,7 +1129,7 @@
         <p:spPr>
           <a:xfrm>
             <a:off x="504000" y="301320"/>
-            <a:ext cx="9071280" cy="5850360"/>
+            <a:ext cx="9071640" cy="5848560"/>
           </a:xfrm>
           <a:prstGeom prst="rect">
             <a:avLst/>
@@ -1183,7 +1188,7 @@
         <p:spPr>
           <a:xfrm>
             <a:off x="504000" y="301320"/>
-            <a:ext cx="9071280" cy="1261800"/>
+            <a:ext cx="9071640" cy="1261440"/>
           </a:xfrm>
           <a:prstGeom prst="rect">
             <a:avLst/>
@@ -1219,8 +1224,8 @@
         </p:nvSpPr>
         <p:spPr>
           <a:xfrm>
-            <a:off x="504000" y="1769040"/>
-            <a:ext cx="4426560" cy="2091240"/>
+            <a:off x="504000" y="1768680"/>
+            <a:ext cx="4426920" cy="2090880"/>
           </a:xfrm>
           <a:prstGeom prst="rect">
             <a:avLst/>
@@ -1257,8 +1262,8 @@
         </p:nvSpPr>
         <p:spPr>
           <a:xfrm>
-            <a:off x="504000" y="4059360"/>
-            <a:ext cx="4426560" cy="2091240"/>
+            <a:off x="504000" y="4058640"/>
+            <a:ext cx="4426920" cy="2090880"/>
           </a:xfrm>
           <a:prstGeom prst="rect">
             <a:avLst/>
@@ -1295,8 +1300,8 @@
         </p:nvSpPr>
         <p:spPr>
           <a:xfrm>
-            <a:off x="5152320" y="1769040"/>
-            <a:ext cx="4426560" cy="4384440"/>
+            <a:off x="5152680" y="1768680"/>
+            <a:ext cx="4426920" cy="4383720"/>
           </a:xfrm>
           <a:prstGeom prst="rect">
             <a:avLst/>
@@ -1356,7 +1361,7 @@
         <p:spPr>
           <a:xfrm>
             <a:off x="504000" y="301320"/>
-            <a:ext cx="9071280" cy="1261800"/>
+            <a:ext cx="9071640" cy="1261440"/>
           </a:xfrm>
           <a:prstGeom prst="rect">
             <a:avLst/>
@@ -1392,8 +1397,8 @@
         </p:nvSpPr>
         <p:spPr>
           <a:xfrm>
-            <a:off x="504000" y="1769040"/>
-            <a:ext cx="9071280" cy="4384440"/>
+            <a:off x="504000" y="1768680"/>
+            <a:ext cx="9071640" cy="4383720"/>
           </a:xfrm>
           <a:prstGeom prst="rect">
             <a:avLst/>
@@ -1452,7 +1457,7 @@
         <p:spPr>
           <a:xfrm>
             <a:off x="504000" y="301320"/>
-            <a:ext cx="9071280" cy="1261800"/>
+            <a:ext cx="9071640" cy="1261440"/>
           </a:xfrm>
           <a:prstGeom prst="rect">
             <a:avLst/>
@@ -1488,8 +1493,8 @@
         </p:nvSpPr>
         <p:spPr>
           <a:xfrm>
-            <a:off x="504000" y="1769040"/>
-            <a:ext cx="4426560" cy="4384440"/>
+            <a:off x="504000" y="1768680"/>
+            <a:ext cx="4426920" cy="4383720"/>
           </a:xfrm>
           <a:prstGeom prst="rect">
             <a:avLst/>
@@ -1526,8 +1531,8 @@
         </p:nvSpPr>
         <p:spPr>
           <a:xfrm>
-            <a:off x="5152320" y="1769040"/>
-            <a:ext cx="4426560" cy="2091240"/>
+            <a:off x="5152680" y="1768680"/>
+            <a:ext cx="4426920" cy="2090880"/>
           </a:xfrm>
           <a:prstGeom prst="rect">
             <a:avLst/>
@@ -1564,8 +1569,8 @@
         </p:nvSpPr>
         <p:spPr>
           <a:xfrm>
-            <a:off x="5152320" y="4059360"/>
-            <a:ext cx="4426560" cy="2091240"/>
+            <a:off x="5152680" y="4058640"/>
+            <a:ext cx="4426920" cy="2090880"/>
           </a:xfrm>
           <a:prstGeom prst="rect">
             <a:avLst/>
@@ -1625,7 +1630,7 @@
         <p:spPr>
           <a:xfrm>
             <a:off x="504000" y="301320"/>
-            <a:ext cx="9071280" cy="1261800"/>
+            <a:ext cx="9071640" cy="1261440"/>
           </a:xfrm>
           <a:prstGeom prst="rect">
             <a:avLst/>
@@ -1661,8 +1666,8 @@
         </p:nvSpPr>
         <p:spPr>
           <a:xfrm>
-            <a:off x="504000" y="1769040"/>
-            <a:ext cx="4426560" cy="2091240"/>
+            <a:off x="504000" y="1768680"/>
+            <a:ext cx="4426920" cy="2090880"/>
           </a:xfrm>
           <a:prstGeom prst="rect">
             <a:avLst/>
@@ -1699,8 +1704,8 @@
         </p:nvSpPr>
         <p:spPr>
           <a:xfrm>
-            <a:off x="5152320" y="1769040"/>
-            <a:ext cx="4426560" cy="2091240"/>
+            <a:off x="5152680" y="1768680"/>
+            <a:ext cx="4426920" cy="2090880"/>
           </a:xfrm>
           <a:prstGeom prst="rect">
             <a:avLst/>
@@ -1737,8 +1742,8 @@
         </p:nvSpPr>
         <p:spPr>
           <a:xfrm>
-            <a:off x="504000" y="4059360"/>
-            <a:ext cx="9071280" cy="2091240"/>
+            <a:off x="504000" y="4058640"/>
+            <a:ext cx="9071640" cy="2090880"/>
           </a:xfrm>
           <a:prstGeom prst="rect">
             <a:avLst/>
@@ -1798,7 +1803,7 @@
         <p:spPr>
           <a:xfrm>
             <a:off x="504000" y="301320"/>
-            <a:ext cx="9071280" cy="1261800"/>
+            <a:ext cx="9071640" cy="1261440"/>
           </a:xfrm>
           <a:prstGeom prst="rect">
             <a:avLst/>
@@ -1834,8 +1839,8 @@
         </p:nvSpPr>
         <p:spPr>
           <a:xfrm>
-            <a:off x="504000" y="1769040"/>
-            <a:ext cx="9071280" cy="2091240"/>
+            <a:off x="504000" y="1768680"/>
+            <a:ext cx="9071640" cy="2090880"/>
           </a:xfrm>
           <a:prstGeom prst="rect">
             <a:avLst/>
@@ -1872,8 +1877,8 @@
         </p:nvSpPr>
         <p:spPr>
           <a:xfrm>
-            <a:off x="504000" y="4059360"/>
-            <a:ext cx="9071280" cy="2091240"/>
+            <a:off x="504000" y="4058640"/>
+            <a:ext cx="9071640" cy="2090880"/>
           </a:xfrm>
           <a:prstGeom prst="rect">
             <a:avLst/>
@@ -1933,7 +1938,7 @@
         <p:spPr>
           <a:xfrm>
             <a:off x="504000" y="301320"/>
-            <a:ext cx="9071280" cy="1261800"/>
+            <a:ext cx="9071640" cy="1261440"/>
           </a:xfrm>
           <a:prstGeom prst="rect">
             <a:avLst/>
@@ -1969,8 +1974,8 @@
         </p:nvSpPr>
         <p:spPr>
           <a:xfrm>
-            <a:off x="504000" y="1769040"/>
-            <a:ext cx="4426560" cy="2091240"/>
+            <a:off x="504000" y="1768680"/>
+            <a:ext cx="4426920" cy="2090880"/>
           </a:xfrm>
           <a:prstGeom prst="rect">
             <a:avLst/>
@@ -2007,8 +2012,8 @@
         </p:nvSpPr>
         <p:spPr>
           <a:xfrm>
-            <a:off x="5152320" y="1769040"/>
-            <a:ext cx="4426560" cy="2091240"/>
+            <a:off x="5152680" y="1768680"/>
+            <a:ext cx="4426920" cy="2090880"/>
           </a:xfrm>
           <a:prstGeom prst="rect">
             <a:avLst/>
@@ -2045,8 +2050,8 @@
         </p:nvSpPr>
         <p:spPr>
           <a:xfrm>
-            <a:off x="5152320" y="4059360"/>
-            <a:ext cx="4426560" cy="2091240"/>
+            <a:off x="5152680" y="4058640"/>
+            <a:ext cx="4426920" cy="2090880"/>
           </a:xfrm>
           <a:prstGeom prst="rect">
             <a:avLst/>
@@ -2083,8 +2088,8 @@
         </p:nvSpPr>
         <p:spPr>
           <a:xfrm>
-            <a:off x="504000" y="4059360"/>
-            <a:ext cx="4426560" cy="2091240"/>
+            <a:off x="504000" y="4058640"/>
+            <a:ext cx="4426920" cy="2090880"/>
           </a:xfrm>
           <a:prstGeom prst="rect">
             <a:avLst/>
@@ -2144,7 +2149,7 @@
         <p:spPr>
           <a:xfrm>
             <a:off x="504000" y="301320"/>
-            <a:ext cx="9071280" cy="1261800"/>
+            <a:ext cx="9071640" cy="1261440"/>
           </a:xfrm>
           <a:prstGeom prst="rect">
             <a:avLst/>
@@ -2180,8 +2185,8 @@
         </p:nvSpPr>
         <p:spPr>
           <a:xfrm>
-            <a:off x="504000" y="1769040"/>
-            <a:ext cx="2920680" cy="2091240"/>
+            <a:off x="504000" y="1768680"/>
+            <a:ext cx="2920680" cy="2090880"/>
           </a:xfrm>
           <a:prstGeom prst="rect">
             <a:avLst/>
@@ -2218,8 +2223,8 @@
         </p:nvSpPr>
         <p:spPr>
           <a:xfrm>
-            <a:off x="3571200" y="1769040"/>
-            <a:ext cx="2920680" cy="2091240"/>
+            <a:off x="3571200" y="1768680"/>
+            <a:ext cx="2920680" cy="2090880"/>
           </a:xfrm>
           <a:prstGeom prst="rect">
             <a:avLst/>
@@ -2256,8 +2261,8 @@
         </p:nvSpPr>
         <p:spPr>
           <a:xfrm>
-            <a:off x="6638040" y="1769040"/>
-            <a:ext cx="2920680" cy="2091240"/>
+            <a:off x="6638040" y="1768680"/>
+            <a:ext cx="2920680" cy="2090880"/>
           </a:xfrm>
           <a:prstGeom prst="rect">
             <a:avLst/>
@@ -2294,8 +2299,8 @@
         </p:nvSpPr>
         <p:spPr>
           <a:xfrm>
-            <a:off x="6638040" y="4059360"/>
-            <a:ext cx="2920680" cy="2091240"/>
+            <a:off x="6638040" y="4058640"/>
+            <a:ext cx="2920680" cy="2090880"/>
           </a:xfrm>
           <a:prstGeom prst="rect">
             <a:avLst/>
@@ -2332,8 +2337,8 @@
         </p:nvSpPr>
         <p:spPr>
           <a:xfrm>
-            <a:off x="3571200" y="4059360"/>
-            <a:ext cx="2920680" cy="2091240"/>
+            <a:off x="3571200" y="4058640"/>
+            <a:ext cx="2920680" cy="2090880"/>
           </a:xfrm>
           <a:prstGeom prst="rect">
             <a:avLst/>
@@ -2370,8 +2375,8 @@
         </p:nvSpPr>
         <p:spPr>
           <a:xfrm>
-            <a:off x="504000" y="4059360"/>
-            <a:ext cx="2920680" cy="2091240"/>
+            <a:off x="504000" y="4058640"/>
+            <a:ext cx="2920680" cy="2090880"/>
           </a:xfrm>
           <a:prstGeom prst="rect">
             <a:avLst/>
@@ -2383,6 +2388,415 @@
           </a:bodyPr>
           <a:p>
             <a:endParaRPr b="0" lang="en-US" sz="3200" spc="-1" strike="noStrike">
+              <a:solidFill>
+                <a:srgbClr val="000000"/>
+              </a:solidFill>
+              <a:uFill>
+                <a:solidFill>
+                  <a:srgbClr val="ffffff"/>
+                </a:solidFill>
+              </a:uFill>
+              <a:latin typeface="Arial"/>
+            </a:endParaRPr>
+          </a:p>
+        </p:txBody>
+      </p:sp>
+    </p:spTree>
+  </p:cSld>
+</p:sldLayout>
+</file>
+
+<file path=ppt/slideLayouts/slideLayout25.xml><?xml version="1.0" encoding="utf-8"?>
+<p:sldLayout xmlns:a="http://schemas.openxmlformats.org/drawingml/2006/main" xmlns:p="http://schemas.openxmlformats.org/presentationml/2006/main" xmlns:r="http://schemas.openxmlformats.org/officeDocument/2006/relationships" xmlns:p14="http://schemas.microsoft.com/office/powerpoint/2010/main" xmlns:p15="http://schemas.microsoft.com/office/powerpoint/2012/main" xmlns:mc="http://schemas.openxmlformats.org/markup-compatibility/2006" type="blank" preserve="1">
+  <p:cSld name="Blank Slide">
+    <p:spTree>
+      <p:nvGrpSpPr>
+        <p:cNvPr id="1" name=""/>
+        <p:cNvGrpSpPr/>
+        <p:nvPr/>
+      </p:nvGrpSpPr>
+      <p:grpSpPr>
+        <a:xfrm>
+          <a:off x="0" y="0"/>
+          <a:ext cx="0" cy="0"/>
+          <a:chOff x="0" y="0"/>
+          <a:chExt cx="0" cy="0"/>
+        </a:xfrm>
+      </p:grpSpPr>
+    </p:spTree>
+  </p:cSld>
+</p:sldLayout>
+</file>
+
+<file path=ppt/slideLayouts/slideLayout26.xml><?xml version="1.0" encoding="utf-8"?>
+<p:sldLayout xmlns:a="http://schemas.openxmlformats.org/drawingml/2006/main" xmlns:p="http://schemas.openxmlformats.org/presentationml/2006/main" xmlns:r="http://schemas.openxmlformats.org/officeDocument/2006/relationships" xmlns:p14="http://schemas.microsoft.com/office/powerpoint/2010/main" xmlns:p15="http://schemas.microsoft.com/office/powerpoint/2012/main" xmlns:mc="http://schemas.openxmlformats.org/markup-compatibility/2006" type="tx" preserve="1">
+  <p:cSld name="Title Slide">
+    <p:spTree>
+      <p:nvGrpSpPr>
+        <p:cNvPr id="1" name=""/>
+        <p:cNvGrpSpPr/>
+        <p:nvPr/>
+      </p:nvGrpSpPr>
+      <p:grpSpPr>
+        <a:xfrm>
+          <a:off x="0" y="0"/>
+          <a:ext cx="0" cy="0"/>
+          <a:chOff x="0" y="0"/>
+          <a:chExt cx="0" cy="0"/>
+        </a:xfrm>
+      </p:grpSpPr>
+      <p:sp>
+        <p:nvSpPr>
+          <p:cNvPr id="78" name="PlaceHolder 1"/>
+          <p:cNvSpPr>
+            <a:spLocks noGrp="1"/>
+          </p:cNvSpPr>
+          <p:nvPr>
+            <p:ph type="title"/>
+          </p:nvPr>
+        </p:nvSpPr>
+        <p:spPr>
+          <a:xfrm>
+            <a:off x="504000" y="301320"/>
+            <a:ext cx="9071640" cy="1261440"/>
+          </a:xfrm>
+          <a:prstGeom prst="rect">
+            <a:avLst/>
+          </a:prstGeom>
+        </p:spPr>
+        <p:txBody>
+          <a:bodyPr lIns="0" rIns="0" tIns="0" bIns="0" anchor="ctr"/>
+          <a:p>
+            <a:pPr algn="ctr"/>
+            <a:endParaRPr b="0" lang="en-US" sz="4400" spc="-1" strike="noStrike">
+              <a:solidFill>
+                <a:srgbClr val="000000"/>
+              </a:solidFill>
+              <a:uFill>
+                <a:solidFill>
+                  <a:srgbClr val="ffffff"/>
+                </a:solidFill>
+              </a:uFill>
+              <a:latin typeface="Arial"/>
+            </a:endParaRPr>
+          </a:p>
+        </p:txBody>
+      </p:sp>
+      <p:sp>
+        <p:nvSpPr>
+          <p:cNvPr id="79" name="PlaceHolder 2"/>
+          <p:cNvSpPr>
+            <a:spLocks noGrp="1"/>
+          </p:cNvSpPr>
+          <p:nvPr>
+            <p:ph type="subTitle"/>
+          </p:nvPr>
+        </p:nvSpPr>
+        <p:spPr>
+          <a:xfrm>
+            <a:off x="504000" y="1768680"/>
+            <a:ext cx="9071640" cy="4383720"/>
+          </a:xfrm>
+          <a:prstGeom prst="rect">
+            <a:avLst/>
+          </a:prstGeom>
+        </p:spPr>
+        <p:txBody>
+          <a:bodyPr lIns="0" rIns="0" tIns="0" bIns="0" anchor="ctr"/>
+          <a:p>
+            <a:pPr algn="ctr"/>
+            <a:endParaRPr b="0" lang="en-US" sz="3200" spc="-1" strike="noStrike">
+              <a:solidFill>
+                <a:srgbClr val="000000"/>
+              </a:solidFill>
+              <a:uFill>
+                <a:solidFill>
+                  <a:srgbClr val="ffffff"/>
+                </a:solidFill>
+              </a:uFill>
+              <a:latin typeface="Arial"/>
+            </a:endParaRPr>
+          </a:p>
+        </p:txBody>
+      </p:sp>
+    </p:spTree>
+  </p:cSld>
+</p:sldLayout>
+</file>
+
+<file path=ppt/slideLayouts/slideLayout27.xml><?xml version="1.0" encoding="utf-8"?>
+<p:sldLayout xmlns:a="http://schemas.openxmlformats.org/drawingml/2006/main" xmlns:p="http://schemas.openxmlformats.org/presentationml/2006/main" xmlns:r="http://schemas.openxmlformats.org/officeDocument/2006/relationships" xmlns:p14="http://schemas.microsoft.com/office/powerpoint/2010/main" xmlns:p15="http://schemas.microsoft.com/office/powerpoint/2012/main" xmlns:mc="http://schemas.openxmlformats.org/markup-compatibility/2006" type="obj" preserve="1">
+  <p:cSld name="Title, Content">
+    <p:spTree>
+      <p:nvGrpSpPr>
+        <p:cNvPr id="1" name=""/>
+        <p:cNvGrpSpPr/>
+        <p:nvPr/>
+      </p:nvGrpSpPr>
+      <p:grpSpPr>
+        <a:xfrm>
+          <a:off x="0" y="0"/>
+          <a:ext cx="0" cy="0"/>
+          <a:chOff x="0" y="0"/>
+          <a:chExt cx="0" cy="0"/>
+        </a:xfrm>
+      </p:grpSpPr>
+      <p:sp>
+        <p:nvSpPr>
+          <p:cNvPr id="80" name="PlaceHolder 1"/>
+          <p:cNvSpPr>
+            <a:spLocks noGrp="1"/>
+          </p:cNvSpPr>
+          <p:nvPr>
+            <p:ph type="title"/>
+          </p:nvPr>
+        </p:nvSpPr>
+        <p:spPr>
+          <a:xfrm>
+            <a:off x="504000" y="301320"/>
+            <a:ext cx="9071640" cy="1261440"/>
+          </a:xfrm>
+          <a:prstGeom prst="rect">
+            <a:avLst/>
+          </a:prstGeom>
+        </p:spPr>
+        <p:txBody>
+          <a:bodyPr lIns="0" rIns="0" tIns="0" bIns="0" anchor="ctr"/>
+          <a:p>
+            <a:pPr algn="ctr"/>
+            <a:endParaRPr b="0" lang="en-US" sz="4400" spc="-1" strike="noStrike">
+              <a:solidFill>
+                <a:srgbClr val="000000"/>
+              </a:solidFill>
+              <a:uFill>
+                <a:solidFill>
+                  <a:srgbClr val="ffffff"/>
+                </a:solidFill>
+              </a:uFill>
+              <a:latin typeface="Arial"/>
+            </a:endParaRPr>
+          </a:p>
+        </p:txBody>
+      </p:sp>
+      <p:sp>
+        <p:nvSpPr>
+          <p:cNvPr id="81" name="PlaceHolder 2"/>
+          <p:cNvSpPr>
+            <a:spLocks noGrp="1"/>
+          </p:cNvSpPr>
+          <p:nvPr>
+            <p:ph type="body"/>
+          </p:nvPr>
+        </p:nvSpPr>
+        <p:spPr>
+          <a:xfrm>
+            <a:off x="504000" y="1768680"/>
+            <a:ext cx="9071640" cy="4383720"/>
+          </a:xfrm>
+          <a:prstGeom prst="rect">
+            <a:avLst/>
+          </a:prstGeom>
+        </p:spPr>
+        <p:txBody>
+          <a:bodyPr lIns="0" rIns="0" tIns="0" bIns="0">
+            <a:normAutofit/>
+          </a:bodyPr>
+          <a:p>
+            <a:endParaRPr b="0" lang="en-US" sz="3200" spc="-1" strike="noStrike">
+              <a:solidFill>
+                <a:srgbClr val="000000"/>
+              </a:solidFill>
+              <a:uFill>
+                <a:solidFill>
+                  <a:srgbClr val="ffffff"/>
+                </a:solidFill>
+              </a:uFill>
+              <a:latin typeface="Arial"/>
+            </a:endParaRPr>
+          </a:p>
+        </p:txBody>
+      </p:sp>
+    </p:spTree>
+  </p:cSld>
+</p:sldLayout>
+</file>
+
+<file path=ppt/slideLayouts/slideLayout28.xml><?xml version="1.0" encoding="utf-8"?>
+<p:sldLayout xmlns:a="http://schemas.openxmlformats.org/drawingml/2006/main" xmlns:p="http://schemas.openxmlformats.org/presentationml/2006/main" xmlns:r="http://schemas.openxmlformats.org/officeDocument/2006/relationships" xmlns:p14="http://schemas.microsoft.com/office/powerpoint/2010/main" xmlns:p15="http://schemas.microsoft.com/office/powerpoint/2012/main" xmlns:mc="http://schemas.openxmlformats.org/markup-compatibility/2006" type="twoObj" preserve="1">
+  <p:cSld name="Title, 2 Content">
+    <p:spTree>
+      <p:nvGrpSpPr>
+        <p:cNvPr id="1" name=""/>
+        <p:cNvGrpSpPr/>
+        <p:nvPr/>
+      </p:nvGrpSpPr>
+      <p:grpSpPr>
+        <a:xfrm>
+          <a:off x="0" y="0"/>
+          <a:ext cx="0" cy="0"/>
+          <a:chOff x="0" y="0"/>
+          <a:chExt cx="0" cy="0"/>
+        </a:xfrm>
+      </p:grpSpPr>
+      <p:sp>
+        <p:nvSpPr>
+          <p:cNvPr id="82" name="PlaceHolder 1"/>
+          <p:cNvSpPr>
+            <a:spLocks noGrp="1"/>
+          </p:cNvSpPr>
+          <p:nvPr>
+            <p:ph type="title"/>
+          </p:nvPr>
+        </p:nvSpPr>
+        <p:spPr>
+          <a:xfrm>
+            <a:off x="504000" y="301320"/>
+            <a:ext cx="9071640" cy="1261440"/>
+          </a:xfrm>
+          <a:prstGeom prst="rect">
+            <a:avLst/>
+          </a:prstGeom>
+        </p:spPr>
+        <p:txBody>
+          <a:bodyPr lIns="0" rIns="0" tIns="0" bIns="0" anchor="ctr"/>
+          <a:p>
+            <a:pPr algn="ctr"/>
+            <a:endParaRPr b="0" lang="en-US" sz="4400" spc="-1" strike="noStrike">
+              <a:solidFill>
+                <a:srgbClr val="000000"/>
+              </a:solidFill>
+              <a:uFill>
+                <a:solidFill>
+                  <a:srgbClr val="ffffff"/>
+                </a:solidFill>
+              </a:uFill>
+              <a:latin typeface="Arial"/>
+            </a:endParaRPr>
+          </a:p>
+        </p:txBody>
+      </p:sp>
+      <p:sp>
+        <p:nvSpPr>
+          <p:cNvPr id="83" name="PlaceHolder 2"/>
+          <p:cNvSpPr>
+            <a:spLocks noGrp="1"/>
+          </p:cNvSpPr>
+          <p:nvPr>
+            <p:ph type="body"/>
+          </p:nvPr>
+        </p:nvSpPr>
+        <p:spPr>
+          <a:xfrm>
+            <a:off x="504000" y="1768680"/>
+            <a:ext cx="4426920" cy="4383720"/>
+          </a:xfrm>
+          <a:prstGeom prst="rect">
+            <a:avLst/>
+          </a:prstGeom>
+        </p:spPr>
+        <p:txBody>
+          <a:bodyPr lIns="0" rIns="0" tIns="0" bIns="0">
+            <a:normAutofit/>
+          </a:bodyPr>
+          <a:p>
+            <a:endParaRPr b="0" lang="en-US" sz="3200" spc="-1" strike="noStrike">
+              <a:solidFill>
+                <a:srgbClr val="000000"/>
+              </a:solidFill>
+              <a:uFill>
+                <a:solidFill>
+                  <a:srgbClr val="ffffff"/>
+                </a:solidFill>
+              </a:uFill>
+              <a:latin typeface="Arial"/>
+            </a:endParaRPr>
+          </a:p>
+        </p:txBody>
+      </p:sp>
+      <p:sp>
+        <p:nvSpPr>
+          <p:cNvPr id="84" name="PlaceHolder 3"/>
+          <p:cNvSpPr>
+            <a:spLocks noGrp="1"/>
+          </p:cNvSpPr>
+          <p:nvPr>
+            <p:ph type="body"/>
+          </p:nvPr>
+        </p:nvSpPr>
+        <p:spPr>
+          <a:xfrm>
+            <a:off x="5152680" y="1768680"/>
+            <a:ext cx="4426920" cy="4383720"/>
+          </a:xfrm>
+          <a:prstGeom prst="rect">
+            <a:avLst/>
+          </a:prstGeom>
+        </p:spPr>
+        <p:txBody>
+          <a:bodyPr lIns="0" rIns="0" tIns="0" bIns="0">
+            <a:normAutofit/>
+          </a:bodyPr>
+          <a:p>
+            <a:endParaRPr b="0" lang="en-US" sz="3200" spc="-1" strike="noStrike">
+              <a:solidFill>
+                <a:srgbClr val="000000"/>
+              </a:solidFill>
+              <a:uFill>
+                <a:solidFill>
+                  <a:srgbClr val="ffffff"/>
+                </a:solidFill>
+              </a:uFill>
+              <a:latin typeface="Arial"/>
+            </a:endParaRPr>
+          </a:p>
+        </p:txBody>
+      </p:sp>
+    </p:spTree>
+  </p:cSld>
+</p:sldLayout>
+</file>
+
+<file path=ppt/slideLayouts/slideLayout29.xml><?xml version="1.0" encoding="utf-8"?>
+<p:sldLayout xmlns:a="http://schemas.openxmlformats.org/drawingml/2006/main" xmlns:p="http://schemas.openxmlformats.org/presentationml/2006/main" xmlns:r="http://schemas.openxmlformats.org/officeDocument/2006/relationships" xmlns:p14="http://schemas.microsoft.com/office/powerpoint/2010/main" xmlns:p15="http://schemas.microsoft.com/office/powerpoint/2012/main" xmlns:mc="http://schemas.openxmlformats.org/markup-compatibility/2006" type="titleOnly" preserve="1">
+  <p:cSld name="Title Only">
+    <p:spTree>
+      <p:nvGrpSpPr>
+        <p:cNvPr id="1" name=""/>
+        <p:cNvGrpSpPr/>
+        <p:nvPr/>
+      </p:nvGrpSpPr>
+      <p:grpSpPr>
+        <a:xfrm>
+          <a:off x="0" y="0"/>
+          <a:ext cx="0" cy="0"/>
+          <a:chOff x="0" y="0"/>
+          <a:chExt cx="0" cy="0"/>
+        </a:xfrm>
+      </p:grpSpPr>
+      <p:sp>
+        <p:nvSpPr>
+          <p:cNvPr id="85" name="PlaceHolder 1"/>
+          <p:cNvSpPr>
+            <a:spLocks noGrp="1"/>
+          </p:cNvSpPr>
+          <p:nvPr>
+            <p:ph type="title"/>
+          </p:nvPr>
+        </p:nvSpPr>
+        <p:spPr>
+          <a:xfrm>
+            <a:off x="504000" y="301320"/>
+            <a:ext cx="9071640" cy="1261440"/>
+          </a:xfrm>
+          <a:prstGeom prst="rect">
+            <a:avLst/>
+          </a:prstGeom>
+        </p:spPr>
+        <p:txBody>
+          <a:bodyPr lIns="0" rIns="0" tIns="0" bIns="0" anchor="ctr"/>
+          <a:p>
+            <a:pPr algn="ctr"/>
+            <a:endParaRPr b="0" lang="en-US" sz="4400" spc="-1" strike="noStrike">
               <a:solidFill>
                 <a:srgbClr val="000000"/>
               </a:solidFill>
@@ -2431,7 +2845,7 @@
         <p:spPr>
           <a:xfrm>
             <a:off x="504000" y="301320"/>
-            <a:ext cx="9071280" cy="1261800"/>
+            <a:ext cx="9071640" cy="1261440"/>
           </a:xfrm>
           <a:prstGeom prst="rect">
             <a:avLst/>
@@ -2467,8 +2881,1219 @@
         </p:nvSpPr>
         <p:spPr>
           <a:xfrm>
-            <a:off x="504000" y="1769040"/>
-            <a:ext cx="9071280" cy="4384440"/>
+            <a:off x="504000" y="1768680"/>
+            <a:ext cx="9071640" cy="4383720"/>
+          </a:xfrm>
+          <a:prstGeom prst="rect">
+            <a:avLst/>
+          </a:prstGeom>
+        </p:spPr>
+        <p:txBody>
+          <a:bodyPr lIns="0" rIns="0" tIns="0" bIns="0">
+            <a:normAutofit/>
+          </a:bodyPr>
+          <a:p>
+            <a:endParaRPr b="0" lang="en-US" sz="3200" spc="-1" strike="noStrike">
+              <a:solidFill>
+                <a:srgbClr val="000000"/>
+              </a:solidFill>
+              <a:uFill>
+                <a:solidFill>
+                  <a:srgbClr val="ffffff"/>
+                </a:solidFill>
+              </a:uFill>
+              <a:latin typeface="Arial"/>
+            </a:endParaRPr>
+          </a:p>
+        </p:txBody>
+      </p:sp>
+    </p:spTree>
+  </p:cSld>
+</p:sldLayout>
+</file>
+
+<file path=ppt/slideLayouts/slideLayout30.xml><?xml version="1.0" encoding="utf-8"?>
+<p:sldLayout xmlns:a="http://schemas.openxmlformats.org/drawingml/2006/main" xmlns:p="http://schemas.openxmlformats.org/presentationml/2006/main" xmlns:r="http://schemas.openxmlformats.org/officeDocument/2006/relationships" xmlns:p14="http://schemas.microsoft.com/office/powerpoint/2010/main" xmlns:p15="http://schemas.microsoft.com/office/powerpoint/2012/main" xmlns:mc="http://schemas.openxmlformats.org/markup-compatibility/2006" type="objOnly" preserve="1">
+  <p:cSld name="Centered Text">
+    <p:spTree>
+      <p:nvGrpSpPr>
+        <p:cNvPr id="1" name=""/>
+        <p:cNvGrpSpPr/>
+        <p:nvPr/>
+      </p:nvGrpSpPr>
+      <p:grpSpPr>
+        <a:xfrm>
+          <a:off x="0" y="0"/>
+          <a:ext cx="0" cy="0"/>
+          <a:chOff x="0" y="0"/>
+          <a:chExt cx="0" cy="0"/>
+        </a:xfrm>
+      </p:grpSpPr>
+      <p:sp>
+        <p:nvSpPr>
+          <p:cNvPr id="86" name="PlaceHolder 1"/>
+          <p:cNvSpPr>
+            <a:spLocks noGrp="1"/>
+          </p:cNvSpPr>
+          <p:nvPr>
+            <p:ph type="subTitle"/>
+          </p:nvPr>
+        </p:nvSpPr>
+        <p:spPr>
+          <a:xfrm>
+            <a:off x="504000" y="301320"/>
+            <a:ext cx="9071640" cy="5848560"/>
+          </a:xfrm>
+          <a:prstGeom prst="rect">
+            <a:avLst/>
+          </a:prstGeom>
+        </p:spPr>
+        <p:txBody>
+          <a:bodyPr lIns="0" rIns="0" tIns="0" bIns="0" anchor="ctr"/>
+          <a:p>
+            <a:pPr algn="ctr"/>
+            <a:endParaRPr b="0" lang="en-US" sz="3200" spc="-1" strike="noStrike">
+              <a:solidFill>
+                <a:srgbClr val="000000"/>
+              </a:solidFill>
+              <a:uFill>
+                <a:solidFill>
+                  <a:srgbClr val="ffffff"/>
+                </a:solidFill>
+              </a:uFill>
+              <a:latin typeface="Arial"/>
+            </a:endParaRPr>
+          </a:p>
+        </p:txBody>
+      </p:sp>
+    </p:spTree>
+  </p:cSld>
+</p:sldLayout>
+</file>
+
+<file path=ppt/slideLayouts/slideLayout31.xml><?xml version="1.0" encoding="utf-8"?>
+<p:sldLayout xmlns:a="http://schemas.openxmlformats.org/drawingml/2006/main" xmlns:p="http://schemas.openxmlformats.org/presentationml/2006/main" xmlns:r="http://schemas.openxmlformats.org/officeDocument/2006/relationships" xmlns:p14="http://schemas.microsoft.com/office/powerpoint/2010/main" xmlns:p15="http://schemas.microsoft.com/office/powerpoint/2012/main" xmlns:mc="http://schemas.openxmlformats.org/markup-compatibility/2006" type="twoObjAndObj" preserve="1">
+  <p:cSld name="Title, 2 Content and Content">
+    <p:spTree>
+      <p:nvGrpSpPr>
+        <p:cNvPr id="1" name=""/>
+        <p:cNvGrpSpPr/>
+        <p:nvPr/>
+      </p:nvGrpSpPr>
+      <p:grpSpPr>
+        <a:xfrm>
+          <a:off x="0" y="0"/>
+          <a:ext cx="0" cy="0"/>
+          <a:chOff x="0" y="0"/>
+          <a:chExt cx="0" cy="0"/>
+        </a:xfrm>
+      </p:grpSpPr>
+      <p:sp>
+        <p:nvSpPr>
+          <p:cNvPr id="87" name="PlaceHolder 1"/>
+          <p:cNvSpPr>
+            <a:spLocks noGrp="1"/>
+          </p:cNvSpPr>
+          <p:nvPr>
+            <p:ph type="title"/>
+          </p:nvPr>
+        </p:nvSpPr>
+        <p:spPr>
+          <a:xfrm>
+            <a:off x="504000" y="301320"/>
+            <a:ext cx="9071640" cy="1261440"/>
+          </a:xfrm>
+          <a:prstGeom prst="rect">
+            <a:avLst/>
+          </a:prstGeom>
+        </p:spPr>
+        <p:txBody>
+          <a:bodyPr lIns="0" rIns="0" tIns="0" bIns="0" anchor="ctr"/>
+          <a:p>
+            <a:pPr algn="ctr"/>
+            <a:endParaRPr b="0" lang="en-US" sz="4400" spc="-1" strike="noStrike">
+              <a:solidFill>
+                <a:srgbClr val="000000"/>
+              </a:solidFill>
+              <a:uFill>
+                <a:solidFill>
+                  <a:srgbClr val="ffffff"/>
+                </a:solidFill>
+              </a:uFill>
+              <a:latin typeface="Arial"/>
+            </a:endParaRPr>
+          </a:p>
+        </p:txBody>
+      </p:sp>
+      <p:sp>
+        <p:nvSpPr>
+          <p:cNvPr id="88" name="PlaceHolder 2"/>
+          <p:cNvSpPr>
+            <a:spLocks noGrp="1"/>
+          </p:cNvSpPr>
+          <p:nvPr>
+            <p:ph type="body"/>
+          </p:nvPr>
+        </p:nvSpPr>
+        <p:spPr>
+          <a:xfrm>
+            <a:off x="504000" y="1768680"/>
+            <a:ext cx="4426920" cy="2090880"/>
+          </a:xfrm>
+          <a:prstGeom prst="rect">
+            <a:avLst/>
+          </a:prstGeom>
+        </p:spPr>
+        <p:txBody>
+          <a:bodyPr lIns="0" rIns="0" tIns="0" bIns="0">
+            <a:normAutofit/>
+          </a:bodyPr>
+          <a:p>
+            <a:endParaRPr b="0" lang="en-US" sz="3200" spc="-1" strike="noStrike">
+              <a:solidFill>
+                <a:srgbClr val="000000"/>
+              </a:solidFill>
+              <a:uFill>
+                <a:solidFill>
+                  <a:srgbClr val="ffffff"/>
+                </a:solidFill>
+              </a:uFill>
+              <a:latin typeface="Arial"/>
+            </a:endParaRPr>
+          </a:p>
+        </p:txBody>
+      </p:sp>
+      <p:sp>
+        <p:nvSpPr>
+          <p:cNvPr id="89" name="PlaceHolder 3"/>
+          <p:cNvSpPr>
+            <a:spLocks noGrp="1"/>
+          </p:cNvSpPr>
+          <p:nvPr>
+            <p:ph type="body"/>
+          </p:nvPr>
+        </p:nvSpPr>
+        <p:spPr>
+          <a:xfrm>
+            <a:off x="504000" y="4058640"/>
+            <a:ext cx="4426920" cy="2090880"/>
+          </a:xfrm>
+          <a:prstGeom prst="rect">
+            <a:avLst/>
+          </a:prstGeom>
+        </p:spPr>
+        <p:txBody>
+          <a:bodyPr lIns="0" rIns="0" tIns="0" bIns="0">
+            <a:normAutofit/>
+          </a:bodyPr>
+          <a:p>
+            <a:endParaRPr b="0" lang="en-US" sz="3200" spc="-1" strike="noStrike">
+              <a:solidFill>
+                <a:srgbClr val="000000"/>
+              </a:solidFill>
+              <a:uFill>
+                <a:solidFill>
+                  <a:srgbClr val="ffffff"/>
+                </a:solidFill>
+              </a:uFill>
+              <a:latin typeface="Arial"/>
+            </a:endParaRPr>
+          </a:p>
+        </p:txBody>
+      </p:sp>
+      <p:sp>
+        <p:nvSpPr>
+          <p:cNvPr id="90" name="PlaceHolder 4"/>
+          <p:cNvSpPr>
+            <a:spLocks noGrp="1"/>
+          </p:cNvSpPr>
+          <p:nvPr>
+            <p:ph type="body"/>
+          </p:nvPr>
+        </p:nvSpPr>
+        <p:spPr>
+          <a:xfrm>
+            <a:off x="5152680" y="1768680"/>
+            <a:ext cx="4426920" cy="4383720"/>
+          </a:xfrm>
+          <a:prstGeom prst="rect">
+            <a:avLst/>
+          </a:prstGeom>
+        </p:spPr>
+        <p:txBody>
+          <a:bodyPr lIns="0" rIns="0" tIns="0" bIns="0">
+            <a:normAutofit/>
+          </a:bodyPr>
+          <a:p>
+            <a:endParaRPr b="0" lang="en-US" sz="3200" spc="-1" strike="noStrike">
+              <a:solidFill>
+                <a:srgbClr val="000000"/>
+              </a:solidFill>
+              <a:uFill>
+                <a:solidFill>
+                  <a:srgbClr val="ffffff"/>
+                </a:solidFill>
+              </a:uFill>
+              <a:latin typeface="Arial"/>
+            </a:endParaRPr>
+          </a:p>
+        </p:txBody>
+      </p:sp>
+    </p:spTree>
+  </p:cSld>
+</p:sldLayout>
+</file>
+
+<file path=ppt/slideLayouts/slideLayout32.xml><?xml version="1.0" encoding="utf-8"?>
+<p:sldLayout xmlns:a="http://schemas.openxmlformats.org/drawingml/2006/main" xmlns:p="http://schemas.openxmlformats.org/presentationml/2006/main" xmlns:r="http://schemas.openxmlformats.org/officeDocument/2006/relationships" xmlns:p14="http://schemas.microsoft.com/office/powerpoint/2010/main" xmlns:p15="http://schemas.microsoft.com/office/powerpoint/2012/main" xmlns:mc="http://schemas.openxmlformats.org/markup-compatibility/2006" type="objAndTwoObj" preserve="1">
+  <p:cSld name="Title Content and 2 Content">
+    <p:spTree>
+      <p:nvGrpSpPr>
+        <p:cNvPr id="1" name=""/>
+        <p:cNvGrpSpPr/>
+        <p:nvPr/>
+      </p:nvGrpSpPr>
+      <p:grpSpPr>
+        <a:xfrm>
+          <a:off x="0" y="0"/>
+          <a:ext cx="0" cy="0"/>
+          <a:chOff x="0" y="0"/>
+          <a:chExt cx="0" cy="0"/>
+        </a:xfrm>
+      </p:grpSpPr>
+      <p:sp>
+        <p:nvSpPr>
+          <p:cNvPr id="91" name="PlaceHolder 1"/>
+          <p:cNvSpPr>
+            <a:spLocks noGrp="1"/>
+          </p:cNvSpPr>
+          <p:nvPr>
+            <p:ph type="title"/>
+          </p:nvPr>
+        </p:nvSpPr>
+        <p:spPr>
+          <a:xfrm>
+            <a:off x="504000" y="301320"/>
+            <a:ext cx="9071640" cy="1261440"/>
+          </a:xfrm>
+          <a:prstGeom prst="rect">
+            <a:avLst/>
+          </a:prstGeom>
+        </p:spPr>
+        <p:txBody>
+          <a:bodyPr lIns="0" rIns="0" tIns="0" bIns="0" anchor="ctr"/>
+          <a:p>
+            <a:pPr algn="ctr"/>
+            <a:endParaRPr b="0" lang="en-US" sz="4400" spc="-1" strike="noStrike">
+              <a:solidFill>
+                <a:srgbClr val="000000"/>
+              </a:solidFill>
+              <a:uFill>
+                <a:solidFill>
+                  <a:srgbClr val="ffffff"/>
+                </a:solidFill>
+              </a:uFill>
+              <a:latin typeface="Arial"/>
+            </a:endParaRPr>
+          </a:p>
+        </p:txBody>
+      </p:sp>
+      <p:sp>
+        <p:nvSpPr>
+          <p:cNvPr id="92" name="PlaceHolder 2"/>
+          <p:cNvSpPr>
+            <a:spLocks noGrp="1"/>
+          </p:cNvSpPr>
+          <p:nvPr>
+            <p:ph type="body"/>
+          </p:nvPr>
+        </p:nvSpPr>
+        <p:spPr>
+          <a:xfrm>
+            <a:off x="504000" y="1768680"/>
+            <a:ext cx="4426920" cy="4383720"/>
+          </a:xfrm>
+          <a:prstGeom prst="rect">
+            <a:avLst/>
+          </a:prstGeom>
+        </p:spPr>
+        <p:txBody>
+          <a:bodyPr lIns="0" rIns="0" tIns="0" bIns="0">
+            <a:normAutofit/>
+          </a:bodyPr>
+          <a:p>
+            <a:endParaRPr b="0" lang="en-US" sz="3200" spc="-1" strike="noStrike">
+              <a:solidFill>
+                <a:srgbClr val="000000"/>
+              </a:solidFill>
+              <a:uFill>
+                <a:solidFill>
+                  <a:srgbClr val="ffffff"/>
+                </a:solidFill>
+              </a:uFill>
+              <a:latin typeface="Arial"/>
+            </a:endParaRPr>
+          </a:p>
+        </p:txBody>
+      </p:sp>
+      <p:sp>
+        <p:nvSpPr>
+          <p:cNvPr id="93" name="PlaceHolder 3"/>
+          <p:cNvSpPr>
+            <a:spLocks noGrp="1"/>
+          </p:cNvSpPr>
+          <p:nvPr>
+            <p:ph type="body"/>
+          </p:nvPr>
+        </p:nvSpPr>
+        <p:spPr>
+          <a:xfrm>
+            <a:off x="5152680" y="1768680"/>
+            <a:ext cx="4426920" cy="2090880"/>
+          </a:xfrm>
+          <a:prstGeom prst="rect">
+            <a:avLst/>
+          </a:prstGeom>
+        </p:spPr>
+        <p:txBody>
+          <a:bodyPr lIns="0" rIns="0" tIns="0" bIns="0">
+            <a:normAutofit/>
+          </a:bodyPr>
+          <a:p>
+            <a:endParaRPr b="0" lang="en-US" sz="3200" spc="-1" strike="noStrike">
+              <a:solidFill>
+                <a:srgbClr val="000000"/>
+              </a:solidFill>
+              <a:uFill>
+                <a:solidFill>
+                  <a:srgbClr val="ffffff"/>
+                </a:solidFill>
+              </a:uFill>
+              <a:latin typeface="Arial"/>
+            </a:endParaRPr>
+          </a:p>
+        </p:txBody>
+      </p:sp>
+      <p:sp>
+        <p:nvSpPr>
+          <p:cNvPr id="94" name="PlaceHolder 4"/>
+          <p:cNvSpPr>
+            <a:spLocks noGrp="1"/>
+          </p:cNvSpPr>
+          <p:nvPr>
+            <p:ph type="body"/>
+          </p:nvPr>
+        </p:nvSpPr>
+        <p:spPr>
+          <a:xfrm>
+            <a:off x="5152680" y="4058640"/>
+            <a:ext cx="4426920" cy="2090880"/>
+          </a:xfrm>
+          <a:prstGeom prst="rect">
+            <a:avLst/>
+          </a:prstGeom>
+        </p:spPr>
+        <p:txBody>
+          <a:bodyPr lIns="0" rIns="0" tIns="0" bIns="0">
+            <a:normAutofit/>
+          </a:bodyPr>
+          <a:p>
+            <a:endParaRPr b="0" lang="en-US" sz="3200" spc="-1" strike="noStrike">
+              <a:solidFill>
+                <a:srgbClr val="000000"/>
+              </a:solidFill>
+              <a:uFill>
+                <a:solidFill>
+                  <a:srgbClr val="ffffff"/>
+                </a:solidFill>
+              </a:uFill>
+              <a:latin typeface="Arial"/>
+            </a:endParaRPr>
+          </a:p>
+        </p:txBody>
+      </p:sp>
+    </p:spTree>
+  </p:cSld>
+</p:sldLayout>
+</file>
+
+<file path=ppt/slideLayouts/slideLayout33.xml><?xml version="1.0" encoding="utf-8"?>
+<p:sldLayout xmlns:a="http://schemas.openxmlformats.org/drawingml/2006/main" xmlns:p="http://schemas.openxmlformats.org/presentationml/2006/main" xmlns:r="http://schemas.openxmlformats.org/officeDocument/2006/relationships" xmlns:p14="http://schemas.microsoft.com/office/powerpoint/2010/main" xmlns:p15="http://schemas.microsoft.com/office/powerpoint/2012/main" xmlns:mc="http://schemas.openxmlformats.org/markup-compatibility/2006" type="twoObjOverTx" preserve="1">
+  <p:cSld name="Title, 2 Content over Content">
+    <p:spTree>
+      <p:nvGrpSpPr>
+        <p:cNvPr id="1" name=""/>
+        <p:cNvGrpSpPr/>
+        <p:nvPr/>
+      </p:nvGrpSpPr>
+      <p:grpSpPr>
+        <a:xfrm>
+          <a:off x="0" y="0"/>
+          <a:ext cx="0" cy="0"/>
+          <a:chOff x="0" y="0"/>
+          <a:chExt cx="0" cy="0"/>
+        </a:xfrm>
+      </p:grpSpPr>
+      <p:sp>
+        <p:nvSpPr>
+          <p:cNvPr id="95" name="PlaceHolder 1"/>
+          <p:cNvSpPr>
+            <a:spLocks noGrp="1"/>
+          </p:cNvSpPr>
+          <p:nvPr>
+            <p:ph type="title"/>
+          </p:nvPr>
+        </p:nvSpPr>
+        <p:spPr>
+          <a:xfrm>
+            <a:off x="504000" y="301320"/>
+            <a:ext cx="9071640" cy="1261440"/>
+          </a:xfrm>
+          <a:prstGeom prst="rect">
+            <a:avLst/>
+          </a:prstGeom>
+        </p:spPr>
+        <p:txBody>
+          <a:bodyPr lIns="0" rIns="0" tIns="0" bIns="0" anchor="ctr"/>
+          <a:p>
+            <a:pPr algn="ctr"/>
+            <a:endParaRPr b="0" lang="en-US" sz="4400" spc="-1" strike="noStrike">
+              <a:solidFill>
+                <a:srgbClr val="000000"/>
+              </a:solidFill>
+              <a:uFill>
+                <a:solidFill>
+                  <a:srgbClr val="ffffff"/>
+                </a:solidFill>
+              </a:uFill>
+              <a:latin typeface="Arial"/>
+            </a:endParaRPr>
+          </a:p>
+        </p:txBody>
+      </p:sp>
+      <p:sp>
+        <p:nvSpPr>
+          <p:cNvPr id="96" name="PlaceHolder 2"/>
+          <p:cNvSpPr>
+            <a:spLocks noGrp="1"/>
+          </p:cNvSpPr>
+          <p:nvPr>
+            <p:ph type="body"/>
+          </p:nvPr>
+        </p:nvSpPr>
+        <p:spPr>
+          <a:xfrm>
+            <a:off x="504000" y="1768680"/>
+            <a:ext cx="4426920" cy="2090880"/>
+          </a:xfrm>
+          <a:prstGeom prst="rect">
+            <a:avLst/>
+          </a:prstGeom>
+        </p:spPr>
+        <p:txBody>
+          <a:bodyPr lIns="0" rIns="0" tIns="0" bIns="0">
+            <a:normAutofit/>
+          </a:bodyPr>
+          <a:p>
+            <a:endParaRPr b="0" lang="en-US" sz="3200" spc="-1" strike="noStrike">
+              <a:solidFill>
+                <a:srgbClr val="000000"/>
+              </a:solidFill>
+              <a:uFill>
+                <a:solidFill>
+                  <a:srgbClr val="ffffff"/>
+                </a:solidFill>
+              </a:uFill>
+              <a:latin typeface="Arial"/>
+            </a:endParaRPr>
+          </a:p>
+        </p:txBody>
+      </p:sp>
+      <p:sp>
+        <p:nvSpPr>
+          <p:cNvPr id="97" name="PlaceHolder 3"/>
+          <p:cNvSpPr>
+            <a:spLocks noGrp="1"/>
+          </p:cNvSpPr>
+          <p:nvPr>
+            <p:ph type="body"/>
+          </p:nvPr>
+        </p:nvSpPr>
+        <p:spPr>
+          <a:xfrm>
+            <a:off x="5152680" y="1768680"/>
+            <a:ext cx="4426920" cy="2090880"/>
+          </a:xfrm>
+          <a:prstGeom prst="rect">
+            <a:avLst/>
+          </a:prstGeom>
+        </p:spPr>
+        <p:txBody>
+          <a:bodyPr lIns="0" rIns="0" tIns="0" bIns="0">
+            <a:normAutofit/>
+          </a:bodyPr>
+          <a:p>
+            <a:endParaRPr b="0" lang="en-US" sz="3200" spc="-1" strike="noStrike">
+              <a:solidFill>
+                <a:srgbClr val="000000"/>
+              </a:solidFill>
+              <a:uFill>
+                <a:solidFill>
+                  <a:srgbClr val="ffffff"/>
+                </a:solidFill>
+              </a:uFill>
+              <a:latin typeface="Arial"/>
+            </a:endParaRPr>
+          </a:p>
+        </p:txBody>
+      </p:sp>
+      <p:sp>
+        <p:nvSpPr>
+          <p:cNvPr id="98" name="PlaceHolder 4"/>
+          <p:cNvSpPr>
+            <a:spLocks noGrp="1"/>
+          </p:cNvSpPr>
+          <p:nvPr>
+            <p:ph type="body"/>
+          </p:nvPr>
+        </p:nvSpPr>
+        <p:spPr>
+          <a:xfrm>
+            <a:off x="504000" y="4058640"/>
+            <a:ext cx="9071640" cy="2090880"/>
+          </a:xfrm>
+          <a:prstGeom prst="rect">
+            <a:avLst/>
+          </a:prstGeom>
+        </p:spPr>
+        <p:txBody>
+          <a:bodyPr lIns="0" rIns="0" tIns="0" bIns="0">
+            <a:normAutofit/>
+          </a:bodyPr>
+          <a:p>
+            <a:endParaRPr b="0" lang="en-US" sz="3200" spc="-1" strike="noStrike">
+              <a:solidFill>
+                <a:srgbClr val="000000"/>
+              </a:solidFill>
+              <a:uFill>
+                <a:solidFill>
+                  <a:srgbClr val="ffffff"/>
+                </a:solidFill>
+              </a:uFill>
+              <a:latin typeface="Arial"/>
+            </a:endParaRPr>
+          </a:p>
+        </p:txBody>
+      </p:sp>
+    </p:spTree>
+  </p:cSld>
+</p:sldLayout>
+</file>
+
+<file path=ppt/slideLayouts/slideLayout34.xml><?xml version="1.0" encoding="utf-8"?>
+<p:sldLayout xmlns:a="http://schemas.openxmlformats.org/drawingml/2006/main" xmlns:p="http://schemas.openxmlformats.org/presentationml/2006/main" xmlns:r="http://schemas.openxmlformats.org/officeDocument/2006/relationships" xmlns:p14="http://schemas.microsoft.com/office/powerpoint/2010/main" xmlns:p15="http://schemas.microsoft.com/office/powerpoint/2012/main" xmlns:mc="http://schemas.openxmlformats.org/markup-compatibility/2006" type="objOverTx" preserve="1">
+  <p:cSld name="Title, Content over Content">
+    <p:spTree>
+      <p:nvGrpSpPr>
+        <p:cNvPr id="1" name=""/>
+        <p:cNvGrpSpPr/>
+        <p:nvPr/>
+      </p:nvGrpSpPr>
+      <p:grpSpPr>
+        <a:xfrm>
+          <a:off x="0" y="0"/>
+          <a:ext cx="0" cy="0"/>
+          <a:chOff x="0" y="0"/>
+          <a:chExt cx="0" cy="0"/>
+        </a:xfrm>
+      </p:grpSpPr>
+      <p:sp>
+        <p:nvSpPr>
+          <p:cNvPr id="99" name="PlaceHolder 1"/>
+          <p:cNvSpPr>
+            <a:spLocks noGrp="1"/>
+          </p:cNvSpPr>
+          <p:nvPr>
+            <p:ph type="title"/>
+          </p:nvPr>
+        </p:nvSpPr>
+        <p:spPr>
+          <a:xfrm>
+            <a:off x="504000" y="301320"/>
+            <a:ext cx="9071640" cy="1261440"/>
+          </a:xfrm>
+          <a:prstGeom prst="rect">
+            <a:avLst/>
+          </a:prstGeom>
+        </p:spPr>
+        <p:txBody>
+          <a:bodyPr lIns="0" rIns="0" tIns="0" bIns="0" anchor="ctr"/>
+          <a:p>
+            <a:pPr algn="ctr"/>
+            <a:endParaRPr b="0" lang="en-US" sz="4400" spc="-1" strike="noStrike">
+              <a:solidFill>
+                <a:srgbClr val="000000"/>
+              </a:solidFill>
+              <a:uFill>
+                <a:solidFill>
+                  <a:srgbClr val="ffffff"/>
+                </a:solidFill>
+              </a:uFill>
+              <a:latin typeface="Arial"/>
+            </a:endParaRPr>
+          </a:p>
+        </p:txBody>
+      </p:sp>
+      <p:sp>
+        <p:nvSpPr>
+          <p:cNvPr id="100" name="PlaceHolder 2"/>
+          <p:cNvSpPr>
+            <a:spLocks noGrp="1"/>
+          </p:cNvSpPr>
+          <p:nvPr>
+            <p:ph type="body"/>
+          </p:nvPr>
+        </p:nvSpPr>
+        <p:spPr>
+          <a:xfrm>
+            <a:off x="504000" y="1768680"/>
+            <a:ext cx="9071640" cy="2090880"/>
+          </a:xfrm>
+          <a:prstGeom prst="rect">
+            <a:avLst/>
+          </a:prstGeom>
+        </p:spPr>
+        <p:txBody>
+          <a:bodyPr lIns="0" rIns="0" tIns="0" bIns="0">
+            <a:normAutofit/>
+          </a:bodyPr>
+          <a:p>
+            <a:endParaRPr b="0" lang="en-US" sz="3200" spc="-1" strike="noStrike">
+              <a:solidFill>
+                <a:srgbClr val="000000"/>
+              </a:solidFill>
+              <a:uFill>
+                <a:solidFill>
+                  <a:srgbClr val="ffffff"/>
+                </a:solidFill>
+              </a:uFill>
+              <a:latin typeface="Arial"/>
+            </a:endParaRPr>
+          </a:p>
+        </p:txBody>
+      </p:sp>
+      <p:sp>
+        <p:nvSpPr>
+          <p:cNvPr id="101" name="PlaceHolder 3"/>
+          <p:cNvSpPr>
+            <a:spLocks noGrp="1"/>
+          </p:cNvSpPr>
+          <p:nvPr>
+            <p:ph type="body"/>
+          </p:nvPr>
+        </p:nvSpPr>
+        <p:spPr>
+          <a:xfrm>
+            <a:off x="504000" y="4058640"/>
+            <a:ext cx="9071640" cy="2090880"/>
+          </a:xfrm>
+          <a:prstGeom prst="rect">
+            <a:avLst/>
+          </a:prstGeom>
+        </p:spPr>
+        <p:txBody>
+          <a:bodyPr lIns="0" rIns="0" tIns="0" bIns="0">
+            <a:normAutofit/>
+          </a:bodyPr>
+          <a:p>
+            <a:endParaRPr b="0" lang="en-US" sz="3200" spc="-1" strike="noStrike">
+              <a:solidFill>
+                <a:srgbClr val="000000"/>
+              </a:solidFill>
+              <a:uFill>
+                <a:solidFill>
+                  <a:srgbClr val="ffffff"/>
+                </a:solidFill>
+              </a:uFill>
+              <a:latin typeface="Arial"/>
+            </a:endParaRPr>
+          </a:p>
+        </p:txBody>
+      </p:sp>
+    </p:spTree>
+  </p:cSld>
+</p:sldLayout>
+</file>
+
+<file path=ppt/slideLayouts/slideLayout35.xml><?xml version="1.0" encoding="utf-8"?>
+<p:sldLayout xmlns:a="http://schemas.openxmlformats.org/drawingml/2006/main" xmlns:p="http://schemas.openxmlformats.org/presentationml/2006/main" xmlns:r="http://schemas.openxmlformats.org/officeDocument/2006/relationships" xmlns:p14="http://schemas.microsoft.com/office/powerpoint/2010/main" xmlns:p15="http://schemas.microsoft.com/office/powerpoint/2012/main" xmlns:mc="http://schemas.openxmlformats.org/markup-compatibility/2006" type="fourObj" preserve="1">
+  <p:cSld name="Title, 4 Content">
+    <p:spTree>
+      <p:nvGrpSpPr>
+        <p:cNvPr id="1" name=""/>
+        <p:cNvGrpSpPr/>
+        <p:nvPr/>
+      </p:nvGrpSpPr>
+      <p:grpSpPr>
+        <a:xfrm>
+          <a:off x="0" y="0"/>
+          <a:ext cx="0" cy="0"/>
+          <a:chOff x="0" y="0"/>
+          <a:chExt cx="0" cy="0"/>
+        </a:xfrm>
+      </p:grpSpPr>
+      <p:sp>
+        <p:nvSpPr>
+          <p:cNvPr id="102" name="PlaceHolder 1"/>
+          <p:cNvSpPr>
+            <a:spLocks noGrp="1"/>
+          </p:cNvSpPr>
+          <p:nvPr>
+            <p:ph type="title"/>
+          </p:nvPr>
+        </p:nvSpPr>
+        <p:spPr>
+          <a:xfrm>
+            <a:off x="504000" y="301320"/>
+            <a:ext cx="9071640" cy="1261440"/>
+          </a:xfrm>
+          <a:prstGeom prst="rect">
+            <a:avLst/>
+          </a:prstGeom>
+        </p:spPr>
+        <p:txBody>
+          <a:bodyPr lIns="0" rIns="0" tIns="0" bIns="0" anchor="ctr"/>
+          <a:p>
+            <a:pPr algn="ctr"/>
+            <a:endParaRPr b="0" lang="en-US" sz="4400" spc="-1" strike="noStrike">
+              <a:solidFill>
+                <a:srgbClr val="000000"/>
+              </a:solidFill>
+              <a:uFill>
+                <a:solidFill>
+                  <a:srgbClr val="ffffff"/>
+                </a:solidFill>
+              </a:uFill>
+              <a:latin typeface="Arial"/>
+            </a:endParaRPr>
+          </a:p>
+        </p:txBody>
+      </p:sp>
+      <p:sp>
+        <p:nvSpPr>
+          <p:cNvPr id="103" name="PlaceHolder 2"/>
+          <p:cNvSpPr>
+            <a:spLocks noGrp="1"/>
+          </p:cNvSpPr>
+          <p:nvPr>
+            <p:ph type="body"/>
+          </p:nvPr>
+        </p:nvSpPr>
+        <p:spPr>
+          <a:xfrm>
+            <a:off x="504000" y="1768680"/>
+            <a:ext cx="4426920" cy="2090880"/>
+          </a:xfrm>
+          <a:prstGeom prst="rect">
+            <a:avLst/>
+          </a:prstGeom>
+        </p:spPr>
+        <p:txBody>
+          <a:bodyPr lIns="0" rIns="0" tIns="0" bIns="0">
+            <a:normAutofit/>
+          </a:bodyPr>
+          <a:p>
+            <a:endParaRPr b="0" lang="en-US" sz="3200" spc="-1" strike="noStrike">
+              <a:solidFill>
+                <a:srgbClr val="000000"/>
+              </a:solidFill>
+              <a:uFill>
+                <a:solidFill>
+                  <a:srgbClr val="ffffff"/>
+                </a:solidFill>
+              </a:uFill>
+              <a:latin typeface="Arial"/>
+            </a:endParaRPr>
+          </a:p>
+        </p:txBody>
+      </p:sp>
+      <p:sp>
+        <p:nvSpPr>
+          <p:cNvPr id="104" name="PlaceHolder 3"/>
+          <p:cNvSpPr>
+            <a:spLocks noGrp="1"/>
+          </p:cNvSpPr>
+          <p:nvPr>
+            <p:ph type="body"/>
+          </p:nvPr>
+        </p:nvSpPr>
+        <p:spPr>
+          <a:xfrm>
+            <a:off x="5152680" y="1768680"/>
+            <a:ext cx="4426920" cy="2090880"/>
+          </a:xfrm>
+          <a:prstGeom prst="rect">
+            <a:avLst/>
+          </a:prstGeom>
+        </p:spPr>
+        <p:txBody>
+          <a:bodyPr lIns="0" rIns="0" tIns="0" bIns="0">
+            <a:normAutofit/>
+          </a:bodyPr>
+          <a:p>
+            <a:endParaRPr b="0" lang="en-US" sz="3200" spc="-1" strike="noStrike">
+              <a:solidFill>
+                <a:srgbClr val="000000"/>
+              </a:solidFill>
+              <a:uFill>
+                <a:solidFill>
+                  <a:srgbClr val="ffffff"/>
+                </a:solidFill>
+              </a:uFill>
+              <a:latin typeface="Arial"/>
+            </a:endParaRPr>
+          </a:p>
+        </p:txBody>
+      </p:sp>
+      <p:sp>
+        <p:nvSpPr>
+          <p:cNvPr id="105" name="PlaceHolder 4"/>
+          <p:cNvSpPr>
+            <a:spLocks noGrp="1"/>
+          </p:cNvSpPr>
+          <p:nvPr>
+            <p:ph type="body"/>
+          </p:nvPr>
+        </p:nvSpPr>
+        <p:spPr>
+          <a:xfrm>
+            <a:off x="5152680" y="4058640"/>
+            <a:ext cx="4426920" cy="2090880"/>
+          </a:xfrm>
+          <a:prstGeom prst="rect">
+            <a:avLst/>
+          </a:prstGeom>
+        </p:spPr>
+        <p:txBody>
+          <a:bodyPr lIns="0" rIns="0" tIns="0" bIns="0">
+            <a:normAutofit/>
+          </a:bodyPr>
+          <a:p>
+            <a:endParaRPr b="0" lang="en-US" sz="3200" spc="-1" strike="noStrike">
+              <a:solidFill>
+                <a:srgbClr val="000000"/>
+              </a:solidFill>
+              <a:uFill>
+                <a:solidFill>
+                  <a:srgbClr val="ffffff"/>
+                </a:solidFill>
+              </a:uFill>
+              <a:latin typeface="Arial"/>
+            </a:endParaRPr>
+          </a:p>
+        </p:txBody>
+      </p:sp>
+      <p:sp>
+        <p:nvSpPr>
+          <p:cNvPr id="106" name="PlaceHolder 5"/>
+          <p:cNvSpPr>
+            <a:spLocks noGrp="1"/>
+          </p:cNvSpPr>
+          <p:nvPr>
+            <p:ph type="body"/>
+          </p:nvPr>
+        </p:nvSpPr>
+        <p:spPr>
+          <a:xfrm>
+            <a:off x="504000" y="4058640"/>
+            <a:ext cx="4426920" cy="2090880"/>
+          </a:xfrm>
+          <a:prstGeom prst="rect">
+            <a:avLst/>
+          </a:prstGeom>
+        </p:spPr>
+        <p:txBody>
+          <a:bodyPr lIns="0" rIns="0" tIns="0" bIns="0">
+            <a:normAutofit/>
+          </a:bodyPr>
+          <a:p>
+            <a:endParaRPr b="0" lang="en-US" sz="3200" spc="-1" strike="noStrike">
+              <a:solidFill>
+                <a:srgbClr val="000000"/>
+              </a:solidFill>
+              <a:uFill>
+                <a:solidFill>
+                  <a:srgbClr val="ffffff"/>
+                </a:solidFill>
+              </a:uFill>
+              <a:latin typeface="Arial"/>
+            </a:endParaRPr>
+          </a:p>
+        </p:txBody>
+      </p:sp>
+    </p:spTree>
+  </p:cSld>
+</p:sldLayout>
+</file>
+
+<file path=ppt/slideLayouts/slideLayout36.xml><?xml version="1.0" encoding="utf-8"?>
+<p:sldLayout xmlns:a="http://schemas.openxmlformats.org/drawingml/2006/main" xmlns:p="http://schemas.openxmlformats.org/presentationml/2006/main" xmlns:r="http://schemas.openxmlformats.org/officeDocument/2006/relationships" xmlns:p14="http://schemas.microsoft.com/office/powerpoint/2010/main" xmlns:p15="http://schemas.microsoft.com/office/powerpoint/2012/main" xmlns:mc="http://schemas.openxmlformats.org/markup-compatibility/2006" type="blank" preserve="1">
+  <p:cSld name="Title, 6 Content">
+    <p:spTree>
+      <p:nvGrpSpPr>
+        <p:cNvPr id="1" name=""/>
+        <p:cNvGrpSpPr/>
+        <p:nvPr/>
+      </p:nvGrpSpPr>
+      <p:grpSpPr>
+        <a:xfrm>
+          <a:off x="0" y="0"/>
+          <a:ext cx="0" cy="0"/>
+          <a:chOff x="0" y="0"/>
+          <a:chExt cx="0" cy="0"/>
+        </a:xfrm>
+      </p:grpSpPr>
+      <p:sp>
+        <p:nvSpPr>
+          <p:cNvPr id="107" name="PlaceHolder 1"/>
+          <p:cNvSpPr>
+            <a:spLocks noGrp="1"/>
+          </p:cNvSpPr>
+          <p:nvPr>
+            <p:ph type="title"/>
+          </p:nvPr>
+        </p:nvSpPr>
+        <p:spPr>
+          <a:xfrm>
+            <a:off x="504000" y="301320"/>
+            <a:ext cx="9071640" cy="1261440"/>
+          </a:xfrm>
+          <a:prstGeom prst="rect">
+            <a:avLst/>
+          </a:prstGeom>
+        </p:spPr>
+        <p:txBody>
+          <a:bodyPr lIns="0" rIns="0" tIns="0" bIns="0" anchor="ctr"/>
+          <a:p>
+            <a:pPr algn="ctr"/>
+            <a:endParaRPr b="0" lang="en-US" sz="4400" spc="-1" strike="noStrike">
+              <a:solidFill>
+                <a:srgbClr val="000000"/>
+              </a:solidFill>
+              <a:uFill>
+                <a:solidFill>
+                  <a:srgbClr val="ffffff"/>
+                </a:solidFill>
+              </a:uFill>
+              <a:latin typeface="Arial"/>
+            </a:endParaRPr>
+          </a:p>
+        </p:txBody>
+      </p:sp>
+      <p:sp>
+        <p:nvSpPr>
+          <p:cNvPr id="108" name="PlaceHolder 2"/>
+          <p:cNvSpPr>
+            <a:spLocks noGrp="1"/>
+          </p:cNvSpPr>
+          <p:nvPr>
+            <p:ph type="body"/>
+          </p:nvPr>
+        </p:nvSpPr>
+        <p:spPr>
+          <a:xfrm>
+            <a:off x="504000" y="1768680"/>
+            <a:ext cx="2920680" cy="2090880"/>
+          </a:xfrm>
+          <a:prstGeom prst="rect">
+            <a:avLst/>
+          </a:prstGeom>
+        </p:spPr>
+        <p:txBody>
+          <a:bodyPr lIns="0" rIns="0" tIns="0" bIns="0">
+            <a:normAutofit/>
+          </a:bodyPr>
+          <a:p>
+            <a:endParaRPr b="0" lang="en-US" sz="3200" spc="-1" strike="noStrike">
+              <a:solidFill>
+                <a:srgbClr val="000000"/>
+              </a:solidFill>
+              <a:uFill>
+                <a:solidFill>
+                  <a:srgbClr val="ffffff"/>
+                </a:solidFill>
+              </a:uFill>
+              <a:latin typeface="Arial"/>
+            </a:endParaRPr>
+          </a:p>
+        </p:txBody>
+      </p:sp>
+      <p:sp>
+        <p:nvSpPr>
+          <p:cNvPr id="109" name="PlaceHolder 3"/>
+          <p:cNvSpPr>
+            <a:spLocks noGrp="1"/>
+          </p:cNvSpPr>
+          <p:nvPr>
+            <p:ph type="body"/>
+          </p:nvPr>
+        </p:nvSpPr>
+        <p:spPr>
+          <a:xfrm>
+            <a:off x="3571200" y="1768680"/>
+            <a:ext cx="2920680" cy="2090880"/>
+          </a:xfrm>
+          <a:prstGeom prst="rect">
+            <a:avLst/>
+          </a:prstGeom>
+        </p:spPr>
+        <p:txBody>
+          <a:bodyPr lIns="0" rIns="0" tIns="0" bIns="0">
+            <a:normAutofit/>
+          </a:bodyPr>
+          <a:p>
+            <a:endParaRPr b="0" lang="en-US" sz="3200" spc="-1" strike="noStrike">
+              <a:solidFill>
+                <a:srgbClr val="000000"/>
+              </a:solidFill>
+              <a:uFill>
+                <a:solidFill>
+                  <a:srgbClr val="ffffff"/>
+                </a:solidFill>
+              </a:uFill>
+              <a:latin typeface="Arial"/>
+            </a:endParaRPr>
+          </a:p>
+        </p:txBody>
+      </p:sp>
+      <p:sp>
+        <p:nvSpPr>
+          <p:cNvPr id="110" name="PlaceHolder 4"/>
+          <p:cNvSpPr>
+            <a:spLocks noGrp="1"/>
+          </p:cNvSpPr>
+          <p:nvPr>
+            <p:ph type="body"/>
+          </p:nvPr>
+        </p:nvSpPr>
+        <p:spPr>
+          <a:xfrm>
+            <a:off x="6638040" y="1768680"/>
+            <a:ext cx="2920680" cy="2090880"/>
+          </a:xfrm>
+          <a:prstGeom prst="rect">
+            <a:avLst/>
+          </a:prstGeom>
+        </p:spPr>
+        <p:txBody>
+          <a:bodyPr lIns="0" rIns="0" tIns="0" bIns="0">
+            <a:normAutofit/>
+          </a:bodyPr>
+          <a:p>
+            <a:endParaRPr b="0" lang="en-US" sz="3200" spc="-1" strike="noStrike">
+              <a:solidFill>
+                <a:srgbClr val="000000"/>
+              </a:solidFill>
+              <a:uFill>
+                <a:solidFill>
+                  <a:srgbClr val="ffffff"/>
+                </a:solidFill>
+              </a:uFill>
+              <a:latin typeface="Arial"/>
+            </a:endParaRPr>
+          </a:p>
+        </p:txBody>
+      </p:sp>
+      <p:sp>
+        <p:nvSpPr>
+          <p:cNvPr id="111" name="PlaceHolder 5"/>
+          <p:cNvSpPr>
+            <a:spLocks noGrp="1"/>
+          </p:cNvSpPr>
+          <p:nvPr>
+            <p:ph type="body"/>
+          </p:nvPr>
+        </p:nvSpPr>
+        <p:spPr>
+          <a:xfrm>
+            <a:off x="6638040" y="4058640"/>
+            <a:ext cx="2920680" cy="2090880"/>
+          </a:xfrm>
+          <a:prstGeom prst="rect">
+            <a:avLst/>
+          </a:prstGeom>
+        </p:spPr>
+        <p:txBody>
+          <a:bodyPr lIns="0" rIns="0" tIns="0" bIns="0">
+            <a:normAutofit/>
+          </a:bodyPr>
+          <a:p>
+            <a:endParaRPr b="0" lang="en-US" sz="3200" spc="-1" strike="noStrike">
+              <a:solidFill>
+                <a:srgbClr val="000000"/>
+              </a:solidFill>
+              <a:uFill>
+                <a:solidFill>
+                  <a:srgbClr val="ffffff"/>
+                </a:solidFill>
+              </a:uFill>
+              <a:latin typeface="Arial"/>
+            </a:endParaRPr>
+          </a:p>
+        </p:txBody>
+      </p:sp>
+      <p:sp>
+        <p:nvSpPr>
+          <p:cNvPr id="112" name="PlaceHolder 6"/>
+          <p:cNvSpPr>
+            <a:spLocks noGrp="1"/>
+          </p:cNvSpPr>
+          <p:nvPr>
+            <p:ph type="body"/>
+          </p:nvPr>
+        </p:nvSpPr>
+        <p:spPr>
+          <a:xfrm>
+            <a:off x="3571200" y="4058640"/>
+            <a:ext cx="2920680" cy="2090880"/>
+          </a:xfrm>
+          <a:prstGeom prst="rect">
+            <a:avLst/>
+          </a:prstGeom>
+        </p:spPr>
+        <p:txBody>
+          <a:bodyPr lIns="0" rIns="0" tIns="0" bIns="0">
+            <a:normAutofit/>
+          </a:bodyPr>
+          <a:p>
+            <a:endParaRPr b="0" lang="en-US" sz="3200" spc="-1" strike="noStrike">
+              <a:solidFill>
+                <a:srgbClr val="000000"/>
+              </a:solidFill>
+              <a:uFill>
+                <a:solidFill>
+                  <a:srgbClr val="ffffff"/>
+                </a:solidFill>
+              </a:uFill>
+              <a:latin typeface="Arial"/>
+            </a:endParaRPr>
+          </a:p>
+        </p:txBody>
+      </p:sp>
+      <p:sp>
+        <p:nvSpPr>
+          <p:cNvPr id="113" name="PlaceHolder 7"/>
+          <p:cNvSpPr>
+            <a:spLocks noGrp="1"/>
+          </p:cNvSpPr>
+          <p:nvPr>
+            <p:ph type="body"/>
+          </p:nvPr>
+        </p:nvSpPr>
+        <p:spPr>
+          <a:xfrm>
+            <a:off x="504000" y="4058640"/>
+            <a:ext cx="2920680" cy="2090880"/>
           </a:xfrm>
           <a:prstGeom prst="rect">
             <a:avLst/>
@@ -2528,7 +4153,7 @@
         <p:spPr>
           <a:xfrm>
             <a:off x="504000" y="301320"/>
-            <a:ext cx="9071280" cy="1261800"/>
+            <a:ext cx="9071640" cy="1261440"/>
           </a:xfrm>
           <a:prstGeom prst="rect">
             <a:avLst/>
@@ -2564,8 +4189,8 @@
         </p:nvSpPr>
         <p:spPr>
           <a:xfrm>
-            <a:off x="504000" y="1769040"/>
-            <a:ext cx="4426560" cy="4384440"/>
+            <a:off x="504000" y="1768680"/>
+            <a:ext cx="4426920" cy="4383720"/>
           </a:xfrm>
           <a:prstGeom prst="rect">
             <a:avLst/>
@@ -2602,8 +4227,8 @@
         </p:nvSpPr>
         <p:spPr>
           <a:xfrm>
-            <a:off x="5152320" y="1769040"/>
-            <a:ext cx="4426560" cy="4384440"/>
+            <a:off x="5152680" y="1768680"/>
+            <a:ext cx="4426920" cy="4383720"/>
           </a:xfrm>
           <a:prstGeom prst="rect">
             <a:avLst/>
@@ -2663,7 +4288,7 @@
         <p:spPr>
           <a:xfrm>
             <a:off x="504000" y="301320"/>
-            <a:ext cx="9071280" cy="1261800"/>
+            <a:ext cx="9071640" cy="1261440"/>
           </a:xfrm>
           <a:prstGeom prst="rect">
             <a:avLst/>
@@ -2722,7 +4347,7 @@
         <p:spPr>
           <a:xfrm>
             <a:off x="504000" y="301320"/>
-            <a:ext cx="9071280" cy="5850360"/>
+            <a:ext cx="9071640" cy="5848560"/>
           </a:xfrm>
           <a:prstGeom prst="rect">
             <a:avLst/>
@@ -2781,7 +4406,7 @@
         <p:spPr>
           <a:xfrm>
             <a:off x="504000" y="301320"/>
-            <a:ext cx="9071280" cy="1261800"/>
+            <a:ext cx="9071640" cy="1261440"/>
           </a:xfrm>
           <a:prstGeom prst="rect">
             <a:avLst/>
@@ -2817,8 +4442,8 @@
         </p:nvSpPr>
         <p:spPr>
           <a:xfrm>
-            <a:off x="504000" y="1769040"/>
-            <a:ext cx="4426560" cy="2091240"/>
+            <a:off x="504000" y="1768680"/>
+            <a:ext cx="4426920" cy="2090880"/>
           </a:xfrm>
           <a:prstGeom prst="rect">
             <a:avLst/>
@@ -2855,8 +4480,8 @@
         </p:nvSpPr>
         <p:spPr>
           <a:xfrm>
-            <a:off x="504000" y="4059360"/>
-            <a:ext cx="4426560" cy="2091240"/>
+            <a:off x="504000" y="4058640"/>
+            <a:ext cx="4426920" cy="2090880"/>
           </a:xfrm>
           <a:prstGeom prst="rect">
             <a:avLst/>
@@ -2893,8 +4518,8 @@
         </p:nvSpPr>
         <p:spPr>
           <a:xfrm>
-            <a:off x="5152320" y="1769040"/>
-            <a:ext cx="4426560" cy="4384440"/>
+            <a:off x="5152680" y="1768680"/>
+            <a:ext cx="4426920" cy="4383720"/>
           </a:xfrm>
           <a:prstGeom prst="rect">
             <a:avLst/>
@@ -2954,7 +4579,7 @@
         <p:spPr>
           <a:xfrm>
             <a:off x="504000" y="301320"/>
-            <a:ext cx="9071280" cy="1261800"/>
+            <a:ext cx="9071640" cy="1261440"/>
           </a:xfrm>
           <a:prstGeom prst="rect">
             <a:avLst/>
@@ -2990,8 +4615,8 @@
         </p:nvSpPr>
         <p:spPr>
           <a:xfrm>
-            <a:off x="504000" y="1769040"/>
-            <a:ext cx="4426560" cy="4384440"/>
+            <a:off x="504000" y="1768680"/>
+            <a:ext cx="4426920" cy="4383720"/>
           </a:xfrm>
           <a:prstGeom prst="rect">
             <a:avLst/>
@@ -3028,8 +4653,8 @@
         </p:nvSpPr>
         <p:spPr>
           <a:xfrm>
-            <a:off x="5152320" y="1769040"/>
-            <a:ext cx="4426560" cy="2091240"/>
+            <a:off x="5152680" y="1768680"/>
+            <a:ext cx="4426920" cy="2090880"/>
           </a:xfrm>
           <a:prstGeom prst="rect">
             <a:avLst/>
@@ -3066,8 +4691,8 @@
         </p:nvSpPr>
         <p:spPr>
           <a:xfrm>
-            <a:off x="5152320" y="4059360"/>
-            <a:ext cx="4426560" cy="2091240"/>
+            <a:off x="5152680" y="4058640"/>
+            <a:ext cx="4426920" cy="2090880"/>
           </a:xfrm>
           <a:prstGeom prst="rect">
             <a:avLst/>
@@ -3127,7 +4752,7 @@
         <p:spPr>
           <a:xfrm>
             <a:off x="504000" y="301320"/>
-            <a:ext cx="9071280" cy="1261800"/>
+            <a:ext cx="9071640" cy="1261440"/>
           </a:xfrm>
           <a:prstGeom prst="rect">
             <a:avLst/>
@@ -3163,8 +4788,8 @@
         </p:nvSpPr>
         <p:spPr>
           <a:xfrm>
-            <a:off x="504000" y="1769040"/>
-            <a:ext cx="4426560" cy="2091240"/>
+            <a:off x="504000" y="1768680"/>
+            <a:ext cx="4426920" cy="2090880"/>
           </a:xfrm>
           <a:prstGeom prst="rect">
             <a:avLst/>
@@ -3201,8 +4826,8 @@
         </p:nvSpPr>
         <p:spPr>
           <a:xfrm>
-            <a:off x="5152320" y="1769040"/>
-            <a:ext cx="4426560" cy="2091240"/>
+            <a:off x="5152680" y="1768680"/>
+            <a:ext cx="4426920" cy="2090880"/>
           </a:xfrm>
           <a:prstGeom prst="rect">
             <a:avLst/>
@@ -3239,8 +4864,8 @@
         </p:nvSpPr>
         <p:spPr>
           <a:xfrm>
-            <a:off x="504000" y="4059360"/>
-            <a:ext cx="9071280" cy="2091240"/>
+            <a:off x="504000" y="4058640"/>
+            <a:ext cx="9071640" cy="2090880"/>
           </a:xfrm>
           <a:prstGeom prst="rect">
             <a:avLst/>
@@ -3300,7 +4925,7 @@
         <p:spPr>
           <a:xfrm>
             <a:off x="504000" y="301320"/>
-            <a:ext cx="9071280" cy="1261800"/>
+            <a:ext cx="9071640" cy="1261440"/>
           </a:xfrm>
           <a:prstGeom prst="rect">
             <a:avLst/>
@@ -3678,7 +5303,7 @@
         <p:spPr>
           <a:xfrm>
             <a:off x="504000" y="301320"/>
-            <a:ext cx="9071280" cy="1261800"/>
+            <a:ext cx="9072000" cy="1261800"/>
           </a:xfrm>
           <a:prstGeom prst="rect">
             <a:avLst/>
@@ -3687,8 +5312,9 @@
         <p:txBody>
           <a:bodyPr lIns="0" rIns="0" tIns="0" bIns="0" anchor="ctr"/>
           <a:p>
+            <a:pPr algn="ctr"/>
             <a:r>
-              <a:rPr b="0" lang="en-US" sz="1800" spc="-1" strike="noStrike">
+              <a:rPr b="0" lang="en-US" sz="4400" spc="-1" strike="noStrike">
                 <a:solidFill>
                   <a:srgbClr val="000000"/>
                 </a:solidFill>
@@ -3701,7 +5327,7 @@
               </a:rPr>
               <a:t>Click to edit the title text format</a:t>
             </a:r>
-            <a:endParaRPr b="0" lang="en-US" sz="1800" spc="-1" strike="noStrike">
+            <a:endParaRPr b="0" lang="en-US" sz="4400" spc="-1" strike="noStrike">
               <a:solidFill>
                 <a:srgbClr val="000000"/>
               </a:solidFill>
@@ -3727,15 +5353,17 @@
         </p:nvSpPr>
         <p:spPr>
           <a:xfrm>
-            <a:off x="504000" y="1769040"/>
-            <a:ext cx="9071280" cy="4384440"/>
-          </a:xfrm>
-          <a:prstGeom prst="rect">
-            <a:avLst/>
-          </a:prstGeom>
-        </p:spPr>
-        <p:txBody>
-          <a:bodyPr lIns="0" rIns="0" tIns="0" bIns="0"/>
+            <a:off x="504000" y="1768680"/>
+            <a:ext cx="9072000" cy="4384080"/>
+          </a:xfrm>
+          <a:prstGeom prst="rect">
+            <a:avLst/>
+          </a:prstGeom>
+        </p:spPr>
+        <p:txBody>
+          <a:bodyPr lIns="0" rIns="0" tIns="0" bIns="0">
+            <a:normAutofit/>
+          </a:bodyPr>
           <a:p>
             <a:pPr marL="432000" indent="-324000">
               <a:spcBef>
@@ -3749,7 +5377,7 @@
               <a:buChar char=""/>
             </a:pPr>
             <a:r>
-              <a:rPr b="0" lang="en-US" sz="1800" spc="-1" strike="noStrike">
+              <a:rPr b="0" lang="en-US" sz="3200" spc="-1" strike="noStrike">
                 <a:solidFill>
                   <a:srgbClr val="000000"/>
                 </a:solidFill>
@@ -3762,7 +5390,7 @@
               </a:rPr>
               <a:t>Click to edit the outline text format</a:t>
             </a:r>
-            <a:endParaRPr b="0" lang="en-US" sz="1800" spc="-1" strike="noStrike">
+            <a:endParaRPr b="0" lang="en-US" sz="3200" spc="-1" strike="noStrike">
               <a:solidFill>
                 <a:srgbClr val="000000"/>
               </a:solidFill>
@@ -3787,7 +5415,7 @@
               <a:buChar char=""/>
             </a:pPr>
             <a:r>
-              <a:rPr b="0" lang="en-US" sz="1800" spc="-1" strike="noStrike">
+              <a:rPr b="0" lang="en-US" sz="2800" spc="-1" strike="noStrike">
                 <a:solidFill>
                   <a:srgbClr val="000000"/>
                 </a:solidFill>
@@ -3800,7 +5428,7 @@
               </a:rPr>
               <a:t>Second Outline Level</a:t>
             </a:r>
-            <a:endParaRPr b="0" lang="en-US" sz="1800" spc="-1" strike="noStrike">
+            <a:endParaRPr b="0" lang="en-US" sz="2800" spc="-1" strike="noStrike">
               <a:solidFill>
                 <a:srgbClr val="000000"/>
               </a:solidFill>
@@ -3825,7 +5453,7 @@
               <a:buChar char=""/>
             </a:pPr>
             <a:r>
-              <a:rPr b="0" lang="en-US" sz="1800" spc="-1" strike="noStrike">
+              <a:rPr b="0" lang="en-US" sz="2400" spc="-1" strike="noStrike">
                 <a:solidFill>
                   <a:srgbClr val="000000"/>
                 </a:solidFill>
@@ -3838,7 +5466,7 @@
               </a:rPr>
               <a:t>Third Outline Level</a:t>
             </a:r>
-            <a:endParaRPr b="0" lang="en-US" sz="1800" spc="-1" strike="noStrike">
+            <a:endParaRPr b="0" lang="en-US" sz="2400" spc="-1" strike="noStrike">
               <a:solidFill>
                 <a:srgbClr val="000000"/>
               </a:solidFill>
@@ -3863,7 +5491,7 @@
               <a:buChar char=""/>
             </a:pPr>
             <a:r>
-              <a:rPr b="0" lang="en-US" sz="1800" spc="-1" strike="noStrike">
+              <a:rPr b="0" lang="en-US" sz="2000" spc="-1" strike="noStrike">
                 <a:solidFill>
                   <a:srgbClr val="000000"/>
                 </a:solidFill>
@@ -3876,7 +5504,7 @@
               </a:rPr>
               <a:t>Fourth Outline Level</a:t>
             </a:r>
-            <a:endParaRPr b="0" lang="en-US" sz="1800" spc="-1" strike="noStrike">
+            <a:endParaRPr b="0" lang="en-US" sz="2000" spc="-1" strike="noStrike">
               <a:solidFill>
                 <a:srgbClr val="000000"/>
               </a:solidFill>
@@ -3901,7 +5529,7 @@
               <a:buChar char=""/>
             </a:pPr>
             <a:r>
-              <a:rPr b="0" lang="en-US" sz="1800" spc="-1" strike="noStrike">
+              <a:rPr b="0" lang="en-US" sz="2000" spc="-1" strike="noStrike">
                 <a:solidFill>
                   <a:srgbClr val="000000"/>
                 </a:solidFill>
@@ -3914,7 +5542,7 @@
               </a:rPr>
               <a:t>Fifth Outline Level</a:t>
             </a:r>
-            <a:endParaRPr b="0" lang="en-US" sz="1800" spc="-1" strike="noStrike">
+            <a:endParaRPr b="0" lang="en-US" sz="2000" spc="-1" strike="noStrike">
               <a:solidFill>
                 <a:srgbClr val="000000"/>
               </a:solidFill>
@@ -3939,7 +5567,7 @@
               <a:buChar char=""/>
             </a:pPr>
             <a:r>
-              <a:rPr b="0" lang="en-US" sz="1800" spc="-1" strike="noStrike">
+              <a:rPr b="0" lang="en-US" sz="2000" spc="-1" strike="noStrike">
                 <a:solidFill>
                   <a:srgbClr val="000000"/>
                 </a:solidFill>
@@ -3952,7 +5580,7 @@
               </a:rPr>
               <a:t>Sixth Outline Level</a:t>
             </a:r>
-            <a:endParaRPr b="0" lang="en-US" sz="1800" spc="-1" strike="noStrike">
+            <a:endParaRPr b="0" lang="en-US" sz="2000" spc="-1" strike="noStrike">
               <a:solidFill>
                 <a:srgbClr val="000000"/>
               </a:solidFill>
@@ -3977,7 +5605,7 @@
               <a:buChar char=""/>
             </a:pPr>
             <a:r>
-              <a:rPr b="0" lang="en-US" sz="1800" spc="-1" strike="noStrike">
+              <a:rPr b="0" lang="en-US" sz="2000" spc="-1" strike="noStrike">
                 <a:solidFill>
                   <a:srgbClr val="000000"/>
                 </a:solidFill>
@@ -3990,7 +5618,7 @@
               </a:rPr>
               <a:t>Seventh Outline Level</a:t>
             </a:r>
-            <a:endParaRPr b="0" lang="en-US" sz="1800" spc="-1" strike="noStrike">
+            <a:endParaRPr b="0" lang="en-US" sz="2000" spc="-1" strike="noStrike">
               <a:solidFill>
                 <a:srgbClr val="000000"/>
               </a:solidFill>
@@ -4020,6 +5648,384 @@
     <p:sldLayoutId id="2147483671" r:id="rId11"/>
     <p:sldLayoutId id="2147483672" r:id="rId12"/>
     <p:sldLayoutId id="2147483673" r:id="rId13"/>
+  </p:sldLayoutIdLst>
+</p:sldMaster>
+</file>
+
+<file path=ppt/slideMasters/slideMaster3.xml><?xml version="1.0" encoding="utf-8"?>
+<p:sldMaster xmlns:a="http://schemas.openxmlformats.org/drawingml/2006/main" xmlns:p="http://schemas.openxmlformats.org/presentationml/2006/main" xmlns:r="http://schemas.openxmlformats.org/officeDocument/2006/relationships" xmlns:p14="http://schemas.microsoft.com/office/powerpoint/2010/main" xmlns:p15="http://schemas.microsoft.com/office/powerpoint/2012/main" xmlns:mc="http://schemas.openxmlformats.org/markup-compatibility/2006">
+  <p:cSld>
+    <p:spTree>
+      <p:nvGrpSpPr>
+        <p:cNvPr id="1" name=""/>
+        <p:cNvGrpSpPr/>
+        <p:nvPr/>
+      </p:nvGrpSpPr>
+      <p:grpSpPr>
+        <a:xfrm>
+          <a:off x="0" y="0"/>
+          <a:ext cx="0" cy="0"/>
+          <a:chOff x="0" y="0"/>
+          <a:chExt cx="0" cy="0"/>
+        </a:xfrm>
+      </p:grpSpPr>
+      <p:sp>
+        <p:nvSpPr>
+          <p:cNvPr id="76" name="PlaceHolder 1"/>
+          <p:cNvSpPr>
+            <a:spLocks noGrp="1"/>
+          </p:cNvSpPr>
+          <p:nvPr>
+            <p:ph type="title"/>
+          </p:nvPr>
+        </p:nvSpPr>
+        <p:spPr>
+          <a:xfrm>
+            <a:off x="504000" y="301320"/>
+            <a:ext cx="9071640" cy="1261440"/>
+          </a:xfrm>
+          <a:prstGeom prst="rect">
+            <a:avLst/>
+          </a:prstGeom>
+        </p:spPr>
+        <p:txBody>
+          <a:bodyPr lIns="0" rIns="0" tIns="0" bIns="0" anchor="ctr"/>
+          <a:p>
+            <a:r>
+              <a:rPr b="0" lang="en-US" sz="1800" spc="-1" strike="noStrike">
+                <a:solidFill>
+                  <a:srgbClr val="000000"/>
+                </a:solidFill>
+                <a:uFill>
+                  <a:solidFill>
+                    <a:srgbClr val="ffffff"/>
+                  </a:solidFill>
+                </a:uFill>
+                <a:latin typeface="Arial"/>
+              </a:rPr>
+              <a:t>Click to edit the title text format</a:t>
+            </a:r>
+            <a:endParaRPr b="0" lang="en-US" sz="1800" spc="-1" strike="noStrike">
+              <a:solidFill>
+                <a:srgbClr val="000000"/>
+              </a:solidFill>
+              <a:uFill>
+                <a:solidFill>
+                  <a:srgbClr val="ffffff"/>
+                </a:solidFill>
+              </a:uFill>
+              <a:latin typeface="Arial"/>
+            </a:endParaRPr>
+          </a:p>
+        </p:txBody>
+      </p:sp>
+      <p:sp>
+        <p:nvSpPr>
+          <p:cNvPr id="77" name="PlaceHolder 2"/>
+          <p:cNvSpPr>
+            <a:spLocks noGrp="1"/>
+          </p:cNvSpPr>
+          <p:nvPr>
+            <p:ph type="body"/>
+          </p:nvPr>
+        </p:nvSpPr>
+        <p:spPr>
+          <a:xfrm>
+            <a:off x="504000" y="1768680"/>
+            <a:ext cx="9071640" cy="4383720"/>
+          </a:xfrm>
+          <a:prstGeom prst="rect">
+            <a:avLst/>
+          </a:prstGeom>
+        </p:spPr>
+        <p:txBody>
+          <a:bodyPr lIns="0" rIns="0" tIns="0" bIns="0">
+            <a:normAutofit/>
+          </a:bodyPr>
+          <a:p>
+            <a:pPr marL="432000" indent="-324000">
+              <a:spcBef>
+                <a:spcPts val="1417"/>
+              </a:spcBef>
+              <a:buClr>
+                <a:srgbClr val="000000"/>
+              </a:buClr>
+              <a:buSzPct val="45000"/>
+              <a:buFont typeface="Wingdings" charset="2"/>
+              <a:buChar char=""/>
+            </a:pPr>
+            <a:r>
+              <a:rPr b="0" lang="en-US" sz="1800" spc="-1" strike="noStrike">
+                <a:solidFill>
+                  <a:srgbClr val="000000"/>
+                </a:solidFill>
+                <a:uFill>
+                  <a:solidFill>
+                    <a:srgbClr val="ffffff"/>
+                  </a:solidFill>
+                </a:uFill>
+                <a:latin typeface="Arial"/>
+              </a:rPr>
+              <a:t>Click to edit the outline text format</a:t>
+            </a:r>
+            <a:endParaRPr b="0" lang="en-US" sz="1800" spc="-1" strike="noStrike">
+              <a:solidFill>
+                <a:srgbClr val="000000"/>
+              </a:solidFill>
+              <a:uFill>
+                <a:solidFill>
+                  <a:srgbClr val="ffffff"/>
+                </a:solidFill>
+              </a:uFill>
+              <a:latin typeface="Arial"/>
+            </a:endParaRPr>
+          </a:p>
+          <a:p>
+            <a:pPr lvl="1" marL="864000" indent="-324000">
+              <a:spcBef>
+                <a:spcPts val="1134"/>
+              </a:spcBef>
+              <a:buClr>
+                <a:srgbClr val="000000"/>
+              </a:buClr>
+              <a:buSzPct val="75000"/>
+              <a:buFont typeface="Symbol" charset="2"/>
+              <a:buChar char=""/>
+            </a:pPr>
+            <a:r>
+              <a:rPr b="0" lang="en-US" sz="1800" spc="-1" strike="noStrike">
+                <a:solidFill>
+                  <a:srgbClr val="000000"/>
+                </a:solidFill>
+                <a:uFill>
+                  <a:solidFill>
+                    <a:srgbClr val="ffffff"/>
+                  </a:solidFill>
+                </a:uFill>
+                <a:latin typeface="Arial"/>
+              </a:rPr>
+              <a:t>Second Outline Level</a:t>
+            </a:r>
+            <a:endParaRPr b="0" lang="en-US" sz="1800" spc="-1" strike="noStrike">
+              <a:solidFill>
+                <a:srgbClr val="000000"/>
+              </a:solidFill>
+              <a:uFill>
+                <a:solidFill>
+                  <a:srgbClr val="ffffff"/>
+                </a:solidFill>
+              </a:uFill>
+              <a:latin typeface="Arial"/>
+            </a:endParaRPr>
+          </a:p>
+          <a:p>
+            <a:pPr lvl="2" marL="1296000" indent="-288000">
+              <a:spcBef>
+                <a:spcPts val="850"/>
+              </a:spcBef>
+              <a:buClr>
+                <a:srgbClr val="000000"/>
+              </a:buClr>
+              <a:buSzPct val="45000"/>
+              <a:buFont typeface="Wingdings" charset="2"/>
+              <a:buChar char=""/>
+            </a:pPr>
+            <a:r>
+              <a:rPr b="0" lang="en-US" sz="1800" spc="-1" strike="noStrike">
+                <a:solidFill>
+                  <a:srgbClr val="000000"/>
+                </a:solidFill>
+                <a:uFill>
+                  <a:solidFill>
+                    <a:srgbClr val="ffffff"/>
+                  </a:solidFill>
+                </a:uFill>
+                <a:latin typeface="Arial"/>
+              </a:rPr>
+              <a:t>Third Outline Level</a:t>
+            </a:r>
+            <a:endParaRPr b="0" lang="en-US" sz="1800" spc="-1" strike="noStrike">
+              <a:solidFill>
+                <a:srgbClr val="000000"/>
+              </a:solidFill>
+              <a:uFill>
+                <a:solidFill>
+                  <a:srgbClr val="ffffff"/>
+                </a:solidFill>
+              </a:uFill>
+              <a:latin typeface="Arial"/>
+            </a:endParaRPr>
+          </a:p>
+          <a:p>
+            <a:pPr lvl="3" marL="1728000" indent="-216000">
+              <a:spcBef>
+                <a:spcPts val="567"/>
+              </a:spcBef>
+              <a:buClr>
+                <a:srgbClr val="000000"/>
+              </a:buClr>
+              <a:buSzPct val="75000"/>
+              <a:buFont typeface="Symbol" charset="2"/>
+              <a:buChar char=""/>
+            </a:pPr>
+            <a:r>
+              <a:rPr b="0" lang="en-US" sz="1800" spc="-1" strike="noStrike">
+                <a:solidFill>
+                  <a:srgbClr val="000000"/>
+                </a:solidFill>
+                <a:uFill>
+                  <a:solidFill>
+                    <a:srgbClr val="ffffff"/>
+                  </a:solidFill>
+                </a:uFill>
+                <a:latin typeface="Arial"/>
+              </a:rPr>
+              <a:t>Fourth Outline Level</a:t>
+            </a:r>
+            <a:endParaRPr b="0" lang="en-US" sz="1800" spc="-1" strike="noStrike">
+              <a:solidFill>
+                <a:srgbClr val="000000"/>
+              </a:solidFill>
+              <a:uFill>
+                <a:solidFill>
+                  <a:srgbClr val="ffffff"/>
+                </a:solidFill>
+              </a:uFill>
+              <a:latin typeface="Arial"/>
+            </a:endParaRPr>
+          </a:p>
+          <a:p>
+            <a:pPr lvl="4" marL="2160000" indent="-216000">
+              <a:spcBef>
+                <a:spcPts val="283"/>
+              </a:spcBef>
+              <a:buClr>
+                <a:srgbClr val="000000"/>
+              </a:buClr>
+              <a:buSzPct val="45000"/>
+              <a:buFont typeface="Wingdings" charset="2"/>
+              <a:buChar char=""/>
+            </a:pPr>
+            <a:r>
+              <a:rPr b="0" lang="en-US" sz="1800" spc="-1" strike="noStrike">
+                <a:solidFill>
+                  <a:srgbClr val="000000"/>
+                </a:solidFill>
+                <a:uFill>
+                  <a:solidFill>
+                    <a:srgbClr val="ffffff"/>
+                  </a:solidFill>
+                </a:uFill>
+                <a:latin typeface="Arial"/>
+              </a:rPr>
+              <a:t>Fifth Outline Level</a:t>
+            </a:r>
+            <a:endParaRPr b="0" lang="en-US" sz="1800" spc="-1" strike="noStrike">
+              <a:solidFill>
+                <a:srgbClr val="000000"/>
+              </a:solidFill>
+              <a:uFill>
+                <a:solidFill>
+                  <a:srgbClr val="ffffff"/>
+                </a:solidFill>
+              </a:uFill>
+              <a:latin typeface="Arial"/>
+            </a:endParaRPr>
+          </a:p>
+          <a:p>
+            <a:pPr lvl="5" marL="2592000" indent="-216000">
+              <a:spcBef>
+                <a:spcPts val="283"/>
+              </a:spcBef>
+              <a:buClr>
+                <a:srgbClr val="000000"/>
+              </a:buClr>
+              <a:buSzPct val="45000"/>
+              <a:buFont typeface="Wingdings" charset="2"/>
+              <a:buChar char=""/>
+            </a:pPr>
+            <a:r>
+              <a:rPr b="0" lang="en-US" sz="1800" spc="-1" strike="noStrike">
+                <a:solidFill>
+                  <a:srgbClr val="000000"/>
+                </a:solidFill>
+                <a:uFill>
+                  <a:solidFill>
+                    <a:srgbClr val="ffffff"/>
+                  </a:solidFill>
+                </a:uFill>
+                <a:latin typeface="Arial"/>
+              </a:rPr>
+              <a:t>Sixth Outline Level</a:t>
+            </a:r>
+            <a:endParaRPr b="0" lang="en-US" sz="1800" spc="-1" strike="noStrike">
+              <a:solidFill>
+                <a:srgbClr val="000000"/>
+              </a:solidFill>
+              <a:uFill>
+                <a:solidFill>
+                  <a:srgbClr val="ffffff"/>
+                </a:solidFill>
+              </a:uFill>
+              <a:latin typeface="Arial"/>
+            </a:endParaRPr>
+          </a:p>
+          <a:p>
+            <a:pPr lvl="6" marL="3024000" indent="-216000">
+              <a:spcBef>
+                <a:spcPts val="283"/>
+              </a:spcBef>
+              <a:buClr>
+                <a:srgbClr val="000000"/>
+              </a:buClr>
+              <a:buSzPct val="45000"/>
+              <a:buFont typeface="Wingdings" charset="2"/>
+              <a:buChar char=""/>
+            </a:pPr>
+            <a:r>
+              <a:rPr b="0" lang="en-US" sz="1800" spc="-1" strike="noStrike">
+                <a:solidFill>
+                  <a:srgbClr val="000000"/>
+                </a:solidFill>
+                <a:uFill>
+                  <a:solidFill>
+                    <a:srgbClr val="ffffff"/>
+                  </a:solidFill>
+                </a:uFill>
+                <a:latin typeface="Arial"/>
+              </a:rPr>
+              <a:t>Seventh Outline Level</a:t>
+            </a:r>
+            <a:endParaRPr b="0" lang="en-US" sz="1800" spc="-1" strike="noStrike">
+              <a:solidFill>
+                <a:srgbClr val="000000"/>
+              </a:solidFill>
+              <a:uFill>
+                <a:solidFill>
+                  <a:srgbClr val="ffffff"/>
+                </a:solidFill>
+              </a:uFill>
+              <a:latin typeface="Arial"/>
+            </a:endParaRPr>
+          </a:p>
+        </p:txBody>
+      </p:sp>
+    </p:spTree>
+  </p:cSld>
+  <p:clrMap bg1="lt1" bg2="lt2" tx1="dk1" tx2="dk2" accent1="accent1" accent2="accent2" accent3="accent3" accent4="accent4" accent5="accent5" accent6="accent6" hlink="hlink" folHlink="folHlink"/>
+  <p:sldLayoutIdLst>
+    <p:sldLayoutId id="2147483675" r:id="rId2"/>
+    <p:sldLayoutId id="2147483676" r:id="rId3"/>
+    <p:sldLayoutId id="2147483677" r:id="rId4"/>
+    <p:sldLayoutId id="2147483678" r:id="rId5"/>
+    <p:sldLayoutId id="2147483679" r:id="rId6"/>
+    <p:sldLayoutId id="2147483680" r:id="rId7"/>
+    <p:sldLayoutId id="2147483681" r:id="rId8"/>
+    <p:sldLayoutId id="2147483682" r:id="rId9"/>
+    <p:sldLayoutId id="2147483683" r:id="rId10"/>
+    <p:sldLayoutId id="2147483684" r:id="rId11"/>
+    <p:sldLayoutId id="2147483685" r:id="rId12"/>
+    <p:sldLayoutId id="2147483686" r:id="rId13"/>
   </p:sldLayoutIdLst>
 </p:sldMaster>
 </file>
@@ -4043,14 +6049,14 @@
       </p:grpSpPr>
       <p:sp>
         <p:nvSpPr>
-          <p:cNvPr id="76" name="CustomShape 1"/>
+          <p:cNvPr id="114" name="CustomShape 1"/>
           <p:cNvSpPr/>
           <p:nvPr/>
         </p:nvSpPr>
         <p:spPr>
           <a:xfrm>
             <a:off x="468360" y="2340000"/>
-            <a:ext cx="9071280" cy="1261800"/>
+            <a:ext cx="9070560" cy="1261080"/>
           </a:xfrm>
           <a:prstGeom prst="rect">
             <a:avLst/>
@@ -4080,6 +6086,7 @@
                   </a:solidFill>
                 </a:uFill>
                 <a:latin typeface="Arial"/>
+                <a:ea typeface="DejaVu Sans"/>
               </a:rPr>
               <a:t>Kaggle House Price Challenge</a:t>
             </a:r>
@@ -4095,6 +6102,7 @@
                   </a:solidFill>
                 </a:uFill>
                 <a:latin typeface="Arial"/>
+                <a:ea typeface="DejaVu Sans"/>
               </a:rPr>
               <a:t>Team Least Squares</a:t>
             </a:r>
@@ -4163,14 +6171,14 @@
       </p:grpSpPr>
       <p:sp>
         <p:nvSpPr>
-          <p:cNvPr id="92" name="CustomShape 1"/>
+          <p:cNvPr id="130" name="CustomShape 1"/>
           <p:cNvSpPr/>
           <p:nvPr/>
         </p:nvSpPr>
         <p:spPr>
           <a:xfrm>
             <a:off x="504000" y="301320"/>
-            <a:ext cx="9071280" cy="1261800"/>
+            <a:ext cx="9070560" cy="1261080"/>
           </a:xfrm>
           <a:prstGeom prst="rect">
             <a:avLst/>
@@ -4205,6 +6213,7 @@
                   </a:solidFill>
                 </a:uFill>
                 <a:latin typeface="Arial"/>
+                <a:ea typeface="DejaVu Sans"/>
               </a:rPr>
               <a:t>Feature Engineering</a:t>
             </a:r>
@@ -4224,14 +6233,14 @@
       </p:sp>
       <p:sp>
         <p:nvSpPr>
-          <p:cNvPr id="93" name="CustomShape 2"/>
+          <p:cNvPr id="131" name="CustomShape 2"/>
           <p:cNvSpPr/>
           <p:nvPr/>
         </p:nvSpPr>
         <p:spPr>
           <a:xfrm>
             <a:off x="504000" y="1769040"/>
-            <a:ext cx="9071280" cy="4384440"/>
+            <a:ext cx="9070560" cy="4383720"/>
           </a:xfrm>
           <a:prstGeom prst="rect">
             <a:avLst/>
@@ -4250,7 +6259,7 @@
         <p:txBody>
           <a:bodyPr lIns="0" rIns="0" tIns="0" bIns="0"/>
           <a:p>
-            <a:pPr marL="432000" indent="-323640">
+            <a:pPr marL="432000" indent="-322920">
               <a:lnSpc>
                 <a:spcPct val="100000"/>
               </a:lnSpc>
@@ -4275,6 +6284,7 @@
                   </a:solidFill>
                 </a:uFill>
                 <a:latin typeface="Arial"/>
+                <a:ea typeface="DejaVu Sans"/>
               </a:rPr>
               <a:t>Outliers</a:t>
             </a:r>
@@ -4291,7 +6301,7 @@
             </a:endParaRPr>
           </a:p>
           <a:p>
-            <a:pPr marL="432000" indent="-323640">
+            <a:pPr marL="432000" indent="-322920">
               <a:lnSpc>
                 <a:spcPct val="100000"/>
               </a:lnSpc>
@@ -4316,6 +6326,7 @@
                   </a:solidFill>
                 </a:uFill>
                 <a:latin typeface="Arial"/>
+                <a:ea typeface="DejaVu Sans"/>
               </a:rPr>
               <a:t>Skewness</a:t>
             </a:r>
@@ -4332,7 +6343,7 @@
             </a:endParaRPr>
           </a:p>
           <a:p>
-            <a:pPr marL="432000" indent="-323640">
+            <a:pPr marL="432000" indent="-322920">
               <a:lnSpc>
                 <a:spcPct val="100000"/>
               </a:lnSpc>
@@ -4357,6 +6368,7 @@
                   </a:solidFill>
                 </a:uFill>
                 <a:latin typeface="Arial"/>
+                <a:ea typeface="DejaVu Sans"/>
               </a:rPr>
               <a:t>Scaled</a:t>
             </a:r>
@@ -4373,7 +6385,7 @@
             </a:endParaRPr>
           </a:p>
           <a:p>
-            <a:pPr marL="432000" indent="-323640">
+            <a:pPr marL="432000" indent="-322920">
               <a:lnSpc>
                 <a:spcPct val="100000"/>
               </a:lnSpc>
@@ -4398,6 +6410,7 @@
                   </a:solidFill>
                 </a:uFill>
                 <a:latin typeface="Arial"/>
+                <a:ea typeface="DejaVu Sans"/>
               </a:rPr>
               <a:t>Numerical=&gt;Categorical</a:t>
             </a:r>
@@ -4466,14 +6479,14 @@
       </p:grpSpPr>
       <p:sp>
         <p:nvSpPr>
-          <p:cNvPr id="94" name="TextShape 1"/>
-          <p:cNvSpPr txBox="1"/>
+          <p:cNvPr id="132" name="CustomShape 1"/>
+          <p:cNvSpPr/>
           <p:nvPr/>
         </p:nvSpPr>
         <p:spPr>
           <a:xfrm>
             <a:off x="540000" y="-166680"/>
-            <a:ext cx="9071280" cy="1261800"/>
+            <a:ext cx="9070560" cy="1261080"/>
           </a:xfrm>
           <a:prstGeom prst="rect">
             <a:avLst/>
@@ -4483,10 +6496,20 @@
             <a:noFill/>
           </a:ln>
         </p:spPr>
+        <p:style>
+          <a:lnRef idx="0"/>
+          <a:fillRef idx="0"/>
+          <a:effectRef idx="0"/>
+          <a:fontRef idx="minor"/>
+        </p:style>
         <p:txBody>
           <a:bodyPr lIns="0" rIns="0" tIns="0" bIns="0" anchor="ctr"/>
           <a:p>
-            <a:pPr algn="ctr"/>
+            <a:pPr algn="ctr">
+              <a:lnSpc>
+                <a:spcPct val="100000"/>
+              </a:lnSpc>
+            </a:pPr>
             <a:r>
               <a:rPr b="0" lang="en-US" sz="4400" spc="-1" strike="noStrike">
                 <a:solidFill>
@@ -4498,8 +6521,9 @@
                   </a:solidFill>
                 </a:uFill>
                 <a:latin typeface="Arial"/>
+                <a:ea typeface="DejaVu Sans"/>
               </a:rPr>
-              <a:t>Feature Transformation</a:t>
+              <a:t>Feature Scaling &amp; Skewness</a:t>
             </a:r>
             <a:endParaRPr b="0" lang="en-US" sz="4400" spc="-1" strike="noStrike">
               <a:solidFill>
@@ -4517,7 +6541,7 @@
       </p:sp>
       <p:pic>
         <p:nvPicPr>
-          <p:cNvPr id="95" name="" descr=""/>
+          <p:cNvPr id="133" name="" descr=""/>
           <p:cNvPicPr/>
           <p:nvPr/>
         </p:nvPicPr>
@@ -4528,7 +6552,7 @@
         <p:spPr>
           <a:xfrm>
             <a:off x="1046880" y="731520"/>
-            <a:ext cx="8118720" cy="6724440"/>
+            <a:ext cx="8118000" cy="6723720"/>
           </a:xfrm>
           <a:prstGeom prst="rect">
             <a:avLst/>
@@ -4538,6 +6562,189 @@
           </a:ln>
         </p:spPr>
       </p:pic>
+      <p:sp>
+        <p:nvSpPr>
+          <p:cNvPr id="134" name="CustomShape 2"/>
+          <p:cNvSpPr/>
+          <p:nvPr/>
+        </p:nvSpPr>
+        <p:spPr>
+          <a:xfrm>
+            <a:off x="4663440" y="1737360"/>
+            <a:ext cx="548280" cy="365400"/>
+          </a:xfrm>
+          <a:custGeom>
+            <a:avLst/>
+            <a:gdLst/>
+            <a:ahLst/>
+            <a:rect l="l" t="t" r="r" b="b"/>
+            <a:pathLst>
+              <a:path w="1525" h="1018">
+                <a:moveTo>
+                  <a:pt x="0" y="254"/>
+                </a:moveTo>
+                <a:lnTo>
+                  <a:pt x="1143" y="254"/>
+                </a:lnTo>
+                <a:lnTo>
+                  <a:pt x="1143" y="0"/>
+                </a:lnTo>
+                <a:lnTo>
+                  <a:pt x="1524" y="508"/>
+                </a:lnTo>
+                <a:lnTo>
+                  <a:pt x="1143" y="1017"/>
+                </a:lnTo>
+                <a:lnTo>
+                  <a:pt x="1143" y="762"/>
+                </a:lnTo>
+                <a:lnTo>
+                  <a:pt x="0" y="762"/>
+                </a:lnTo>
+                <a:lnTo>
+                  <a:pt x="0" y="254"/>
+                </a:lnTo>
+              </a:path>
+            </a:pathLst>
+          </a:custGeom>
+          <a:solidFill>
+            <a:srgbClr val="729fcf"/>
+          </a:solidFill>
+          <a:ln>
+            <a:solidFill>
+              <a:srgbClr val="3465a4"/>
+            </a:solidFill>
+          </a:ln>
+        </p:spPr>
+        <p:style>
+          <a:lnRef idx="0"/>
+          <a:fillRef idx="0"/>
+          <a:effectRef idx="0"/>
+          <a:fontRef idx="minor"/>
+        </p:style>
+      </p:sp>
+      <p:sp>
+        <p:nvSpPr>
+          <p:cNvPr id="135" name="CustomShape 3"/>
+          <p:cNvSpPr/>
+          <p:nvPr/>
+        </p:nvSpPr>
+        <p:spPr>
+          <a:xfrm>
+            <a:off x="4663440" y="3895920"/>
+            <a:ext cx="548280" cy="365400"/>
+          </a:xfrm>
+          <a:custGeom>
+            <a:avLst/>
+            <a:gdLst/>
+            <a:ahLst/>
+            <a:rect l="l" t="t" r="r" b="b"/>
+            <a:pathLst>
+              <a:path w="1525" h="1018">
+                <a:moveTo>
+                  <a:pt x="0" y="254"/>
+                </a:moveTo>
+                <a:lnTo>
+                  <a:pt x="1143" y="254"/>
+                </a:lnTo>
+                <a:lnTo>
+                  <a:pt x="1143" y="0"/>
+                </a:lnTo>
+                <a:lnTo>
+                  <a:pt x="1524" y="508"/>
+                </a:lnTo>
+                <a:lnTo>
+                  <a:pt x="1143" y="1017"/>
+                </a:lnTo>
+                <a:lnTo>
+                  <a:pt x="1143" y="762"/>
+                </a:lnTo>
+                <a:lnTo>
+                  <a:pt x="0" y="762"/>
+                </a:lnTo>
+                <a:lnTo>
+                  <a:pt x="0" y="254"/>
+                </a:lnTo>
+              </a:path>
+            </a:pathLst>
+          </a:custGeom>
+          <a:solidFill>
+            <a:srgbClr val="729fcf"/>
+          </a:solidFill>
+          <a:ln>
+            <a:solidFill>
+              <a:srgbClr val="3465a4"/>
+            </a:solidFill>
+          </a:ln>
+        </p:spPr>
+        <p:style>
+          <a:lnRef idx="0"/>
+          <a:fillRef idx="0"/>
+          <a:effectRef idx="0"/>
+          <a:fontRef idx="minor"/>
+        </p:style>
+      </p:sp>
+      <p:sp>
+        <p:nvSpPr>
+          <p:cNvPr id="136" name="CustomShape 4"/>
+          <p:cNvSpPr/>
+          <p:nvPr/>
+        </p:nvSpPr>
+        <p:spPr>
+          <a:xfrm>
+            <a:off x="4682880" y="6035040"/>
+            <a:ext cx="548280" cy="365400"/>
+          </a:xfrm>
+          <a:custGeom>
+            <a:avLst/>
+            <a:gdLst/>
+            <a:ahLst/>
+            <a:rect l="l" t="t" r="r" b="b"/>
+            <a:pathLst>
+              <a:path w="1525" h="1018">
+                <a:moveTo>
+                  <a:pt x="0" y="254"/>
+                </a:moveTo>
+                <a:lnTo>
+                  <a:pt x="1143" y="254"/>
+                </a:lnTo>
+                <a:lnTo>
+                  <a:pt x="1143" y="0"/>
+                </a:lnTo>
+                <a:lnTo>
+                  <a:pt x="1524" y="508"/>
+                </a:lnTo>
+                <a:lnTo>
+                  <a:pt x="1143" y="1017"/>
+                </a:lnTo>
+                <a:lnTo>
+                  <a:pt x="1143" y="762"/>
+                </a:lnTo>
+                <a:lnTo>
+                  <a:pt x="0" y="762"/>
+                </a:lnTo>
+                <a:lnTo>
+                  <a:pt x="0" y="254"/>
+                </a:lnTo>
+              </a:path>
+            </a:pathLst>
+          </a:custGeom>
+          <a:solidFill>
+            <a:srgbClr val="729fcf"/>
+          </a:solidFill>
+          <a:ln>
+            <a:solidFill>
+              <a:srgbClr val="3465a4"/>
+            </a:solidFill>
+          </a:ln>
+        </p:spPr>
+        <p:style>
+          <a:lnRef idx="0"/>
+          <a:fillRef idx="0"/>
+          <a:effectRef idx="0"/>
+          <a:fontRef idx="minor"/>
+        </p:style>
+      </p:sp>
     </p:spTree>
   </p:cSld>
   <p:timing>
@@ -4589,14 +6796,14 @@
       </p:grpSpPr>
       <p:sp>
         <p:nvSpPr>
-          <p:cNvPr id="96" name="CustomShape 1"/>
+          <p:cNvPr id="137" name="CustomShape 1"/>
           <p:cNvSpPr/>
           <p:nvPr/>
         </p:nvSpPr>
         <p:spPr>
           <a:xfrm>
             <a:off x="504000" y="301320"/>
-            <a:ext cx="9071280" cy="1261800"/>
+            <a:ext cx="9070560" cy="1261080"/>
           </a:xfrm>
           <a:prstGeom prst="rect">
             <a:avLst/>
@@ -4631,6 +6838,7 @@
                   </a:solidFill>
                 </a:uFill>
                 <a:latin typeface="Arial"/>
+                <a:ea typeface="DejaVu Sans"/>
               </a:rPr>
               <a:t>Linear Models</a:t>
             </a:r>
@@ -4650,14 +6858,14 @@
       </p:sp>
       <p:sp>
         <p:nvSpPr>
-          <p:cNvPr id="97" name="CustomShape 2"/>
+          <p:cNvPr id="138" name="CustomShape 2"/>
           <p:cNvSpPr/>
           <p:nvPr/>
         </p:nvSpPr>
         <p:spPr>
           <a:xfrm>
             <a:off x="504000" y="1769040"/>
-            <a:ext cx="9071280" cy="4384440"/>
+            <a:ext cx="9070560" cy="4383720"/>
           </a:xfrm>
           <a:prstGeom prst="rect">
             <a:avLst/>
@@ -4676,7 +6884,7 @@
         <p:txBody>
           <a:bodyPr lIns="0" rIns="0" tIns="0" bIns="0"/>
           <a:p>
-            <a:pPr marL="432000" indent="-323640">
+            <a:pPr marL="432000" indent="-322920">
               <a:lnSpc>
                 <a:spcPct val="100000"/>
               </a:lnSpc>
@@ -4701,6 +6909,7 @@
                   </a:solidFill>
                 </a:uFill>
                 <a:latin typeface="Arial"/>
+                <a:ea typeface="DejaVu Sans"/>
               </a:rPr>
               <a:t>Worked with Shortlisted 20</a:t>
             </a:r>
@@ -4717,7 +6926,7 @@
             </a:endParaRPr>
           </a:p>
           <a:p>
-            <a:pPr marL="432000" indent="-323640">
+            <a:pPr marL="432000" indent="-322920">
               <a:lnSpc>
                 <a:spcPct val="100000"/>
               </a:lnSpc>
@@ -4742,6 +6951,7 @@
                   </a:solidFill>
                 </a:uFill>
                 <a:latin typeface="Arial"/>
+                <a:ea typeface="DejaVu Sans"/>
               </a:rPr>
               <a:t>Categorical Grouped into Quartiles</a:t>
             </a:r>
@@ -4758,7 +6968,7 @@
             </a:endParaRPr>
           </a:p>
           <a:p>
-            <a:pPr lvl="1" marL="864000" indent="-323640">
+            <a:pPr lvl="1" marL="864000" indent="-322920">
               <a:lnSpc>
                 <a:spcPct val="100000"/>
               </a:lnSpc>
@@ -4783,6 +6993,7 @@
                   </a:solidFill>
                 </a:uFill>
                 <a:latin typeface="Arial"/>
+                <a:ea typeface="DejaVu Sans"/>
               </a:rPr>
               <a:t>Neighborhood</a:t>
             </a:r>
@@ -4799,7 +7010,7 @@
             </a:endParaRPr>
           </a:p>
           <a:p>
-            <a:pPr lvl="1" marL="864000" indent="-323640">
+            <a:pPr lvl="1" marL="864000" indent="-322920">
               <a:lnSpc>
                 <a:spcPct val="100000"/>
               </a:lnSpc>
@@ -4824,6 +7035,7 @@
                   </a:solidFill>
                 </a:uFill>
                 <a:latin typeface="Arial"/>
+                <a:ea typeface="DejaVu Sans"/>
               </a:rPr>
               <a:t>Overall Quality</a:t>
             </a:r>
@@ -4840,7 +7052,7 @@
             </a:endParaRPr>
           </a:p>
           <a:p>
-            <a:pPr marL="432000" indent="-323640">
+            <a:pPr marL="432000" indent="-322920">
               <a:lnSpc>
                 <a:spcPct val="100000"/>
               </a:lnSpc>
@@ -4865,6 +7077,7 @@
                   </a:solidFill>
                 </a:uFill>
                 <a:latin typeface="Arial"/>
+                <a:ea typeface="DejaVu Sans"/>
               </a:rPr>
               <a:t>Table of VIF</a:t>
             </a:r>
@@ -4933,14 +7146,14 @@
       </p:grpSpPr>
       <p:sp>
         <p:nvSpPr>
-          <p:cNvPr id="98" name="CustomShape 1"/>
+          <p:cNvPr id="139" name="CustomShape 1"/>
           <p:cNvSpPr/>
           <p:nvPr/>
         </p:nvSpPr>
         <p:spPr>
           <a:xfrm>
             <a:off x="504000" y="301320"/>
-            <a:ext cx="9071280" cy="1261800"/>
+            <a:ext cx="9070560" cy="1261080"/>
           </a:xfrm>
           <a:prstGeom prst="rect">
             <a:avLst/>
@@ -4975,6 +7188,7 @@
                   </a:solidFill>
                 </a:uFill>
                 <a:latin typeface="Arial"/>
+                <a:ea typeface="DejaVu Sans"/>
               </a:rPr>
               <a:t>Linear Model (cont.)</a:t>
             </a:r>
@@ -4994,14 +7208,14 @@
       </p:sp>
       <p:sp>
         <p:nvSpPr>
-          <p:cNvPr id="99" name="CustomShape 2"/>
+          <p:cNvPr id="140" name="CustomShape 2"/>
           <p:cNvSpPr/>
           <p:nvPr/>
         </p:nvSpPr>
         <p:spPr>
           <a:xfrm>
             <a:off x="504000" y="1769040"/>
-            <a:ext cx="9071280" cy="4384440"/>
+            <a:ext cx="9070560" cy="4383720"/>
           </a:xfrm>
           <a:prstGeom prst="rect">
             <a:avLst/>
@@ -5020,7 +7234,7 @@
         <p:txBody>
           <a:bodyPr lIns="0" rIns="0" tIns="0" bIns="0"/>
           <a:p>
-            <a:pPr marL="432000" indent="-323640">
+            <a:pPr marL="432000" indent="-322920">
               <a:lnSpc>
                 <a:spcPct val="100000"/>
               </a:lnSpc>
@@ -5045,6 +7259,7 @@
                   </a:solidFill>
                 </a:uFill>
                 <a:latin typeface="Arial"/>
+                <a:ea typeface="DejaVu Sans"/>
               </a:rPr>
               <a:t>Influence Plot</a:t>
             </a:r>
@@ -5113,14 +7328,14 @@
       </p:grpSpPr>
       <p:sp>
         <p:nvSpPr>
-          <p:cNvPr id="100" name="CustomShape 1"/>
+          <p:cNvPr id="141" name="CustomShape 1"/>
           <p:cNvSpPr/>
           <p:nvPr/>
         </p:nvSpPr>
         <p:spPr>
           <a:xfrm>
             <a:off x="504000" y="301320"/>
-            <a:ext cx="9071280" cy="1261800"/>
+            <a:ext cx="9070560" cy="1261080"/>
           </a:xfrm>
           <a:prstGeom prst="rect">
             <a:avLst/>
@@ -5155,6 +7370,7 @@
                   </a:solidFill>
                 </a:uFill>
                 <a:latin typeface="Arial"/>
+                <a:ea typeface="DejaVu Sans"/>
               </a:rPr>
               <a:t>Linear Model (cont.)</a:t>
             </a:r>
@@ -5174,14 +7390,14 @@
       </p:sp>
       <p:sp>
         <p:nvSpPr>
-          <p:cNvPr id="101" name="CustomShape 2"/>
+          <p:cNvPr id="142" name="CustomShape 2"/>
           <p:cNvSpPr/>
           <p:nvPr/>
         </p:nvSpPr>
         <p:spPr>
           <a:xfrm>
             <a:off x="504000" y="1769040"/>
-            <a:ext cx="9071280" cy="4384440"/>
+            <a:ext cx="9070560" cy="4383720"/>
           </a:xfrm>
           <a:prstGeom prst="rect">
             <a:avLst/>
@@ -5200,7 +7416,7 @@
         <p:txBody>
           <a:bodyPr lIns="0" rIns="0" tIns="0" bIns="0"/>
           <a:p>
-            <a:pPr marL="432000" indent="-323640">
+            <a:pPr marL="432000" indent="-322920">
               <a:lnSpc>
                 <a:spcPct val="100000"/>
               </a:lnSpc>
@@ -5225,6 +7441,7 @@
                   </a:solidFill>
                 </a:uFill>
                 <a:latin typeface="Arial"/>
+                <a:ea typeface="DejaVu Sans"/>
               </a:rPr>
               <a:t>Residual Plot</a:t>
             </a:r>
@@ -5293,14 +7510,14 @@
       </p:grpSpPr>
       <p:sp>
         <p:nvSpPr>
-          <p:cNvPr id="102" name="CustomShape 1"/>
+          <p:cNvPr id="143" name="CustomShape 1"/>
           <p:cNvSpPr/>
           <p:nvPr/>
         </p:nvSpPr>
         <p:spPr>
           <a:xfrm>
             <a:off x="504000" y="301320"/>
-            <a:ext cx="9071280" cy="1261800"/>
+            <a:ext cx="9070560" cy="1261080"/>
           </a:xfrm>
           <a:prstGeom prst="rect">
             <a:avLst/>
@@ -5335,6 +7552,7 @@
                   </a:solidFill>
                 </a:uFill>
                 <a:latin typeface="Arial"/>
+                <a:ea typeface="DejaVu Sans"/>
               </a:rPr>
               <a:t>Decision Trees</a:t>
             </a:r>
@@ -5354,7 +7572,7 @@
       </p:sp>
       <p:pic>
         <p:nvPicPr>
-          <p:cNvPr id="103" name="" descr=""/>
+          <p:cNvPr id="144" name="" descr=""/>
           <p:cNvPicPr/>
           <p:nvPr/>
         </p:nvPicPr>
@@ -5365,7 +7583,7 @@
         <p:spPr>
           <a:xfrm>
             <a:off x="62640" y="2109960"/>
-            <a:ext cx="9823680" cy="4009680"/>
+            <a:ext cx="9822960" cy="4008960"/>
           </a:xfrm>
           <a:prstGeom prst="rect">
             <a:avLst/>
@@ -5426,14 +7644,14 @@
       </p:grpSpPr>
       <p:sp>
         <p:nvSpPr>
-          <p:cNvPr id="104" name="CustomShape 1"/>
+          <p:cNvPr id="145" name="CustomShape 1"/>
           <p:cNvSpPr/>
           <p:nvPr/>
         </p:nvSpPr>
         <p:spPr>
           <a:xfrm>
             <a:off x="504000" y="301320"/>
-            <a:ext cx="9071280" cy="1261800"/>
+            <a:ext cx="9070560" cy="1261080"/>
           </a:xfrm>
           <a:prstGeom prst="rect">
             <a:avLst/>
@@ -5468,6 +7686,7 @@
                   </a:solidFill>
                 </a:uFill>
                 <a:latin typeface="Arial"/>
+                <a:ea typeface="DejaVu Sans"/>
               </a:rPr>
               <a:t>Decision Trees</a:t>
             </a:r>
@@ -5487,7 +7706,7 @@
       </p:sp>
       <p:pic>
         <p:nvPicPr>
-          <p:cNvPr id="105" name="" descr=""/>
+          <p:cNvPr id="146" name="" descr=""/>
           <p:cNvPicPr/>
           <p:nvPr/>
         </p:nvPicPr>
@@ -5498,7 +7717,7 @@
         <p:spPr>
           <a:xfrm>
             <a:off x="1301040" y="1980000"/>
-            <a:ext cx="7158600" cy="4384440"/>
+            <a:ext cx="7157880" cy="4383720"/>
           </a:xfrm>
           <a:prstGeom prst="rect">
             <a:avLst/>
@@ -5557,16 +7776,39 @@
           <a:chExt cx="0" cy="0"/>
         </a:xfrm>
       </p:grpSpPr>
-      <p:sp>
-        <p:nvSpPr>
-          <p:cNvPr id="106" name="CustomShape 1"/>
-          <p:cNvSpPr/>
+      <p:pic>
+        <p:nvPicPr>
+          <p:cNvPr id="147" name="" descr=""/>
+          <p:cNvPicPr/>
           <p:nvPr/>
+        </p:nvPicPr>
+        <p:blipFill>
+          <a:blip r:embed="rId1"/>
+          <a:stretch/>
+        </p:blipFill>
+        <p:spPr>
+          <a:xfrm>
+            <a:off x="1073880" y="1828800"/>
+            <a:ext cx="7978680" cy="4632120"/>
+          </a:xfrm>
+          <a:prstGeom prst="rect">
+            <a:avLst/>
+          </a:prstGeom>
+          <a:ln>
+            <a:noFill/>
+          </a:ln>
+        </p:spPr>
+      </p:pic>
+      <p:sp>
+        <p:nvSpPr>
+          <p:cNvPr id="148" name="TextShape 1"/>
+          <p:cNvSpPr txBox="1"/>
+          <p:nvPr/>
         </p:nvSpPr>
         <p:spPr>
           <a:xfrm>
             <a:off x="504000" y="301320"/>
-            <a:ext cx="9071280" cy="1261800"/>
+            <a:ext cx="9072000" cy="1261800"/>
           </a:xfrm>
           <a:prstGeom prst="rect">
             <a:avLst/>
@@ -5576,20 +7818,10 @@
             <a:noFill/>
           </a:ln>
         </p:spPr>
-        <p:style>
-          <a:lnRef idx="0"/>
-          <a:fillRef idx="0"/>
-          <a:effectRef idx="0"/>
-          <a:fontRef idx="minor"/>
-        </p:style>
         <p:txBody>
           <a:bodyPr lIns="0" rIns="0" tIns="0" bIns="0" anchor="ctr"/>
           <a:p>
-            <a:pPr algn="ctr">
-              <a:lnSpc>
-                <a:spcPct val="100000"/>
-              </a:lnSpc>
-            </a:pPr>
+            <a:pPr algn="ctr"/>
             <a:r>
               <a:rPr b="0" lang="en-US" sz="4400" spc="-1" strike="noStrike">
                 <a:solidFill>
@@ -5602,7 +7834,7 @@
                 </a:uFill>
                 <a:latin typeface="Arial"/>
               </a:rPr>
-              <a:t>Random Forest</a:t>
+              <a:t>Decision Trees</a:t>
             </a:r>
             <a:endParaRPr b="0" lang="en-US" sz="4400" spc="-1" strike="noStrike">
               <a:solidFill>
@@ -5618,29 +7850,6 @@
           </a:p>
         </p:txBody>
       </p:sp>
-      <p:pic>
-        <p:nvPicPr>
-          <p:cNvPr id="107" name="" descr=""/>
-          <p:cNvPicPr/>
-          <p:nvPr/>
-        </p:nvPicPr>
-        <p:blipFill>
-          <a:blip r:embed="rId1"/>
-          <a:stretch/>
-        </p:blipFill>
-        <p:spPr>
-          <a:xfrm>
-            <a:off x="60480" y="2119680"/>
-            <a:ext cx="9851400" cy="3999960"/>
-          </a:xfrm>
-          <a:prstGeom prst="rect">
-            <a:avLst/>
-          </a:prstGeom>
-          <a:ln>
-            <a:noFill/>
-          </a:ln>
-        </p:spPr>
-      </p:pic>
     </p:spTree>
   </p:cSld>
   <p:timing>
@@ -5692,14 +7901,14 @@
       </p:grpSpPr>
       <p:sp>
         <p:nvSpPr>
-          <p:cNvPr id="108" name="CustomShape 1"/>
+          <p:cNvPr id="149" name="CustomShape 1"/>
           <p:cNvSpPr/>
           <p:nvPr/>
         </p:nvSpPr>
         <p:spPr>
           <a:xfrm>
             <a:off x="504000" y="301320"/>
-            <a:ext cx="9071280" cy="1261800"/>
+            <a:ext cx="9070560" cy="1261080"/>
           </a:xfrm>
           <a:prstGeom prst="rect">
             <a:avLst/>
@@ -5734,8 +7943,9 @@
                   </a:solidFill>
                 </a:uFill>
                 <a:latin typeface="Arial"/>
+                <a:ea typeface="DejaVu Sans"/>
               </a:rPr>
-              <a:t>Gradient Boosting</a:t>
+              <a:t>Random Forest</a:t>
             </a:r>
             <a:endParaRPr b="0" lang="en-US" sz="4400" spc="-1" strike="noStrike">
               <a:solidFill>
@@ -5753,7 +7963,7 @@
       </p:sp>
       <p:pic>
         <p:nvPicPr>
-          <p:cNvPr id="109" name="" descr=""/>
+          <p:cNvPr id="150" name="" descr=""/>
           <p:cNvPicPr/>
           <p:nvPr/>
         </p:nvPicPr>
@@ -5763,8 +7973,8 @@
         </p:blipFill>
         <p:spPr>
           <a:xfrm>
-            <a:off x="63000" y="2108160"/>
-            <a:ext cx="9818640" cy="4011480"/>
+            <a:off x="60480" y="2119680"/>
+            <a:ext cx="9850680" cy="3999240"/>
           </a:xfrm>
           <a:prstGeom prst="rect">
             <a:avLst/>
@@ -5806,6 +8016,102 @@
 </p:sld>
 </file>
 
+<file path=ppt/slides/slide19.xml><?xml version="1.0" encoding="utf-8"?>
+<p:sld xmlns:a="http://schemas.openxmlformats.org/drawingml/2006/main" xmlns:p="http://schemas.openxmlformats.org/presentationml/2006/main" xmlns:r="http://schemas.openxmlformats.org/officeDocument/2006/relationships" xmlns:p14="http://schemas.microsoft.com/office/powerpoint/2010/main" xmlns:p15="http://schemas.microsoft.com/office/powerpoint/2012/main" xmlns:mc="http://schemas.openxmlformats.org/markup-compatibility/2006">
+  <p:cSld>
+    <p:spTree>
+      <p:nvGrpSpPr>
+        <p:cNvPr id="1" name=""/>
+        <p:cNvGrpSpPr/>
+        <p:nvPr/>
+      </p:nvGrpSpPr>
+      <p:grpSpPr>
+        <a:xfrm>
+          <a:off x="0" y="0"/>
+          <a:ext cx="0" cy="0"/>
+          <a:chOff x="0" y="0"/>
+          <a:chExt cx="0" cy="0"/>
+        </a:xfrm>
+      </p:grpSpPr>
+      <p:pic>
+        <p:nvPicPr>
+          <p:cNvPr id="151" name="" descr=""/>
+          <p:cNvPicPr/>
+          <p:nvPr/>
+        </p:nvPicPr>
+        <p:blipFill>
+          <a:blip r:embed="rId1"/>
+          <a:stretch/>
+        </p:blipFill>
+        <p:spPr>
+          <a:xfrm>
+            <a:off x="205560" y="1427040"/>
+            <a:ext cx="9669960" cy="5613840"/>
+          </a:xfrm>
+          <a:prstGeom prst="rect">
+            <a:avLst/>
+          </a:prstGeom>
+          <a:ln>
+            <a:noFill/>
+          </a:ln>
+        </p:spPr>
+      </p:pic>
+      <p:sp>
+        <p:nvSpPr>
+          <p:cNvPr id="152" name="TextShape 1"/>
+          <p:cNvSpPr txBox="1"/>
+          <p:nvPr/>
+        </p:nvSpPr>
+        <p:spPr>
+          <a:xfrm>
+            <a:off x="504000" y="301320"/>
+            <a:ext cx="9072000" cy="1261800"/>
+          </a:xfrm>
+          <a:prstGeom prst="rect">
+            <a:avLst/>
+          </a:prstGeom>
+          <a:noFill/>
+          <a:ln>
+            <a:noFill/>
+          </a:ln>
+        </p:spPr>
+        <p:txBody>
+          <a:bodyPr lIns="0" rIns="0" tIns="0" bIns="0" anchor="ctr"/>
+          <a:p>
+            <a:pPr algn="ctr"/>
+            <a:r>
+              <a:rPr b="0" lang="en-US" sz="4400" spc="-1" strike="noStrike">
+                <a:solidFill>
+                  <a:srgbClr val="000000"/>
+                </a:solidFill>
+                <a:uFill>
+                  <a:solidFill>
+                    <a:srgbClr val="ffffff"/>
+                  </a:solidFill>
+                </a:uFill>
+                <a:latin typeface="Arial"/>
+              </a:rPr>
+              <a:t>Random Forests</a:t>
+            </a:r>
+            <a:endParaRPr b="0" lang="en-US" sz="4400" spc="-1" strike="noStrike">
+              <a:solidFill>
+                <a:srgbClr val="000000"/>
+              </a:solidFill>
+              <a:uFill>
+                <a:solidFill>
+                  <a:srgbClr val="ffffff"/>
+                </a:solidFill>
+              </a:uFill>
+              <a:latin typeface="Arial"/>
+            </a:endParaRPr>
+          </a:p>
+        </p:txBody>
+      </p:sp>
+    </p:spTree>
+  </p:cSld>
+</p:sld>
+</file>
+
 <file path=ppt/slides/slide2.xml><?xml version="1.0" encoding="utf-8"?>
 <p:sld xmlns:a="http://schemas.openxmlformats.org/drawingml/2006/main" xmlns:p="http://schemas.openxmlformats.org/presentationml/2006/main" xmlns:r="http://schemas.openxmlformats.org/officeDocument/2006/relationships" xmlns:p14="http://schemas.microsoft.com/office/powerpoint/2010/main" xmlns:p15="http://schemas.microsoft.com/office/powerpoint/2012/main" xmlns:mc="http://schemas.openxmlformats.org/markup-compatibility/2006">
   <p:cSld>
@@ -5825,14 +8131,14 @@
       </p:grpSpPr>
       <p:sp>
         <p:nvSpPr>
-          <p:cNvPr id="77" name="CustomShape 1"/>
+          <p:cNvPr id="115" name="CustomShape 1"/>
           <p:cNvSpPr/>
           <p:nvPr/>
         </p:nvSpPr>
         <p:spPr>
           <a:xfrm>
             <a:off x="504000" y="301320"/>
-            <a:ext cx="9071280" cy="1261800"/>
+            <a:ext cx="9070560" cy="1261080"/>
           </a:xfrm>
           <a:prstGeom prst="rect">
             <a:avLst/>
@@ -5867,6 +8173,7 @@
                   </a:solidFill>
                 </a:uFill>
                 <a:latin typeface="Arial"/>
+                <a:ea typeface="DejaVu Sans"/>
               </a:rPr>
               <a:t>Workflow</a:t>
             </a:r>
@@ -5886,14 +8193,14 @@
       </p:sp>
       <p:sp>
         <p:nvSpPr>
-          <p:cNvPr id="78" name="CustomShape 2"/>
+          <p:cNvPr id="116" name="CustomShape 2"/>
           <p:cNvSpPr/>
           <p:nvPr/>
         </p:nvSpPr>
         <p:spPr>
           <a:xfrm>
             <a:off x="504000" y="1769040"/>
-            <a:ext cx="9071280" cy="4384440"/>
+            <a:ext cx="9070560" cy="4383720"/>
           </a:xfrm>
           <a:prstGeom prst="rect">
             <a:avLst/>
@@ -5912,7 +8219,7 @@
         <p:txBody>
           <a:bodyPr lIns="0" rIns="0" tIns="0" bIns="0"/>
           <a:p>
-            <a:pPr marL="432000" indent="-323640">
+            <a:pPr marL="432000" indent="-322920">
               <a:lnSpc>
                 <a:spcPct val="100000"/>
               </a:lnSpc>
@@ -5937,6 +8244,7 @@
                   </a:solidFill>
                 </a:uFill>
                 <a:latin typeface="Arial"/>
+                <a:ea typeface="DejaVu Sans"/>
               </a:rPr>
               <a:t>Insert Diagram</a:t>
             </a:r>
@@ -5963,6 +8271,399 @@
           <p:childTnLst>
             <p:seq>
               <p:cTn id="4" nodeType="mainSeq"/>
+              <p:prevCondLst>
+                <p:cond delay="0" evt="onPrev">
+                  <p:tgtEl>
+                    <p:sldTgt/>
+                  </p:tgtEl>
+                </p:cond>
+              </p:prevCondLst>
+              <p:nextCondLst>
+                <p:cond delay="0" evt="onNext">
+                  <p:tgtEl>
+                    <p:sldTgt/>
+                  </p:tgtEl>
+                </p:cond>
+              </p:nextCondLst>
+            </p:seq>
+          </p:childTnLst>
+        </p:cTn>
+      </p:par>
+    </p:tnLst>
+  </p:timing>
+</p:sld>
+</file>
+
+<file path=ppt/slides/slide20.xml><?xml version="1.0" encoding="utf-8"?>
+<p:sld xmlns:a="http://schemas.openxmlformats.org/drawingml/2006/main" xmlns:p="http://schemas.openxmlformats.org/presentationml/2006/main" xmlns:r="http://schemas.openxmlformats.org/officeDocument/2006/relationships" xmlns:p14="http://schemas.microsoft.com/office/powerpoint/2010/main" xmlns:p15="http://schemas.microsoft.com/office/powerpoint/2012/main" xmlns:mc="http://schemas.openxmlformats.org/markup-compatibility/2006">
+  <p:cSld>
+    <p:spTree>
+      <p:nvGrpSpPr>
+        <p:cNvPr id="1" name=""/>
+        <p:cNvGrpSpPr/>
+        <p:nvPr/>
+      </p:nvGrpSpPr>
+      <p:grpSpPr>
+        <a:xfrm>
+          <a:off x="0" y="0"/>
+          <a:ext cx="0" cy="0"/>
+          <a:chOff x="0" y="0"/>
+          <a:chExt cx="0" cy="0"/>
+        </a:xfrm>
+      </p:grpSpPr>
+      <p:sp>
+        <p:nvSpPr>
+          <p:cNvPr id="153" name="CustomShape 1"/>
+          <p:cNvSpPr/>
+          <p:nvPr/>
+        </p:nvSpPr>
+        <p:spPr>
+          <a:xfrm>
+            <a:off x="504000" y="301320"/>
+            <a:ext cx="9070560" cy="1261080"/>
+          </a:xfrm>
+          <a:prstGeom prst="rect">
+            <a:avLst/>
+          </a:prstGeom>
+          <a:noFill/>
+          <a:ln>
+            <a:noFill/>
+          </a:ln>
+        </p:spPr>
+        <p:style>
+          <a:lnRef idx="0"/>
+          <a:fillRef idx="0"/>
+          <a:effectRef idx="0"/>
+          <a:fontRef idx="minor"/>
+        </p:style>
+        <p:txBody>
+          <a:bodyPr lIns="0" rIns="0" tIns="0" bIns="0" anchor="ctr"/>
+          <a:p>
+            <a:pPr algn="ctr">
+              <a:lnSpc>
+                <a:spcPct val="100000"/>
+              </a:lnSpc>
+            </a:pPr>
+            <a:r>
+              <a:rPr b="0" lang="en-US" sz="4400" spc="-1" strike="noStrike">
+                <a:solidFill>
+                  <a:srgbClr val="000000"/>
+                </a:solidFill>
+                <a:uFill>
+                  <a:solidFill>
+                    <a:srgbClr val="ffffff"/>
+                  </a:solidFill>
+                </a:uFill>
+                <a:latin typeface="Arial"/>
+                <a:ea typeface="DejaVu Sans"/>
+              </a:rPr>
+              <a:t>Gradient Boosting</a:t>
+            </a:r>
+            <a:endParaRPr b="0" lang="en-US" sz="4400" spc="-1" strike="noStrike">
+              <a:solidFill>
+                <a:srgbClr val="000000"/>
+              </a:solidFill>
+              <a:uFill>
+                <a:solidFill>
+                  <a:srgbClr val="ffffff"/>
+                </a:solidFill>
+              </a:uFill>
+              <a:latin typeface="Arial"/>
+            </a:endParaRPr>
+          </a:p>
+        </p:txBody>
+      </p:sp>
+      <p:pic>
+        <p:nvPicPr>
+          <p:cNvPr id="154" name="" descr=""/>
+          <p:cNvPicPr/>
+          <p:nvPr/>
+        </p:nvPicPr>
+        <p:blipFill>
+          <a:blip r:embed="rId1"/>
+          <a:stretch/>
+        </p:blipFill>
+        <p:spPr>
+          <a:xfrm>
+            <a:off x="63000" y="2108160"/>
+            <a:ext cx="9817920" cy="4010760"/>
+          </a:xfrm>
+          <a:prstGeom prst="rect">
+            <a:avLst/>
+          </a:prstGeom>
+          <a:ln>
+            <a:noFill/>
+          </a:ln>
+        </p:spPr>
+      </p:pic>
+    </p:spTree>
+  </p:cSld>
+  <p:timing>
+    <p:tnLst>
+      <p:par>
+        <p:cTn id="37" dur="indefinite" restart="never" nodeType="tmRoot">
+          <p:childTnLst>
+            <p:seq>
+              <p:cTn id="38" nodeType="mainSeq"/>
+              <p:prevCondLst>
+                <p:cond delay="0" evt="onPrev">
+                  <p:tgtEl>
+                    <p:sldTgt/>
+                  </p:tgtEl>
+                </p:cond>
+              </p:prevCondLst>
+              <p:nextCondLst>
+                <p:cond delay="0" evt="onNext">
+                  <p:tgtEl>
+                    <p:sldTgt/>
+                  </p:tgtEl>
+                </p:cond>
+              </p:nextCondLst>
+            </p:seq>
+          </p:childTnLst>
+        </p:cTn>
+      </p:par>
+    </p:tnLst>
+  </p:timing>
+</p:sld>
+</file>
+
+<file path=ppt/slides/slide21.xml><?xml version="1.0" encoding="utf-8"?>
+<p:sld xmlns:a="http://schemas.openxmlformats.org/drawingml/2006/main" xmlns:p="http://schemas.openxmlformats.org/presentationml/2006/main" xmlns:r="http://schemas.openxmlformats.org/officeDocument/2006/relationships" xmlns:p14="http://schemas.microsoft.com/office/powerpoint/2010/main" xmlns:p15="http://schemas.microsoft.com/office/powerpoint/2012/main" xmlns:mc="http://schemas.openxmlformats.org/markup-compatibility/2006">
+  <p:cSld>
+    <p:spTree>
+      <p:nvGrpSpPr>
+        <p:cNvPr id="1" name=""/>
+        <p:cNvGrpSpPr/>
+        <p:nvPr/>
+      </p:nvGrpSpPr>
+      <p:grpSpPr>
+        <a:xfrm>
+          <a:off x="0" y="0"/>
+          <a:ext cx="0" cy="0"/>
+          <a:chOff x="0" y="0"/>
+          <a:chExt cx="0" cy="0"/>
+        </a:xfrm>
+      </p:grpSpPr>
+      <p:pic>
+        <p:nvPicPr>
+          <p:cNvPr id="155" name="" descr=""/>
+          <p:cNvPicPr/>
+          <p:nvPr/>
+        </p:nvPicPr>
+        <p:blipFill>
+          <a:blip r:embed="rId1"/>
+          <a:stretch/>
+        </p:blipFill>
+        <p:spPr>
+          <a:xfrm>
+            <a:off x="135360" y="1313280"/>
+            <a:ext cx="9681120" cy="5620320"/>
+          </a:xfrm>
+          <a:prstGeom prst="rect">
+            <a:avLst/>
+          </a:prstGeom>
+          <a:ln>
+            <a:noFill/>
+          </a:ln>
+        </p:spPr>
+      </p:pic>
+      <p:sp>
+        <p:nvSpPr>
+          <p:cNvPr id="156" name="TextShape 1"/>
+          <p:cNvSpPr txBox="1"/>
+          <p:nvPr/>
+        </p:nvSpPr>
+        <p:spPr>
+          <a:xfrm>
+            <a:off x="504000" y="301320"/>
+            <a:ext cx="9072000" cy="1261800"/>
+          </a:xfrm>
+          <a:prstGeom prst="rect">
+            <a:avLst/>
+          </a:prstGeom>
+          <a:noFill/>
+          <a:ln>
+            <a:noFill/>
+          </a:ln>
+        </p:spPr>
+        <p:txBody>
+          <a:bodyPr lIns="0" rIns="0" tIns="0" bIns="0" anchor="ctr"/>
+          <a:p>
+            <a:pPr algn="ctr"/>
+            <a:r>
+              <a:rPr b="0" lang="en-US" sz="4400" spc="-1" strike="noStrike">
+                <a:solidFill>
+                  <a:srgbClr val="000000"/>
+                </a:solidFill>
+                <a:uFill>
+                  <a:solidFill>
+                    <a:srgbClr val="ffffff"/>
+                  </a:solidFill>
+                </a:uFill>
+                <a:latin typeface="Arial"/>
+              </a:rPr>
+              <a:t>Gradient Boosting</a:t>
+            </a:r>
+            <a:endParaRPr b="0" lang="en-US" sz="4400" spc="-1" strike="noStrike">
+              <a:solidFill>
+                <a:srgbClr val="000000"/>
+              </a:solidFill>
+              <a:uFill>
+                <a:solidFill>
+                  <a:srgbClr val="ffffff"/>
+                </a:solidFill>
+              </a:uFill>
+              <a:latin typeface="Arial"/>
+            </a:endParaRPr>
+          </a:p>
+        </p:txBody>
+      </p:sp>
+    </p:spTree>
+  </p:cSld>
+  <p:timing>
+    <p:tnLst>
+      <p:par>
+        <p:cTn id="39" dur="indefinite" restart="never" nodeType="tmRoot">
+          <p:childTnLst>
+            <p:seq>
+              <p:cTn id="40" nodeType="mainSeq"/>
+              <p:prevCondLst>
+                <p:cond delay="0" evt="onPrev">
+                  <p:tgtEl>
+                    <p:sldTgt/>
+                  </p:tgtEl>
+                </p:cond>
+              </p:prevCondLst>
+              <p:nextCondLst>
+                <p:cond delay="0" evt="onNext">
+                  <p:tgtEl>
+                    <p:sldTgt/>
+                  </p:tgtEl>
+                </p:cond>
+              </p:nextCondLst>
+            </p:seq>
+          </p:childTnLst>
+        </p:cTn>
+      </p:par>
+    </p:tnLst>
+  </p:timing>
+</p:sld>
+</file>
+
+<file path=ppt/slides/slide22.xml><?xml version="1.0" encoding="utf-8"?>
+<p:sld xmlns:a="http://schemas.openxmlformats.org/drawingml/2006/main" xmlns:p="http://schemas.openxmlformats.org/presentationml/2006/main" xmlns:r="http://schemas.openxmlformats.org/officeDocument/2006/relationships" xmlns:p14="http://schemas.microsoft.com/office/powerpoint/2010/main" xmlns:p15="http://schemas.microsoft.com/office/powerpoint/2012/main" xmlns:mc="http://schemas.openxmlformats.org/markup-compatibility/2006">
+  <p:cSld>
+    <p:spTree>
+      <p:nvGrpSpPr>
+        <p:cNvPr id="1" name=""/>
+        <p:cNvGrpSpPr/>
+        <p:nvPr/>
+      </p:nvGrpSpPr>
+      <p:grpSpPr>
+        <a:xfrm>
+          <a:off x="0" y="0"/>
+          <a:ext cx="0" cy="0"/>
+          <a:chOff x="0" y="0"/>
+          <a:chExt cx="0" cy="0"/>
+        </a:xfrm>
+      </p:grpSpPr>
+      <p:sp>
+        <p:nvSpPr>
+          <p:cNvPr id="157" name="CustomShape 1"/>
+          <p:cNvSpPr/>
+          <p:nvPr/>
+        </p:nvSpPr>
+        <p:spPr>
+          <a:xfrm>
+            <a:off x="504000" y="301320"/>
+            <a:ext cx="9071640" cy="1261440"/>
+          </a:xfrm>
+          <a:prstGeom prst="rect">
+            <a:avLst/>
+          </a:prstGeom>
+          <a:noFill/>
+          <a:ln>
+            <a:noFill/>
+          </a:ln>
+        </p:spPr>
+        <p:style>
+          <a:lnRef idx="0"/>
+          <a:fillRef idx="0"/>
+          <a:effectRef idx="0"/>
+          <a:fontRef idx="minor"/>
+        </p:style>
+        <p:txBody>
+          <a:bodyPr lIns="0" rIns="0" tIns="0" bIns="0" anchor="ctr"/>
+          <a:p>
+            <a:pPr algn="ctr">
+              <a:lnSpc>
+                <a:spcPct val="100000"/>
+              </a:lnSpc>
+            </a:pPr>
+            <a:r>
+              <a:rPr b="0" lang="en-US" sz="4400" spc="-1" strike="noStrike">
+                <a:solidFill>
+                  <a:srgbClr val="000000"/>
+                </a:solidFill>
+                <a:uFill>
+                  <a:solidFill>
+                    <a:srgbClr val="ffffff"/>
+                  </a:solidFill>
+                </a:uFill>
+                <a:latin typeface="Arial"/>
+              </a:rPr>
+              <a:t>CV Grid Search</a:t>
+            </a:r>
+            <a:endParaRPr b="0" lang="en-US" sz="4400" spc="-1" strike="noStrike">
+              <a:solidFill>
+                <a:srgbClr val="000000"/>
+              </a:solidFill>
+              <a:uFill>
+                <a:solidFill>
+                  <a:srgbClr val="ffffff"/>
+                </a:solidFill>
+              </a:uFill>
+              <a:latin typeface="Arial"/>
+            </a:endParaRPr>
+          </a:p>
+        </p:txBody>
+      </p:sp>
+      <p:sp>
+        <p:nvSpPr>
+          <p:cNvPr id="158" name="CustomShape 2"/>
+          <p:cNvSpPr/>
+          <p:nvPr/>
+        </p:nvSpPr>
+        <p:spPr>
+          <a:xfrm>
+            <a:off x="504000" y="1768680"/>
+            <a:ext cx="9071640" cy="4383720"/>
+          </a:xfrm>
+          <a:prstGeom prst="rect">
+            <a:avLst/>
+          </a:prstGeom>
+          <a:noFill/>
+          <a:ln>
+            <a:noFill/>
+          </a:ln>
+        </p:spPr>
+        <p:style>
+          <a:lnRef idx="0"/>
+          <a:fillRef idx="0"/>
+          <a:effectRef idx="0"/>
+          <a:fontRef idx="minor"/>
+        </p:style>
+      </p:sp>
+    </p:spTree>
+  </p:cSld>
+  <p:timing>
+    <p:tnLst>
+      <p:par>
+        <p:cTn id="41" dur="indefinite" restart="never" nodeType="tmRoot">
+          <p:childTnLst>
+            <p:seq>
+              <p:cTn id="42" nodeType="mainSeq"/>
               <p:prevCondLst>
                 <p:cond delay="0" evt="onPrev">
                   <p:tgtEl>
@@ -6005,14 +8706,14 @@
       </p:grpSpPr>
       <p:sp>
         <p:nvSpPr>
-          <p:cNvPr id="79" name="CustomShape 1"/>
+          <p:cNvPr id="117" name="CustomShape 1"/>
           <p:cNvSpPr/>
           <p:nvPr/>
         </p:nvSpPr>
         <p:spPr>
           <a:xfrm>
             <a:off x="504000" y="301320"/>
-            <a:ext cx="9071280" cy="1261800"/>
+            <a:ext cx="9070560" cy="1261080"/>
           </a:xfrm>
           <a:prstGeom prst="rect">
             <a:avLst/>
@@ -6047,6 +8748,7 @@
                   </a:solidFill>
                 </a:uFill>
                 <a:latin typeface="Arial"/>
+                <a:ea typeface="DejaVu Sans"/>
               </a:rPr>
               <a:t>Machine Learning Models</a:t>
             </a:r>
@@ -6066,14 +8768,14 @@
       </p:sp>
       <p:sp>
         <p:nvSpPr>
-          <p:cNvPr id="80" name="CustomShape 2"/>
+          <p:cNvPr id="118" name="CustomShape 2"/>
           <p:cNvSpPr/>
           <p:nvPr/>
         </p:nvSpPr>
         <p:spPr>
           <a:xfrm>
             <a:off x="504000" y="1769040"/>
-            <a:ext cx="9071280" cy="4384440"/>
+            <a:ext cx="9070560" cy="4383720"/>
           </a:xfrm>
           <a:prstGeom prst="rect">
             <a:avLst/>
@@ -6092,7 +8794,7 @@
         <p:txBody>
           <a:bodyPr lIns="0" rIns="0" tIns="0" bIns="0"/>
           <a:p>
-            <a:pPr marL="432000" indent="-323640">
+            <a:pPr marL="432000" indent="-322920">
               <a:lnSpc>
                 <a:spcPct val="100000"/>
               </a:lnSpc>
@@ -6117,6 +8819,7 @@
                   </a:solidFill>
                 </a:uFill>
                 <a:latin typeface="Arial"/>
+                <a:ea typeface="DejaVu Sans"/>
               </a:rPr>
               <a:t>Insert diagram</a:t>
             </a:r>
@@ -6133,7 +8836,7 @@
             </a:endParaRPr>
           </a:p>
           <a:p>
-            <a:pPr marL="432000" indent="-323640">
+            <a:pPr marL="432000" indent="-322920">
               <a:lnSpc>
                 <a:spcPct val="100000"/>
               </a:lnSpc>
@@ -6158,6 +8861,7 @@
                   </a:solidFill>
                 </a:uFill>
                 <a:latin typeface="Arial"/>
+                <a:ea typeface="DejaVu Sans"/>
               </a:rPr>
               <a:t>Linear Regression Based</a:t>
             </a:r>
@@ -6174,7 +8878,7 @@
             </a:endParaRPr>
           </a:p>
           <a:p>
-            <a:pPr lvl="1" marL="864000" indent="-323640">
+            <a:pPr lvl="1" marL="864000" indent="-322920">
               <a:lnSpc>
                 <a:spcPct val="100000"/>
               </a:lnSpc>
@@ -6199,6 +8903,7 @@
                   </a:solidFill>
                 </a:uFill>
                 <a:latin typeface="Arial"/>
+                <a:ea typeface="DejaVu Sans"/>
               </a:rPr>
               <a:t>Multi-Linear</a:t>
             </a:r>
@@ -6215,7 +8920,7 @@
             </a:endParaRPr>
           </a:p>
           <a:p>
-            <a:pPr lvl="1" marL="864000" indent="-323640">
+            <a:pPr lvl="1" marL="864000" indent="-322920">
               <a:lnSpc>
                 <a:spcPct val="100000"/>
               </a:lnSpc>
@@ -6240,6 +8945,7 @@
                   </a:solidFill>
                 </a:uFill>
                 <a:latin typeface="Arial"/>
+                <a:ea typeface="DejaVu Sans"/>
               </a:rPr>
               <a:t>Ridge Regression</a:t>
             </a:r>
@@ -6256,7 +8962,7 @@
             </a:endParaRPr>
           </a:p>
           <a:p>
-            <a:pPr lvl="1" marL="864000" indent="-323640">
+            <a:pPr lvl="1" marL="864000" indent="-322920">
               <a:lnSpc>
                 <a:spcPct val="100000"/>
               </a:lnSpc>
@@ -6281,6 +8987,7 @@
                   </a:solidFill>
                 </a:uFill>
                 <a:latin typeface="Arial"/>
+                <a:ea typeface="DejaVu Sans"/>
               </a:rPr>
               <a:t>Lasso Regression</a:t>
             </a:r>
@@ -6370,14 +9077,14 @@
       </p:grpSpPr>
       <p:sp>
         <p:nvSpPr>
-          <p:cNvPr id="81" name="CustomShape 1"/>
+          <p:cNvPr id="119" name="CustomShape 1"/>
           <p:cNvSpPr/>
           <p:nvPr/>
         </p:nvSpPr>
         <p:spPr>
           <a:xfrm>
             <a:off x="468360" y="2700000"/>
-            <a:ext cx="9071280" cy="1261800"/>
+            <a:ext cx="9070560" cy="1261080"/>
           </a:xfrm>
           <a:prstGeom prst="rect">
             <a:avLst/>
@@ -6412,6 +9119,7 @@
                   </a:solidFill>
                 </a:uFill>
                 <a:latin typeface="Arial"/>
+                <a:ea typeface="DejaVu Sans"/>
               </a:rPr>
               <a:t>EDA</a:t>
             </a:r>
@@ -6480,14 +9188,14 @@
       </p:grpSpPr>
       <p:sp>
         <p:nvSpPr>
-          <p:cNvPr id="82" name="CustomShape 1"/>
+          <p:cNvPr id="120" name="CustomShape 1"/>
           <p:cNvSpPr/>
           <p:nvPr/>
         </p:nvSpPr>
         <p:spPr>
           <a:xfrm>
             <a:off x="540000" y="180000"/>
-            <a:ext cx="9071280" cy="1261800"/>
+            <a:ext cx="9070560" cy="1261080"/>
           </a:xfrm>
           <a:prstGeom prst="rect">
             <a:avLst/>
@@ -6522,6 +9230,7 @@
                   </a:solidFill>
                 </a:uFill>
                 <a:latin typeface="Arial"/>
+                <a:ea typeface="DejaVu Sans"/>
               </a:rPr>
               <a:t>EDA - Categorical Vars</a:t>
             </a:r>
@@ -6541,7 +9250,7 @@
       </p:sp>
       <p:pic>
         <p:nvPicPr>
-          <p:cNvPr id="83" name="" descr=""/>
+          <p:cNvPr id="121" name="" descr=""/>
           <p:cNvPicPr/>
           <p:nvPr/>
         </p:nvPicPr>
@@ -6552,7 +9261,7 @@
         <p:spPr>
           <a:xfrm>
             <a:off x="540000" y="1224360"/>
-            <a:ext cx="9300960" cy="5939640"/>
+            <a:ext cx="9300240" cy="5938920"/>
           </a:xfrm>
           <a:prstGeom prst="rect">
             <a:avLst/>
@@ -6613,14 +9322,14 @@
       </p:grpSpPr>
       <p:sp>
         <p:nvSpPr>
-          <p:cNvPr id="84" name="CustomShape 1"/>
+          <p:cNvPr id="122" name="CustomShape 1"/>
           <p:cNvSpPr/>
           <p:nvPr/>
         </p:nvSpPr>
         <p:spPr>
           <a:xfrm>
             <a:off x="504000" y="301320"/>
-            <a:ext cx="9071280" cy="1261800"/>
+            <a:ext cx="9070560" cy="1261080"/>
           </a:xfrm>
           <a:prstGeom prst="rect">
             <a:avLst/>
@@ -6655,6 +9364,7 @@
                   </a:solidFill>
                 </a:uFill>
                 <a:latin typeface="Arial"/>
+                <a:ea typeface="DejaVu Sans"/>
               </a:rPr>
               <a:t>EDA - Continuous Vars </a:t>
             </a:r>
@@ -6674,7 +9384,7 @@
       </p:sp>
       <p:pic>
         <p:nvPicPr>
-          <p:cNvPr id="85" name="" descr=""/>
+          <p:cNvPr id="123" name="" descr=""/>
           <p:cNvPicPr/>
           <p:nvPr/>
         </p:nvPicPr>
@@ -6685,7 +9395,7 @@
         <p:spPr>
           <a:xfrm>
             <a:off x="1080000" y="1440000"/>
-            <a:ext cx="8173440" cy="5219640"/>
+            <a:ext cx="8172720" cy="5218920"/>
           </a:xfrm>
           <a:prstGeom prst="rect">
             <a:avLst/>
@@ -6746,14 +9456,14 @@
       </p:grpSpPr>
       <p:sp>
         <p:nvSpPr>
-          <p:cNvPr id="86" name="CustomShape 1"/>
+          <p:cNvPr id="124" name="CustomShape 1"/>
           <p:cNvSpPr/>
           <p:nvPr/>
         </p:nvSpPr>
         <p:spPr>
           <a:xfrm>
             <a:off x="504000" y="301320"/>
-            <a:ext cx="9071280" cy="1261800"/>
+            <a:ext cx="9070560" cy="1261080"/>
           </a:xfrm>
           <a:prstGeom prst="rect">
             <a:avLst/>
@@ -6788,6 +9498,7 @@
                   </a:solidFill>
                 </a:uFill>
                 <a:latin typeface="Arial"/>
+                <a:ea typeface="DejaVu Sans"/>
               </a:rPr>
               <a:t>EDA – Correlation Plots</a:t>
             </a:r>
@@ -6807,7 +9518,7 @@
       </p:sp>
       <p:pic>
         <p:nvPicPr>
-          <p:cNvPr id="87" name="" descr=""/>
+          <p:cNvPr id="125" name="" descr=""/>
           <p:cNvPicPr/>
           <p:nvPr/>
         </p:nvPicPr>
@@ -6818,7 +9529,7 @@
         <p:spPr>
           <a:xfrm>
             <a:off x="1234080" y="1800000"/>
-            <a:ext cx="7405560" cy="4729320"/>
+            <a:ext cx="7404840" cy="4728600"/>
           </a:xfrm>
           <a:prstGeom prst="rect">
             <a:avLst/>
@@ -6879,14 +9590,14 @@
       </p:grpSpPr>
       <p:sp>
         <p:nvSpPr>
-          <p:cNvPr id="88" name="CustomShape 1"/>
+          <p:cNvPr id="126" name="CustomShape 1"/>
           <p:cNvSpPr/>
           <p:nvPr/>
         </p:nvSpPr>
         <p:spPr>
           <a:xfrm>
             <a:off x="504000" y="301320"/>
-            <a:ext cx="9071280" cy="1261800"/>
+            <a:ext cx="9070560" cy="1261080"/>
           </a:xfrm>
           <a:prstGeom prst="rect">
             <a:avLst/>
@@ -6921,6 +9632,7 @@
                   </a:solidFill>
                 </a:uFill>
                 <a:latin typeface="Arial"/>
+                <a:ea typeface="DejaVu Sans"/>
               </a:rPr>
               <a:t>EDA - Scatterplot</a:t>
             </a:r>
@@ -6940,7 +9652,7 @@
       </p:sp>
       <p:pic>
         <p:nvPicPr>
-          <p:cNvPr id="89" name="" descr=""/>
+          <p:cNvPr id="127" name="" descr=""/>
           <p:cNvPicPr/>
           <p:nvPr/>
         </p:nvPicPr>
@@ -6951,7 +9663,7 @@
         <p:spPr>
           <a:xfrm>
             <a:off x="618120" y="1440000"/>
-            <a:ext cx="9019080" cy="5759640"/>
+            <a:ext cx="9018360" cy="5758920"/>
           </a:xfrm>
           <a:prstGeom prst="rect">
             <a:avLst/>
@@ -7012,14 +9724,14 @@
       </p:grpSpPr>
       <p:sp>
         <p:nvSpPr>
-          <p:cNvPr id="90" name="CustomShape 1"/>
+          <p:cNvPr id="128" name="CustomShape 1"/>
           <p:cNvSpPr/>
           <p:nvPr/>
         </p:nvSpPr>
         <p:spPr>
           <a:xfrm>
             <a:off x="504000" y="301320"/>
-            <a:ext cx="9071280" cy="1261800"/>
+            <a:ext cx="9070560" cy="1261080"/>
           </a:xfrm>
           <a:prstGeom prst="rect">
             <a:avLst/>
@@ -7054,6 +9766,7 @@
                   </a:solidFill>
                 </a:uFill>
                 <a:latin typeface="Arial"/>
+                <a:ea typeface="DejaVu Sans"/>
               </a:rPr>
               <a:t>Missingness</a:t>
             </a:r>
@@ -7073,14 +9786,14 @@
       </p:sp>
       <p:sp>
         <p:nvSpPr>
-          <p:cNvPr id="91" name="CustomShape 2"/>
+          <p:cNvPr id="129" name="CustomShape 2"/>
           <p:cNvSpPr/>
           <p:nvPr/>
         </p:nvSpPr>
         <p:spPr>
           <a:xfrm>
             <a:off x="504000" y="1769040"/>
-            <a:ext cx="9071280" cy="4384440"/>
+            <a:ext cx="9070560" cy="4383720"/>
           </a:xfrm>
           <a:prstGeom prst="rect">
             <a:avLst/>
@@ -7099,7 +9812,7 @@
         <p:txBody>
           <a:bodyPr lIns="0" rIns="0" tIns="0" bIns="0"/>
           <a:p>
-            <a:pPr marL="432000" indent="-323640">
+            <a:pPr marL="432000" indent="-322920">
               <a:lnSpc>
                 <a:spcPct val="100000"/>
               </a:lnSpc>
@@ -7124,6 +9837,7 @@
                   </a:solidFill>
                 </a:uFill>
                 <a:latin typeface="Arial"/>
+                <a:ea typeface="DejaVu Sans"/>
               </a:rPr>
               <a:t>Categorical</a:t>
             </a:r>
@@ -7140,7 +9854,7 @@
             </a:endParaRPr>
           </a:p>
           <a:p>
-            <a:pPr lvl="1" marL="864000" indent="-323640">
+            <a:pPr lvl="1" marL="864000" indent="-322920">
               <a:lnSpc>
                 <a:spcPct val="100000"/>
               </a:lnSpc>
@@ -7165,6 +9879,7 @@
                   </a:solidFill>
                 </a:uFill>
                 <a:latin typeface="Arial"/>
+                <a:ea typeface="DejaVu Sans"/>
               </a:rPr>
               <a:t>Impute 'None'</a:t>
             </a:r>
@@ -7181,7 +9896,7 @@
             </a:endParaRPr>
           </a:p>
           <a:p>
-            <a:pPr lvl="1" marL="864000" indent="-323640">
+            <a:pPr lvl="1" marL="864000" indent="-322920">
               <a:lnSpc>
                 <a:spcPct val="100000"/>
               </a:lnSpc>
@@ -7206,6 +9921,7 @@
                   </a:solidFill>
                 </a:uFill>
                 <a:latin typeface="Arial"/>
+                <a:ea typeface="DejaVu Sans"/>
               </a:rPr>
               <a:t>Mode : Electrical</a:t>
             </a:r>
@@ -7222,7 +9938,7 @@
             </a:endParaRPr>
           </a:p>
           <a:p>
-            <a:pPr marL="432000" indent="-323640">
+            <a:pPr marL="432000" indent="-322920">
               <a:lnSpc>
                 <a:spcPct val="100000"/>
               </a:lnSpc>
@@ -7247,6 +9963,7 @@
                   </a:solidFill>
                 </a:uFill>
                 <a:latin typeface="Arial"/>
+                <a:ea typeface="DejaVu Sans"/>
               </a:rPr>
               <a:t>Continuous</a:t>
             </a:r>
@@ -7263,7 +9980,7 @@
             </a:endParaRPr>
           </a:p>
           <a:p>
-            <a:pPr lvl="1" marL="864000" indent="-323640">
+            <a:pPr lvl="1" marL="864000" indent="-322920">
               <a:lnSpc>
                 <a:spcPct val="100000"/>
               </a:lnSpc>
@@ -7288,6 +10005,7 @@
                   </a:solidFill>
                 </a:uFill>
                 <a:latin typeface="Arial"/>
+                <a:ea typeface="DejaVu Sans"/>
               </a:rPr>
               <a:t>Mean</a:t>
             </a:r>
@@ -7304,7 +10022,7 @@
             </a:endParaRPr>
           </a:p>
           <a:p>
-            <a:pPr lvl="1" marL="864000" indent="-323640">
+            <a:pPr lvl="1" marL="864000" indent="-322920">
               <a:lnSpc>
                 <a:spcPct val="100000"/>
               </a:lnSpc>
@@ -7329,6 +10047,7 @@
                   </a:solidFill>
                 </a:uFill>
                 <a:latin typeface="Arial"/>
+                <a:ea typeface="DejaVu Sans"/>
               </a:rPr>
               <a:t>Median</a:t>
             </a:r>
@@ -7822,4 +10541,227 @@
     </a:fmtScheme>
   </a:themeElements>
 </a:theme>
+</file>
+
+<file path=ppt/theme/theme3.xml><?xml version="1.0" encoding="utf-8"?>
+<a:theme xmlns:a="http://schemas.openxmlformats.org/drawingml/2006/main" name="Office Theme">
+  <a:themeElements>
+    <a:clrScheme name="Office">
+      <a:dk1>
+        <a:sysClr val="windowText" lastClr="000000"/>
+      </a:dk1>
+      <a:lt1>
+        <a:sysClr val="window" lastClr="FFFFFF"/>
+      </a:lt1>
+      <a:dk2>
+        <a:srgbClr val="1F497D"/>
+      </a:dk2>
+      <a:lt2>
+        <a:srgbClr val="EEECE1"/>
+      </a:lt2>
+      <a:accent1>
+        <a:srgbClr val="4F81BD"/>
+      </a:accent1>
+      <a:accent2>
+        <a:srgbClr val="C0504D"/>
+      </a:accent2>
+      <a:accent3>
+        <a:srgbClr val="9BBB59"/>
+      </a:accent3>
+      <a:accent4>
+        <a:srgbClr val="8064A2"/>
+      </a:accent4>
+      <a:accent5>
+        <a:srgbClr val="4BACC6"/>
+      </a:accent5>
+      <a:accent6>
+        <a:srgbClr val="F79646"/>
+      </a:accent6>
+      <a:hlink>
+        <a:srgbClr val="0000FF"/>
+      </a:hlink>
+      <a:folHlink>
+        <a:srgbClr val="800080"/>
+      </a:folHlink>
+    </a:clrScheme>
+    <a:fontScheme name="Office">
+      <a:majorFont>
+        <a:latin typeface="Arial"/>
+        <a:ea typeface="DejaVu Sans"/>
+        <a:cs typeface="DejaVu Sans"/>
+      </a:majorFont>
+      <a:minorFont>
+        <a:latin typeface="Arial"/>
+        <a:ea typeface="DejaVu Sans"/>
+        <a:cs typeface="DejaVu Sans"/>
+      </a:minorFont>
+    </a:fontScheme>
+    <a:fmtScheme name="Office">
+      <a:fillStyleLst>
+        <a:solidFill>
+          <a:schemeClr val="phClr"/>
+        </a:solidFill>
+        <a:gradFill rotWithShape="1">
+          <a:gsLst>
+            <a:gs pos="0">
+              <a:schemeClr val="phClr">
+                <a:tint val="50000"/>
+                <a:satMod val="300000"/>
+              </a:schemeClr>
+            </a:gs>
+            <a:gs pos="35000">
+              <a:schemeClr val="phClr">
+                <a:tint val="37000"/>
+                <a:satMod val="300000"/>
+              </a:schemeClr>
+            </a:gs>
+            <a:gs pos="100000">
+              <a:schemeClr val="phClr">
+                <a:tint val="15000"/>
+                <a:satMod val="350000"/>
+              </a:schemeClr>
+            </a:gs>
+          </a:gsLst>
+          <a:lin ang="16200000" scaled="1"/>
+        </a:gradFill>
+        <a:gradFill rotWithShape="1">
+          <a:gsLst>
+            <a:gs pos="0">
+              <a:schemeClr val="phClr">
+                <a:shade val="51000"/>
+                <a:satMod val="130000"/>
+              </a:schemeClr>
+            </a:gs>
+            <a:gs pos="80000">
+              <a:schemeClr val="phClr">
+                <a:shade val="93000"/>
+                <a:satMod val="130000"/>
+              </a:schemeClr>
+            </a:gs>
+            <a:gs pos="100000">
+              <a:schemeClr val="phClr">
+                <a:shade val="94000"/>
+                <a:satMod val="135000"/>
+              </a:schemeClr>
+            </a:gs>
+          </a:gsLst>
+          <a:lin ang="16200000" scaled="0"/>
+        </a:gradFill>
+      </a:fillStyleLst>
+      <a:lnStyleLst>
+        <a:ln w="9525" cap="flat" cmpd="sng" algn="ctr">
+          <a:solidFill>
+            <a:schemeClr val="phClr">
+              <a:shade val="95000"/>
+              <a:satMod val="105000"/>
+            </a:schemeClr>
+          </a:solidFill>
+          <a:prstDash val="solid"/>
+        </a:ln>
+        <a:ln w="25400" cap="flat" cmpd="sng" algn="ctr">
+          <a:solidFill>
+            <a:schemeClr val="phClr"/>
+          </a:solidFill>
+          <a:prstDash val="solid"/>
+        </a:ln>
+        <a:ln w="38100" cap="flat" cmpd="sng" algn="ctr">
+          <a:solidFill>
+            <a:schemeClr val="phClr"/>
+          </a:solidFill>
+          <a:prstDash val="solid"/>
+        </a:ln>
+      </a:lnStyleLst>
+      <a:effectStyleLst>
+        <a:effectStyle>
+          <a:effectLst>
+            <a:outerShdw blurRad="40000" dist="20000" dir="5400000" rotWithShape="0">
+              <a:srgbClr val="000000">
+                <a:alpha val="38000"/>
+              </a:srgbClr>
+            </a:outerShdw>
+          </a:effectLst>
+        </a:effectStyle>
+        <a:effectStyle>
+          <a:effectLst>
+            <a:outerShdw blurRad="40000" dist="23000" dir="5400000" rotWithShape="0">
+              <a:srgbClr val="000000">
+                <a:alpha val="35000"/>
+              </a:srgbClr>
+            </a:outerShdw>
+          </a:effectLst>
+        </a:effectStyle>
+        <a:effectStyle>
+          <a:effectLst>
+            <a:outerShdw blurRad="40000" dist="23000" dir="5400000" rotWithShape="0">
+              <a:srgbClr val="000000">
+                <a:alpha val="35000"/>
+              </a:srgbClr>
+            </a:outerShdw>
+          </a:effectLst>
+          <a:scene3d>
+            <a:camera prst="orthographicFront">
+              <a:rot lat="0" lon="0" rev="0"/>
+            </a:camera>
+            <a:lightRig rig="threePt" dir="t">
+              <a:rot lat="0" lon="0" rev="1200000"/>
+            </a:lightRig>
+          </a:scene3d>
+          <a:sp3d>
+            <a:bevelT w="63500" h="25400"/>
+          </a:sp3d>
+        </a:effectStyle>
+      </a:effectStyleLst>
+      <a:bgFillStyleLst>
+        <a:solidFill>
+          <a:schemeClr val="phClr"/>
+        </a:solidFill>
+        <a:gradFill rotWithShape="1">
+          <a:gsLst>
+            <a:gs pos="0">
+              <a:schemeClr val="phClr">
+                <a:tint val="40000"/>
+                <a:satMod val="350000"/>
+              </a:schemeClr>
+            </a:gs>
+            <a:gs pos="40000">
+              <a:schemeClr val="phClr">
+                <a:tint val="45000"/>
+                <a:shade val="99000"/>
+                <a:satMod val="350000"/>
+              </a:schemeClr>
+            </a:gs>
+            <a:gs pos="100000">
+              <a:schemeClr val="phClr">
+                <a:shade val="20000"/>
+                <a:satMod val="255000"/>
+              </a:schemeClr>
+            </a:gs>
+          </a:gsLst>
+          <a:path path="circle">
+            <a:fillToRect l="50000" t="-80000" r="50000" b="180000"/>
+          </a:path>
+        </a:gradFill>
+        <a:gradFill rotWithShape="1">
+          <a:gsLst>
+            <a:gs pos="0">
+              <a:schemeClr val="phClr">
+                <a:tint val="80000"/>
+                <a:satMod val="300000"/>
+              </a:schemeClr>
+            </a:gs>
+            <a:gs pos="100000">
+              <a:schemeClr val="phClr">
+                <a:shade val="30000"/>
+                <a:satMod val="200000"/>
+              </a:schemeClr>
+            </a:gs>
+          </a:gsLst>
+          <a:path path="circle">
+            <a:fillToRect l="50000" t="50000" r="50000" b="50000"/>
+          </a:path>
+        </a:gradFill>
+      </a:bgFillStyleLst>
+    </a:fmtScheme>
+  </a:themeElements>
+</a:theme>
 </file>
--- a/Least Squares Presentation.pptx
+++ b/Least Squares Presentation.pptx
@@ -107,8 +107,8 @@
         </p:nvSpPr>
         <p:spPr>
           <a:xfrm>
-            <a:off x="503640" y="301320"/>
-            <a:ext cx="9068040" cy="1261800"/>
+            <a:off x="503640" y="301680"/>
+            <a:ext cx="9069120" cy="1262520"/>
           </a:xfrm>
           <a:prstGeom prst="rect">
             <a:avLst/>
@@ -144,8 +144,8 @@
         </p:nvSpPr>
         <p:spPr>
           <a:xfrm>
-            <a:off x="503640" y="1769040"/>
-            <a:ext cx="9068040" cy="2091600"/>
+            <a:off x="503640" y="1769400"/>
+            <a:ext cx="9069120" cy="2091960"/>
           </a:xfrm>
           <a:prstGeom prst="rect">
             <a:avLst/>
@@ -182,8 +182,8 @@
         </p:nvSpPr>
         <p:spPr>
           <a:xfrm>
-            <a:off x="503640" y="4059720"/>
-            <a:ext cx="9068040" cy="2091600"/>
+            <a:off x="503640" y="4060440"/>
+            <a:ext cx="9069120" cy="2091960"/>
           </a:xfrm>
           <a:prstGeom prst="rect">
             <a:avLst/>
@@ -242,8 +242,8 @@
         </p:nvSpPr>
         <p:spPr>
           <a:xfrm>
-            <a:off x="503640" y="301320"/>
-            <a:ext cx="9068040" cy="1261800"/>
+            <a:off x="503640" y="301680"/>
+            <a:ext cx="9069120" cy="1262520"/>
           </a:xfrm>
           <a:prstGeom prst="rect">
             <a:avLst/>
@@ -279,8 +279,8 @@
         </p:nvSpPr>
         <p:spPr>
           <a:xfrm>
-            <a:off x="503640" y="1769040"/>
-            <a:ext cx="4425120" cy="2091600"/>
+            <a:off x="503640" y="1769400"/>
+            <a:ext cx="4425480" cy="2091960"/>
           </a:xfrm>
           <a:prstGeom prst="rect">
             <a:avLst/>
@@ -317,8 +317,8 @@
         </p:nvSpPr>
         <p:spPr>
           <a:xfrm>
-            <a:off x="5150520" y="1769040"/>
-            <a:ext cx="4425120" cy="2091600"/>
+            <a:off x="5150880" y="1769400"/>
+            <a:ext cx="4425480" cy="2091960"/>
           </a:xfrm>
           <a:prstGeom prst="rect">
             <a:avLst/>
@@ -355,8 +355,8 @@
         </p:nvSpPr>
         <p:spPr>
           <a:xfrm>
-            <a:off x="5150520" y="4059720"/>
-            <a:ext cx="4425120" cy="2091600"/>
+            <a:off x="5150880" y="4060440"/>
+            <a:ext cx="4425480" cy="2091960"/>
           </a:xfrm>
           <a:prstGeom prst="rect">
             <a:avLst/>
@@ -393,8 +393,8 @@
         </p:nvSpPr>
         <p:spPr>
           <a:xfrm>
-            <a:off x="503640" y="4059720"/>
-            <a:ext cx="4425120" cy="2091600"/>
+            <a:off x="503640" y="4060440"/>
+            <a:ext cx="4425480" cy="2091960"/>
           </a:xfrm>
           <a:prstGeom prst="rect">
             <a:avLst/>
@@ -453,8 +453,8 @@
         </p:nvSpPr>
         <p:spPr>
           <a:xfrm>
-            <a:off x="503640" y="301320"/>
-            <a:ext cx="9068040" cy="1261800"/>
+            <a:off x="503640" y="301680"/>
+            <a:ext cx="9069120" cy="1262520"/>
           </a:xfrm>
           <a:prstGeom prst="rect">
             <a:avLst/>
@@ -490,8 +490,8 @@
         </p:nvSpPr>
         <p:spPr>
           <a:xfrm>
-            <a:off x="503640" y="1769040"/>
-            <a:ext cx="2919600" cy="2091600"/>
+            <a:off x="503640" y="1769400"/>
+            <a:ext cx="2919960" cy="2091960"/>
           </a:xfrm>
           <a:prstGeom prst="rect">
             <a:avLst/>
@@ -528,8 +528,8 @@
         </p:nvSpPr>
         <p:spPr>
           <a:xfrm>
-            <a:off x="3569760" y="1769040"/>
-            <a:ext cx="2919600" cy="2091600"/>
+            <a:off x="3570120" y="1769400"/>
+            <a:ext cx="2919960" cy="2091960"/>
           </a:xfrm>
           <a:prstGeom prst="rect">
             <a:avLst/>
@@ -566,8 +566,8 @@
         </p:nvSpPr>
         <p:spPr>
           <a:xfrm>
-            <a:off x="6635520" y="1769040"/>
-            <a:ext cx="2919600" cy="2091600"/>
+            <a:off x="6636240" y="1769400"/>
+            <a:ext cx="2919960" cy="2091960"/>
           </a:xfrm>
           <a:prstGeom prst="rect">
             <a:avLst/>
@@ -604,8 +604,8 @@
         </p:nvSpPr>
         <p:spPr>
           <a:xfrm>
-            <a:off x="6635520" y="4059720"/>
-            <a:ext cx="2919600" cy="2091600"/>
+            <a:off x="6636240" y="4060440"/>
+            <a:ext cx="2919960" cy="2091960"/>
           </a:xfrm>
           <a:prstGeom prst="rect">
             <a:avLst/>
@@ -642,8 +642,8 @@
         </p:nvSpPr>
         <p:spPr>
           <a:xfrm>
-            <a:off x="3569760" y="4059720"/>
-            <a:ext cx="2919600" cy="2091600"/>
+            <a:off x="3570120" y="4060440"/>
+            <a:ext cx="2919960" cy="2091960"/>
           </a:xfrm>
           <a:prstGeom prst="rect">
             <a:avLst/>
@@ -680,8 +680,8 @@
         </p:nvSpPr>
         <p:spPr>
           <a:xfrm>
-            <a:off x="503640" y="4059720"/>
-            <a:ext cx="2919600" cy="2091600"/>
+            <a:off x="503640" y="4060440"/>
+            <a:ext cx="2919960" cy="2091960"/>
           </a:xfrm>
           <a:prstGeom prst="rect">
             <a:avLst/>
@@ -762,8 +762,8 @@
         </p:nvSpPr>
         <p:spPr>
           <a:xfrm>
-            <a:off x="503640" y="301320"/>
-            <a:ext cx="9068040" cy="1261800"/>
+            <a:off x="503640" y="301680"/>
+            <a:ext cx="9069120" cy="1262520"/>
           </a:xfrm>
           <a:prstGeom prst="rect">
             <a:avLst/>
@@ -799,8 +799,8 @@
         </p:nvSpPr>
         <p:spPr>
           <a:xfrm>
-            <a:off x="503640" y="1769040"/>
-            <a:ext cx="9068040" cy="4385160"/>
+            <a:off x="503640" y="1769400"/>
+            <a:ext cx="9069120" cy="4385880"/>
           </a:xfrm>
           <a:prstGeom prst="rect">
             <a:avLst/>
@@ -858,8 +858,8 @@
         </p:nvSpPr>
         <p:spPr>
           <a:xfrm>
-            <a:off x="503640" y="301320"/>
-            <a:ext cx="9068040" cy="1261800"/>
+            <a:off x="503640" y="301680"/>
+            <a:ext cx="9069120" cy="1262520"/>
           </a:xfrm>
           <a:prstGeom prst="rect">
             <a:avLst/>
@@ -895,8 +895,8 @@
         </p:nvSpPr>
         <p:spPr>
           <a:xfrm>
-            <a:off x="503640" y="1769040"/>
-            <a:ext cx="9068040" cy="4385160"/>
+            <a:off x="503640" y="1769400"/>
+            <a:ext cx="9069120" cy="4385880"/>
           </a:xfrm>
           <a:prstGeom prst="rect">
             <a:avLst/>
@@ -955,8 +955,8 @@
         </p:nvSpPr>
         <p:spPr>
           <a:xfrm>
-            <a:off x="503640" y="301320"/>
-            <a:ext cx="9068040" cy="1261800"/>
+            <a:off x="503640" y="301680"/>
+            <a:ext cx="9069120" cy="1262520"/>
           </a:xfrm>
           <a:prstGeom prst="rect">
             <a:avLst/>
@@ -992,8 +992,8 @@
         </p:nvSpPr>
         <p:spPr>
           <a:xfrm>
-            <a:off x="503640" y="1769040"/>
-            <a:ext cx="4425120" cy="4385160"/>
+            <a:off x="503640" y="1769400"/>
+            <a:ext cx="4425480" cy="4385880"/>
           </a:xfrm>
           <a:prstGeom prst="rect">
             <a:avLst/>
@@ -1030,8 +1030,8 @@
         </p:nvSpPr>
         <p:spPr>
           <a:xfrm>
-            <a:off x="5150520" y="1769040"/>
-            <a:ext cx="4425120" cy="4385160"/>
+            <a:off x="5150880" y="1769400"/>
+            <a:ext cx="4425480" cy="4385880"/>
           </a:xfrm>
           <a:prstGeom prst="rect">
             <a:avLst/>
@@ -1090,8 +1090,8 @@
         </p:nvSpPr>
         <p:spPr>
           <a:xfrm>
-            <a:off x="503640" y="301320"/>
-            <a:ext cx="9068040" cy="1261800"/>
+            <a:off x="503640" y="301680"/>
+            <a:ext cx="9069120" cy="1262520"/>
           </a:xfrm>
           <a:prstGeom prst="rect">
             <a:avLst/>
@@ -1149,8 +1149,8 @@
         </p:nvSpPr>
         <p:spPr>
           <a:xfrm>
-            <a:off x="503640" y="301320"/>
-            <a:ext cx="9068040" cy="5850360"/>
+            <a:off x="503640" y="301680"/>
+            <a:ext cx="9069120" cy="5853600"/>
           </a:xfrm>
           <a:prstGeom prst="rect">
             <a:avLst/>
@@ -1208,8 +1208,8 @@
         </p:nvSpPr>
         <p:spPr>
           <a:xfrm>
-            <a:off x="503640" y="301320"/>
-            <a:ext cx="9068040" cy="1261800"/>
+            <a:off x="503640" y="301680"/>
+            <a:ext cx="9069120" cy="1262520"/>
           </a:xfrm>
           <a:prstGeom prst="rect">
             <a:avLst/>
@@ -1245,8 +1245,8 @@
         </p:nvSpPr>
         <p:spPr>
           <a:xfrm>
-            <a:off x="503640" y="1769040"/>
-            <a:ext cx="4425120" cy="2091600"/>
+            <a:off x="503640" y="1769400"/>
+            <a:ext cx="4425480" cy="2091960"/>
           </a:xfrm>
           <a:prstGeom prst="rect">
             <a:avLst/>
@@ -1283,8 +1283,8 @@
         </p:nvSpPr>
         <p:spPr>
           <a:xfrm>
-            <a:off x="503640" y="4059720"/>
-            <a:ext cx="4425120" cy="2091600"/>
+            <a:off x="503640" y="4060440"/>
+            <a:ext cx="4425480" cy="2091960"/>
           </a:xfrm>
           <a:prstGeom prst="rect">
             <a:avLst/>
@@ -1321,8 +1321,8 @@
         </p:nvSpPr>
         <p:spPr>
           <a:xfrm>
-            <a:off x="5150520" y="1769040"/>
-            <a:ext cx="4425120" cy="4385160"/>
+            <a:off x="5150880" y="1769400"/>
+            <a:ext cx="4425480" cy="4385880"/>
           </a:xfrm>
           <a:prstGeom prst="rect">
             <a:avLst/>
@@ -1381,8 +1381,8 @@
         </p:nvSpPr>
         <p:spPr>
           <a:xfrm>
-            <a:off x="503640" y="301320"/>
-            <a:ext cx="9068040" cy="1261800"/>
+            <a:off x="503640" y="301680"/>
+            <a:ext cx="9069120" cy="1262520"/>
           </a:xfrm>
           <a:prstGeom prst="rect">
             <a:avLst/>
@@ -1418,8 +1418,8 @@
         </p:nvSpPr>
         <p:spPr>
           <a:xfrm>
-            <a:off x="503640" y="1769040"/>
-            <a:ext cx="9068040" cy="4385160"/>
+            <a:off x="503640" y="1769400"/>
+            <a:ext cx="9069120" cy="4385880"/>
           </a:xfrm>
           <a:prstGeom prst="rect">
             <a:avLst/>
@@ -1477,8 +1477,8 @@
         </p:nvSpPr>
         <p:spPr>
           <a:xfrm>
-            <a:off x="503640" y="301320"/>
-            <a:ext cx="9068040" cy="1261800"/>
+            <a:off x="503640" y="301680"/>
+            <a:ext cx="9069120" cy="1262520"/>
           </a:xfrm>
           <a:prstGeom prst="rect">
             <a:avLst/>
@@ -1514,8 +1514,8 @@
         </p:nvSpPr>
         <p:spPr>
           <a:xfrm>
-            <a:off x="503640" y="1769040"/>
-            <a:ext cx="4425120" cy="4385160"/>
+            <a:off x="503640" y="1769400"/>
+            <a:ext cx="4425480" cy="4385880"/>
           </a:xfrm>
           <a:prstGeom prst="rect">
             <a:avLst/>
@@ -1552,8 +1552,8 @@
         </p:nvSpPr>
         <p:spPr>
           <a:xfrm>
-            <a:off x="5150520" y="1769040"/>
-            <a:ext cx="4425120" cy="2091600"/>
+            <a:off x="5150880" y="1769400"/>
+            <a:ext cx="4425480" cy="2091960"/>
           </a:xfrm>
           <a:prstGeom prst="rect">
             <a:avLst/>
@@ -1590,8 +1590,8 @@
         </p:nvSpPr>
         <p:spPr>
           <a:xfrm>
-            <a:off x="5150520" y="4059720"/>
-            <a:ext cx="4425120" cy="2091600"/>
+            <a:off x="5150880" y="4060440"/>
+            <a:ext cx="4425480" cy="2091960"/>
           </a:xfrm>
           <a:prstGeom prst="rect">
             <a:avLst/>
@@ -1650,8 +1650,8 @@
         </p:nvSpPr>
         <p:spPr>
           <a:xfrm>
-            <a:off x="503640" y="301320"/>
-            <a:ext cx="9068040" cy="1261800"/>
+            <a:off x="503640" y="301680"/>
+            <a:ext cx="9069120" cy="1262520"/>
           </a:xfrm>
           <a:prstGeom prst="rect">
             <a:avLst/>
@@ -1687,8 +1687,8 @@
         </p:nvSpPr>
         <p:spPr>
           <a:xfrm>
-            <a:off x="503640" y="1769040"/>
-            <a:ext cx="4425120" cy="2091600"/>
+            <a:off x="503640" y="1769400"/>
+            <a:ext cx="4425480" cy="2091960"/>
           </a:xfrm>
           <a:prstGeom prst="rect">
             <a:avLst/>
@@ -1725,8 +1725,8 @@
         </p:nvSpPr>
         <p:spPr>
           <a:xfrm>
-            <a:off x="5150520" y="1769040"/>
-            <a:ext cx="4425120" cy="2091600"/>
+            <a:off x="5150880" y="1769400"/>
+            <a:ext cx="4425480" cy="2091960"/>
           </a:xfrm>
           <a:prstGeom prst="rect">
             <a:avLst/>
@@ -1763,8 +1763,8 @@
         </p:nvSpPr>
         <p:spPr>
           <a:xfrm>
-            <a:off x="503640" y="4059720"/>
-            <a:ext cx="9068040" cy="2091600"/>
+            <a:off x="503640" y="4060440"/>
+            <a:ext cx="9069120" cy="2091960"/>
           </a:xfrm>
           <a:prstGeom prst="rect">
             <a:avLst/>
@@ -1823,8 +1823,8 @@
         </p:nvSpPr>
         <p:spPr>
           <a:xfrm>
-            <a:off x="503640" y="301320"/>
-            <a:ext cx="9068040" cy="1261800"/>
+            <a:off x="503640" y="301680"/>
+            <a:ext cx="9069120" cy="1262520"/>
           </a:xfrm>
           <a:prstGeom prst="rect">
             <a:avLst/>
@@ -1860,8 +1860,8 @@
         </p:nvSpPr>
         <p:spPr>
           <a:xfrm>
-            <a:off x="503640" y="1769040"/>
-            <a:ext cx="9068040" cy="2091600"/>
+            <a:off x="503640" y="1769400"/>
+            <a:ext cx="9069120" cy="2091960"/>
           </a:xfrm>
           <a:prstGeom prst="rect">
             <a:avLst/>
@@ -1898,8 +1898,8 @@
         </p:nvSpPr>
         <p:spPr>
           <a:xfrm>
-            <a:off x="503640" y="4059720"/>
-            <a:ext cx="9068040" cy="2091600"/>
+            <a:off x="503640" y="4060440"/>
+            <a:ext cx="9069120" cy="2091960"/>
           </a:xfrm>
           <a:prstGeom prst="rect">
             <a:avLst/>
@@ -1958,8 +1958,8 @@
         </p:nvSpPr>
         <p:spPr>
           <a:xfrm>
-            <a:off x="503640" y="301320"/>
-            <a:ext cx="9068040" cy="1261800"/>
+            <a:off x="503640" y="301680"/>
+            <a:ext cx="9069120" cy="1262520"/>
           </a:xfrm>
           <a:prstGeom prst="rect">
             <a:avLst/>
@@ -1995,8 +1995,8 @@
         </p:nvSpPr>
         <p:spPr>
           <a:xfrm>
-            <a:off x="503640" y="1769040"/>
-            <a:ext cx="4425120" cy="2091600"/>
+            <a:off x="503640" y="1769400"/>
+            <a:ext cx="4425480" cy="2091960"/>
           </a:xfrm>
           <a:prstGeom prst="rect">
             <a:avLst/>
@@ -2033,8 +2033,8 @@
         </p:nvSpPr>
         <p:spPr>
           <a:xfrm>
-            <a:off x="5150520" y="1769040"/>
-            <a:ext cx="4425120" cy="2091600"/>
+            <a:off x="5150880" y="1769400"/>
+            <a:ext cx="4425480" cy="2091960"/>
           </a:xfrm>
           <a:prstGeom prst="rect">
             <a:avLst/>
@@ -2071,8 +2071,8 @@
         </p:nvSpPr>
         <p:spPr>
           <a:xfrm>
-            <a:off x="5150520" y="4059720"/>
-            <a:ext cx="4425120" cy="2091600"/>
+            <a:off x="5150880" y="4060440"/>
+            <a:ext cx="4425480" cy="2091960"/>
           </a:xfrm>
           <a:prstGeom prst="rect">
             <a:avLst/>
@@ -2109,8 +2109,8 @@
         </p:nvSpPr>
         <p:spPr>
           <a:xfrm>
-            <a:off x="503640" y="4059720"/>
-            <a:ext cx="4425120" cy="2091600"/>
+            <a:off x="503640" y="4060440"/>
+            <a:ext cx="4425480" cy="2091960"/>
           </a:xfrm>
           <a:prstGeom prst="rect">
             <a:avLst/>
@@ -2169,8 +2169,8 @@
         </p:nvSpPr>
         <p:spPr>
           <a:xfrm>
-            <a:off x="503640" y="301320"/>
-            <a:ext cx="9068040" cy="1261800"/>
+            <a:off x="503640" y="301680"/>
+            <a:ext cx="9069120" cy="1262520"/>
           </a:xfrm>
           <a:prstGeom prst="rect">
             <a:avLst/>
@@ -2206,8 +2206,8 @@
         </p:nvSpPr>
         <p:spPr>
           <a:xfrm>
-            <a:off x="503640" y="1769040"/>
-            <a:ext cx="2919600" cy="2091600"/>
+            <a:off x="503640" y="1769400"/>
+            <a:ext cx="2919960" cy="2091960"/>
           </a:xfrm>
           <a:prstGeom prst="rect">
             <a:avLst/>
@@ -2244,8 +2244,8 @@
         </p:nvSpPr>
         <p:spPr>
           <a:xfrm>
-            <a:off x="3569760" y="1769040"/>
-            <a:ext cx="2919600" cy="2091600"/>
+            <a:off x="3570120" y="1769400"/>
+            <a:ext cx="2919960" cy="2091960"/>
           </a:xfrm>
           <a:prstGeom prst="rect">
             <a:avLst/>
@@ -2282,8 +2282,8 @@
         </p:nvSpPr>
         <p:spPr>
           <a:xfrm>
-            <a:off x="6635520" y="1769040"/>
-            <a:ext cx="2919600" cy="2091600"/>
+            <a:off x="6636240" y="1769400"/>
+            <a:ext cx="2919960" cy="2091960"/>
           </a:xfrm>
           <a:prstGeom prst="rect">
             <a:avLst/>
@@ -2320,8 +2320,8 @@
         </p:nvSpPr>
         <p:spPr>
           <a:xfrm>
-            <a:off x="6635520" y="4059720"/>
-            <a:ext cx="2919600" cy="2091600"/>
+            <a:off x="6636240" y="4060440"/>
+            <a:ext cx="2919960" cy="2091960"/>
           </a:xfrm>
           <a:prstGeom prst="rect">
             <a:avLst/>
@@ -2358,8 +2358,8 @@
         </p:nvSpPr>
         <p:spPr>
           <a:xfrm>
-            <a:off x="3569760" y="4059720"/>
-            <a:ext cx="2919600" cy="2091600"/>
+            <a:off x="3570120" y="4060440"/>
+            <a:ext cx="2919960" cy="2091960"/>
           </a:xfrm>
           <a:prstGeom prst="rect">
             <a:avLst/>
@@ -2396,8 +2396,8 @@
         </p:nvSpPr>
         <p:spPr>
           <a:xfrm>
-            <a:off x="503640" y="4059720"/>
-            <a:ext cx="2919600" cy="2091600"/>
+            <a:off x="503640" y="4060440"/>
+            <a:ext cx="2919960" cy="2091960"/>
           </a:xfrm>
           <a:prstGeom prst="rect">
             <a:avLst/>
@@ -2478,8 +2478,8 @@
         </p:nvSpPr>
         <p:spPr>
           <a:xfrm>
-            <a:off x="503640" y="301320"/>
-            <a:ext cx="9068040" cy="1261800"/>
+            <a:off x="503640" y="301680"/>
+            <a:ext cx="9069120" cy="1262520"/>
           </a:xfrm>
           <a:prstGeom prst="rect">
             <a:avLst/>
@@ -2515,8 +2515,8 @@
         </p:nvSpPr>
         <p:spPr>
           <a:xfrm>
-            <a:off x="503640" y="1769040"/>
-            <a:ext cx="9068040" cy="4385160"/>
+            <a:off x="503640" y="1769400"/>
+            <a:ext cx="9069120" cy="4385880"/>
           </a:xfrm>
           <a:prstGeom prst="rect">
             <a:avLst/>
@@ -2574,8 +2574,8 @@
         </p:nvSpPr>
         <p:spPr>
           <a:xfrm>
-            <a:off x="503640" y="301320"/>
-            <a:ext cx="9068040" cy="1261800"/>
+            <a:off x="503640" y="301680"/>
+            <a:ext cx="9069120" cy="1262520"/>
           </a:xfrm>
           <a:prstGeom prst="rect">
             <a:avLst/>
@@ -2611,8 +2611,8 @@
         </p:nvSpPr>
         <p:spPr>
           <a:xfrm>
-            <a:off x="503640" y="1769040"/>
-            <a:ext cx="9068040" cy="4385160"/>
+            <a:off x="503640" y="1769400"/>
+            <a:ext cx="9069120" cy="4385880"/>
           </a:xfrm>
           <a:prstGeom prst="rect">
             <a:avLst/>
@@ -2671,8 +2671,8 @@
         </p:nvSpPr>
         <p:spPr>
           <a:xfrm>
-            <a:off x="503640" y="301320"/>
-            <a:ext cx="9068040" cy="1261800"/>
+            <a:off x="503640" y="301680"/>
+            <a:ext cx="9069120" cy="1262520"/>
           </a:xfrm>
           <a:prstGeom prst="rect">
             <a:avLst/>
@@ -2708,8 +2708,8 @@
         </p:nvSpPr>
         <p:spPr>
           <a:xfrm>
-            <a:off x="503640" y="1769040"/>
-            <a:ext cx="4425120" cy="4385160"/>
+            <a:off x="503640" y="1769400"/>
+            <a:ext cx="4425480" cy="4385880"/>
           </a:xfrm>
           <a:prstGeom prst="rect">
             <a:avLst/>
@@ -2746,8 +2746,8 @@
         </p:nvSpPr>
         <p:spPr>
           <a:xfrm>
-            <a:off x="5150520" y="1769040"/>
-            <a:ext cx="4425120" cy="4385160"/>
+            <a:off x="5150880" y="1769400"/>
+            <a:ext cx="4425480" cy="4385880"/>
           </a:xfrm>
           <a:prstGeom prst="rect">
             <a:avLst/>
@@ -2806,8 +2806,8 @@
         </p:nvSpPr>
         <p:spPr>
           <a:xfrm>
-            <a:off x="503640" y="301320"/>
-            <a:ext cx="9068040" cy="1261800"/>
+            <a:off x="503640" y="301680"/>
+            <a:ext cx="9069120" cy="1262520"/>
           </a:xfrm>
           <a:prstGeom prst="rect">
             <a:avLst/>
@@ -2865,8 +2865,8 @@
         </p:nvSpPr>
         <p:spPr>
           <a:xfrm>
-            <a:off x="503640" y="301320"/>
-            <a:ext cx="9068040" cy="1261800"/>
+            <a:off x="503640" y="301680"/>
+            <a:ext cx="9069120" cy="1262520"/>
           </a:xfrm>
           <a:prstGeom prst="rect">
             <a:avLst/>
@@ -2902,8 +2902,8 @@
         </p:nvSpPr>
         <p:spPr>
           <a:xfrm>
-            <a:off x="503640" y="1769040"/>
-            <a:ext cx="9068040" cy="4385160"/>
+            <a:off x="503640" y="1769400"/>
+            <a:ext cx="9069120" cy="4385880"/>
           </a:xfrm>
           <a:prstGeom prst="rect">
             <a:avLst/>
@@ -2962,8 +2962,8 @@
         </p:nvSpPr>
         <p:spPr>
           <a:xfrm>
-            <a:off x="503640" y="301320"/>
-            <a:ext cx="9068040" cy="5850360"/>
+            <a:off x="503640" y="301680"/>
+            <a:ext cx="9069120" cy="5853600"/>
           </a:xfrm>
           <a:prstGeom prst="rect">
             <a:avLst/>
@@ -3021,8 +3021,8 @@
         </p:nvSpPr>
         <p:spPr>
           <a:xfrm>
-            <a:off x="503640" y="301320"/>
-            <a:ext cx="9068040" cy="1261800"/>
+            <a:off x="503640" y="301680"/>
+            <a:ext cx="9069120" cy="1262520"/>
           </a:xfrm>
           <a:prstGeom prst="rect">
             <a:avLst/>
@@ -3058,8 +3058,8 @@
         </p:nvSpPr>
         <p:spPr>
           <a:xfrm>
-            <a:off x="503640" y="1769040"/>
-            <a:ext cx="4425120" cy="2091600"/>
+            <a:off x="503640" y="1769400"/>
+            <a:ext cx="4425480" cy="2091960"/>
           </a:xfrm>
           <a:prstGeom prst="rect">
             <a:avLst/>
@@ -3096,8 +3096,8 @@
         </p:nvSpPr>
         <p:spPr>
           <a:xfrm>
-            <a:off x="503640" y="4059720"/>
-            <a:ext cx="4425120" cy="2091600"/>
+            <a:off x="503640" y="4060440"/>
+            <a:ext cx="4425480" cy="2091960"/>
           </a:xfrm>
           <a:prstGeom prst="rect">
             <a:avLst/>
@@ -3134,8 +3134,8 @@
         </p:nvSpPr>
         <p:spPr>
           <a:xfrm>
-            <a:off x="5150520" y="1769040"/>
-            <a:ext cx="4425120" cy="4385160"/>
+            <a:off x="5150880" y="1769400"/>
+            <a:ext cx="4425480" cy="4385880"/>
           </a:xfrm>
           <a:prstGeom prst="rect">
             <a:avLst/>
@@ -3194,8 +3194,8 @@
         </p:nvSpPr>
         <p:spPr>
           <a:xfrm>
-            <a:off x="503640" y="301320"/>
-            <a:ext cx="9068040" cy="1261800"/>
+            <a:off x="503640" y="301680"/>
+            <a:ext cx="9069120" cy="1262520"/>
           </a:xfrm>
           <a:prstGeom prst="rect">
             <a:avLst/>
@@ -3231,8 +3231,8 @@
         </p:nvSpPr>
         <p:spPr>
           <a:xfrm>
-            <a:off x="503640" y="1769040"/>
-            <a:ext cx="4425120" cy="4385160"/>
+            <a:off x="503640" y="1769400"/>
+            <a:ext cx="4425480" cy="4385880"/>
           </a:xfrm>
           <a:prstGeom prst="rect">
             <a:avLst/>
@@ -3269,8 +3269,8 @@
         </p:nvSpPr>
         <p:spPr>
           <a:xfrm>
-            <a:off x="5150520" y="1769040"/>
-            <a:ext cx="4425120" cy="2091600"/>
+            <a:off x="5150880" y="1769400"/>
+            <a:ext cx="4425480" cy="2091960"/>
           </a:xfrm>
           <a:prstGeom prst="rect">
             <a:avLst/>
@@ -3307,8 +3307,8 @@
         </p:nvSpPr>
         <p:spPr>
           <a:xfrm>
-            <a:off x="5150520" y="4059720"/>
-            <a:ext cx="4425120" cy="2091600"/>
+            <a:off x="5150880" y="4060440"/>
+            <a:ext cx="4425480" cy="2091960"/>
           </a:xfrm>
           <a:prstGeom prst="rect">
             <a:avLst/>
@@ -3367,8 +3367,8 @@
         </p:nvSpPr>
         <p:spPr>
           <a:xfrm>
-            <a:off x="503640" y="301320"/>
-            <a:ext cx="9068040" cy="1261800"/>
+            <a:off x="503640" y="301680"/>
+            <a:ext cx="9069120" cy="1262520"/>
           </a:xfrm>
           <a:prstGeom prst="rect">
             <a:avLst/>
@@ -3404,8 +3404,8 @@
         </p:nvSpPr>
         <p:spPr>
           <a:xfrm>
-            <a:off x="503640" y="1769040"/>
-            <a:ext cx="4425120" cy="2091600"/>
+            <a:off x="503640" y="1769400"/>
+            <a:ext cx="4425480" cy="2091960"/>
           </a:xfrm>
           <a:prstGeom prst="rect">
             <a:avLst/>
@@ -3442,8 +3442,8 @@
         </p:nvSpPr>
         <p:spPr>
           <a:xfrm>
-            <a:off x="5150520" y="1769040"/>
-            <a:ext cx="4425120" cy="2091600"/>
+            <a:off x="5150880" y="1769400"/>
+            <a:ext cx="4425480" cy="2091960"/>
           </a:xfrm>
           <a:prstGeom prst="rect">
             <a:avLst/>
@@ -3480,8 +3480,8 @@
         </p:nvSpPr>
         <p:spPr>
           <a:xfrm>
-            <a:off x="503640" y="4059720"/>
-            <a:ext cx="9068040" cy="2091600"/>
+            <a:off x="503640" y="4060440"/>
+            <a:ext cx="9069120" cy="2091960"/>
           </a:xfrm>
           <a:prstGeom prst="rect">
             <a:avLst/>
@@ -3540,8 +3540,8 @@
         </p:nvSpPr>
         <p:spPr>
           <a:xfrm>
-            <a:off x="503640" y="301320"/>
-            <a:ext cx="9068040" cy="1261800"/>
+            <a:off x="503640" y="301680"/>
+            <a:ext cx="9069120" cy="1262520"/>
           </a:xfrm>
           <a:prstGeom prst="rect">
             <a:avLst/>
@@ -3577,8 +3577,8 @@
         </p:nvSpPr>
         <p:spPr>
           <a:xfrm>
-            <a:off x="503640" y="1769040"/>
-            <a:ext cx="9068040" cy="2091600"/>
+            <a:off x="503640" y="1769400"/>
+            <a:ext cx="9069120" cy="2091960"/>
           </a:xfrm>
           <a:prstGeom prst="rect">
             <a:avLst/>
@@ -3615,8 +3615,8 @@
         </p:nvSpPr>
         <p:spPr>
           <a:xfrm>
-            <a:off x="503640" y="4059720"/>
-            <a:ext cx="9068040" cy="2091600"/>
+            <a:off x="503640" y="4060440"/>
+            <a:ext cx="9069120" cy="2091960"/>
           </a:xfrm>
           <a:prstGeom prst="rect">
             <a:avLst/>
@@ -3675,8 +3675,8 @@
         </p:nvSpPr>
         <p:spPr>
           <a:xfrm>
-            <a:off x="503640" y="301320"/>
-            <a:ext cx="9068040" cy="1261800"/>
+            <a:off x="503640" y="301680"/>
+            <a:ext cx="9069120" cy="1262520"/>
           </a:xfrm>
           <a:prstGeom prst="rect">
             <a:avLst/>
@@ -3712,8 +3712,8 @@
         </p:nvSpPr>
         <p:spPr>
           <a:xfrm>
-            <a:off x="503640" y="1769040"/>
-            <a:ext cx="4425120" cy="2091600"/>
+            <a:off x="503640" y="1769400"/>
+            <a:ext cx="4425480" cy="2091960"/>
           </a:xfrm>
           <a:prstGeom prst="rect">
             <a:avLst/>
@@ -3750,8 +3750,8 @@
         </p:nvSpPr>
         <p:spPr>
           <a:xfrm>
-            <a:off x="5150520" y="1769040"/>
-            <a:ext cx="4425120" cy="2091600"/>
+            <a:off x="5150880" y="1769400"/>
+            <a:ext cx="4425480" cy="2091960"/>
           </a:xfrm>
           <a:prstGeom prst="rect">
             <a:avLst/>
@@ -3788,8 +3788,8 @@
         </p:nvSpPr>
         <p:spPr>
           <a:xfrm>
-            <a:off x="5150520" y="4059720"/>
-            <a:ext cx="4425120" cy="2091600"/>
+            <a:off x="5150880" y="4060440"/>
+            <a:ext cx="4425480" cy="2091960"/>
           </a:xfrm>
           <a:prstGeom prst="rect">
             <a:avLst/>
@@ -3826,8 +3826,8 @@
         </p:nvSpPr>
         <p:spPr>
           <a:xfrm>
-            <a:off x="503640" y="4059720"/>
-            <a:ext cx="4425120" cy="2091600"/>
+            <a:off x="503640" y="4060440"/>
+            <a:ext cx="4425480" cy="2091960"/>
           </a:xfrm>
           <a:prstGeom prst="rect">
             <a:avLst/>
@@ -3886,8 +3886,8 @@
         </p:nvSpPr>
         <p:spPr>
           <a:xfrm>
-            <a:off x="503640" y="301320"/>
-            <a:ext cx="9068040" cy="1261800"/>
+            <a:off x="503640" y="301680"/>
+            <a:ext cx="9069120" cy="1262520"/>
           </a:xfrm>
           <a:prstGeom prst="rect">
             <a:avLst/>
@@ -3923,8 +3923,8 @@
         </p:nvSpPr>
         <p:spPr>
           <a:xfrm>
-            <a:off x="503640" y="1769040"/>
-            <a:ext cx="2919600" cy="2091600"/>
+            <a:off x="503640" y="1769400"/>
+            <a:ext cx="2919960" cy="2091960"/>
           </a:xfrm>
           <a:prstGeom prst="rect">
             <a:avLst/>
@@ -3961,8 +3961,8 @@
         </p:nvSpPr>
         <p:spPr>
           <a:xfrm>
-            <a:off x="3569760" y="1769040"/>
-            <a:ext cx="2919600" cy="2091600"/>
+            <a:off x="3570120" y="1769400"/>
+            <a:ext cx="2919960" cy="2091960"/>
           </a:xfrm>
           <a:prstGeom prst="rect">
             <a:avLst/>
@@ -3999,8 +3999,8 @@
         </p:nvSpPr>
         <p:spPr>
           <a:xfrm>
-            <a:off x="6635520" y="1769040"/>
-            <a:ext cx="2919600" cy="2091600"/>
+            <a:off x="6636240" y="1769400"/>
+            <a:ext cx="2919960" cy="2091960"/>
           </a:xfrm>
           <a:prstGeom prst="rect">
             <a:avLst/>
@@ -4037,8 +4037,8 @@
         </p:nvSpPr>
         <p:spPr>
           <a:xfrm>
-            <a:off x="6635520" y="4059720"/>
-            <a:ext cx="2919600" cy="2091600"/>
+            <a:off x="6636240" y="4060440"/>
+            <a:ext cx="2919960" cy="2091960"/>
           </a:xfrm>
           <a:prstGeom prst="rect">
             <a:avLst/>
@@ -4075,8 +4075,8 @@
         </p:nvSpPr>
         <p:spPr>
           <a:xfrm>
-            <a:off x="3569760" y="4059720"/>
-            <a:ext cx="2919600" cy="2091600"/>
+            <a:off x="3570120" y="4060440"/>
+            <a:ext cx="2919960" cy="2091960"/>
           </a:xfrm>
           <a:prstGeom prst="rect">
             <a:avLst/>
@@ -4113,8 +4113,8 @@
         </p:nvSpPr>
         <p:spPr>
           <a:xfrm>
-            <a:off x="503640" y="4059720"/>
-            <a:ext cx="2919600" cy="2091600"/>
+            <a:off x="503640" y="4060440"/>
+            <a:ext cx="2919960" cy="2091960"/>
           </a:xfrm>
           <a:prstGeom prst="rect">
             <a:avLst/>
@@ -4195,8 +4195,8 @@
         </p:nvSpPr>
         <p:spPr>
           <a:xfrm>
-            <a:off x="503640" y="301320"/>
-            <a:ext cx="9068040" cy="1261800"/>
+            <a:off x="503640" y="301680"/>
+            <a:ext cx="9069120" cy="1262520"/>
           </a:xfrm>
           <a:prstGeom prst="rect">
             <a:avLst/>
@@ -4232,8 +4232,8 @@
         </p:nvSpPr>
         <p:spPr>
           <a:xfrm>
-            <a:off x="503640" y="1769040"/>
-            <a:ext cx="9068040" cy="4385160"/>
+            <a:off x="503640" y="1769400"/>
+            <a:ext cx="9069120" cy="4385880"/>
           </a:xfrm>
           <a:prstGeom prst="rect">
             <a:avLst/>
@@ -4291,8 +4291,8 @@
         </p:nvSpPr>
         <p:spPr>
           <a:xfrm>
-            <a:off x="503640" y="301320"/>
-            <a:ext cx="9068040" cy="1261800"/>
+            <a:off x="503640" y="301680"/>
+            <a:ext cx="9069120" cy="1262520"/>
           </a:xfrm>
           <a:prstGeom prst="rect">
             <a:avLst/>
@@ -4328,8 +4328,8 @@
         </p:nvSpPr>
         <p:spPr>
           <a:xfrm>
-            <a:off x="503640" y="1769040"/>
-            <a:ext cx="9068040" cy="4385160"/>
+            <a:off x="503640" y="1769400"/>
+            <a:ext cx="9069120" cy="4385880"/>
           </a:xfrm>
           <a:prstGeom prst="rect">
             <a:avLst/>
@@ -4388,8 +4388,8 @@
         </p:nvSpPr>
         <p:spPr>
           <a:xfrm>
-            <a:off x="503640" y="301320"/>
-            <a:ext cx="9068040" cy="1261800"/>
+            <a:off x="503640" y="301680"/>
+            <a:ext cx="9069120" cy="1262520"/>
           </a:xfrm>
           <a:prstGeom prst="rect">
             <a:avLst/>
@@ -4425,8 +4425,8 @@
         </p:nvSpPr>
         <p:spPr>
           <a:xfrm>
-            <a:off x="503640" y="1769040"/>
-            <a:ext cx="4425120" cy="4385160"/>
+            <a:off x="503640" y="1769400"/>
+            <a:ext cx="4425480" cy="4385880"/>
           </a:xfrm>
           <a:prstGeom prst="rect">
             <a:avLst/>
@@ -4463,8 +4463,8 @@
         </p:nvSpPr>
         <p:spPr>
           <a:xfrm>
-            <a:off x="5150520" y="1769040"/>
-            <a:ext cx="4425120" cy="4385160"/>
+            <a:off x="5150880" y="1769400"/>
+            <a:ext cx="4425480" cy="4385880"/>
           </a:xfrm>
           <a:prstGeom prst="rect">
             <a:avLst/>
@@ -4523,8 +4523,8 @@
         </p:nvSpPr>
         <p:spPr>
           <a:xfrm>
-            <a:off x="503640" y="301320"/>
-            <a:ext cx="9068040" cy="1261800"/>
+            <a:off x="503640" y="301680"/>
+            <a:ext cx="9069120" cy="1262520"/>
           </a:xfrm>
           <a:prstGeom prst="rect">
             <a:avLst/>
@@ -4560,8 +4560,8 @@
         </p:nvSpPr>
         <p:spPr>
           <a:xfrm>
-            <a:off x="503640" y="1769040"/>
-            <a:ext cx="4425120" cy="4385160"/>
+            <a:off x="503640" y="1769400"/>
+            <a:ext cx="4425480" cy="4385880"/>
           </a:xfrm>
           <a:prstGeom prst="rect">
             <a:avLst/>
@@ -4598,8 +4598,8 @@
         </p:nvSpPr>
         <p:spPr>
           <a:xfrm>
-            <a:off x="5150520" y="1769040"/>
-            <a:ext cx="4425120" cy="4385160"/>
+            <a:off x="5150880" y="1769400"/>
+            <a:ext cx="4425480" cy="4385880"/>
           </a:xfrm>
           <a:prstGeom prst="rect">
             <a:avLst/>
@@ -4658,8 +4658,8 @@
         </p:nvSpPr>
         <p:spPr>
           <a:xfrm>
-            <a:off x="503640" y="301320"/>
-            <a:ext cx="9068040" cy="1261800"/>
+            <a:off x="503640" y="301680"/>
+            <a:ext cx="9069120" cy="1262520"/>
           </a:xfrm>
           <a:prstGeom prst="rect">
             <a:avLst/>
@@ -4717,8 +4717,8 @@
         </p:nvSpPr>
         <p:spPr>
           <a:xfrm>
-            <a:off x="503640" y="301320"/>
-            <a:ext cx="9068040" cy="5850360"/>
+            <a:off x="503640" y="301680"/>
+            <a:ext cx="9069120" cy="5853600"/>
           </a:xfrm>
           <a:prstGeom prst="rect">
             <a:avLst/>
@@ -4776,8 +4776,8 @@
         </p:nvSpPr>
         <p:spPr>
           <a:xfrm>
-            <a:off x="503640" y="301320"/>
-            <a:ext cx="9068040" cy="1261800"/>
+            <a:off x="503640" y="301680"/>
+            <a:ext cx="9069120" cy="1262520"/>
           </a:xfrm>
           <a:prstGeom prst="rect">
             <a:avLst/>
@@ -4813,8 +4813,8 @@
         </p:nvSpPr>
         <p:spPr>
           <a:xfrm>
-            <a:off x="503640" y="1769040"/>
-            <a:ext cx="4425120" cy="2091600"/>
+            <a:off x="503640" y="1769400"/>
+            <a:ext cx="4425480" cy="2091960"/>
           </a:xfrm>
           <a:prstGeom prst="rect">
             <a:avLst/>
@@ -4851,8 +4851,8 @@
         </p:nvSpPr>
         <p:spPr>
           <a:xfrm>
-            <a:off x="503640" y="4059720"/>
-            <a:ext cx="4425120" cy="2091600"/>
+            <a:off x="503640" y="4060440"/>
+            <a:ext cx="4425480" cy="2091960"/>
           </a:xfrm>
           <a:prstGeom prst="rect">
             <a:avLst/>
@@ -4889,8 +4889,8 @@
         </p:nvSpPr>
         <p:spPr>
           <a:xfrm>
-            <a:off x="5150520" y="1769040"/>
-            <a:ext cx="4425120" cy="4385160"/>
+            <a:off x="5150880" y="1769400"/>
+            <a:ext cx="4425480" cy="4385880"/>
           </a:xfrm>
           <a:prstGeom prst="rect">
             <a:avLst/>
@@ -4949,8 +4949,8 @@
         </p:nvSpPr>
         <p:spPr>
           <a:xfrm>
-            <a:off x="503640" y="301320"/>
-            <a:ext cx="9068040" cy="1261800"/>
+            <a:off x="503640" y="301680"/>
+            <a:ext cx="9069120" cy="1262520"/>
           </a:xfrm>
           <a:prstGeom prst="rect">
             <a:avLst/>
@@ -4986,8 +4986,8 @@
         </p:nvSpPr>
         <p:spPr>
           <a:xfrm>
-            <a:off x="503640" y="1769040"/>
-            <a:ext cx="4425120" cy="4385160"/>
+            <a:off x="503640" y="1769400"/>
+            <a:ext cx="4425480" cy="4385880"/>
           </a:xfrm>
           <a:prstGeom prst="rect">
             <a:avLst/>
@@ -5024,8 +5024,8 @@
         </p:nvSpPr>
         <p:spPr>
           <a:xfrm>
-            <a:off x="5150520" y="1769040"/>
-            <a:ext cx="4425120" cy="2091600"/>
+            <a:off x="5150880" y="1769400"/>
+            <a:ext cx="4425480" cy="2091960"/>
           </a:xfrm>
           <a:prstGeom prst="rect">
             <a:avLst/>
@@ -5062,8 +5062,8 @@
         </p:nvSpPr>
         <p:spPr>
           <a:xfrm>
-            <a:off x="5150520" y="4059720"/>
-            <a:ext cx="4425120" cy="2091600"/>
+            <a:off x="5150880" y="4060440"/>
+            <a:ext cx="4425480" cy="2091960"/>
           </a:xfrm>
           <a:prstGeom prst="rect">
             <a:avLst/>
@@ -5122,8 +5122,8 @@
         </p:nvSpPr>
         <p:spPr>
           <a:xfrm>
-            <a:off x="503640" y="301320"/>
-            <a:ext cx="9068040" cy="1261800"/>
+            <a:off x="503640" y="301680"/>
+            <a:ext cx="9069120" cy="1262520"/>
           </a:xfrm>
           <a:prstGeom prst="rect">
             <a:avLst/>
@@ -5159,8 +5159,8 @@
         </p:nvSpPr>
         <p:spPr>
           <a:xfrm>
-            <a:off x="503640" y="1769040"/>
-            <a:ext cx="4425120" cy="2091600"/>
+            <a:off x="503640" y="1769400"/>
+            <a:ext cx="4425480" cy="2091960"/>
           </a:xfrm>
           <a:prstGeom prst="rect">
             <a:avLst/>
@@ -5197,8 +5197,8 @@
         </p:nvSpPr>
         <p:spPr>
           <a:xfrm>
-            <a:off x="5150520" y="1769040"/>
-            <a:ext cx="4425120" cy="2091600"/>
+            <a:off x="5150880" y="1769400"/>
+            <a:ext cx="4425480" cy="2091960"/>
           </a:xfrm>
           <a:prstGeom prst="rect">
             <a:avLst/>
@@ -5235,8 +5235,8 @@
         </p:nvSpPr>
         <p:spPr>
           <a:xfrm>
-            <a:off x="503640" y="4059720"/>
-            <a:ext cx="9068040" cy="2091600"/>
+            <a:off x="503640" y="4060440"/>
+            <a:ext cx="9069120" cy="2091960"/>
           </a:xfrm>
           <a:prstGeom prst="rect">
             <a:avLst/>
@@ -5295,8 +5295,8 @@
         </p:nvSpPr>
         <p:spPr>
           <a:xfrm>
-            <a:off x="503640" y="301320"/>
-            <a:ext cx="9068040" cy="1261800"/>
+            <a:off x="503640" y="301680"/>
+            <a:ext cx="9069120" cy="1262520"/>
           </a:xfrm>
           <a:prstGeom prst="rect">
             <a:avLst/>
@@ -5332,8 +5332,8 @@
         </p:nvSpPr>
         <p:spPr>
           <a:xfrm>
-            <a:off x="503640" y="1769040"/>
-            <a:ext cx="9068040" cy="2091600"/>
+            <a:off x="503640" y="1769400"/>
+            <a:ext cx="9069120" cy="2091960"/>
           </a:xfrm>
           <a:prstGeom prst="rect">
             <a:avLst/>
@@ -5370,8 +5370,8 @@
         </p:nvSpPr>
         <p:spPr>
           <a:xfrm>
-            <a:off x="503640" y="4059720"/>
-            <a:ext cx="9068040" cy="2091600"/>
+            <a:off x="503640" y="4060440"/>
+            <a:ext cx="9069120" cy="2091960"/>
           </a:xfrm>
           <a:prstGeom prst="rect">
             <a:avLst/>
@@ -5430,8 +5430,8 @@
         </p:nvSpPr>
         <p:spPr>
           <a:xfrm>
-            <a:off x="503640" y="301320"/>
-            <a:ext cx="9068040" cy="1261800"/>
+            <a:off x="503640" y="301680"/>
+            <a:ext cx="9069120" cy="1262520"/>
           </a:xfrm>
           <a:prstGeom prst="rect">
             <a:avLst/>
@@ -5467,8 +5467,8 @@
         </p:nvSpPr>
         <p:spPr>
           <a:xfrm>
-            <a:off x="503640" y="1769040"/>
-            <a:ext cx="4425120" cy="2091600"/>
+            <a:off x="503640" y="1769400"/>
+            <a:ext cx="4425480" cy="2091960"/>
           </a:xfrm>
           <a:prstGeom prst="rect">
             <a:avLst/>
@@ -5505,8 +5505,8 @@
         </p:nvSpPr>
         <p:spPr>
           <a:xfrm>
-            <a:off x="5150520" y="1769040"/>
-            <a:ext cx="4425120" cy="2091600"/>
+            <a:off x="5150880" y="1769400"/>
+            <a:ext cx="4425480" cy="2091960"/>
           </a:xfrm>
           <a:prstGeom prst="rect">
             <a:avLst/>
@@ -5543,8 +5543,8 @@
         </p:nvSpPr>
         <p:spPr>
           <a:xfrm>
-            <a:off x="5150520" y="4059720"/>
-            <a:ext cx="4425120" cy="2091600"/>
+            <a:off x="5150880" y="4060440"/>
+            <a:ext cx="4425480" cy="2091960"/>
           </a:xfrm>
           <a:prstGeom prst="rect">
             <a:avLst/>
@@ -5581,8 +5581,8 @@
         </p:nvSpPr>
         <p:spPr>
           <a:xfrm>
-            <a:off x="503640" y="4059720"/>
-            <a:ext cx="4425120" cy="2091600"/>
+            <a:off x="503640" y="4060440"/>
+            <a:ext cx="4425480" cy="2091960"/>
           </a:xfrm>
           <a:prstGeom prst="rect">
             <a:avLst/>
@@ -5641,8 +5641,8 @@
         </p:nvSpPr>
         <p:spPr>
           <a:xfrm>
-            <a:off x="503640" y="301320"/>
-            <a:ext cx="9068040" cy="1261800"/>
+            <a:off x="503640" y="301680"/>
+            <a:ext cx="9069120" cy="1262520"/>
           </a:xfrm>
           <a:prstGeom prst="rect">
             <a:avLst/>
@@ -5678,8 +5678,8 @@
         </p:nvSpPr>
         <p:spPr>
           <a:xfrm>
-            <a:off x="503640" y="1769040"/>
-            <a:ext cx="2919600" cy="2091600"/>
+            <a:off x="503640" y="1769400"/>
+            <a:ext cx="2919960" cy="2091960"/>
           </a:xfrm>
           <a:prstGeom prst="rect">
             <a:avLst/>
@@ -5716,8 +5716,8 @@
         </p:nvSpPr>
         <p:spPr>
           <a:xfrm>
-            <a:off x="3569760" y="1769040"/>
-            <a:ext cx="2919600" cy="2091600"/>
+            <a:off x="3570120" y="1769400"/>
+            <a:ext cx="2919960" cy="2091960"/>
           </a:xfrm>
           <a:prstGeom prst="rect">
             <a:avLst/>
@@ -5754,8 +5754,8 @@
         </p:nvSpPr>
         <p:spPr>
           <a:xfrm>
-            <a:off x="6635520" y="1769040"/>
-            <a:ext cx="2919600" cy="2091600"/>
+            <a:off x="6636240" y="1769400"/>
+            <a:ext cx="2919960" cy="2091960"/>
           </a:xfrm>
           <a:prstGeom prst="rect">
             <a:avLst/>
@@ -5792,8 +5792,8 @@
         </p:nvSpPr>
         <p:spPr>
           <a:xfrm>
-            <a:off x="6635520" y="4059720"/>
-            <a:ext cx="2919600" cy="2091600"/>
+            <a:off x="6636240" y="4060440"/>
+            <a:ext cx="2919960" cy="2091960"/>
           </a:xfrm>
           <a:prstGeom prst="rect">
             <a:avLst/>
@@ -5830,8 +5830,8 @@
         </p:nvSpPr>
         <p:spPr>
           <a:xfrm>
-            <a:off x="3569760" y="4059720"/>
-            <a:ext cx="2919600" cy="2091600"/>
+            <a:off x="3570120" y="4060440"/>
+            <a:ext cx="2919960" cy="2091960"/>
           </a:xfrm>
           <a:prstGeom prst="rect">
             <a:avLst/>
@@ -5868,8 +5868,8 @@
         </p:nvSpPr>
         <p:spPr>
           <a:xfrm>
-            <a:off x="503640" y="4059720"/>
-            <a:ext cx="2919600" cy="2091600"/>
+            <a:off x="503640" y="4060440"/>
+            <a:ext cx="2919960" cy="2091960"/>
           </a:xfrm>
           <a:prstGeom prst="rect">
             <a:avLst/>
@@ -5950,8 +5950,8 @@
         </p:nvSpPr>
         <p:spPr>
           <a:xfrm>
-            <a:off x="503640" y="301320"/>
-            <a:ext cx="9068040" cy="1261800"/>
+            <a:off x="503640" y="301680"/>
+            <a:ext cx="9069120" cy="1262520"/>
           </a:xfrm>
           <a:prstGeom prst="rect">
             <a:avLst/>
@@ -6009,8 +6009,8 @@
         </p:nvSpPr>
         <p:spPr>
           <a:xfrm>
-            <a:off x="503640" y="301320"/>
-            <a:ext cx="9068040" cy="1261800"/>
+            <a:off x="503640" y="301680"/>
+            <a:ext cx="9069120" cy="1262520"/>
           </a:xfrm>
           <a:prstGeom prst="rect">
             <a:avLst/>
@@ -6046,8 +6046,8 @@
         </p:nvSpPr>
         <p:spPr>
           <a:xfrm>
-            <a:off x="503640" y="1769040"/>
-            <a:ext cx="9068040" cy="4385160"/>
+            <a:off x="503640" y="1769400"/>
+            <a:ext cx="9069120" cy="4385880"/>
           </a:xfrm>
           <a:prstGeom prst="rect">
             <a:avLst/>
@@ -6105,8 +6105,8 @@
         </p:nvSpPr>
         <p:spPr>
           <a:xfrm>
-            <a:off x="503640" y="301320"/>
-            <a:ext cx="9068040" cy="1261800"/>
+            <a:off x="503640" y="301680"/>
+            <a:ext cx="9069120" cy="1262520"/>
           </a:xfrm>
           <a:prstGeom prst="rect">
             <a:avLst/>
@@ -6142,8 +6142,8 @@
         </p:nvSpPr>
         <p:spPr>
           <a:xfrm>
-            <a:off x="503640" y="1769040"/>
-            <a:ext cx="9068040" cy="4385160"/>
+            <a:off x="503640" y="1769400"/>
+            <a:ext cx="9069120" cy="4385880"/>
           </a:xfrm>
           <a:prstGeom prst="rect">
             <a:avLst/>
@@ -6202,8 +6202,8 @@
         </p:nvSpPr>
         <p:spPr>
           <a:xfrm>
-            <a:off x="503640" y="301320"/>
-            <a:ext cx="9068040" cy="1261800"/>
+            <a:off x="503640" y="301680"/>
+            <a:ext cx="9069120" cy="1262520"/>
           </a:xfrm>
           <a:prstGeom prst="rect">
             <a:avLst/>
@@ -6239,8 +6239,8 @@
         </p:nvSpPr>
         <p:spPr>
           <a:xfrm>
-            <a:off x="503640" y="1769040"/>
-            <a:ext cx="4425120" cy="4385160"/>
+            <a:off x="503640" y="1769400"/>
+            <a:ext cx="4425480" cy="4385880"/>
           </a:xfrm>
           <a:prstGeom prst="rect">
             <a:avLst/>
@@ -6277,8 +6277,8 @@
         </p:nvSpPr>
         <p:spPr>
           <a:xfrm>
-            <a:off x="5150520" y="1769040"/>
-            <a:ext cx="4425120" cy="4385160"/>
+            <a:off x="5150880" y="1769400"/>
+            <a:ext cx="4425480" cy="4385880"/>
           </a:xfrm>
           <a:prstGeom prst="rect">
             <a:avLst/>
@@ -6337,8 +6337,8 @@
         </p:nvSpPr>
         <p:spPr>
           <a:xfrm>
-            <a:off x="503640" y="301320"/>
-            <a:ext cx="9068040" cy="1261800"/>
+            <a:off x="503640" y="301680"/>
+            <a:ext cx="9069120" cy="1262520"/>
           </a:xfrm>
           <a:prstGeom prst="rect">
             <a:avLst/>
@@ -6396,8 +6396,8 @@
         </p:nvSpPr>
         <p:spPr>
           <a:xfrm>
-            <a:off x="503640" y="301320"/>
-            <a:ext cx="9068040" cy="5850360"/>
+            <a:off x="503640" y="301680"/>
+            <a:ext cx="9069120" cy="5853600"/>
           </a:xfrm>
           <a:prstGeom prst="rect">
             <a:avLst/>
@@ -6455,8 +6455,8 @@
         </p:nvSpPr>
         <p:spPr>
           <a:xfrm>
-            <a:off x="503640" y="301320"/>
-            <a:ext cx="9068040" cy="1261800"/>
+            <a:off x="503640" y="301680"/>
+            <a:ext cx="9069120" cy="1262520"/>
           </a:xfrm>
           <a:prstGeom prst="rect">
             <a:avLst/>
@@ -6492,8 +6492,8 @@
         </p:nvSpPr>
         <p:spPr>
           <a:xfrm>
-            <a:off x="503640" y="1769040"/>
-            <a:ext cx="4425120" cy="2091600"/>
+            <a:off x="503640" y="1769400"/>
+            <a:ext cx="4425480" cy="2091960"/>
           </a:xfrm>
           <a:prstGeom prst="rect">
             <a:avLst/>
@@ -6530,8 +6530,8 @@
         </p:nvSpPr>
         <p:spPr>
           <a:xfrm>
-            <a:off x="503640" y="4059720"/>
-            <a:ext cx="4425120" cy="2091600"/>
+            <a:off x="503640" y="4060440"/>
+            <a:ext cx="4425480" cy="2091960"/>
           </a:xfrm>
           <a:prstGeom prst="rect">
             <a:avLst/>
@@ -6568,8 +6568,8 @@
         </p:nvSpPr>
         <p:spPr>
           <a:xfrm>
-            <a:off x="5150520" y="1769040"/>
-            <a:ext cx="4425120" cy="4385160"/>
+            <a:off x="5150880" y="1769400"/>
+            <a:ext cx="4425480" cy="4385880"/>
           </a:xfrm>
           <a:prstGeom prst="rect">
             <a:avLst/>
@@ -6628,8 +6628,8 @@
         </p:nvSpPr>
         <p:spPr>
           <a:xfrm>
-            <a:off x="503640" y="301320"/>
-            <a:ext cx="9068040" cy="1261800"/>
+            <a:off x="503640" y="301680"/>
+            <a:ext cx="9069120" cy="1262520"/>
           </a:xfrm>
           <a:prstGeom prst="rect">
             <a:avLst/>
@@ -6665,8 +6665,8 @@
         </p:nvSpPr>
         <p:spPr>
           <a:xfrm>
-            <a:off x="503640" y="1769040"/>
-            <a:ext cx="4425120" cy="4385160"/>
+            <a:off x="503640" y="1769400"/>
+            <a:ext cx="4425480" cy="4385880"/>
           </a:xfrm>
           <a:prstGeom prst="rect">
             <a:avLst/>
@@ -6703,8 +6703,8 @@
         </p:nvSpPr>
         <p:spPr>
           <a:xfrm>
-            <a:off x="5150520" y="1769040"/>
-            <a:ext cx="4425120" cy="2091600"/>
+            <a:off x="5150880" y="1769400"/>
+            <a:ext cx="4425480" cy="2091960"/>
           </a:xfrm>
           <a:prstGeom prst="rect">
             <a:avLst/>
@@ -6741,8 +6741,8 @@
         </p:nvSpPr>
         <p:spPr>
           <a:xfrm>
-            <a:off x="5150520" y="4059720"/>
-            <a:ext cx="4425120" cy="2091600"/>
+            <a:off x="5150880" y="4060440"/>
+            <a:ext cx="4425480" cy="2091960"/>
           </a:xfrm>
           <a:prstGeom prst="rect">
             <a:avLst/>
@@ -6801,8 +6801,8 @@
         </p:nvSpPr>
         <p:spPr>
           <a:xfrm>
-            <a:off x="503640" y="301320"/>
-            <a:ext cx="9068040" cy="1261800"/>
+            <a:off x="503640" y="301680"/>
+            <a:ext cx="9069120" cy="1262520"/>
           </a:xfrm>
           <a:prstGeom prst="rect">
             <a:avLst/>
@@ -6838,8 +6838,8 @@
         </p:nvSpPr>
         <p:spPr>
           <a:xfrm>
-            <a:off x="503640" y="1769040"/>
-            <a:ext cx="4425120" cy="2091600"/>
+            <a:off x="503640" y="1769400"/>
+            <a:ext cx="4425480" cy="2091960"/>
           </a:xfrm>
           <a:prstGeom prst="rect">
             <a:avLst/>
@@ -6876,8 +6876,8 @@
         </p:nvSpPr>
         <p:spPr>
           <a:xfrm>
-            <a:off x="5150520" y="1769040"/>
-            <a:ext cx="4425120" cy="2091600"/>
+            <a:off x="5150880" y="1769400"/>
+            <a:ext cx="4425480" cy="2091960"/>
           </a:xfrm>
           <a:prstGeom prst="rect">
             <a:avLst/>
@@ -6914,8 +6914,8 @@
         </p:nvSpPr>
         <p:spPr>
           <a:xfrm>
-            <a:off x="503640" y="4059720"/>
-            <a:ext cx="9068040" cy="2091600"/>
+            <a:off x="503640" y="4060440"/>
+            <a:ext cx="9069120" cy="2091960"/>
           </a:xfrm>
           <a:prstGeom prst="rect">
             <a:avLst/>
@@ -6974,8 +6974,8 @@
         </p:nvSpPr>
         <p:spPr>
           <a:xfrm>
-            <a:off x="503640" y="301320"/>
-            <a:ext cx="9068040" cy="1261800"/>
+            <a:off x="503640" y="301680"/>
+            <a:ext cx="9069120" cy="1262520"/>
           </a:xfrm>
           <a:prstGeom prst="rect">
             <a:avLst/>
@@ -7011,8 +7011,8 @@
         </p:nvSpPr>
         <p:spPr>
           <a:xfrm>
-            <a:off x="503640" y="1769040"/>
-            <a:ext cx="9068040" cy="2091600"/>
+            <a:off x="503640" y="1769400"/>
+            <a:ext cx="9069120" cy="2091960"/>
           </a:xfrm>
           <a:prstGeom prst="rect">
             <a:avLst/>
@@ -7049,8 +7049,8 @@
         </p:nvSpPr>
         <p:spPr>
           <a:xfrm>
-            <a:off x="503640" y="4059720"/>
-            <a:ext cx="9068040" cy="2091600"/>
+            <a:off x="503640" y="4060440"/>
+            <a:ext cx="9069120" cy="2091960"/>
           </a:xfrm>
           <a:prstGeom prst="rect">
             <a:avLst/>
@@ -7109,8 +7109,8 @@
         </p:nvSpPr>
         <p:spPr>
           <a:xfrm>
-            <a:off x="503640" y="301320"/>
-            <a:ext cx="9068040" cy="1261800"/>
+            <a:off x="503640" y="301680"/>
+            <a:ext cx="9069120" cy="1262520"/>
           </a:xfrm>
           <a:prstGeom prst="rect">
             <a:avLst/>
@@ -7146,8 +7146,8 @@
         </p:nvSpPr>
         <p:spPr>
           <a:xfrm>
-            <a:off x="503640" y="1769040"/>
-            <a:ext cx="4425120" cy="2091600"/>
+            <a:off x="503640" y="1769400"/>
+            <a:ext cx="4425480" cy="2091960"/>
           </a:xfrm>
           <a:prstGeom prst="rect">
             <a:avLst/>
@@ -7184,8 +7184,8 @@
         </p:nvSpPr>
         <p:spPr>
           <a:xfrm>
-            <a:off x="5150520" y="1769040"/>
-            <a:ext cx="4425120" cy="2091600"/>
+            <a:off x="5150880" y="1769400"/>
+            <a:ext cx="4425480" cy="2091960"/>
           </a:xfrm>
           <a:prstGeom prst="rect">
             <a:avLst/>
@@ -7222,8 +7222,8 @@
         </p:nvSpPr>
         <p:spPr>
           <a:xfrm>
-            <a:off x="5150520" y="4059720"/>
-            <a:ext cx="4425120" cy="2091600"/>
+            <a:off x="5150880" y="4060440"/>
+            <a:ext cx="4425480" cy="2091960"/>
           </a:xfrm>
           <a:prstGeom prst="rect">
             <a:avLst/>
@@ -7260,8 +7260,8 @@
         </p:nvSpPr>
         <p:spPr>
           <a:xfrm>
-            <a:off x="503640" y="4059720"/>
-            <a:ext cx="4425120" cy="2091600"/>
+            <a:off x="503640" y="4060440"/>
+            <a:ext cx="4425480" cy="2091960"/>
           </a:xfrm>
           <a:prstGeom prst="rect">
             <a:avLst/>
@@ -7320,8 +7320,8 @@
         </p:nvSpPr>
         <p:spPr>
           <a:xfrm>
-            <a:off x="503640" y="301320"/>
-            <a:ext cx="9068040" cy="5850360"/>
+            <a:off x="503640" y="301680"/>
+            <a:ext cx="9069120" cy="5853600"/>
           </a:xfrm>
           <a:prstGeom prst="rect">
             <a:avLst/>
@@ -7379,8 +7379,8 @@
         </p:nvSpPr>
         <p:spPr>
           <a:xfrm>
-            <a:off x="503640" y="301320"/>
-            <a:ext cx="9068040" cy="1261800"/>
+            <a:off x="503640" y="301680"/>
+            <a:ext cx="9069120" cy="1262520"/>
           </a:xfrm>
           <a:prstGeom prst="rect">
             <a:avLst/>
@@ -7416,8 +7416,8 @@
         </p:nvSpPr>
         <p:spPr>
           <a:xfrm>
-            <a:off x="503640" y="1769040"/>
-            <a:ext cx="2919600" cy="2091600"/>
+            <a:off x="503640" y="1769400"/>
+            <a:ext cx="2919960" cy="2091960"/>
           </a:xfrm>
           <a:prstGeom prst="rect">
             <a:avLst/>
@@ -7454,8 +7454,8 @@
         </p:nvSpPr>
         <p:spPr>
           <a:xfrm>
-            <a:off x="3569760" y="1769040"/>
-            <a:ext cx="2919600" cy="2091600"/>
+            <a:off x="3570120" y="1769400"/>
+            <a:ext cx="2919960" cy="2091960"/>
           </a:xfrm>
           <a:prstGeom prst="rect">
             <a:avLst/>
@@ -7492,8 +7492,8 @@
         </p:nvSpPr>
         <p:spPr>
           <a:xfrm>
-            <a:off x="6635520" y="1769040"/>
-            <a:ext cx="2919600" cy="2091600"/>
+            <a:off x="6636240" y="1769400"/>
+            <a:ext cx="2919960" cy="2091960"/>
           </a:xfrm>
           <a:prstGeom prst="rect">
             <a:avLst/>
@@ -7530,8 +7530,8 @@
         </p:nvSpPr>
         <p:spPr>
           <a:xfrm>
-            <a:off x="6635520" y="4059720"/>
-            <a:ext cx="2919600" cy="2091600"/>
+            <a:off x="6636240" y="4060440"/>
+            <a:ext cx="2919960" cy="2091960"/>
           </a:xfrm>
           <a:prstGeom prst="rect">
             <a:avLst/>
@@ -7568,8 +7568,8 @@
         </p:nvSpPr>
         <p:spPr>
           <a:xfrm>
-            <a:off x="3569760" y="4059720"/>
-            <a:ext cx="2919600" cy="2091600"/>
+            <a:off x="3570120" y="4060440"/>
+            <a:ext cx="2919960" cy="2091960"/>
           </a:xfrm>
           <a:prstGeom prst="rect">
             <a:avLst/>
@@ -7606,8 +7606,8 @@
         </p:nvSpPr>
         <p:spPr>
           <a:xfrm>
-            <a:off x="503640" y="4059720"/>
-            <a:ext cx="2919600" cy="2091600"/>
+            <a:off x="503640" y="4060440"/>
+            <a:ext cx="2919960" cy="2091960"/>
           </a:xfrm>
           <a:prstGeom prst="rect">
             <a:avLst/>
@@ -7688,8 +7688,8 @@
         </p:nvSpPr>
         <p:spPr>
           <a:xfrm>
-            <a:off x="503640" y="301320"/>
-            <a:ext cx="9068040" cy="1261800"/>
+            <a:off x="503640" y="301680"/>
+            <a:ext cx="9069120" cy="1262520"/>
           </a:xfrm>
           <a:prstGeom prst="rect">
             <a:avLst/>
@@ -7725,8 +7725,8 @@
         </p:nvSpPr>
         <p:spPr>
           <a:xfrm>
-            <a:off x="503640" y="1769040"/>
-            <a:ext cx="9068040" cy="4385160"/>
+            <a:off x="503640" y="1769400"/>
+            <a:ext cx="9069120" cy="4385880"/>
           </a:xfrm>
           <a:prstGeom prst="rect">
             <a:avLst/>
@@ -7784,8 +7784,8 @@
         </p:nvSpPr>
         <p:spPr>
           <a:xfrm>
-            <a:off x="503640" y="301320"/>
-            <a:ext cx="9068040" cy="1261800"/>
+            <a:off x="503640" y="301680"/>
+            <a:ext cx="9069120" cy="1262520"/>
           </a:xfrm>
           <a:prstGeom prst="rect">
             <a:avLst/>
@@ -7821,8 +7821,8 @@
         </p:nvSpPr>
         <p:spPr>
           <a:xfrm>
-            <a:off x="503640" y="1769040"/>
-            <a:ext cx="9068040" cy="4385160"/>
+            <a:off x="503640" y="1769400"/>
+            <a:ext cx="9069120" cy="4385880"/>
           </a:xfrm>
           <a:prstGeom prst="rect">
             <a:avLst/>
@@ -7881,8 +7881,8 @@
         </p:nvSpPr>
         <p:spPr>
           <a:xfrm>
-            <a:off x="503640" y="301320"/>
-            <a:ext cx="9068040" cy="1261800"/>
+            <a:off x="503640" y="301680"/>
+            <a:ext cx="9069120" cy="1262520"/>
           </a:xfrm>
           <a:prstGeom prst="rect">
             <a:avLst/>
@@ -7918,8 +7918,8 @@
         </p:nvSpPr>
         <p:spPr>
           <a:xfrm>
-            <a:off x="503640" y="1769040"/>
-            <a:ext cx="4425120" cy="4385160"/>
+            <a:off x="503640" y="1769400"/>
+            <a:ext cx="4425480" cy="4385880"/>
           </a:xfrm>
           <a:prstGeom prst="rect">
             <a:avLst/>
@@ -7956,8 +7956,8 @@
         </p:nvSpPr>
         <p:spPr>
           <a:xfrm>
-            <a:off x="5150520" y="1769040"/>
-            <a:ext cx="4425120" cy="4385160"/>
+            <a:off x="5150880" y="1769400"/>
+            <a:ext cx="4425480" cy="4385880"/>
           </a:xfrm>
           <a:prstGeom prst="rect">
             <a:avLst/>
@@ -8016,8 +8016,8 @@
         </p:nvSpPr>
         <p:spPr>
           <a:xfrm>
-            <a:off x="503640" y="301320"/>
-            <a:ext cx="9068040" cy="1261800"/>
+            <a:off x="503640" y="301680"/>
+            <a:ext cx="9069120" cy="1262520"/>
           </a:xfrm>
           <a:prstGeom prst="rect">
             <a:avLst/>
@@ -8075,8 +8075,8 @@
         </p:nvSpPr>
         <p:spPr>
           <a:xfrm>
-            <a:off x="503640" y="301320"/>
-            <a:ext cx="9068040" cy="5850360"/>
+            <a:off x="503640" y="301680"/>
+            <a:ext cx="9069120" cy="5853600"/>
           </a:xfrm>
           <a:prstGeom prst="rect">
             <a:avLst/>
@@ -8134,8 +8134,8 @@
         </p:nvSpPr>
         <p:spPr>
           <a:xfrm>
-            <a:off x="503640" y="301320"/>
-            <a:ext cx="9068040" cy="1261800"/>
+            <a:off x="503640" y="301680"/>
+            <a:ext cx="9069120" cy="1262520"/>
           </a:xfrm>
           <a:prstGeom prst="rect">
             <a:avLst/>
@@ -8171,8 +8171,8 @@
         </p:nvSpPr>
         <p:spPr>
           <a:xfrm>
-            <a:off x="503640" y="1769040"/>
-            <a:ext cx="4425120" cy="2091600"/>
+            <a:off x="503640" y="1769400"/>
+            <a:ext cx="4425480" cy="2091960"/>
           </a:xfrm>
           <a:prstGeom prst="rect">
             <a:avLst/>
@@ -8209,8 +8209,8 @@
         </p:nvSpPr>
         <p:spPr>
           <a:xfrm>
-            <a:off x="503640" y="4059720"/>
-            <a:ext cx="4425120" cy="2091600"/>
+            <a:off x="503640" y="4060440"/>
+            <a:ext cx="4425480" cy="2091960"/>
           </a:xfrm>
           <a:prstGeom prst="rect">
             <a:avLst/>
@@ -8247,8 +8247,8 @@
         </p:nvSpPr>
         <p:spPr>
           <a:xfrm>
-            <a:off x="5150520" y="1769040"/>
-            <a:ext cx="4425120" cy="4385160"/>
+            <a:off x="5150880" y="1769400"/>
+            <a:ext cx="4425480" cy="4385880"/>
           </a:xfrm>
           <a:prstGeom prst="rect">
             <a:avLst/>
@@ -8307,8 +8307,8 @@
         </p:nvSpPr>
         <p:spPr>
           <a:xfrm>
-            <a:off x="503640" y="301320"/>
-            <a:ext cx="9068040" cy="1261800"/>
+            <a:off x="503640" y="301680"/>
+            <a:ext cx="9069120" cy="1262520"/>
           </a:xfrm>
           <a:prstGeom prst="rect">
             <a:avLst/>
@@ -8344,8 +8344,8 @@
         </p:nvSpPr>
         <p:spPr>
           <a:xfrm>
-            <a:off x="503640" y="1769040"/>
-            <a:ext cx="4425120" cy="4385160"/>
+            <a:off x="503640" y="1769400"/>
+            <a:ext cx="4425480" cy="4385880"/>
           </a:xfrm>
           <a:prstGeom prst="rect">
             <a:avLst/>
@@ -8382,8 +8382,8 @@
         </p:nvSpPr>
         <p:spPr>
           <a:xfrm>
-            <a:off x="5150520" y="1769040"/>
-            <a:ext cx="4425120" cy="2091600"/>
+            <a:off x="5150880" y="1769400"/>
+            <a:ext cx="4425480" cy="2091960"/>
           </a:xfrm>
           <a:prstGeom prst="rect">
             <a:avLst/>
@@ -8420,8 +8420,8 @@
         </p:nvSpPr>
         <p:spPr>
           <a:xfrm>
-            <a:off x="5150520" y="4059720"/>
-            <a:ext cx="4425120" cy="2091600"/>
+            <a:off x="5150880" y="4060440"/>
+            <a:ext cx="4425480" cy="2091960"/>
           </a:xfrm>
           <a:prstGeom prst="rect">
             <a:avLst/>
@@ -8480,8 +8480,8 @@
         </p:nvSpPr>
         <p:spPr>
           <a:xfrm>
-            <a:off x="503640" y="301320"/>
-            <a:ext cx="9068040" cy="1261800"/>
+            <a:off x="503640" y="301680"/>
+            <a:ext cx="9069120" cy="1262520"/>
           </a:xfrm>
           <a:prstGeom prst="rect">
             <a:avLst/>
@@ -8517,8 +8517,8 @@
         </p:nvSpPr>
         <p:spPr>
           <a:xfrm>
-            <a:off x="503640" y="1769040"/>
-            <a:ext cx="4425120" cy="2091600"/>
+            <a:off x="503640" y="1769400"/>
+            <a:ext cx="4425480" cy="2091960"/>
           </a:xfrm>
           <a:prstGeom prst="rect">
             <a:avLst/>
@@ -8555,8 +8555,8 @@
         </p:nvSpPr>
         <p:spPr>
           <a:xfrm>
-            <a:off x="5150520" y="1769040"/>
-            <a:ext cx="4425120" cy="2091600"/>
+            <a:off x="5150880" y="1769400"/>
+            <a:ext cx="4425480" cy="2091960"/>
           </a:xfrm>
           <a:prstGeom prst="rect">
             <a:avLst/>
@@ -8593,8 +8593,8 @@
         </p:nvSpPr>
         <p:spPr>
           <a:xfrm>
-            <a:off x="503640" y="4059720"/>
-            <a:ext cx="9068040" cy="2091600"/>
+            <a:off x="503640" y="4060440"/>
+            <a:ext cx="9069120" cy="2091960"/>
           </a:xfrm>
           <a:prstGeom prst="rect">
             <a:avLst/>
@@ -8653,8 +8653,8 @@
         </p:nvSpPr>
         <p:spPr>
           <a:xfrm>
-            <a:off x="503640" y="301320"/>
-            <a:ext cx="9068040" cy="1261800"/>
+            <a:off x="503640" y="301680"/>
+            <a:ext cx="9069120" cy="1262520"/>
           </a:xfrm>
           <a:prstGeom prst="rect">
             <a:avLst/>
@@ -8690,8 +8690,8 @@
         </p:nvSpPr>
         <p:spPr>
           <a:xfrm>
-            <a:off x="503640" y="1769040"/>
-            <a:ext cx="4425120" cy="2091600"/>
+            <a:off x="503640" y="1769400"/>
+            <a:ext cx="4425480" cy="2091960"/>
           </a:xfrm>
           <a:prstGeom prst="rect">
             <a:avLst/>
@@ -8728,8 +8728,8 @@
         </p:nvSpPr>
         <p:spPr>
           <a:xfrm>
-            <a:off x="503640" y="4059720"/>
-            <a:ext cx="4425120" cy="2091600"/>
+            <a:off x="503640" y="4060440"/>
+            <a:ext cx="4425480" cy="2091960"/>
           </a:xfrm>
           <a:prstGeom prst="rect">
             <a:avLst/>
@@ -8766,8 +8766,8 @@
         </p:nvSpPr>
         <p:spPr>
           <a:xfrm>
-            <a:off x="5150520" y="1769040"/>
-            <a:ext cx="4425120" cy="4385160"/>
+            <a:off x="5150880" y="1769400"/>
+            <a:ext cx="4425480" cy="4385880"/>
           </a:xfrm>
           <a:prstGeom prst="rect">
             <a:avLst/>
@@ -8826,8 +8826,8 @@
         </p:nvSpPr>
         <p:spPr>
           <a:xfrm>
-            <a:off x="503640" y="301320"/>
-            <a:ext cx="9068040" cy="1261800"/>
+            <a:off x="503640" y="301680"/>
+            <a:ext cx="9069120" cy="1262520"/>
           </a:xfrm>
           <a:prstGeom prst="rect">
             <a:avLst/>
@@ -8863,8 +8863,8 @@
         </p:nvSpPr>
         <p:spPr>
           <a:xfrm>
-            <a:off x="503640" y="1769040"/>
-            <a:ext cx="9068040" cy="2091600"/>
+            <a:off x="503640" y="1769400"/>
+            <a:ext cx="9069120" cy="2091960"/>
           </a:xfrm>
           <a:prstGeom prst="rect">
             <a:avLst/>
@@ -8901,8 +8901,8 @@
         </p:nvSpPr>
         <p:spPr>
           <a:xfrm>
-            <a:off x="503640" y="4059720"/>
-            <a:ext cx="9068040" cy="2091600"/>
+            <a:off x="503640" y="4060440"/>
+            <a:ext cx="9069120" cy="2091960"/>
           </a:xfrm>
           <a:prstGeom prst="rect">
             <a:avLst/>
@@ -8961,8 +8961,8 @@
         </p:nvSpPr>
         <p:spPr>
           <a:xfrm>
-            <a:off x="503640" y="301320"/>
-            <a:ext cx="9068040" cy="1261800"/>
+            <a:off x="503640" y="301680"/>
+            <a:ext cx="9069120" cy="1262520"/>
           </a:xfrm>
           <a:prstGeom prst="rect">
             <a:avLst/>
@@ -8998,8 +8998,8 @@
         </p:nvSpPr>
         <p:spPr>
           <a:xfrm>
-            <a:off x="503640" y="1769040"/>
-            <a:ext cx="4425120" cy="2091600"/>
+            <a:off x="503640" y="1769400"/>
+            <a:ext cx="4425480" cy="2091960"/>
           </a:xfrm>
           <a:prstGeom prst="rect">
             <a:avLst/>
@@ -9036,8 +9036,8 @@
         </p:nvSpPr>
         <p:spPr>
           <a:xfrm>
-            <a:off x="5150520" y="1769040"/>
-            <a:ext cx="4425120" cy="2091600"/>
+            <a:off x="5150880" y="1769400"/>
+            <a:ext cx="4425480" cy="2091960"/>
           </a:xfrm>
           <a:prstGeom prst="rect">
             <a:avLst/>
@@ -9074,8 +9074,8 @@
         </p:nvSpPr>
         <p:spPr>
           <a:xfrm>
-            <a:off x="5150520" y="4059720"/>
-            <a:ext cx="4425120" cy="2091600"/>
+            <a:off x="5150880" y="4060440"/>
+            <a:ext cx="4425480" cy="2091960"/>
           </a:xfrm>
           <a:prstGeom prst="rect">
             <a:avLst/>
@@ -9112,8 +9112,8 @@
         </p:nvSpPr>
         <p:spPr>
           <a:xfrm>
-            <a:off x="503640" y="4059720"/>
-            <a:ext cx="4425120" cy="2091600"/>
+            <a:off x="503640" y="4060440"/>
+            <a:ext cx="4425480" cy="2091960"/>
           </a:xfrm>
           <a:prstGeom prst="rect">
             <a:avLst/>
@@ -9172,8 +9172,8 @@
         </p:nvSpPr>
         <p:spPr>
           <a:xfrm>
-            <a:off x="503640" y="301320"/>
-            <a:ext cx="9068040" cy="1261800"/>
+            <a:off x="503640" y="301680"/>
+            <a:ext cx="9069120" cy="1262520"/>
           </a:xfrm>
           <a:prstGeom prst="rect">
             <a:avLst/>
@@ -9209,8 +9209,8 @@
         </p:nvSpPr>
         <p:spPr>
           <a:xfrm>
-            <a:off x="503640" y="1769040"/>
-            <a:ext cx="2919600" cy="2091600"/>
+            <a:off x="503640" y="1769400"/>
+            <a:ext cx="2919960" cy="2091960"/>
           </a:xfrm>
           <a:prstGeom prst="rect">
             <a:avLst/>
@@ -9247,8 +9247,8 @@
         </p:nvSpPr>
         <p:spPr>
           <a:xfrm>
-            <a:off x="3569760" y="1769040"/>
-            <a:ext cx="2919600" cy="2091600"/>
+            <a:off x="3570120" y="1769400"/>
+            <a:ext cx="2919960" cy="2091960"/>
           </a:xfrm>
           <a:prstGeom prst="rect">
             <a:avLst/>
@@ -9285,8 +9285,8 @@
         </p:nvSpPr>
         <p:spPr>
           <a:xfrm>
-            <a:off x="6635520" y="1769040"/>
-            <a:ext cx="2919600" cy="2091600"/>
+            <a:off x="6636240" y="1769400"/>
+            <a:ext cx="2919960" cy="2091960"/>
           </a:xfrm>
           <a:prstGeom prst="rect">
             <a:avLst/>
@@ -9323,8 +9323,8 @@
         </p:nvSpPr>
         <p:spPr>
           <a:xfrm>
-            <a:off x="6635520" y="4059720"/>
-            <a:ext cx="2919600" cy="2091600"/>
+            <a:off x="6636240" y="4060440"/>
+            <a:ext cx="2919960" cy="2091960"/>
           </a:xfrm>
           <a:prstGeom prst="rect">
             <a:avLst/>
@@ -9361,8 +9361,8 @@
         </p:nvSpPr>
         <p:spPr>
           <a:xfrm>
-            <a:off x="3569760" y="4059720"/>
-            <a:ext cx="2919600" cy="2091600"/>
+            <a:off x="3570120" y="4060440"/>
+            <a:ext cx="2919960" cy="2091960"/>
           </a:xfrm>
           <a:prstGeom prst="rect">
             <a:avLst/>
@@ -9399,8 +9399,8 @@
         </p:nvSpPr>
         <p:spPr>
           <a:xfrm>
-            <a:off x="503640" y="4059720"/>
-            <a:ext cx="2919600" cy="2091600"/>
+            <a:off x="503640" y="4060440"/>
+            <a:ext cx="2919960" cy="2091960"/>
           </a:xfrm>
           <a:prstGeom prst="rect">
             <a:avLst/>
@@ -9459,8 +9459,8 @@
         </p:nvSpPr>
         <p:spPr>
           <a:xfrm>
-            <a:off x="503640" y="301320"/>
-            <a:ext cx="9068040" cy="1261800"/>
+            <a:off x="503640" y="301680"/>
+            <a:ext cx="9069120" cy="1262520"/>
           </a:xfrm>
           <a:prstGeom prst="rect">
             <a:avLst/>
@@ -9496,8 +9496,8 @@
         </p:nvSpPr>
         <p:spPr>
           <a:xfrm>
-            <a:off x="503640" y="1769040"/>
-            <a:ext cx="4425120" cy="4385160"/>
+            <a:off x="503640" y="1769400"/>
+            <a:ext cx="4425480" cy="4385880"/>
           </a:xfrm>
           <a:prstGeom prst="rect">
             <a:avLst/>
@@ -9534,8 +9534,8 @@
         </p:nvSpPr>
         <p:spPr>
           <a:xfrm>
-            <a:off x="5150520" y="1769040"/>
-            <a:ext cx="4425120" cy="2091600"/>
+            <a:off x="5150880" y="1769400"/>
+            <a:ext cx="4425480" cy="2091960"/>
           </a:xfrm>
           <a:prstGeom prst="rect">
             <a:avLst/>
@@ -9572,8 +9572,8 @@
         </p:nvSpPr>
         <p:spPr>
           <a:xfrm>
-            <a:off x="5150520" y="4059720"/>
-            <a:ext cx="4425120" cy="2091600"/>
+            <a:off x="5150880" y="4060440"/>
+            <a:ext cx="4425480" cy="2091960"/>
           </a:xfrm>
           <a:prstGeom prst="rect">
             <a:avLst/>
@@ -9632,8 +9632,8 @@
         </p:nvSpPr>
         <p:spPr>
           <a:xfrm>
-            <a:off x="503640" y="301320"/>
-            <a:ext cx="9068040" cy="1261800"/>
+            <a:off x="503640" y="301680"/>
+            <a:ext cx="9069120" cy="1262520"/>
           </a:xfrm>
           <a:prstGeom prst="rect">
             <a:avLst/>
@@ -9669,8 +9669,8 @@
         </p:nvSpPr>
         <p:spPr>
           <a:xfrm>
-            <a:off x="503640" y="1769040"/>
-            <a:ext cx="4425120" cy="2091600"/>
+            <a:off x="503640" y="1769400"/>
+            <a:ext cx="4425480" cy="2091960"/>
           </a:xfrm>
           <a:prstGeom prst="rect">
             <a:avLst/>
@@ -9707,8 +9707,8 @@
         </p:nvSpPr>
         <p:spPr>
           <a:xfrm>
-            <a:off x="5150520" y="1769040"/>
-            <a:ext cx="4425120" cy="2091600"/>
+            <a:off x="5150880" y="1769400"/>
+            <a:ext cx="4425480" cy="2091960"/>
           </a:xfrm>
           <a:prstGeom prst="rect">
             <a:avLst/>
@@ -9745,8 +9745,8 @@
         </p:nvSpPr>
         <p:spPr>
           <a:xfrm>
-            <a:off x="503640" y="4059720"/>
-            <a:ext cx="9068040" cy="2091600"/>
+            <a:off x="503640" y="4060440"/>
+            <a:ext cx="9069120" cy="2091960"/>
           </a:xfrm>
           <a:prstGeom prst="rect">
             <a:avLst/>
@@ -9813,7 +9813,7 @@
         <p:spPr>
           <a:xfrm>
             <a:off x="503640" y="301320"/>
-            <a:ext cx="9068040" cy="1261800"/>
+            <a:ext cx="9067680" cy="1261440"/>
           </a:xfrm>
           <a:prstGeom prst="rect">
             <a:avLst/>
@@ -9862,8 +9862,8 @@
         </p:nvSpPr>
         <p:spPr>
           <a:xfrm>
-            <a:off x="503640" y="1769040"/>
-            <a:ext cx="9068400" cy="4385520"/>
+            <a:off x="503640" y="1769400"/>
+            <a:ext cx="9069120" cy="4385880"/>
           </a:xfrm>
           <a:prstGeom prst="rect">
             <a:avLst/>
@@ -9876,7 +9876,7 @@
           <a:p>
             <a:pPr marL="432000" indent="-324000">
               <a:spcBef>
-                <a:spcPts val="1414"/>
+                <a:spcPts val="1417"/>
               </a:spcBef>
               <a:buClr>
                 <a:srgbClr val="000000"/>
@@ -10197,8 +10197,8 @@
         </p:nvSpPr>
         <p:spPr>
           <a:xfrm>
-            <a:off x="503640" y="301320"/>
-            <a:ext cx="9068400" cy="1262160"/>
+            <a:off x="503640" y="301680"/>
+            <a:ext cx="9069120" cy="1262520"/>
           </a:xfrm>
           <a:prstGeom prst="rect">
             <a:avLst/>
@@ -10248,8 +10248,8 @@
         </p:nvSpPr>
         <p:spPr>
           <a:xfrm>
-            <a:off x="503640" y="1769040"/>
-            <a:ext cx="9068400" cy="4385520"/>
+            <a:off x="503640" y="1769400"/>
+            <a:ext cx="9069120" cy="4385880"/>
           </a:xfrm>
           <a:prstGeom prst="rect">
             <a:avLst/>
@@ -10262,7 +10262,7 @@
           <a:p>
             <a:pPr marL="432000" indent="-324000">
               <a:spcBef>
-                <a:spcPts val="1414"/>
+                <a:spcPts val="1417"/>
               </a:spcBef>
               <a:buClr>
                 <a:srgbClr val="000000"/>
@@ -10583,8 +10583,8 @@
         </p:nvSpPr>
         <p:spPr>
           <a:xfrm>
-            <a:off x="503640" y="301320"/>
-            <a:ext cx="9068400" cy="1262160"/>
+            <a:off x="503640" y="301680"/>
+            <a:ext cx="9069120" cy="1262520"/>
           </a:xfrm>
           <a:prstGeom prst="rect">
             <a:avLst/>
@@ -10634,8 +10634,8 @@
         </p:nvSpPr>
         <p:spPr>
           <a:xfrm>
-            <a:off x="503640" y="1769040"/>
-            <a:ext cx="9068400" cy="4385520"/>
+            <a:off x="503640" y="1769400"/>
+            <a:ext cx="9069120" cy="4385880"/>
           </a:xfrm>
           <a:prstGeom prst="rect">
             <a:avLst/>
@@ -10648,7 +10648,7 @@
           <a:p>
             <a:pPr marL="432000" indent="-324000">
               <a:spcBef>
-                <a:spcPts val="1414"/>
+                <a:spcPts val="1417"/>
               </a:spcBef>
               <a:buClr>
                 <a:srgbClr val="000000"/>
@@ -10969,8 +10969,8 @@
         </p:nvSpPr>
         <p:spPr>
           <a:xfrm>
-            <a:off x="503640" y="301320"/>
-            <a:ext cx="9068400" cy="1262160"/>
+            <a:off x="503640" y="301680"/>
+            <a:ext cx="9069120" cy="1262520"/>
           </a:xfrm>
           <a:prstGeom prst="rect">
             <a:avLst/>
@@ -11020,8 +11020,8 @@
         </p:nvSpPr>
         <p:spPr>
           <a:xfrm>
-            <a:off x="503640" y="1769040"/>
-            <a:ext cx="9068400" cy="4385520"/>
+            <a:off x="503640" y="1769400"/>
+            <a:ext cx="9069120" cy="4385880"/>
           </a:xfrm>
           <a:prstGeom prst="rect">
             <a:avLst/>
@@ -11034,7 +11034,7 @@
           <a:p>
             <a:pPr marL="432000" indent="-324000">
               <a:spcBef>
-                <a:spcPts val="1414"/>
+                <a:spcPts val="1417"/>
               </a:spcBef>
               <a:buClr>
                 <a:srgbClr val="000000"/>
@@ -11355,8 +11355,8 @@
         </p:nvSpPr>
         <p:spPr>
           <a:xfrm>
-            <a:off x="503640" y="301320"/>
-            <a:ext cx="9068400" cy="1262160"/>
+            <a:off x="503640" y="301680"/>
+            <a:ext cx="9069120" cy="1262520"/>
           </a:xfrm>
           <a:prstGeom prst="rect">
             <a:avLst/>
@@ -11406,8 +11406,8 @@
         </p:nvSpPr>
         <p:spPr>
           <a:xfrm>
-            <a:off x="503640" y="1769040"/>
-            <a:ext cx="9068400" cy="4385520"/>
+            <a:off x="503640" y="1769400"/>
+            <a:ext cx="9069120" cy="4385880"/>
           </a:xfrm>
           <a:prstGeom prst="rect">
             <a:avLst/>
@@ -11420,7 +11420,7 @@
           <a:p>
             <a:pPr marL="432000" indent="-324000">
               <a:spcBef>
-                <a:spcPts val="1414"/>
+                <a:spcPts val="1417"/>
               </a:spcBef>
               <a:buClr>
                 <a:srgbClr val="000000"/>
@@ -11741,8 +11741,8 @@
         </p:nvSpPr>
         <p:spPr>
           <a:xfrm>
-            <a:off x="503640" y="301320"/>
-            <a:ext cx="9068040" cy="1261800"/>
+            <a:off x="503640" y="301680"/>
+            <a:ext cx="9069120" cy="1262520"/>
           </a:xfrm>
           <a:prstGeom prst="rect">
             <a:avLst/>
@@ -11751,8 +11751,9 @@
         <p:txBody>
           <a:bodyPr lIns="0" rIns="0" tIns="0" bIns="0" anchor="ctr"/>
           <a:p>
+            <a:pPr algn="ctr"/>
             <a:r>
-              <a:rPr b="0" lang="en-US" sz="1800" spc="-1" strike="noStrike">
+              <a:rPr b="0" lang="en-US" sz="4400" spc="-1" strike="noStrike">
                 <a:solidFill>
                   <a:srgbClr val="000000"/>
                 </a:solidFill>
@@ -11765,7 +11766,7 @@
               </a:rPr>
               <a:t>Click to edit the title text format</a:t>
             </a:r>
-            <a:endParaRPr b="0" lang="en-US" sz="1800" spc="-1" strike="noStrike">
+            <a:endParaRPr b="0" lang="en-US" sz="4400" spc="-1" strike="noStrike">
               <a:solidFill>
                 <a:srgbClr val="000000"/>
               </a:solidFill>
@@ -11791,8 +11792,8 @@
         </p:nvSpPr>
         <p:spPr>
           <a:xfrm>
-            <a:off x="503640" y="1769040"/>
-            <a:ext cx="9068040" cy="4385160"/>
+            <a:off x="503640" y="1769400"/>
+            <a:ext cx="9069120" cy="4385880"/>
           </a:xfrm>
           <a:prstGeom prst="rect">
             <a:avLst/>
@@ -11805,7 +11806,7 @@
           <a:p>
             <a:pPr marL="432000" indent="-324000">
               <a:spcBef>
-                <a:spcPts val="1414"/>
+                <a:spcPts val="1417"/>
               </a:spcBef>
               <a:buClr>
                 <a:srgbClr val="000000"/>
@@ -11815,7 +11816,7 @@
               <a:buChar char=""/>
             </a:pPr>
             <a:r>
-              <a:rPr b="0" lang="en-US" sz="1800" spc="-1" strike="noStrike">
+              <a:rPr b="0" lang="en-US" sz="3200" spc="-1" strike="noStrike">
                 <a:solidFill>
                   <a:srgbClr val="000000"/>
                 </a:solidFill>
@@ -11828,7 +11829,7 @@
               </a:rPr>
               <a:t>Click to edit the outline text format</a:t>
             </a:r>
-            <a:endParaRPr b="0" lang="en-US" sz="1800" spc="-1" strike="noStrike">
+            <a:endParaRPr b="0" lang="en-US" sz="3200" spc="-1" strike="noStrike">
               <a:solidFill>
                 <a:srgbClr val="000000"/>
               </a:solidFill>
@@ -11853,7 +11854,7 @@
               <a:buChar char=""/>
             </a:pPr>
             <a:r>
-              <a:rPr b="0" lang="en-US" sz="1800" spc="-1" strike="noStrike">
+              <a:rPr b="0" lang="en-US" sz="2800" spc="-1" strike="noStrike">
                 <a:solidFill>
                   <a:srgbClr val="000000"/>
                 </a:solidFill>
@@ -11866,7 +11867,7 @@
               </a:rPr>
               <a:t>Second Outline Level</a:t>
             </a:r>
-            <a:endParaRPr b="0" lang="en-US" sz="1800" spc="-1" strike="noStrike">
+            <a:endParaRPr b="0" lang="en-US" sz="2800" spc="-1" strike="noStrike">
               <a:solidFill>
                 <a:srgbClr val="000000"/>
               </a:solidFill>
@@ -11891,7 +11892,7 @@
               <a:buChar char=""/>
             </a:pPr>
             <a:r>
-              <a:rPr b="0" lang="en-US" sz="1800" spc="-1" strike="noStrike">
+              <a:rPr b="0" lang="en-US" sz="2400" spc="-1" strike="noStrike">
                 <a:solidFill>
                   <a:srgbClr val="000000"/>
                 </a:solidFill>
@@ -11904,7 +11905,7 @@
               </a:rPr>
               <a:t>Third Outline Level</a:t>
             </a:r>
-            <a:endParaRPr b="0" lang="en-US" sz="1800" spc="-1" strike="noStrike">
+            <a:endParaRPr b="0" lang="en-US" sz="2400" spc="-1" strike="noStrike">
               <a:solidFill>
                 <a:srgbClr val="000000"/>
               </a:solidFill>
@@ -11929,7 +11930,7 @@
               <a:buChar char=""/>
             </a:pPr>
             <a:r>
-              <a:rPr b="0" lang="en-US" sz="1800" spc="-1" strike="noStrike">
+              <a:rPr b="0" lang="en-US" sz="2000" spc="-1" strike="noStrike">
                 <a:solidFill>
                   <a:srgbClr val="000000"/>
                 </a:solidFill>
@@ -11942,7 +11943,7 @@
               </a:rPr>
               <a:t>Fourth Outline Level</a:t>
             </a:r>
-            <a:endParaRPr b="0" lang="en-US" sz="1800" spc="-1" strike="noStrike">
+            <a:endParaRPr b="0" lang="en-US" sz="2000" spc="-1" strike="noStrike">
               <a:solidFill>
                 <a:srgbClr val="000000"/>
               </a:solidFill>
@@ -11967,7 +11968,7 @@
               <a:buChar char=""/>
             </a:pPr>
             <a:r>
-              <a:rPr b="0" lang="en-US" sz="1800" spc="-1" strike="noStrike">
+              <a:rPr b="0" lang="en-US" sz="2000" spc="-1" strike="noStrike">
                 <a:solidFill>
                   <a:srgbClr val="000000"/>
                 </a:solidFill>
@@ -11980,7 +11981,7 @@
               </a:rPr>
               <a:t>Fifth Outline Level</a:t>
             </a:r>
-            <a:endParaRPr b="0" lang="en-US" sz="1800" spc="-1" strike="noStrike">
+            <a:endParaRPr b="0" lang="en-US" sz="2000" spc="-1" strike="noStrike">
               <a:solidFill>
                 <a:srgbClr val="000000"/>
               </a:solidFill>
@@ -12005,7 +12006,7 @@
               <a:buChar char=""/>
             </a:pPr>
             <a:r>
-              <a:rPr b="0" lang="en-US" sz="1800" spc="-1" strike="noStrike">
+              <a:rPr b="0" lang="en-US" sz="2000" spc="-1" strike="noStrike">
                 <a:solidFill>
                   <a:srgbClr val="000000"/>
                 </a:solidFill>
@@ -12018,7 +12019,7 @@
               </a:rPr>
               <a:t>Sixth Outline Level</a:t>
             </a:r>
-            <a:endParaRPr b="0" lang="en-US" sz="1800" spc="-1" strike="noStrike">
+            <a:endParaRPr b="0" lang="en-US" sz="2000" spc="-1" strike="noStrike">
               <a:solidFill>
                 <a:srgbClr val="000000"/>
               </a:solidFill>
@@ -12043,7 +12044,7 @@
               <a:buChar char=""/>
             </a:pPr>
             <a:r>
-              <a:rPr b="0" lang="en-US" sz="1800" spc="-1" strike="noStrike">
+              <a:rPr b="0" lang="en-US" sz="2000" spc="-1" strike="noStrike">
                 <a:solidFill>
                   <a:srgbClr val="000000"/>
                 </a:solidFill>
@@ -12056,7 +12057,7 @@
               </a:rPr>
               <a:t>Seventh Outline Level</a:t>
             </a:r>
-            <a:endParaRPr b="0" lang="en-US" sz="1800" spc="-1" strike="noStrike">
+            <a:endParaRPr b="0" lang="en-US" sz="2000" spc="-1" strike="noStrike">
               <a:solidFill>
                 <a:srgbClr val="000000"/>
               </a:solidFill>
@@ -12116,7 +12117,7 @@
         <p:spPr>
           <a:xfrm>
             <a:off x="468000" y="2340360"/>
-            <a:ext cx="9065520" cy="1260360"/>
+            <a:ext cx="9065160" cy="1260000"/>
           </a:xfrm>
           <a:prstGeom prst="rect">
             <a:avLst/>
@@ -12294,7 +12295,7 @@
         <p:spPr>
           <a:xfrm>
             <a:off x="503640" y="301320"/>
-            <a:ext cx="9065520" cy="1260000"/>
+            <a:ext cx="9065160" cy="1259640"/>
           </a:xfrm>
           <a:prstGeom prst="rect">
             <a:avLst/>
@@ -12360,7 +12361,7 @@
         <p:spPr>
           <a:xfrm>
             <a:off x="617760" y="1440360"/>
-            <a:ext cx="9001800" cy="5742720"/>
+            <a:ext cx="9001440" cy="5742360"/>
           </a:xfrm>
           <a:prstGeom prst="rect">
             <a:avLst/>
@@ -12428,7 +12429,7 @@
         <p:spPr>
           <a:xfrm>
             <a:off x="468000" y="2700720"/>
-            <a:ext cx="9066240" cy="1260720"/>
+            <a:ext cx="9065880" cy="1260360"/>
           </a:xfrm>
           <a:prstGeom prst="rect">
             <a:avLst/>
@@ -12539,7 +12540,7 @@
         <p:spPr>
           <a:xfrm>
             <a:off x="4935600" y="1554840"/>
-            <a:ext cx="4477680" cy="5670000"/>
+            <a:ext cx="4477320" cy="5669640"/>
           </a:xfrm>
           <a:prstGeom prst="rect">
             <a:avLst/>
@@ -12569,7 +12570,7 @@
         <p:spPr>
           <a:xfrm>
             <a:off x="1096560" y="1554840"/>
-            <a:ext cx="3472200" cy="5670000"/>
+            <a:ext cx="3471840" cy="5669640"/>
           </a:xfrm>
           <a:prstGeom prst="rect">
             <a:avLst/>
@@ -12599,7 +12600,7 @@
         <p:spPr>
           <a:xfrm>
             <a:off x="1736640" y="1737720"/>
-            <a:ext cx="2101320" cy="769320"/>
+            <a:ext cx="2100960" cy="768960"/>
           </a:xfrm>
           <a:prstGeom prst="rect">
             <a:avLst/>
@@ -12684,7 +12685,7 @@
         <p:spPr>
           <a:xfrm>
             <a:off x="1462320" y="2574720"/>
-            <a:ext cx="2558160" cy="1553760"/>
+            <a:ext cx="2557800" cy="1553400"/>
           </a:xfrm>
           <a:prstGeom prst="rect">
             <a:avLst/>
@@ -12714,7 +12715,7 @@
         <p:spPr>
           <a:xfrm>
             <a:off x="1553760" y="2682000"/>
-            <a:ext cx="2009880" cy="1355040"/>
+            <a:ext cx="2009520" cy="1354680"/>
           </a:xfrm>
           <a:prstGeom prst="rect">
             <a:avLst/>
@@ -12761,7 +12762,7 @@
             </a:endParaRPr>
           </a:p>
           <a:p>
-            <a:pPr marL="216000" indent="-214920">
+            <a:pPr marL="216000" indent="-214560">
               <a:lnSpc>
                 <a:spcPct val="100000"/>
               </a:lnSpc>
@@ -12800,7 +12801,7 @@
             </a:endParaRPr>
           </a:p>
           <a:p>
-            <a:pPr marL="216000" indent="-214920">
+            <a:pPr marL="216000" indent="-214560">
               <a:lnSpc>
                 <a:spcPct val="100000"/>
               </a:lnSpc>
@@ -12839,7 +12840,7 @@
             </a:endParaRPr>
           </a:p>
           <a:p>
-            <a:pPr marL="216000" indent="-214920">
+            <a:pPr marL="216000" indent="-214560">
               <a:lnSpc>
                 <a:spcPct val="100000"/>
               </a:lnSpc>
@@ -12878,7 +12879,7 @@
             </a:endParaRPr>
           </a:p>
           <a:p>
-            <a:pPr marL="216000" indent="-214920">
+            <a:pPr marL="216000" indent="-214560">
               <a:lnSpc>
                 <a:spcPct val="100000"/>
               </a:lnSpc>
@@ -12927,7 +12928,7 @@
         <p:spPr>
           <a:xfrm>
             <a:off x="5591880" y="2610720"/>
-            <a:ext cx="3015360" cy="1096560"/>
+            <a:ext cx="3015000" cy="1096200"/>
           </a:xfrm>
           <a:prstGeom prst="rect">
             <a:avLst/>
@@ -12957,7 +12958,7 @@
         <p:spPr>
           <a:xfrm>
             <a:off x="1462320" y="4427640"/>
-            <a:ext cx="2558160" cy="1882800"/>
+            <a:ext cx="2557800" cy="1882440"/>
           </a:xfrm>
           <a:prstGeom prst="rect">
             <a:avLst/>
@@ -12987,7 +12988,7 @@
         <p:spPr>
           <a:xfrm>
             <a:off x="1553760" y="4390560"/>
-            <a:ext cx="2192760" cy="1861560"/>
+            <a:ext cx="2192400" cy="1861200"/>
           </a:xfrm>
           <a:prstGeom prst="rect">
             <a:avLst/>
@@ -13034,7 +13035,7 @@
             </a:endParaRPr>
           </a:p>
           <a:p>
-            <a:pPr marL="216000" indent="-214920">
+            <a:pPr marL="216000" indent="-214560">
               <a:lnSpc>
                 <a:spcPct val="100000"/>
               </a:lnSpc>
@@ -13073,7 +13074,7 @@
             </a:endParaRPr>
           </a:p>
           <a:p>
-            <a:pPr marL="216000" indent="-214920">
+            <a:pPr marL="216000" indent="-214560">
               <a:lnSpc>
                 <a:spcPct val="100000"/>
               </a:lnSpc>
@@ -13112,7 +13113,7 @@
             </a:endParaRPr>
           </a:p>
           <a:p>
-            <a:pPr marL="216000" indent="-214920">
+            <a:pPr marL="216000" indent="-214560">
               <a:lnSpc>
                 <a:spcPct val="100000"/>
               </a:lnSpc>
@@ -13151,7 +13152,7 @@
             </a:endParaRPr>
           </a:p>
           <a:p>
-            <a:pPr marL="216000" indent="-214920">
+            <a:pPr marL="216000" indent="-214560">
               <a:lnSpc>
                 <a:spcPct val="100000"/>
               </a:lnSpc>
@@ -13190,7 +13191,7 @@
             </a:endParaRPr>
           </a:p>
           <a:p>
-            <a:pPr marL="216000" indent="-214920">
+            <a:pPr marL="216000" indent="-214560">
               <a:lnSpc>
                 <a:spcPct val="100000"/>
               </a:lnSpc>
@@ -13229,7 +13230,7 @@
             </a:endParaRPr>
           </a:p>
           <a:p>
-            <a:pPr marL="216000" indent="-214920">
+            <a:pPr marL="216000" indent="-214560">
               <a:lnSpc>
                 <a:spcPct val="100000"/>
               </a:lnSpc>
@@ -13278,7 +13279,7 @@
         <p:spPr>
           <a:xfrm>
             <a:off x="5941080" y="1738080"/>
-            <a:ext cx="1918440" cy="824760"/>
+            <a:ext cx="1918080" cy="824400"/>
           </a:xfrm>
           <a:prstGeom prst="rect">
             <a:avLst/>
@@ -13363,7 +13364,7 @@
         <p:spPr>
           <a:xfrm>
             <a:off x="5666760" y="2718000"/>
-            <a:ext cx="3198240" cy="1080720"/>
+            <a:ext cx="3197880" cy="1080360"/>
           </a:xfrm>
           <a:prstGeom prst="rect">
             <a:avLst/>
@@ -13410,7 +13411,7 @@
             </a:endParaRPr>
           </a:p>
           <a:p>
-            <a:pPr marL="216000" indent="-214920">
+            <a:pPr marL="216000" indent="-214560">
               <a:lnSpc>
                 <a:spcPct val="100000"/>
               </a:lnSpc>
@@ -13449,7 +13450,7 @@
             </a:endParaRPr>
           </a:p>
           <a:p>
-            <a:pPr marL="216000" indent="-214920">
+            <a:pPr marL="216000" indent="-214560">
               <a:lnSpc>
                 <a:spcPct val="100000"/>
               </a:lnSpc>
@@ -13498,7 +13499,7 @@
         <p:spPr>
           <a:xfrm>
             <a:off x="5849640" y="4427640"/>
-            <a:ext cx="2558160" cy="1882800"/>
+            <a:ext cx="2557800" cy="1882440"/>
           </a:xfrm>
           <a:prstGeom prst="rect">
             <a:avLst/>
@@ -13528,7 +13529,7 @@
         <p:spPr>
           <a:xfrm>
             <a:off x="5941080" y="4519080"/>
-            <a:ext cx="2192760" cy="1608120"/>
+            <a:ext cx="2192400" cy="1607760"/>
           </a:xfrm>
           <a:prstGeom prst="rect">
             <a:avLst/>
@@ -13575,7 +13576,7 @@
             </a:endParaRPr>
           </a:p>
           <a:p>
-            <a:pPr marL="216000" indent="-214920">
+            <a:pPr marL="216000" indent="-214560">
               <a:lnSpc>
                 <a:spcPct val="100000"/>
               </a:lnSpc>
@@ -13614,7 +13615,7 @@
             </a:endParaRPr>
           </a:p>
           <a:p>
-            <a:pPr marL="216000" indent="-214920">
+            <a:pPr marL="216000" indent="-214560">
               <a:lnSpc>
                 <a:spcPct val="100000"/>
               </a:lnSpc>
@@ -13653,7 +13654,7 @@
             </a:endParaRPr>
           </a:p>
           <a:p>
-            <a:pPr marL="216000" indent="-214920">
+            <a:pPr marL="216000" indent="-214560">
               <a:lnSpc>
                 <a:spcPct val="100000"/>
               </a:lnSpc>
@@ -13692,7 +13693,7 @@
             </a:endParaRPr>
           </a:p>
           <a:p>
-            <a:pPr marL="216000" indent="-214920">
+            <a:pPr marL="216000" indent="-214560">
               <a:lnSpc>
                 <a:spcPct val="100000"/>
               </a:lnSpc>
@@ -13741,7 +13742,7 @@
         <p:spPr>
           <a:xfrm>
             <a:off x="3228480" y="640080"/>
-            <a:ext cx="3259800" cy="713160"/>
+            <a:ext cx="3259440" cy="712800"/>
           </a:xfrm>
           <a:prstGeom prst="rect">
             <a:avLst/>
@@ -13852,7 +13853,7 @@
         <p:spPr>
           <a:xfrm>
             <a:off x="539640" y="-166680"/>
-            <a:ext cx="9065520" cy="1260000"/>
+            <a:ext cx="9065160" cy="1259640"/>
           </a:xfrm>
           <a:prstGeom prst="rect">
             <a:avLst/>
@@ -13918,7 +13919,7 @@
         <p:spPr>
           <a:xfrm>
             <a:off x="1046160" y="767520"/>
-            <a:ext cx="8093160" cy="6683760"/>
+            <a:ext cx="8092800" cy="6683400"/>
           </a:xfrm>
           <a:prstGeom prst="rect">
             <a:avLst/>
@@ -13937,7 +13938,7 @@
         <p:spPr>
           <a:xfrm>
             <a:off x="4661280" y="1737720"/>
-            <a:ext cx="546480" cy="363960"/>
+            <a:ext cx="546120" cy="363600"/>
           </a:xfrm>
           <a:custGeom>
             <a:avLst/>
@@ -13999,7 +14000,7 @@
         <p:spPr>
           <a:xfrm>
             <a:off x="4661280" y="3897000"/>
-            <a:ext cx="546480" cy="363960"/>
+            <a:ext cx="546120" cy="363600"/>
           </a:xfrm>
           <a:custGeom>
             <a:avLst/>
@@ -14061,7 +14062,7 @@
         <p:spPr>
           <a:xfrm>
             <a:off x="4680720" y="6036840"/>
-            <a:ext cx="546480" cy="363960"/>
+            <a:ext cx="546120" cy="363600"/>
           </a:xfrm>
           <a:custGeom>
             <a:avLst/>
@@ -14172,7 +14173,7 @@
         <p:spPr>
           <a:xfrm>
             <a:off x="503640" y="301320"/>
-            <a:ext cx="9067320" cy="1261800"/>
+            <a:ext cx="9066960" cy="1261440"/>
           </a:xfrm>
           <a:prstGeom prst="rect">
             <a:avLst/>
@@ -14234,7 +14235,7 @@
         <p:spPr>
           <a:xfrm>
             <a:off x="503640" y="1769400"/>
-            <a:ext cx="9067320" cy="5103360"/>
+            <a:ext cx="9066960" cy="5103000"/>
           </a:xfrm>
           <a:prstGeom prst="rect">
             <a:avLst/>
@@ -14253,7 +14254,7 @@
         <p:txBody>
           <a:bodyPr lIns="0" rIns="0" tIns="0" bIns="0"/>
           <a:p>
-            <a:pPr marL="432000" indent="-329760">
+            <a:pPr marL="432000" indent="-329400">
               <a:lnSpc>
                 <a:spcPct val="100000"/>
               </a:lnSpc>
@@ -14292,7 +14293,7 @@
             </a:endParaRPr>
           </a:p>
           <a:p>
-            <a:pPr lvl="1" marL="864000" indent="-342720">
+            <a:pPr lvl="1" marL="864000" indent="-342360">
               <a:lnSpc>
                 <a:spcPct val="100000"/>
               </a:lnSpc>
@@ -14331,7 +14332,7 @@
             </a:endParaRPr>
           </a:p>
           <a:p>
-            <a:pPr lvl="1" marL="864000" indent="-342720">
+            <a:pPr lvl="1" marL="864000" indent="-342360">
               <a:lnSpc>
                 <a:spcPct val="100000"/>
               </a:lnSpc>
@@ -14370,7 +14371,7 @@
             </a:endParaRPr>
           </a:p>
           <a:p>
-            <a:pPr lvl="1" marL="864000" indent="-342720">
+            <a:pPr lvl="1" marL="864000" indent="-342360">
               <a:lnSpc>
                 <a:spcPct val="100000"/>
               </a:lnSpc>
@@ -14409,7 +14410,7 @@
             </a:endParaRPr>
           </a:p>
           <a:p>
-            <a:pPr marL="457200" indent="-354960">
+            <a:pPr marL="457200" indent="-354600">
               <a:lnSpc>
                 <a:spcPct val="100000"/>
               </a:lnSpc>
@@ -14427,7 +14428,7 @@
             </a:endParaRPr>
           </a:p>
           <a:p>
-            <a:pPr marL="432000" indent="-329760">
+            <a:pPr marL="432000" indent="-329400">
               <a:lnSpc>
                 <a:spcPct val="100000"/>
               </a:lnSpc>
@@ -14469,7 +14470,7 @@
             </a:endParaRPr>
           </a:p>
           <a:p>
-            <a:pPr lvl="1" marL="864000" indent="-329760">
+            <a:pPr lvl="1" marL="864000" indent="-329400">
               <a:lnSpc>
                 <a:spcPct val="100000"/>
               </a:lnSpc>
@@ -14511,7 +14512,7 @@
             </a:endParaRPr>
           </a:p>
           <a:p>
-            <a:pPr lvl="1" marL="864000" indent="-329760">
+            <a:pPr lvl="1" marL="864000" indent="-329400">
               <a:lnSpc>
                 <a:spcPct val="100000"/>
               </a:lnSpc>
@@ -14633,7 +14634,7 @@
         <p:spPr>
           <a:xfrm>
             <a:off x="503640" y="301320"/>
-            <a:ext cx="9066600" cy="1261080"/>
+            <a:ext cx="9066240" cy="1260720"/>
           </a:xfrm>
           <a:prstGeom prst="rect">
             <a:avLst/>
@@ -14695,7 +14696,7 @@
         <p:spPr>
           <a:xfrm>
             <a:off x="581760" y="1714680"/>
-            <a:ext cx="9066600" cy="5754600"/>
+            <a:ext cx="9066240" cy="5754240"/>
           </a:xfrm>
           <a:prstGeom prst="rect">
             <a:avLst/>
@@ -14819,7 +14820,7 @@
         </p:nvGraphicFramePr>
         <p:xfrm>
           <a:off x="896400" y="2900160"/>
-          <a:ext cx="8438040" cy="3625920"/>
+          <a:ext cx="8437680" cy="3625560"/>
         </p:xfrm>
         <a:graphic>
           <a:graphicData uri="http://schemas.openxmlformats.org/drawingml/2006/table">
@@ -16665,7 +16666,7 @@
         <p:spPr>
           <a:xfrm>
             <a:off x="503640" y="301320"/>
-            <a:ext cx="9066600" cy="1261080"/>
+            <a:ext cx="9066240" cy="1260720"/>
           </a:xfrm>
           <a:prstGeom prst="rect">
             <a:avLst/>
@@ -16731,7 +16732,7 @@
         <p:spPr>
           <a:xfrm>
             <a:off x="1541160" y="1563840"/>
-            <a:ext cx="7049520" cy="5984640"/>
+            <a:ext cx="7049160" cy="5984280"/>
           </a:xfrm>
           <a:prstGeom prst="rect">
             <a:avLst/>
@@ -16799,7 +16800,7 @@
         <p:spPr>
           <a:xfrm>
             <a:off x="573840" y="1755360"/>
-            <a:ext cx="9066600" cy="4384800"/>
+            <a:ext cx="9066240" cy="4384440"/>
           </a:xfrm>
           <a:prstGeom prst="rect">
             <a:avLst/>
@@ -16824,7 +16825,7 @@
         </p:nvGraphicFramePr>
         <p:xfrm>
           <a:off x="692640" y="2267640"/>
-          <a:ext cx="8689320" cy="2024640"/>
+          <a:ext cx="8688960" cy="2024280"/>
         </p:xfrm>
         <a:graphic>
           <a:graphicData uri="http://schemas.openxmlformats.org/drawingml/2006/table">
@@ -17385,7 +17386,7 @@
         <p:spPr>
           <a:xfrm>
             <a:off x="503640" y="301320"/>
-            <a:ext cx="9066600" cy="1261080"/>
+            <a:ext cx="9066240" cy="1260720"/>
           </a:xfrm>
           <a:prstGeom prst="rect">
             <a:avLst/>
@@ -17496,7 +17497,7 @@
         <p:spPr>
           <a:xfrm>
             <a:off x="468000" y="2700720"/>
-            <a:ext cx="9066240" cy="1260720"/>
+            <a:ext cx="9065880" cy="1260360"/>
           </a:xfrm>
           <a:prstGeom prst="rect">
             <a:avLst/>
@@ -17607,7 +17608,7 @@
         <p:spPr>
           <a:xfrm>
             <a:off x="503640" y="301320"/>
-            <a:ext cx="9067320" cy="1261800"/>
+            <a:ext cx="9066960" cy="1261440"/>
           </a:xfrm>
           <a:prstGeom prst="rect">
             <a:avLst/>
@@ -17669,7 +17670,7 @@
         <p:spPr>
           <a:xfrm>
             <a:off x="573840" y="1755360"/>
-            <a:ext cx="9067320" cy="4385520"/>
+            <a:ext cx="9066960" cy="4385160"/>
           </a:xfrm>
           <a:prstGeom prst="rect">
             <a:avLst/>
@@ -17688,7 +17689,7 @@
         <p:txBody>
           <a:bodyPr lIns="0" rIns="0" tIns="0" bIns="0"/>
           <a:p>
-            <a:pPr marL="457200" indent="-430920">
+            <a:pPr marL="457200" indent="-430560">
               <a:lnSpc>
                 <a:spcPct val="100000"/>
               </a:lnSpc>
@@ -17744,7 +17745,7 @@
             </a:endParaRPr>
           </a:p>
           <a:p>
-            <a:pPr marL="457200" indent="-430920">
+            <a:pPr marL="457200" indent="-430560">
               <a:lnSpc>
                 <a:spcPct val="100000"/>
               </a:lnSpc>
@@ -17782,7 +17783,7 @@
             </a:endParaRPr>
           </a:p>
           <a:p>
-            <a:pPr marL="457200" indent="-430920">
+            <a:pPr marL="457200" indent="-430560">
               <a:lnSpc>
                 <a:spcPct val="100000"/>
               </a:lnSpc>
@@ -17853,7 +17854,7 @@
             </a:endParaRPr>
           </a:p>
           <a:p>
-            <a:pPr marL="457200" indent="-430920">
+            <a:pPr marL="457200" indent="-430560">
               <a:lnSpc>
                 <a:spcPct val="100000"/>
               </a:lnSpc>
@@ -18046,7 +18047,7 @@
         <p:spPr>
           <a:xfrm>
             <a:off x="503640" y="301320"/>
-            <a:ext cx="9066240" cy="1260720"/>
+            <a:ext cx="9065880" cy="1260360"/>
           </a:xfrm>
           <a:prstGeom prst="rect">
             <a:avLst/>
@@ -18108,7 +18109,7 @@
         <p:spPr>
           <a:xfrm>
             <a:off x="503640" y="1769400"/>
-            <a:ext cx="9066240" cy="4384440"/>
+            <a:ext cx="9065880" cy="4384080"/>
           </a:xfrm>
           <a:prstGeom prst="rect">
             <a:avLst/>
@@ -18138,7 +18139,7 @@
         <p:spPr>
           <a:xfrm>
             <a:off x="392040" y="1700280"/>
-            <a:ext cx="9330120" cy="5439240"/>
+            <a:ext cx="9329760" cy="5438880"/>
           </a:xfrm>
           <a:prstGeom prst="rect">
             <a:avLst/>
@@ -18206,7 +18207,7 @@
         <p:spPr>
           <a:xfrm>
             <a:off x="503640" y="301320"/>
-            <a:ext cx="9067320" cy="1261800"/>
+            <a:ext cx="9066960" cy="1261440"/>
           </a:xfrm>
           <a:prstGeom prst="rect">
             <a:avLst/>
@@ -18268,7 +18269,7 @@
         <p:spPr>
           <a:xfrm>
             <a:off x="573840" y="1755360"/>
-            <a:ext cx="9067320" cy="4385520"/>
+            <a:ext cx="9066960" cy="4385160"/>
           </a:xfrm>
           <a:prstGeom prst="rect">
             <a:avLst/>
@@ -18320,7 +18321,7 @@
             </a:endParaRPr>
           </a:p>
           <a:p>
-            <a:pPr marL="914400" indent="-430920">
+            <a:pPr marL="914400" indent="-430560">
               <a:lnSpc>
                 <a:spcPct val="100000"/>
               </a:lnSpc>
@@ -18358,7 +18359,7 @@
             </a:endParaRPr>
           </a:p>
           <a:p>
-            <a:pPr marL="914400" indent="-430920">
+            <a:pPr marL="914400" indent="-430560">
               <a:lnSpc>
                 <a:spcPct val="100000"/>
               </a:lnSpc>
@@ -18447,7 +18448,7 @@
             </a:endParaRPr>
           </a:p>
           <a:p>
-            <a:pPr marL="914400" indent="-430920">
+            <a:pPr marL="914400" indent="-430560">
               <a:lnSpc>
                 <a:spcPct val="100000"/>
               </a:lnSpc>
@@ -18485,7 +18486,7 @@
             </a:endParaRPr>
           </a:p>
           <a:p>
-            <a:pPr marL="914400" indent="-430920">
+            <a:pPr marL="914400" indent="-430560">
               <a:lnSpc>
                 <a:spcPct val="100000"/>
               </a:lnSpc>
@@ -18600,7 +18601,7 @@
         <p:spPr>
           <a:xfrm>
             <a:off x="503640" y="301320"/>
-            <a:ext cx="9067320" cy="1261800"/>
+            <a:ext cx="9066960" cy="1261440"/>
           </a:xfrm>
           <a:prstGeom prst="rect">
             <a:avLst/>
@@ -18662,7 +18663,7 @@
         <p:spPr>
           <a:xfrm>
             <a:off x="573840" y="1755360"/>
-            <a:ext cx="9067320" cy="4385520"/>
+            <a:ext cx="9066960" cy="4385160"/>
           </a:xfrm>
           <a:prstGeom prst="rect">
             <a:avLst/>
@@ -18681,7 +18682,7 @@
         <p:txBody>
           <a:bodyPr lIns="0" rIns="0" tIns="0" bIns="0"/>
           <a:p>
-            <a:pPr marL="457200" indent="-430920">
+            <a:pPr marL="457200" indent="-430560">
               <a:lnSpc>
                 <a:spcPct val="150000"/>
               </a:lnSpc>
@@ -18719,7 +18720,7 @@
             </a:endParaRPr>
           </a:p>
           <a:p>
-            <a:pPr marL="457200" indent="-430920">
+            <a:pPr marL="457200" indent="-430560">
               <a:lnSpc>
                 <a:spcPct val="150000"/>
               </a:lnSpc>
@@ -18757,7 +18758,7 @@
             </a:endParaRPr>
           </a:p>
           <a:p>
-            <a:pPr lvl="1" marL="914400" indent="-430920">
+            <a:pPr lvl="1" marL="914400" indent="-430560">
               <a:lnSpc>
                 <a:spcPct val="150000"/>
               </a:lnSpc>
@@ -18795,7 +18796,7 @@
             </a:endParaRPr>
           </a:p>
           <a:p>
-            <a:pPr marL="457200" indent="-430920">
+            <a:pPr marL="457200" indent="-430560">
               <a:lnSpc>
                 <a:spcPct val="150000"/>
               </a:lnSpc>
@@ -18833,7 +18834,7 @@
             </a:endParaRPr>
           </a:p>
           <a:p>
-            <a:pPr marL="457200" indent="-430920">
+            <a:pPr marL="457200" indent="-430560">
               <a:lnSpc>
                 <a:spcPct val="150000"/>
               </a:lnSpc>
@@ -18930,7 +18931,7 @@
         <p:spPr>
           <a:xfrm>
             <a:off x="503640" y="301320"/>
-            <a:ext cx="9067320" cy="1261800"/>
+            <a:ext cx="9066960" cy="1261440"/>
           </a:xfrm>
           <a:prstGeom prst="rect">
             <a:avLst/>
@@ -18992,7 +18993,7 @@
         <p:spPr>
           <a:xfrm>
             <a:off x="573840" y="1666080"/>
-            <a:ext cx="9067320" cy="4385520"/>
+            <a:ext cx="9066960" cy="4385160"/>
           </a:xfrm>
           <a:prstGeom prst="rect">
             <a:avLst/>
@@ -19058,7 +19059,7 @@
         <p:spPr>
           <a:xfrm>
             <a:off x="1267560" y="2342160"/>
-            <a:ext cx="7514640" cy="3932280"/>
+            <a:ext cx="7514280" cy="3931920"/>
           </a:xfrm>
           <a:prstGeom prst="rect">
             <a:avLst/>
@@ -19126,7 +19127,7 @@
         <p:spPr>
           <a:xfrm>
             <a:off x="503640" y="301320"/>
-            <a:ext cx="9067320" cy="1261800"/>
+            <a:ext cx="9066960" cy="1261440"/>
           </a:xfrm>
           <a:prstGeom prst="rect">
             <a:avLst/>
@@ -19188,7 +19189,7 @@
         <p:spPr>
           <a:xfrm>
             <a:off x="573840" y="1755360"/>
-            <a:ext cx="9067320" cy="4385520"/>
+            <a:ext cx="9066960" cy="4385160"/>
           </a:xfrm>
           <a:prstGeom prst="rect">
             <a:avLst/>
@@ -19213,7 +19214,7 @@
         </p:nvGraphicFramePr>
         <p:xfrm>
           <a:off x="692640" y="2267640"/>
-          <a:ext cx="8689320" cy="2700000"/>
+          <a:ext cx="8688960" cy="2699640"/>
         </p:xfrm>
         <a:graphic>
           <a:graphicData uri="http://schemas.openxmlformats.org/drawingml/2006/table">
@@ -19990,7 +19991,7 @@
         <p:spPr>
           <a:xfrm>
             <a:off x="579960" y="301320"/>
-            <a:ext cx="9067320" cy="1261800"/>
+            <a:ext cx="9066960" cy="1261440"/>
           </a:xfrm>
           <a:prstGeom prst="rect">
             <a:avLst/>
@@ -20052,7 +20053,7 @@
         <p:spPr>
           <a:xfrm>
             <a:off x="650160" y="1755360"/>
-            <a:ext cx="9067320" cy="4385520"/>
+            <a:ext cx="9066960" cy="4385160"/>
           </a:xfrm>
           <a:prstGeom prst="rect">
             <a:avLst/>
@@ -20116,7 +20117,7 @@
         </p:nvGraphicFramePr>
         <p:xfrm>
           <a:off x="1177200" y="2140920"/>
-          <a:ext cx="7274520" cy="4861800"/>
+          <a:ext cx="7274160" cy="4861440"/>
         </p:xfrm>
         <a:graphic>
           <a:graphicData uri="http://schemas.openxmlformats.org/drawingml/2006/table">
@@ -21552,7 +21553,7 @@
         <p:spPr>
           <a:xfrm>
             <a:off x="503640" y="301320"/>
-            <a:ext cx="9067320" cy="1261800"/>
+            <a:ext cx="9066960" cy="1261440"/>
           </a:xfrm>
           <a:prstGeom prst="rect">
             <a:avLst/>
@@ -21614,7 +21615,7 @@
         <p:spPr>
           <a:xfrm>
             <a:off x="573840" y="1755360"/>
-            <a:ext cx="9067320" cy="4385520"/>
+            <a:ext cx="9066960" cy="4385160"/>
           </a:xfrm>
           <a:prstGeom prst="rect">
             <a:avLst/>
@@ -21644,7 +21645,7 @@
         <p:spPr>
           <a:xfrm>
             <a:off x="932040" y="1838880"/>
-            <a:ext cx="8345520" cy="4507560"/>
+            <a:ext cx="8345160" cy="4507200"/>
           </a:xfrm>
           <a:prstGeom prst="rect">
             <a:avLst/>
@@ -21712,7 +21713,7 @@
         <p:spPr>
           <a:xfrm>
             <a:off x="503640" y="301320"/>
-            <a:ext cx="9067320" cy="1261800"/>
+            <a:ext cx="9066960" cy="1261440"/>
           </a:xfrm>
           <a:prstGeom prst="rect">
             <a:avLst/>
@@ -21774,7 +21775,7 @@
         <p:spPr>
           <a:xfrm>
             <a:off x="573840" y="1755360"/>
-            <a:ext cx="9067320" cy="4385520"/>
+            <a:ext cx="9066960" cy="4385160"/>
           </a:xfrm>
           <a:prstGeom prst="rect">
             <a:avLst/>
@@ -21799,7 +21800,7 @@
         </p:nvGraphicFramePr>
         <p:xfrm>
           <a:off x="692640" y="2267640"/>
-          <a:ext cx="8689320" cy="2700000"/>
+          <a:ext cx="8688960" cy="2699640"/>
         </p:xfrm>
         <a:graphic>
           <a:graphicData uri="http://schemas.openxmlformats.org/drawingml/2006/table">
@@ -22576,7 +22577,7 @@
         <p:spPr>
           <a:xfrm>
             <a:off x="503640" y="301320"/>
-            <a:ext cx="9067320" cy="1261800"/>
+            <a:ext cx="9066960" cy="1261440"/>
           </a:xfrm>
           <a:prstGeom prst="rect">
             <a:avLst/>
@@ -22637,7 +22638,7 @@
         </p:nvGraphicFramePr>
         <p:xfrm>
           <a:off x="1477080" y="1647360"/>
-          <a:ext cx="7230600" cy="4861800"/>
+          <a:ext cx="7230240" cy="4861440"/>
         </p:xfrm>
         <a:graphic>
           <a:graphicData uri="http://schemas.openxmlformats.org/drawingml/2006/table">
@@ -24119,7 +24120,7 @@
         <p:spPr>
           <a:xfrm>
             <a:off x="468000" y="2700720"/>
-            <a:ext cx="9066240" cy="1260720"/>
+            <a:ext cx="9065880" cy="1260360"/>
           </a:xfrm>
           <a:prstGeom prst="rect">
             <a:avLst/>
@@ -24230,7 +24231,7 @@
         <p:spPr>
           <a:xfrm>
             <a:off x="503640" y="301320"/>
-            <a:ext cx="9065520" cy="1260000"/>
+            <a:ext cx="9065160" cy="1259640"/>
           </a:xfrm>
           <a:prstGeom prst="rect">
             <a:avLst/>
@@ -24296,7 +24297,7 @@
         <p:spPr>
           <a:xfrm>
             <a:off x="62280" y="2110320"/>
-            <a:ext cx="9772200" cy="4007880"/>
+            <a:ext cx="9771840" cy="4007520"/>
           </a:xfrm>
           <a:prstGeom prst="rect">
             <a:avLst/>
@@ -24364,7 +24365,7 @@
         <p:spPr>
           <a:xfrm>
             <a:off x="468000" y="2700720"/>
-            <a:ext cx="9065520" cy="1260000"/>
+            <a:ext cx="9065160" cy="1259640"/>
           </a:xfrm>
           <a:prstGeom prst="rect">
             <a:avLst/>
@@ -24475,7 +24476,7 @@
         <p:spPr>
           <a:xfrm>
             <a:off x="503640" y="301320"/>
-            <a:ext cx="9065520" cy="1260000"/>
+            <a:ext cx="9065160" cy="1259640"/>
           </a:xfrm>
           <a:prstGeom prst="rect">
             <a:avLst/>
@@ -24541,7 +24542,7 @@
         <p:spPr>
           <a:xfrm>
             <a:off x="1300320" y="1980360"/>
-            <a:ext cx="7142760" cy="4378320"/>
+            <a:ext cx="7142400" cy="4377960"/>
           </a:xfrm>
           <a:prstGeom prst="rect">
             <a:avLst/>
@@ -24613,7 +24614,7 @@
         <p:spPr>
           <a:xfrm>
             <a:off x="1073160" y="1829160"/>
-            <a:ext cx="7911720" cy="4620600"/>
+            <a:ext cx="7911360" cy="4620240"/>
           </a:xfrm>
           <a:prstGeom prst="rect">
             <a:avLst/>
@@ -24632,7 +24633,7 @@
         <p:spPr>
           <a:xfrm>
             <a:off x="503640" y="301320"/>
-            <a:ext cx="9066960" cy="1260720"/>
+            <a:ext cx="9066600" cy="1260360"/>
           </a:xfrm>
           <a:prstGeom prst="rect">
             <a:avLst/>
@@ -24743,7 +24744,7 @@
         <p:spPr>
           <a:xfrm>
             <a:off x="503640" y="301320"/>
-            <a:ext cx="9065520" cy="1260000"/>
+            <a:ext cx="9065160" cy="1259640"/>
           </a:xfrm>
           <a:prstGeom prst="rect">
             <a:avLst/>
@@ -24809,7 +24810,7 @@
         <p:spPr>
           <a:xfrm>
             <a:off x="60120" y="2120040"/>
-            <a:ext cx="9773280" cy="3998160"/>
+            <a:ext cx="9772920" cy="3997800"/>
           </a:xfrm>
           <a:prstGeom prst="rect">
             <a:avLst/>
@@ -24881,7 +24882,7 @@
         <p:spPr>
           <a:xfrm>
             <a:off x="205200" y="1427400"/>
-            <a:ext cx="9589320" cy="5600520"/>
+            <a:ext cx="9588960" cy="5600160"/>
           </a:xfrm>
           <a:prstGeom prst="rect">
             <a:avLst/>
@@ -24900,7 +24901,7 @@
         <p:spPr>
           <a:xfrm>
             <a:off x="503640" y="301320"/>
-            <a:ext cx="9066960" cy="1260720"/>
+            <a:ext cx="9066600" cy="1260360"/>
           </a:xfrm>
           <a:prstGeom prst="rect">
             <a:avLst/>
@@ -25011,7 +25012,7 @@
         <p:spPr>
           <a:xfrm>
             <a:off x="503640" y="301320"/>
-            <a:ext cx="9065520" cy="1260000"/>
+            <a:ext cx="9065160" cy="1259640"/>
           </a:xfrm>
           <a:prstGeom prst="rect">
             <a:avLst/>
@@ -25066,7 +25067,7 @@
       </p:sp>
       <p:pic>
         <p:nvPicPr>
-          <p:cNvPr id="312" name="Shape 308" descr=""/>
+          <p:cNvPr id="312" name="" descr=""/>
           <p:cNvPicPr/>
           <p:nvPr/>
         </p:nvPicPr>
@@ -25076,8 +25077,8 @@
         </p:blipFill>
         <p:spPr>
           <a:xfrm>
-            <a:off x="62640" y="2108520"/>
-            <a:ext cx="9757080" cy="4009680"/>
+            <a:off x="29160" y="1916280"/>
+            <a:ext cx="9937800" cy="4060800"/>
           </a:xfrm>
           <a:prstGeom prst="rect">
             <a:avLst/>
@@ -25149,7 +25150,7 @@
         <p:spPr>
           <a:xfrm>
             <a:off x="135000" y="1313640"/>
-            <a:ext cx="9600480" cy="5607000"/>
+            <a:ext cx="9600120" cy="5606640"/>
           </a:xfrm>
           <a:prstGeom prst="rect">
             <a:avLst/>
@@ -25168,7 +25169,7 @@
         <p:spPr>
           <a:xfrm>
             <a:off x="503640" y="301320"/>
-            <a:ext cx="9066960" cy="1260720"/>
+            <a:ext cx="9066600" cy="1260360"/>
           </a:xfrm>
           <a:prstGeom prst="rect">
             <a:avLst/>
@@ -25279,7 +25280,7 @@
         <p:spPr>
           <a:xfrm>
             <a:off x="503640" y="301320"/>
-            <a:ext cx="9066600" cy="1260360"/>
+            <a:ext cx="9066240" cy="1260000"/>
           </a:xfrm>
           <a:prstGeom prst="rect">
             <a:avLst/>
@@ -25374,7 +25375,7 @@
         <p:spPr>
           <a:xfrm>
             <a:off x="503640" y="1769040"/>
-            <a:ext cx="9066600" cy="4383720"/>
+            <a:ext cx="9066240" cy="4383360"/>
           </a:xfrm>
           <a:prstGeom prst="rect">
             <a:avLst/>
@@ -25399,7 +25400,7 @@
         </p:nvGraphicFramePr>
         <p:xfrm>
           <a:off x="922320" y="2195280"/>
-          <a:ext cx="8454240" cy="2286360"/>
+          <a:ext cx="8453880" cy="2286000"/>
         </p:xfrm>
         <a:graphic>
           <a:graphicData uri="http://schemas.openxmlformats.org/presentationml/2006/ole">
@@ -25418,7 +25419,7 @@
                 <p:spPr>
                   <a:xfrm>
                     <a:off x="922320" y="2195280"/>
-                    <a:ext cx="8454240" cy="2286360"/>
+                    <a:ext cx="8453880" cy="2286000"/>
                   </a:xfrm>
                   <a:prstGeom prst="rect">
                     <a:avLst/>
@@ -25490,7 +25491,7 @@
         <p:spPr>
           <a:xfrm>
             <a:off x="182520" y="1920600"/>
-            <a:ext cx="2649600" cy="2468520"/>
+            <a:ext cx="2649240" cy="2468160"/>
           </a:xfrm>
           <a:prstGeom prst="rect">
             <a:avLst/>
@@ -25520,7 +25521,7 @@
         <p:spPr>
           <a:xfrm>
             <a:off x="833760" y="277200"/>
-            <a:ext cx="8408520" cy="1368360"/>
+            <a:ext cx="8408160" cy="1368000"/>
           </a:xfrm>
           <a:prstGeom prst="rect">
             <a:avLst/>
@@ -25729,7 +25730,7 @@
         <p:spPr>
           <a:xfrm>
             <a:off x="3747240" y="1554840"/>
-            <a:ext cx="5848920" cy="4788360"/>
+            <a:ext cx="5848560" cy="4788000"/>
           </a:xfrm>
           <a:prstGeom prst="rect">
             <a:avLst/>
@@ -25748,7 +25749,7 @@
         <p:spPr>
           <a:xfrm>
             <a:off x="273960" y="2286720"/>
-            <a:ext cx="3289320" cy="1638000"/>
+            <a:ext cx="3288960" cy="1637640"/>
           </a:xfrm>
           <a:prstGeom prst="rect">
             <a:avLst/>
@@ -25887,7 +25888,7 @@
         <p:spPr>
           <a:xfrm>
             <a:off x="2924640" y="2926800"/>
-            <a:ext cx="1004400" cy="456120"/>
+            <a:ext cx="1004040" cy="455760"/>
           </a:xfrm>
           <a:custGeom>
             <a:avLst/>
@@ -25951,7 +25952,7 @@
         <p:spPr>
           <a:xfrm>
             <a:off x="456840" y="6585840"/>
-            <a:ext cx="3289680" cy="456480"/>
+            <a:ext cx="3289320" cy="456120"/>
           </a:xfrm>
           <a:prstGeom prst="rect">
             <a:avLst/>
@@ -26057,7 +26058,7 @@
         <p:spPr>
           <a:xfrm>
             <a:off x="2227680" y="1063080"/>
-            <a:ext cx="5997600" cy="1336320"/>
+            <a:ext cx="5997240" cy="1335960"/>
           </a:xfrm>
           <a:prstGeom prst="rect">
             <a:avLst/>
@@ -26118,7 +26119,7 @@
         </p:nvGraphicFramePr>
         <p:xfrm>
           <a:off x="1333800" y="3056400"/>
-          <a:ext cx="7877880" cy="1516320"/>
+          <a:ext cx="7877520" cy="1515960"/>
         </p:xfrm>
         <a:graphic>
           <a:graphicData uri="http://schemas.openxmlformats.org/presentationml/2006/ole">
@@ -26137,7 +26138,7 @@
                 <p:spPr>
                   <a:xfrm>
                     <a:off x="1333800" y="3056400"/>
-                    <a:ext cx="7877880" cy="1516320"/>
+                    <a:ext cx="7877520" cy="1515960"/>
                   </a:xfrm>
                   <a:prstGeom prst="rect">
                     <a:avLst/>
@@ -26208,7 +26209,7 @@
         </p:nvGraphicFramePr>
         <p:xfrm>
           <a:off x="1279440" y="3018240"/>
-          <a:ext cx="7687800" cy="2657160"/>
+          <a:ext cx="7687440" cy="2656800"/>
         </p:xfrm>
         <a:graphic>
           <a:graphicData uri="http://schemas.openxmlformats.org/presentationml/2006/ole">
@@ -26227,7 +26228,7 @@
                 <p:spPr>
                   <a:xfrm>
                     <a:off x="1279440" y="3018240"/>
-                    <a:ext cx="7687800" cy="2657160"/>
+                    <a:ext cx="7687440" cy="2656800"/>
                   </a:xfrm>
                   <a:prstGeom prst="rect">
                     <a:avLst/>
@@ -26250,7 +26251,7 @@
         <p:spPr>
           <a:xfrm>
             <a:off x="503640" y="301680"/>
-            <a:ext cx="9068040" cy="1261800"/>
+            <a:ext cx="9067680" cy="1261440"/>
           </a:xfrm>
           <a:prstGeom prst="rect">
             <a:avLst/>
@@ -26286,6 +26287,7 @@
                   </a:solidFill>
                 </a:uFill>
                 <a:latin typeface="Arial"/>
+                <a:ea typeface="DejaVu Sans"/>
               </a:rPr>
               <a:t>Models Results</a:t>
             </a:r>
@@ -26361,7 +26363,7 @@
         <p:spPr>
           <a:xfrm>
             <a:off x="503640" y="301320"/>
-            <a:ext cx="9066240" cy="1260720"/>
+            <a:ext cx="9065880" cy="1260360"/>
           </a:xfrm>
           <a:prstGeom prst="rect">
             <a:avLst/>
@@ -26427,7 +26429,7 @@
         <p:spPr>
           <a:xfrm>
             <a:off x="456840" y="1486800"/>
-            <a:ext cx="9236160" cy="5702400"/>
+            <a:ext cx="9235800" cy="5702040"/>
           </a:xfrm>
           <a:prstGeom prst="rect">
             <a:avLst/>
@@ -26495,7 +26497,7 @@
         <p:spPr>
           <a:xfrm>
             <a:off x="503640" y="301320"/>
-            <a:ext cx="9068040" cy="1261800"/>
+            <a:ext cx="9067680" cy="1261440"/>
           </a:xfrm>
           <a:prstGeom prst="rect">
             <a:avLst/>
@@ -26530,6 +26532,7 @@
                   </a:solidFill>
                 </a:uFill>
                 <a:latin typeface="Arial"/>
+                <a:ea typeface="DejaVu Sans"/>
               </a:rPr>
               <a:t>Conclusion</a:t>
             </a:r>
@@ -26556,7 +26559,7 @@
         <p:spPr>
           <a:xfrm>
             <a:off x="503640" y="2108520"/>
-            <a:ext cx="9068040" cy="4385160"/>
+            <a:ext cx="9067680" cy="4384800"/>
           </a:xfrm>
           <a:prstGeom prst="rect">
             <a:avLst/>
@@ -26577,7 +26580,7 @@
             <a:normAutofit/>
           </a:bodyPr>
           <a:p>
-            <a:pPr marL="432000" indent="-323640">
+            <a:pPr marL="432000" indent="-323280">
               <a:lnSpc>
                 <a:spcPct val="100000"/>
               </a:lnSpc>
@@ -26602,6 +26605,7 @@
                   </a:solidFill>
                 </a:uFill>
                 <a:latin typeface="Arial"/>
+                <a:ea typeface="DejaVu Sans"/>
               </a:rPr>
               <a:t>Vital Steps</a:t>
             </a:r>
@@ -26618,7 +26622,7 @@
             </a:endParaRPr>
           </a:p>
           <a:p>
-            <a:pPr lvl="1" marL="864000" indent="-323640">
+            <a:pPr lvl="1" marL="864000" indent="-323280">
               <a:lnSpc>
                 <a:spcPct val="100000"/>
               </a:lnSpc>
@@ -26643,6 +26647,7 @@
                   </a:solidFill>
                 </a:uFill>
                 <a:latin typeface="Arial"/>
+                <a:ea typeface="DejaVu Sans"/>
               </a:rPr>
               <a:t>Feature Engineering</a:t>
             </a:r>
@@ -26659,7 +26664,7 @@
             </a:endParaRPr>
           </a:p>
           <a:p>
-            <a:pPr lvl="2" marL="1296000" indent="-287640">
+            <a:pPr lvl="2" marL="1296000" indent="-287280">
               <a:lnSpc>
                 <a:spcPct val="100000"/>
               </a:lnSpc>
@@ -26684,6 +26689,7 @@
                   </a:solidFill>
                 </a:uFill>
                 <a:latin typeface="Arial"/>
+                <a:ea typeface="DejaVu Sans"/>
               </a:rPr>
               <a:t>Surprising results with respect to most important features based on coefficients</a:t>
             </a:r>
@@ -26700,7 +26706,7 @@
             </a:endParaRPr>
           </a:p>
           <a:p>
-            <a:pPr lvl="1" marL="864000" indent="-323640">
+            <a:pPr lvl="1" marL="864000" indent="-323280">
               <a:lnSpc>
                 <a:spcPct val="100000"/>
               </a:lnSpc>
@@ -26725,6 +26731,7 @@
                   </a:solidFill>
                 </a:uFill>
                 <a:latin typeface="Arial"/>
+                <a:ea typeface="DejaVu Sans"/>
               </a:rPr>
               <a:t>Hyperparameters Tuning</a:t>
             </a:r>
@@ -26741,7 +26748,7 @@
             </a:endParaRPr>
           </a:p>
           <a:p>
-            <a:pPr marL="432000" indent="-323640">
+            <a:pPr marL="432000" indent="-323280">
               <a:lnSpc>
                 <a:spcPct val="100000"/>
               </a:lnSpc>
@@ -26766,6 +26773,7 @@
                   </a:solidFill>
                 </a:uFill>
                 <a:latin typeface="Arial"/>
+                <a:ea typeface="DejaVu Sans"/>
               </a:rPr>
               <a:t>Model Performance:</a:t>
             </a:r>
@@ -26782,7 +26790,7 @@
             </a:endParaRPr>
           </a:p>
           <a:p>
-            <a:pPr lvl="1" marL="864000" indent="-323640">
+            <a:pPr lvl="1" marL="864000" indent="-323280">
               <a:lnSpc>
                 <a:spcPct val="100000"/>
               </a:lnSpc>
@@ -26806,6 +26814,7 @@
                   </a:solidFill>
                 </a:uFill>
                 <a:latin typeface="Arial"/>
+                <a:ea typeface="DejaVu Sans"/>
               </a:rPr>
               <a:t> </a:t>
             </a:r>
@@ -26820,6 +26829,7 @@
                   </a:solidFill>
                 </a:uFill>
                 <a:latin typeface="Arial"/>
+                <a:ea typeface="DejaVu Sans"/>
               </a:rPr>
               <a:t>Ridge Regression</a:t>
             </a:r>
@@ -26836,7 +26846,7 @@
             </a:endParaRPr>
           </a:p>
           <a:p>
-            <a:pPr lvl="1" marL="864000" indent="-323640">
+            <a:pPr lvl="1" marL="864000" indent="-323280">
               <a:lnSpc>
                 <a:spcPct val="100000"/>
               </a:lnSpc>
@@ -26860,6 +26870,7 @@
                   </a:solidFill>
                 </a:uFill>
                 <a:latin typeface="Arial"/>
+                <a:ea typeface="DejaVu Sans"/>
               </a:rPr>
               <a:t> </a:t>
             </a:r>
@@ -26874,6 +26885,7 @@
                   </a:solidFill>
                 </a:uFill>
                 <a:latin typeface="Arial"/>
+                <a:ea typeface="DejaVu Sans"/>
               </a:rPr>
               <a:t>Lasso Regression (within ensembling process)    </a:t>
             </a:r>
@@ -26949,7 +26961,7 @@
         <p:spPr>
           <a:xfrm>
             <a:off x="539640" y="180000"/>
-            <a:ext cx="9065520" cy="1260000"/>
+            <a:ext cx="9065160" cy="1259640"/>
           </a:xfrm>
           <a:prstGeom prst="rect">
             <a:avLst/>
@@ -27015,7 +27027,7 @@
         <p:spPr>
           <a:xfrm>
             <a:off x="539640" y="1224720"/>
-            <a:ext cx="9283320" cy="5922360"/>
+            <a:ext cx="9282960" cy="5922000"/>
           </a:xfrm>
           <a:prstGeom prst="rect">
             <a:avLst/>
@@ -27083,7 +27095,7 @@
         <p:spPr>
           <a:xfrm>
             <a:off x="503640" y="301320"/>
-            <a:ext cx="9065520" cy="1260000"/>
+            <a:ext cx="9065160" cy="1259640"/>
           </a:xfrm>
           <a:prstGeom prst="rect">
             <a:avLst/>
@@ -27149,7 +27161,7 @@
         <p:spPr>
           <a:xfrm>
             <a:off x="1079280" y="1440360"/>
-            <a:ext cx="8157600" cy="5204520"/>
+            <a:ext cx="8157240" cy="5204160"/>
           </a:xfrm>
           <a:prstGeom prst="rect">
             <a:avLst/>
@@ -27217,7 +27229,7 @@
         <p:spPr>
           <a:xfrm>
             <a:off x="503640" y="301320"/>
-            <a:ext cx="9065520" cy="1260000"/>
+            <a:ext cx="9065160" cy="1259640"/>
           </a:xfrm>
           <a:prstGeom prst="rect">
             <a:avLst/>
@@ -27283,7 +27295,7 @@
         <p:spPr>
           <a:xfrm>
             <a:off x="1233360" y="1800360"/>
-            <a:ext cx="7391160" cy="4715280"/>
+            <a:ext cx="7390800" cy="4714920"/>
           </a:xfrm>
           <a:prstGeom prst="rect">
             <a:avLst/>
@@ -27351,7 +27363,7 @@
         <p:spPr>
           <a:xfrm>
             <a:off x="503640" y="301320"/>
-            <a:ext cx="9066600" cy="1261080"/>
+            <a:ext cx="9066240" cy="1260720"/>
           </a:xfrm>
           <a:prstGeom prst="rect">
             <a:avLst/>
@@ -27417,7 +27429,7 @@
         <p:spPr>
           <a:xfrm>
             <a:off x="955440" y="1756080"/>
-            <a:ext cx="7887960" cy="5670360"/>
+            <a:ext cx="7887600" cy="5670000"/>
           </a:xfrm>
           <a:prstGeom prst="rect">
             <a:avLst/>
@@ -27485,7 +27497,7 @@
         <p:spPr>
           <a:xfrm>
             <a:off x="503640" y="301320"/>
-            <a:ext cx="9066600" cy="1261080"/>
+            <a:ext cx="9066240" cy="1260720"/>
           </a:xfrm>
           <a:prstGeom prst="rect">
             <a:avLst/>
@@ -27551,7 +27563,7 @@
         <p:spPr>
           <a:xfrm>
             <a:off x="966600" y="1563840"/>
-            <a:ext cx="7826040" cy="5663520"/>
+            <a:ext cx="7825680" cy="5663160"/>
           </a:xfrm>
           <a:prstGeom prst="rect">
             <a:avLst/>

--- a/Least Squares Presentation.pptx
+++ b/Least Squares Presentation.pptx
@@ -9812,8 +9812,8 @@
         </p:nvSpPr>
         <p:spPr>
           <a:xfrm>
-            <a:off x="503640" y="301320"/>
-            <a:ext cx="9067680" cy="1261440"/>
+            <a:off x="503640" y="301680"/>
+            <a:ext cx="9068760" cy="1262160"/>
           </a:xfrm>
           <a:prstGeom prst="rect">
             <a:avLst/>
@@ -12117,7 +12117,7 @@
         <p:spPr>
           <a:xfrm>
             <a:off x="468000" y="2340360"/>
-            <a:ext cx="9065160" cy="1260000"/>
+            <a:ext cx="9064800" cy="1259640"/>
           </a:xfrm>
           <a:prstGeom prst="rect">
             <a:avLst/>
@@ -12295,7 +12295,7 @@
         <p:spPr>
           <a:xfrm>
             <a:off x="503640" y="301320"/>
-            <a:ext cx="9065160" cy="1259640"/>
+            <a:ext cx="9064800" cy="1259280"/>
           </a:xfrm>
           <a:prstGeom prst="rect">
             <a:avLst/>
@@ -12361,7 +12361,7 @@
         <p:spPr>
           <a:xfrm>
             <a:off x="617760" y="1440360"/>
-            <a:ext cx="9001440" cy="5742360"/>
+            <a:ext cx="9001080" cy="5742000"/>
           </a:xfrm>
           <a:prstGeom prst="rect">
             <a:avLst/>
@@ -12429,7 +12429,7 @@
         <p:spPr>
           <a:xfrm>
             <a:off x="468000" y="2700720"/>
-            <a:ext cx="9065880" cy="1260360"/>
+            <a:ext cx="9065520" cy="1260000"/>
           </a:xfrm>
           <a:prstGeom prst="rect">
             <a:avLst/>
@@ -12540,7 +12540,7 @@
         <p:spPr>
           <a:xfrm>
             <a:off x="4935600" y="1554840"/>
-            <a:ext cx="4477320" cy="5669640"/>
+            <a:ext cx="4476960" cy="5669280"/>
           </a:xfrm>
           <a:prstGeom prst="rect">
             <a:avLst/>
@@ -12570,7 +12570,7 @@
         <p:spPr>
           <a:xfrm>
             <a:off x="1096560" y="1554840"/>
-            <a:ext cx="3471840" cy="5669640"/>
+            <a:ext cx="3471480" cy="5669280"/>
           </a:xfrm>
           <a:prstGeom prst="rect">
             <a:avLst/>
@@ -12600,7 +12600,7 @@
         <p:spPr>
           <a:xfrm>
             <a:off x="1736640" y="1737720"/>
-            <a:ext cx="2100960" cy="768960"/>
+            <a:ext cx="2100600" cy="768600"/>
           </a:xfrm>
           <a:prstGeom prst="rect">
             <a:avLst/>
@@ -12685,7 +12685,7 @@
         <p:spPr>
           <a:xfrm>
             <a:off x="1462320" y="2574720"/>
-            <a:ext cx="2557800" cy="1553400"/>
+            <a:ext cx="2557440" cy="1553040"/>
           </a:xfrm>
           <a:prstGeom prst="rect">
             <a:avLst/>
@@ -12715,7 +12715,7 @@
         <p:spPr>
           <a:xfrm>
             <a:off x="1553760" y="2682000"/>
-            <a:ext cx="2009520" cy="1354680"/>
+            <a:ext cx="2009160" cy="1354320"/>
           </a:xfrm>
           <a:prstGeom prst="rect">
             <a:avLst/>
@@ -12762,7 +12762,7 @@
             </a:endParaRPr>
           </a:p>
           <a:p>
-            <a:pPr marL="216000" indent="-214560">
+            <a:pPr marL="216000" indent="-214200">
               <a:lnSpc>
                 <a:spcPct val="100000"/>
               </a:lnSpc>
@@ -12801,7 +12801,7 @@
             </a:endParaRPr>
           </a:p>
           <a:p>
-            <a:pPr marL="216000" indent="-214560">
+            <a:pPr marL="216000" indent="-214200">
               <a:lnSpc>
                 <a:spcPct val="100000"/>
               </a:lnSpc>
@@ -12840,7 +12840,7 @@
             </a:endParaRPr>
           </a:p>
           <a:p>
-            <a:pPr marL="216000" indent="-214560">
+            <a:pPr marL="216000" indent="-214200">
               <a:lnSpc>
                 <a:spcPct val="100000"/>
               </a:lnSpc>
@@ -12879,7 +12879,7 @@
             </a:endParaRPr>
           </a:p>
           <a:p>
-            <a:pPr marL="216000" indent="-214560">
+            <a:pPr marL="216000" indent="-214200">
               <a:lnSpc>
                 <a:spcPct val="100000"/>
               </a:lnSpc>
@@ -12928,7 +12928,7 @@
         <p:spPr>
           <a:xfrm>
             <a:off x="5591880" y="2610720"/>
-            <a:ext cx="3015000" cy="1096200"/>
+            <a:ext cx="3014640" cy="1095840"/>
           </a:xfrm>
           <a:prstGeom prst="rect">
             <a:avLst/>
@@ -12958,7 +12958,7 @@
         <p:spPr>
           <a:xfrm>
             <a:off x="1462320" y="4427640"/>
-            <a:ext cx="2557800" cy="1882440"/>
+            <a:ext cx="2557440" cy="1882080"/>
           </a:xfrm>
           <a:prstGeom prst="rect">
             <a:avLst/>
@@ -12988,7 +12988,7 @@
         <p:spPr>
           <a:xfrm>
             <a:off x="1553760" y="4390560"/>
-            <a:ext cx="2192400" cy="1861200"/>
+            <a:ext cx="2192040" cy="1860840"/>
           </a:xfrm>
           <a:prstGeom prst="rect">
             <a:avLst/>
@@ -13035,7 +13035,7 @@
             </a:endParaRPr>
           </a:p>
           <a:p>
-            <a:pPr marL="216000" indent="-214560">
+            <a:pPr marL="216000" indent="-214200">
               <a:lnSpc>
                 <a:spcPct val="100000"/>
               </a:lnSpc>
@@ -13074,7 +13074,7 @@
             </a:endParaRPr>
           </a:p>
           <a:p>
-            <a:pPr marL="216000" indent="-214560">
+            <a:pPr marL="216000" indent="-214200">
               <a:lnSpc>
                 <a:spcPct val="100000"/>
               </a:lnSpc>
@@ -13113,7 +13113,7 @@
             </a:endParaRPr>
           </a:p>
           <a:p>
-            <a:pPr marL="216000" indent="-214560">
+            <a:pPr marL="216000" indent="-214200">
               <a:lnSpc>
                 <a:spcPct val="100000"/>
               </a:lnSpc>
@@ -13152,7 +13152,7 @@
             </a:endParaRPr>
           </a:p>
           <a:p>
-            <a:pPr marL="216000" indent="-214560">
+            <a:pPr marL="216000" indent="-214200">
               <a:lnSpc>
                 <a:spcPct val="100000"/>
               </a:lnSpc>
@@ -13191,7 +13191,7 @@
             </a:endParaRPr>
           </a:p>
           <a:p>
-            <a:pPr marL="216000" indent="-214560">
+            <a:pPr marL="216000" indent="-214200">
               <a:lnSpc>
                 <a:spcPct val="100000"/>
               </a:lnSpc>
@@ -13230,7 +13230,7 @@
             </a:endParaRPr>
           </a:p>
           <a:p>
-            <a:pPr marL="216000" indent="-214560">
+            <a:pPr marL="216000" indent="-214200">
               <a:lnSpc>
                 <a:spcPct val="100000"/>
               </a:lnSpc>
@@ -13279,7 +13279,7 @@
         <p:spPr>
           <a:xfrm>
             <a:off x="5941080" y="1738080"/>
-            <a:ext cx="1918080" cy="824400"/>
+            <a:ext cx="1917720" cy="824040"/>
           </a:xfrm>
           <a:prstGeom prst="rect">
             <a:avLst/>
@@ -13364,7 +13364,7 @@
         <p:spPr>
           <a:xfrm>
             <a:off x="5666760" y="2718000"/>
-            <a:ext cx="3197880" cy="1080360"/>
+            <a:ext cx="3197520" cy="1080000"/>
           </a:xfrm>
           <a:prstGeom prst="rect">
             <a:avLst/>
@@ -13411,7 +13411,7 @@
             </a:endParaRPr>
           </a:p>
           <a:p>
-            <a:pPr marL="216000" indent="-214560">
+            <a:pPr marL="216000" indent="-214200">
               <a:lnSpc>
                 <a:spcPct val="100000"/>
               </a:lnSpc>
@@ -13450,7 +13450,7 @@
             </a:endParaRPr>
           </a:p>
           <a:p>
-            <a:pPr marL="216000" indent="-214560">
+            <a:pPr marL="216000" indent="-214200">
               <a:lnSpc>
                 <a:spcPct val="100000"/>
               </a:lnSpc>
@@ -13499,7 +13499,7 @@
         <p:spPr>
           <a:xfrm>
             <a:off x="5849640" y="4427640"/>
-            <a:ext cx="2557800" cy="1882440"/>
+            <a:ext cx="2557440" cy="1882080"/>
           </a:xfrm>
           <a:prstGeom prst="rect">
             <a:avLst/>
@@ -13529,7 +13529,7 @@
         <p:spPr>
           <a:xfrm>
             <a:off x="5941080" y="4519080"/>
-            <a:ext cx="2192400" cy="1607760"/>
+            <a:ext cx="2192040" cy="1607400"/>
           </a:xfrm>
           <a:prstGeom prst="rect">
             <a:avLst/>
@@ -13576,7 +13576,7 @@
             </a:endParaRPr>
           </a:p>
           <a:p>
-            <a:pPr marL="216000" indent="-214560">
+            <a:pPr marL="216000" indent="-214200">
               <a:lnSpc>
                 <a:spcPct val="100000"/>
               </a:lnSpc>
@@ -13615,7 +13615,7 @@
             </a:endParaRPr>
           </a:p>
           <a:p>
-            <a:pPr marL="216000" indent="-214560">
+            <a:pPr marL="216000" indent="-214200">
               <a:lnSpc>
                 <a:spcPct val="100000"/>
               </a:lnSpc>
@@ -13654,7 +13654,7 @@
             </a:endParaRPr>
           </a:p>
           <a:p>
-            <a:pPr marL="216000" indent="-214560">
+            <a:pPr marL="216000" indent="-214200">
               <a:lnSpc>
                 <a:spcPct val="100000"/>
               </a:lnSpc>
@@ -13693,7 +13693,7 @@
             </a:endParaRPr>
           </a:p>
           <a:p>
-            <a:pPr marL="216000" indent="-214560">
+            <a:pPr marL="216000" indent="-214200">
               <a:lnSpc>
                 <a:spcPct val="100000"/>
               </a:lnSpc>
@@ -13742,7 +13742,7 @@
         <p:spPr>
           <a:xfrm>
             <a:off x="3228480" y="640080"/>
-            <a:ext cx="3259440" cy="712800"/>
+            <a:ext cx="3259080" cy="712440"/>
           </a:xfrm>
           <a:prstGeom prst="rect">
             <a:avLst/>
@@ -13853,7 +13853,7 @@
         <p:spPr>
           <a:xfrm>
             <a:off x="539640" y="-166680"/>
-            <a:ext cx="9065160" cy="1259640"/>
+            <a:ext cx="9064800" cy="1259280"/>
           </a:xfrm>
           <a:prstGeom prst="rect">
             <a:avLst/>
@@ -13919,7 +13919,7 @@
         <p:spPr>
           <a:xfrm>
             <a:off x="1046160" y="767520"/>
-            <a:ext cx="8092800" cy="6683400"/>
+            <a:ext cx="8092440" cy="6683040"/>
           </a:xfrm>
           <a:prstGeom prst="rect">
             <a:avLst/>
@@ -13938,7 +13938,7 @@
         <p:spPr>
           <a:xfrm>
             <a:off x="4661280" y="1737720"/>
-            <a:ext cx="546120" cy="363600"/>
+            <a:ext cx="545760" cy="363240"/>
           </a:xfrm>
           <a:custGeom>
             <a:avLst/>
@@ -14000,7 +14000,7 @@
         <p:spPr>
           <a:xfrm>
             <a:off x="4661280" y="3897000"/>
-            <a:ext cx="546120" cy="363600"/>
+            <a:ext cx="545760" cy="363240"/>
           </a:xfrm>
           <a:custGeom>
             <a:avLst/>
@@ -14062,7 +14062,7 @@
         <p:spPr>
           <a:xfrm>
             <a:off x="4680720" y="6036840"/>
-            <a:ext cx="546120" cy="363600"/>
+            <a:ext cx="545760" cy="363240"/>
           </a:xfrm>
           <a:custGeom>
             <a:avLst/>
@@ -14173,7 +14173,7 @@
         <p:spPr>
           <a:xfrm>
             <a:off x="503640" y="301320"/>
-            <a:ext cx="9066960" cy="1261440"/>
+            <a:ext cx="9066600" cy="1261080"/>
           </a:xfrm>
           <a:prstGeom prst="rect">
             <a:avLst/>
@@ -14235,7 +14235,7 @@
         <p:spPr>
           <a:xfrm>
             <a:off x="503640" y="1769400"/>
-            <a:ext cx="9066960" cy="5103000"/>
+            <a:ext cx="9066600" cy="5102640"/>
           </a:xfrm>
           <a:prstGeom prst="rect">
             <a:avLst/>
@@ -14254,7 +14254,7 @@
         <p:txBody>
           <a:bodyPr lIns="0" rIns="0" tIns="0" bIns="0"/>
           <a:p>
-            <a:pPr marL="432000" indent="-329400">
+            <a:pPr marL="432000" indent="-329040">
               <a:lnSpc>
                 <a:spcPct val="100000"/>
               </a:lnSpc>
@@ -14293,7 +14293,7 @@
             </a:endParaRPr>
           </a:p>
           <a:p>
-            <a:pPr lvl="1" marL="864000" indent="-342360">
+            <a:pPr lvl="1" marL="864000" indent="-342000">
               <a:lnSpc>
                 <a:spcPct val="100000"/>
               </a:lnSpc>
@@ -14332,7 +14332,7 @@
             </a:endParaRPr>
           </a:p>
           <a:p>
-            <a:pPr lvl="1" marL="864000" indent="-342360">
+            <a:pPr lvl="1" marL="864000" indent="-342000">
               <a:lnSpc>
                 <a:spcPct val="100000"/>
               </a:lnSpc>
@@ -14371,7 +14371,7 @@
             </a:endParaRPr>
           </a:p>
           <a:p>
-            <a:pPr lvl="1" marL="864000" indent="-342360">
+            <a:pPr lvl="1" marL="864000" indent="-342000">
               <a:lnSpc>
                 <a:spcPct val="100000"/>
               </a:lnSpc>
@@ -14410,7 +14410,7 @@
             </a:endParaRPr>
           </a:p>
           <a:p>
-            <a:pPr marL="457200" indent="-354600">
+            <a:pPr marL="457200" indent="-354240">
               <a:lnSpc>
                 <a:spcPct val="100000"/>
               </a:lnSpc>
@@ -14428,7 +14428,7 @@
             </a:endParaRPr>
           </a:p>
           <a:p>
-            <a:pPr marL="432000" indent="-329400">
+            <a:pPr marL="432000" indent="-329040">
               <a:lnSpc>
                 <a:spcPct val="100000"/>
               </a:lnSpc>
@@ -14470,7 +14470,7 @@
             </a:endParaRPr>
           </a:p>
           <a:p>
-            <a:pPr lvl="1" marL="864000" indent="-329400">
+            <a:pPr lvl="1" marL="864000" indent="-329040">
               <a:lnSpc>
                 <a:spcPct val="100000"/>
               </a:lnSpc>
@@ -14512,7 +14512,7 @@
             </a:endParaRPr>
           </a:p>
           <a:p>
-            <a:pPr lvl="1" marL="864000" indent="-329400">
+            <a:pPr lvl="1" marL="864000" indent="-329040">
               <a:lnSpc>
                 <a:spcPct val="100000"/>
               </a:lnSpc>
@@ -14634,7 +14634,7 @@
         <p:spPr>
           <a:xfrm>
             <a:off x="503640" y="301320"/>
-            <a:ext cx="9066240" cy="1260720"/>
+            <a:ext cx="9065880" cy="1260360"/>
           </a:xfrm>
           <a:prstGeom prst="rect">
             <a:avLst/>
@@ -14696,7 +14696,7 @@
         <p:spPr>
           <a:xfrm>
             <a:off x="581760" y="1714680"/>
-            <a:ext cx="9066240" cy="5754240"/>
+            <a:ext cx="9065880" cy="5753880"/>
           </a:xfrm>
           <a:prstGeom prst="rect">
             <a:avLst/>
@@ -16666,7 +16666,7 @@
         <p:spPr>
           <a:xfrm>
             <a:off x="503640" y="301320"/>
-            <a:ext cx="9066240" cy="1260720"/>
+            <a:ext cx="9065880" cy="1260360"/>
           </a:xfrm>
           <a:prstGeom prst="rect">
             <a:avLst/>
@@ -16732,7 +16732,7 @@
         <p:spPr>
           <a:xfrm>
             <a:off x="1541160" y="1563840"/>
-            <a:ext cx="7049160" cy="5984280"/>
+            <a:ext cx="7048800" cy="5983920"/>
           </a:xfrm>
           <a:prstGeom prst="rect">
             <a:avLst/>
@@ -16800,7 +16800,7 @@
         <p:spPr>
           <a:xfrm>
             <a:off x="573840" y="1755360"/>
-            <a:ext cx="9066240" cy="4384440"/>
+            <a:ext cx="9065880" cy="4384080"/>
           </a:xfrm>
           <a:prstGeom prst="rect">
             <a:avLst/>
@@ -17386,7 +17386,7 @@
         <p:spPr>
           <a:xfrm>
             <a:off x="503640" y="301320"/>
-            <a:ext cx="9066240" cy="1260720"/>
+            <a:ext cx="9065880" cy="1260360"/>
           </a:xfrm>
           <a:prstGeom prst="rect">
             <a:avLst/>
@@ -17497,7 +17497,7 @@
         <p:spPr>
           <a:xfrm>
             <a:off x="468000" y="2700720"/>
-            <a:ext cx="9065880" cy="1260360"/>
+            <a:ext cx="9065520" cy="1260000"/>
           </a:xfrm>
           <a:prstGeom prst="rect">
             <a:avLst/>
@@ -17608,7 +17608,7 @@
         <p:spPr>
           <a:xfrm>
             <a:off x="503640" y="301320"/>
-            <a:ext cx="9066960" cy="1261440"/>
+            <a:ext cx="9066600" cy="1261080"/>
           </a:xfrm>
           <a:prstGeom prst="rect">
             <a:avLst/>
@@ -17670,7 +17670,7 @@
         <p:spPr>
           <a:xfrm>
             <a:off x="573840" y="1755360"/>
-            <a:ext cx="9066960" cy="4385160"/>
+            <a:ext cx="9066600" cy="4384800"/>
           </a:xfrm>
           <a:prstGeom prst="rect">
             <a:avLst/>
@@ -17689,7 +17689,7 @@
         <p:txBody>
           <a:bodyPr lIns="0" rIns="0" tIns="0" bIns="0"/>
           <a:p>
-            <a:pPr marL="457200" indent="-430560">
+            <a:pPr marL="457200" indent="-430200">
               <a:lnSpc>
                 <a:spcPct val="100000"/>
               </a:lnSpc>
@@ -17745,7 +17745,7 @@
             </a:endParaRPr>
           </a:p>
           <a:p>
-            <a:pPr marL="457200" indent="-430560">
+            <a:pPr marL="457200" indent="-430200">
               <a:lnSpc>
                 <a:spcPct val="100000"/>
               </a:lnSpc>
@@ -17783,7 +17783,7 @@
             </a:endParaRPr>
           </a:p>
           <a:p>
-            <a:pPr marL="457200" indent="-430560">
+            <a:pPr marL="457200" indent="-430200">
               <a:lnSpc>
                 <a:spcPct val="100000"/>
               </a:lnSpc>
@@ -17854,7 +17854,7 @@
             </a:endParaRPr>
           </a:p>
           <a:p>
-            <a:pPr marL="457200" indent="-430560">
+            <a:pPr marL="457200" indent="-430200">
               <a:lnSpc>
                 <a:spcPct val="100000"/>
               </a:lnSpc>
@@ -18047,7 +18047,7 @@
         <p:spPr>
           <a:xfrm>
             <a:off x="503640" y="301320"/>
-            <a:ext cx="9065880" cy="1260360"/>
+            <a:ext cx="9065520" cy="1260000"/>
           </a:xfrm>
           <a:prstGeom prst="rect">
             <a:avLst/>
@@ -18109,7 +18109,7 @@
         <p:spPr>
           <a:xfrm>
             <a:off x="503640" y="1769400"/>
-            <a:ext cx="9065880" cy="4384080"/>
+            <a:ext cx="9065520" cy="4383720"/>
           </a:xfrm>
           <a:prstGeom prst="rect">
             <a:avLst/>
@@ -18139,7 +18139,7 @@
         <p:spPr>
           <a:xfrm>
             <a:off x="392040" y="1700280"/>
-            <a:ext cx="9329760" cy="5438880"/>
+            <a:ext cx="9329400" cy="5438520"/>
           </a:xfrm>
           <a:prstGeom prst="rect">
             <a:avLst/>
@@ -18207,7 +18207,7 @@
         <p:spPr>
           <a:xfrm>
             <a:off x="503640" y="301320"/>
-            <a:ext cx="9066960" cy="1261440"/>
+            <a:ext cx="9066600" cy="1261080"/>
           </a:xfrm>
           <a:prstGeom prst="rect">
             <a:avLst/>
@@ -18269,7 +18269,7 @@
         <p:spPr>
           <a:xfrm>
             <a:off x="573840" y="1755360"/>
-            <a:ext cx="9066960" cy="4385160"/>
+            <a:ext cx="9066600" cy="4384800"/>
           </a:xfrm>
           <a:prstGeom prst="rect">
             <a:avLst/>
@@ -18321,7 +18321,7 @@
             </a:endParaRPr>
           </a:p>
           <a:p>
-            <a:pPr marL="914400" indent="-430560">
+            <a:pPr marL="914400" indent="-430200">
               <a:lnSpc>
                 <a:spcPct val="100000"/>
               </a:lnSpc>
@@ -18359,7 +18359,7 @@
             </a:endParaRPr>
           </a:p>
           <a:p>
-            <a:pPr marL="914400" indent="-430560">
+            <a:pPr marL="914400" indent="-430200">
               <a:lnSpc>
                 <a:spcPct val="100000"/>
               </a:lnSpc>
@@ -18448,7 +18448,7 @@
             </a:endParaRPr>
           </a:p>
           <a:p>
-            <a:pPr marL="914400" indent="-430560">
+            <a:pPr marL="914400" indent="-430200">
               <a:lnSpc>
                 <a:spcPct val="100000"/>
               </a:lnSpc>
@@ -18486,7 +18486,7 @@
             </a:endParaRPr>
           </a:p>
           <a:p>
-            <a:pPr marL="914400" indent="-430560">
+            <a:pPr marL="914400" indent="-430200">
               <a:lnSpc>
                 <a:spcPct val="100000"/>
               </a:lnSpc>
@@ -18601,7 +18601,7 @@
         <p:spPr>
           <a:xfrm>
             <a:off x="503640" y="301320"/>
-            <a:ext cx="9066960" cy="1261440"/>
+            <a:ext cx="9066600" cy="1261080"/>
           </a:xfrm>
           <a:prstGeom prst="rect">
             <a:avLst/>
@@ -18663,7 +18663,7 @@
         <p:spPr>
           <a:xfrm>
             <a:off x="573840" y="1755360"/>
-            <a:ext cx="9066960" cy="4385160"/>
+            <a:ext cx="9066600" cy="4384800"/>
           </a:xfrm>
           <a:prstGeom prst="rect">
             <a:avLst/>
@@ -18682,7 +18682,7 @@
         <p:txBody>
           <a:bodyPr lIns="0" rIns="0" tIns="0" bIns="0"/>
           <a:p>
-            <a:pPr marL="457200" indent="-430560">
+            <a:pPr marL="457200" indent="-430200">
               <a:lnSpc>
                 <a:spcPct val="150000"/>
               </a:lnSpc>
@@ -18720,7 +18720,7 @@
             </a:endParaRPr>
           </a:p>
           <a:p>
-            <a:pPr marL="457200" indent="-430560">
+            <a:pPr marL="457200" indent="-430200">
               <a:lnSpc>
                 <a:spcPct val="150000"/>
               </a:lnSpc>
@@ -18758,7 +18758,7 @@
             </a:endParaRPr>
           </a:p>
           <a:p>
-            <a:pPr lvl="1" marL="914400" indent="-430560">
+            <a:pPr lvl="1" marL="914400" indent="-430200">
               <a:lnSpc>
                 <a:spcPct val="150000"/>
               </a:lnSpc>
@@ -18796,7 +18796,7 @@
             </a:endParaRPr>
           </a:p>
           <a:p>
-            <a:pPr marL="457200" indent="-430560">
+            <a:pPr marL="457200" indent="-430200">
               <a:lnSpc>
                 <a:spcPct val="150000"/>
               </a:lnSpc>
@@ -18834,7 +18834,7 @@
             </a:endParaRPr>
           </a:p>
           <a:p>
-            <a:pPr marL="457200" indent="-430560">
+            <a:pPr marL="457200" indent="-430200">
               <a:lnSpc>
                 <a:spcPct val="150000"/>
               </a:lnSpc>
@@ -18931,7 +18931,7 @@
         <p:spPr>
           <a:xfrm>
             <a:off x="503640" y="301320"/>
-            <a:ext cx="9066960" cy="1261440"/>
+            <a:ext cx="9066600" cy="1261080"/>
           </a:xfrm>
           <a:prstGeom prst="rect">
             <a:avLst/>
@@ -18993,7 +18993,7 @@
         <p:spPr>
           <a:xfrm>
             <a:off x="573840" y="1666080"/>
-            <a:ext cx="9066960" cy="4385160"/>
+            <a:ext cx="9066600" cy="4384800"/>
           </a:xfrm>
           <a:prstGeom prst="rect">
             <a:avLst/>
@@ -19059,7 +19059,7 @@
         <p:spPr>
           <a:xfrm>
             <a:off x="1267560" y="2342160"/>
-            <a:ext cx="7514280" cy="3931920"/>
+            <a:ext cx="7513920" cy="3931560"/>
           </a:xfrm>
           <a:prstGeom prst="rect">
             <a:avLst/>
@@ -19127,7 +19127,7 @@
         <p:spPr>
           <a:xfrm>
             <a:off x="503640" y="301320"/>
-            <a:ext cx="9066960" cy="1261440"/>
+            <a:ext cx="9066600" cy="1261080"/>
           </a:xfrm>
           <a:prstGeom prst="rect">
             <a:avLst/>
@@ -19189,7 +19189,7 @@
         <p:spPr>
           <a:xfrm>
             <a:off x="573840" y="1755360"/>
-            <a:ext cx="9066960" cy="4385160"/>
+            <a:ext cx="9066600" cy="4384800"/>
           </a:xfrm>
           <a:prstGeom prst="rect">
             <a:avLst/>
@@ -19991,7 +19991,7 @@
         <p:spPr>
           <a:xfrm>
             <a:off x="579960" y="301320"/>
-            <a:ext cx="9066960" cy="1261440"/>
+            <a:ext cx="9066600" cy="1261080"/>
           </a:xfrm>
           <a:prstGeom prst="rect">
             <a:avLst/>
@@ -20053,7 +20053,7 @@
         <p:spPr>
           <a:xfrm>
             <a:off x="650160" y="1755360"/>
-            <a:ext cx="9066960" cy="4385160"/>
+            <a:ext cx="9066600" cy="4384800"/>
           </a:xfrm>
           <a:prstGeom prst="rect">
             <a:avLst/>
@@ -21553,7 +21553,7 @@
         <p:spPr>
           <a:xfrm>
             <a:off x="503640" y="301320"/>
-            <a:ext cx="9066960" cy="1261440"/>
+            <a:ext cx="9066600" cy="1261080"/>
           </a:xfrm>
           <a:prstGeom prst="rect">
             <a:avLst/>
@@ -21615,7 +21615,7 @@
         <p:spPr>
           <a:xfrm>
             <a:off x="573840" y="1755360"/>
-            <a:ext cx="9066960" cy="4385160"/>
+            <a:ext cx="9066600" cy="4384800"/>
           </a:xfrm>
           <a:prstGeom prst="rect">
             <a:avLst/>
@@ -21645,7 +21645,7 @@
         <p:spPr>
           <a:xfrm>
             <a:off x="932040" y="1838880"/>
-            <a:ext cx="8345160" cy="4507200"/>
+            <a:ext cx="8344800" cy="4506840"/>
           </a:xfrm>
           <a:prstGeom prst="rect">
             <a:avLst/>
@@ -21713,7 +21713,7 @@
         <p:spPr>
           <a:xfrm>
             <a:off x="503640" y="301320"/>
-            <a:ext cx="9066960" cy="1261440"/>
+            <a:ext cx="9066600" cy="1261080"/>
           </a:xfrm>
           <a:prstGeom prst="rect">
             <a:avLst/>
@@ -21775,7 +21775,7 @@
         <p:spPr>
           <a:xfrm>
             <a:off x="573840" y="1755360"/>
-            <a:ext cx="9066960" cy="4385160"/>
+            <a:ext cx="9066600" cy="4384800"/>
           </a:xfrm>
           <a:prstGeom prst="rect">
             <a:avLst/>
@@ -22577,7 +22577,7 @@
         <p:spPr>
           <a:xfrm>
             <a:off x="503640" y="301320"/>
-            <a:ext cx="9066960" cy="1261440"/>
+            <a:ext cx="9066600" cy="1261080"/>
           </a:xfrm>
           <a:prstGeom prst="rect">
             <a:avLst/>
@@ -24120,7 +24120,7 @@
         <p:spPr>
           <a:xfrm>
             <a:off x="468000" y="2700720"/>
-            <a:ext cx="9065880" cy="1260360"/>
+            <a:ext cx="9065520" cy="1260000"/>
           </a:xfrm>
           <a:prstGeom prst="rect">
             <a:avLst/>
@@ -24231,7 +24231,7 @@
         <p:spPr>
           <a:xfrm>
             <a:off x="503640" y="301320"/>
-            <a:ext cx="9065160" cy="1259640"/>
+            <a:ext cx="9064800" cy="1259280"/>
           </a:xfrm>
           <a:prstGeom prst="rect">
             <a:avLst/>
@@ -24297,7 +24297,7 @@
         <p:spPr>
           <a:xfrm>
             <a:off x="62280" y="2110320"/>
-            <a:ext cx="9771840" cy="4007520"/>
+            <a:ext cx="9771480" cy="4007160"/>
           </a:xfrm>
           <a:prstGeom prst="rect">
             <a:avLst/>
@@ -24365,7 +24365,7 @@
         <p:spPr>
           <a:xfrm>
             <a:off x="468000" y="2700720"/>
-            <a:ext cx="9065160" cy="1259640"/>
+            <a:ext cx="9064800" cy="1259280"/>
           </a:xfrm>
           <a:prstGeom prst="rect">
             <a:avLst/>
@@ -24467,16 +24467,39 @@
           <a:chExt cx="0" cy="0"/>
         </a:xfrm>
       </p:grpSpPr>
-      <p:sp>
-        <p:nvSpPr>
-          <p:cNvPr id="303" name="CustomShape 1"/>
+      <p:pic>
+        <p:nvPicPr>
+          <p:cNvPr id="303" name="Shape 289" descr=""/>
+          <p:cNvPicPr/>
+          <p:nvPr/>
+        </p:nvPicPr>
+        <p:blipFill>
+          <a:blip r:embed="rId1"/>
+          <a:stretch/>
+        </p:blipFill>
+        <p:spPr>
+          <a:xfrm>
+            <a:off x="1073160" y="1829160"/>
+            <a:ext cx="7911000" cy="4619880"/>
+          </a:xfrm>
+          <a:prstGeom prst="rect">
+            <a:avLst/>
+          </a:prstGeom>
+          <a:ln>
+            <a:noFill/>
+          </a:ln>
+        </p:spPr>
+      </p:pic>
+      <p:sp>
+        <p:nvSpPr>
+          <p:cNvPr id="304" name="CustomShape 1"/>
           <p:cNvSpPr/>
           <p:nvPr/>
         </p:nvSpPr>
         <p:spPr>
           <a:xfrm>
             <a:off x="503640" y="301320"/>
-            <a:ext cx="9065160" cy="1259640"/>
+            <a:ext cx="9066240" cy="1260000"/>
           </a:xfrm>
           <a:prstGeom prst="rect">
             <a:avLst/>
@@ -24529,29 +24552,6 @@
           </a:p>
         </p:txBody>
       </p:sp>
-      <p:pic>
-        <p:nvPicPr>
-          <p:cNvPr id="304" name="Shape 284" descr=""/>
-          <p:cNvPicPr/>
-          <p:nvPr/>
-        </p:nvPicPr>
-        <p:blipFill>
-          <a:blip r:embed="rId1"/>
-          <a:stretch/>
-        </p:blipFill>
-        <p:spPr>
-          <a:xfrm>
-            <a:off x="1300320" y="1980360"/>
-            <a:ext cx="7142400" cy="4377960"/>
-          </a:xfrm>
-          <a:prstGeom prst="rect">
-            <a:avLst/>
-          </a:prstGeom>
-          <a:ln>
-            <a:noFill/>
-          </a:ln>
-        </p:spPr>
-      </p:pic>
     </p:spTree>
   </p:cSld>
   <p:timing>
@@ -24601,39 +24601,16 @@
           <a:chExt cx="0" cy="0"/>
         </a:xfrm>
       </p:grpSpPr>
-      <p:pic>
-        <p:nvPicPr>
-          <p:cNvPr id="305" name="Shape 289" descr=""/>
-          <p:cNvPicPr/>
-          <p:nvPr/>
-        </p:nvPicPr>
-        <p:blipFill>
-          <a:blip r:embed="rId1"/>
-          <a:stretch/>
-        </p:blipFill>
-        <p:spPr>
-          <a:xfrm>
-            <a:off x="1073160" y="1829160"/>
-            <a:ext cx="7911360" cy="4620240"/>
-          </a:xfrm>
-          <a:prstGeom prst="rect">
-            <a:avLst/>
-          </a:prstGeom>
-          <a:ln>
-            <a:noFill/>
-          </a:ln>
-        </p:spPr>
-      </p:pic>
-      <p:sp>
-        <p:nvSpPr>
-          <p:cNvPr id="306" name="CustomShape 1"/>
+      <p:sp>
+        <p:nvSpPr>
+          <p:cNvPr id="305" name="CustomShape 1"/>
           <p:cNvSpPr/>
           <p:nvPr/>
         </p:nvSpPr>
         <p:spPr>
           <a:xfrm>
             <a:off x="503640" y="301320"/>
-            <a:ext cx="9066600" cy="1260360"/>
+            <a:ext cx="9064800" cy="1259280"/>
           </a:xfrm>
           <a:prstGeom prst="rect">
             <a:avLst/>
@@ -24670,7 +24647,7 @@
                 <a:latin typeface="Arial"/>
                 <a:ea typeface="Arial"/>
               </a:rPr>
-              <a:t>Decision Trees</a:t>
+              <a:t>Random Forest</a:t>
             </a:r>
             <a:endParaRPr b="0" lang="en-US" sz="4400" spc="-1" strike="noStrike">
               <a:solidFill>
@@ -24686,6 +24663,29 @@
           </a:p>
         </p:txBody>
       </p:sp>
+      <p:pic>
+        <p:nvPicPr>
+          <p:cNvPr id="306" name="Shape 296" descr=""/>
+          <p:cNvPicPr/>
+          <p:nvPr/>
+        </p:nvPicPr>
+        <p:blipFill>
+          <a:blip r:embed="rId1"/>
+          <a:stretch/>
+        </p:blipFill>
+        <p:spPr>
+          <a:xfrm>
+            <a:off x="60120" y="2120040"/>
+            <a:ext cx="9772560" cy="3997440"/>
+          </a:xfrm>
+          <a:prstGeom prst="rect">
+            <a:avLst/>
+          </a:prstGeom>
+          <a:ln>
+            <a:noFill/>
+          </a:ln>
+        </p:spPr>
+      </p:pic>
     </p:spTree>
   </p:cSld>
   <p:timing>
@@ -24735,16 +24735,39 @@
           <a:chExt cx="0" cy="0"/>
         </a:xfrm>
       </p:grpSpPr>
-      <p:sp>
-        <p:nvSpPr>
-          <p:cNvPr id="307" name="CustomShape 1"/>
+      <p:pic>
+        <p:nvPicPr>
+          <p:cNvPr id="307" name="Shape 301" descr=""/>
+          <p:cNvPicPr/>
+          <p:nvPr/>
+        </p:nvPicPr>
+        <p:blipFill>
+          <a:blip r:embed="rId1"/>
+          <a:stretch/>
+        </p:blipFill>
+        <p:spPr>
+          <a:xfrm>
+            <a:off x="205200" y="1427400"/>
+            <a:ext cx="9588600" cy="5599800"/>
+          </a:xfrm>
+          <a:prstGeom prst="rect">
+            <a:avLst/>
+          </a:prstGeom>
+          <a:ln>
+            <a:noFill/>
+          </a:ln>
+        </p:spPr>
+      </p:pic>
+      <p:sp>
+        <p:nvSpPr>
+          <p:cNvPr id="308" name="CustomShape 1"/>
           <p:cNvSpPr/>
           <p:nvPr/>
         </p:nvSpPr>
         <p:spPr>
           <a:xfrm>
             <a:off x="503640" y="301320"/>
-            <a:ext cx="9065160" cy="1259640"/>
+            <a:ext cx="9066240" cy="1260000"/>
           </a:xfrm>
           <a:prstGeom prst="rect">
             <a:avLst/>
@@ -24781,7 +24804,7 @@
                 <a:latin typeface="Arial"/>
                 <a:ea typeface="Arial"/>
               </a:rPr>
-              <a:t>Random Forest</a:t>
+              <a:t>Random Forests</a:t>
             </a:r>
             <a:endParaRPr b="0" lang="en-US" sz="4400" spc="-1" strike="noStrike">
               <a:solidFill>
@@ -24797,29 +24820,6 @@
           </a:p>
         </p:txBody>
       </p:sp>
-      <p:pic>
-        <p:nvPicPr>
-          <p:cNvPr id="308" name="Shape 296" descr=""/>
-          <p:cNvPicPr/>
-          <p:nvPr/>
-        </p:nvPicPr>
-        <p:blipFill>
-          <a:blip r:embed="rId1"/>
-          <a:stretch/>
-        </p:blipFill>
-        <p:spPr>
-          <a:xfrm>
-            <a:off x="60120" y="2120040"/>
-            <a:ext cx="9772920" cy="3997800"/>
-          </a:xfrm>
-          <a:prstGeom prst="rect">
-            <a:avLst/>
-          </a:prstGeom>
-          <a:ln>
-            <a:noFill/>
-          </a:ln>
-        </p:spPr>
-      </p:pic>
     </p:spTree>
   </p:cSld>
   <p:timing>
@@ -24869,39 +24869,16 @@
           <a:chExt cx="0" cy="0"/>
         </a:xfrm>
       </p:grpSpPr>
-      <p:pic>
-        <p:nvPicPr>
-          <p:cNvPr id="309" name="Shape 301" descr=""/>
-          <p:cNvPicPr/>
-          <p:nvPr/>
-        </p:nvPicPr>
-        <p:blipFill>
-          <a:blip r:embed="rId1"/>
-          <a:stretch/>
-        </p:blipFill>
-        <p:spPr>
-          <a:xfrm>
-            <a:off x="205200" y="1427400"/>
-            <a:ext cx="9588960" cy="5600160"/>
-          </a:xfrm>
-          <a:prstGeom prst="rect">
-            <a:avLst/>
-          </a:prstGeom>
-          <a:ln>
-            <a:noFill/>
-          </a:ln>
-        </p:spPr>
-      </p:pic>
-      <p:sp>
-        <p:nvSpPr>
-          <p:cNvPr id="310" name="CustomShape 1"/>
+      <p:sp>
+        <p:nvSpPr>
+          <p:cNvPr id="309" name="CustomShape 1"/>
           <p:cNvSpPr/>
           <p:nvPr/>
         </p:nvSpPr>
         <p:spPr>
           <a:xfrm>
             <a:off x="503640" y="301320"/>
-            <a:ext cx="9066600" cy="1260360"/>
+            <a:ext cx="9064800" cy="1259280"/>
           </a:xfrm>
           <a:prstGeom prst="rect">
             <a:avLst/>
@@ -24938,7 +24915,7 @@
                 <a:latin typeface="Arial"/>
                 <a:ea typeface="Arial"/>
               </a:rPr>
-              <a:t>Random Forests</a:t>
+              <a:t>Gradient Boosting</a:t>
             </a:r>
             <a:endParaRPr b="0" lang="en-US" sz="4400" spc="-1" strike="noStrike">
               <a:solidFill>
@@ -24954,6 +24931,29 @@
           </a:p>
         </p:txBody>
       </p:sp>
+      <p:pic>
+        <p:nvPicPr>
+          <p:cNvPr id="310" name="" descr=""/>
+          <p:cNvPicPr/>
+          <p:nvPr/>
+        </p:nvPicPr>
+        <p:blipFill>
+          <a:blip r:embed="rId1"/>
+          <a:stretch/>
+        </p:blipFill>
+        <p:spPr>
+          <a:xfrm>
+            <a:off x="29160" y="1916280"/>
+            <a:ext cx="9937440" cy="4060440"/>
+          </a:xfrm>
+          <a:prstGeom prst="rect">
+            <a:avLst/>
+          </a:prstGeom>
+          <a:ln>
+            <a:noFill/>
+          </a:ln>
+        </p:spPr>
+      </p:pic>
     </p:spTree>
   </p:cSld>
   <p:timing>
@@ -25003,16 +25003,39 @@
           <a:chExt cx="0" cy="0"/>
         </a:xfrm>
       </p:grpSpPr>
-      <p:sp>
-        <p:nvSpPr>
-          <p:cNvPr id="311" name="CustomShape 1"/>
+      <p:pic>
+        <p:nvPicPr>
+          <p:cNvPr id="311" name="Shape 313" descr=""/>
+          <p:cNvPicPr/>
+          <p:nvPr/>
+        </p:nvPicPr>
+        <p:blipFill>
+          <a:blip r:embed="rId1"/>
+          <a:stretch/>
+        </p:blipFill>
+        <p:spPr>
+          <a:xfrm>
+            <a:off x="135000" y="1313640"/>
+            <a:ext cx="9599760" cy="5606280"/>
+          </a:xfrm>
+          <a:prstGeom prst="rect">
+            <a:avLst/>
+          </a:prstGeom>
+          <a:ln>
+            <a:noFill/>
+          </a:ln>
+        </p:spPr>
+      </p:pic>
+      <p:sp>
+        <p:nvSpPr>
+          <p:cNvPr id="312" name="CustomShape 1"/>
           <p:cNvSpPr/>
           <p:nvPr/>
         </p:nvSpPr>
         <p:spPr>
           <a:xfrm>
             <a:off x="503640" y="301320"/>
-            <a:ext cx="9065160" cy="1259640"/>
+            <a:ext cx="9066240" cy="1260000"/>
           </a:xfrm>
           <a:prstGeom prst="rect">
             <a:avLst/>
@@ -25065,29 +25088,6 @@
           </a:p>
         </p:txBody>
       </p:sp>
-      <p:pic>
-        <p:nvPicPr>
-          <p:cNvPr id="312" name="" descr=""/>
-          <p:cNvPicPr/>
-          <p:nvPr/>
-        </p:nvPicPr>
-        <p:blipFill>
-          <a:blip r:embed="rId1"/>
-          <a:stretch/>
-        </p:blipFill>
-        <p:spPr>
-          <a:xfrm>
-            <a:off x="29160" y="1916280"/>
-            <a:ext cx="9937800" cy="4060800"/>
-          </a:xfrm>
-          <a:prstGeom prst="rect">
-            <a:avLst/>
-          </a:prstGeom>
-          <a:ln>
-            <a:noFill/>
-          </a:ln>
-        </p:spPr>
-      </p:pic>
     </p:spTree>
   </p:cSld>
   <p:timing>
@@ -25137,39 +25137,16 @@
           <a:chExt cx="0" cy="0"/>
         </a:xfrm>
       </p:grpSpPr>
-      <p:pic>
-        <p:nvPicPr>
-          <p:cNvPr id="313" name="Shape 313" descr=""/>
-          <p:cNvPicPr/>
-          <p:nvPr/>
-        </p:nvPicPr>
-        <p:blipFill>
-          <a:blip r:embed="rId1"/>
-          <a:stretch/>
-        </p:blipFill>
-        <p:spPr>
-          <a:xfrm>
-            <a:off x="135000" y="1313640"/>
-            <a:ext cx="9600120" cy="5606640"/>
-          </a:xfrm>
-          <a:prstGeom prst="rect">
-            <a:avLst/>
-          </a:prstGeom>
-          <a:ln>
-            <a:noFill/>
-          </a:ln>
-        </p:spPr>
-      </p:pic>
-      <p:sp>
-        <p:nvSpPr>
-          <p:cNvPr id="314" name="CustomShape 1"/>
+      <p:sp>
+        <p:nvSpPr>
+          <p:cNvPr id="313" name="CustomShape 1"/>
           <p:cNvSpPr/>
           <p:nvPr/>
         </p:nvSpPr>
         <p:spPr>
           <a:xfrm>
-            <a:off x="503640" y="301320"/>
-            <a:ext cx="9066600" cy="1260360"/>
+            <a:off x="548640" y="-162000"/>
+            <a:ext cx="9064800" cy="1259280"/>
           </a:xfrm>
           <a:prstGeom prst="rect">
             <a:avLst/>
@@ -25206,7 +25183,7 @@
                 <a:latin typeface="Arial"/>
                 <a:ea typeface="Arial"/>
               </a:rPr>
-              <a:t>Gradient Boosting</a:t>
+              <a:t>Tree Based Variable Importance</a:t>
             </a:r>
             <a:endParaRPr b="0" lang="en-US" sz="4400" spc="-1" strike="noStrike">
               <a:solidFill>
@@ -25222,6 +25199,75 @@
           </a:p>
         </p:txBody>
       </p:sp>
+      <p:pic>
+        <p:nvPicPr>
+          <p:cNvPr id="314" name="Shape 284" descr=""/>
+          <p:cNvPicPr/>
+          <p:nvPr/>
+        </p:nvPicPr>
+        <p:blipFill>
+          <a:blip r:embed="rId1"/>
+          <a:stretch/>
+        </p:blipFill>
+        <p:spPr>
+          <a:xfrm>
+            <a:off x="60120" y="786960"/>
+            <a:ext cx="5015160" cy="3074040"/>
+          </a:xfrm>
+          <a:prstGeom prst="rect">
+            <a:avLst/>
+          </a:prstGeom>
+          <a:ln>
+            <a:noFill/>
+          </a:ln>
+        </p:spPr>
+      </p:pic>
+      <p:pic>
+        <p:nvPicPr>
+          <p:cNvPr id="315" name="" descr=""/>
+          <p:cNvPicPr/>
+          <p:nvPr/>
+        </p:nvPicPr>
+        <p:blipFill>
+          <a:blip r:embed="rId2"/>
+          <a:stretch/>
+        </p:blipFill>
+        <p:spPr>
+          <a:xfrm>
+            <a:off x="5081760" y="812160"/>
+            <a:ext cx="4938480" cy="3031920"/>
+          </a:xfrm>
+          <a:prstGeom prst="rect">
+            <a:avLst/>
+          </a:prstGeom>
+          <a:ln>
+            <a:noFill/>
+          </a:ln>
+        </p:spPr>
+      </p:pic>
+      <p:pic>
+        <p:nvPicPr>
+          <p:cNvPr id="316" name="" descr=""/>
+          <p:cNvPicPr/>
+          <p:nvPr/>
+        </p:nvPicPr>
+        <p:blipFill>
+          <a:blip r:embed="rId3"/>
+          <a:stretch/>
+        </p:blipFill>
+        <p:spPr>
+          <a:xfrm>
+            <a:off x="2286000" y="3900600"/>
+            <a:ext cx="5873400" cy="3597480"/>
+          </a:xfrm>
+          <a:prstGeom prst="rect">
+            <a:avLst/>
+          </a:prstGeom>
+          <a:ln>
+            <a:noFill/>
+          </a:ln>
+        </p:spPr>
+      </p:pic>
     </p:spTree>
   </p:cSld>
   <p:timing>
@@ -25273,14 +25319,14 @@
       </p:grpSpPr>
       <p:sp>
         <p:nvSpPr>
-          <p:cNvPr id="315" name="CustomShape 1"/>
+          <p:cNvPr id="317" name="CustomShape 1"/>
           <p:cNvSpPr/>
           <p:nvPr/>
         </p:nvSpPr>
         <p:spPr>
           <a:xfrm>
             <a:off x="503640" y="301320"/>
-            <a:ext cx="9066240" cy="1260000"/>
+            <a:ext cx="9065880" cy="1259640"/>
           </a:xfrm>
           <a:prstGeom prst="rect">
             <a:avLst/>
@@ -25368,14 +25414,14 @@
       </p:sp>
       <p:sp>
         <p:nvSpPr>
-          <p:cNvPr id="316" name="CustomShape 2"/>
+          <p:cNvPr id="318" name="CustomShape 2"/>
           <p:cNvSpPr/>
           <p:nvPr/>
         </p:nvSpPr>
         <p:spPr>
           <a:xfrm>
             <a:off x="503640" y="1769040"/>
-            <a:ext cx="9066240" cy="4383360"/>
+            <a:ext cx="9065880" cy="4383000"/>
           </a:xfrm>
           <a:prstGeom prst="rect">
             <a:avLst/>
@@ -25394,13 +25440,13 @@
       </p:sp>
       <p:graphicFrame>
         <p:nvGraphicFramePr>
-          <p:cNvPr id="317" name="Object 3"/>
+          <p:cNvPr id="319" name="Object 3"/>
           <p:cNvGraphicFramePr/>
           <p:nvPr/>
         </p:nvGraphicFramePr>
         <p:xfrm>
           <a:off x="922320" y="2195280"/>
-          <a:ext cx="8453880" cy="2286000"/>
+          <a:ext cx="8453520" cy="2285640"/>
         </p:xfrm>
         <a:graphic>
           <a:graphicData uri="http://schemas.openxmlformats.org/presentationml/2006/ole">
@@ -25408,7 +25454,7 @@
               <p:embed/>
               <p:pic>
                 <p:nvPicPr>
-                  <p:cNvPr id="318" name="" descr=""/>
+                  <p:cNvPr id="320" name="" descr=""/>
                   <p:cNvPicPr/>
                   <p:nvPr/>
                 </p:nvPicPr>
@@ -25419,7 +25465,7 @@
                 <p:spPr>
                   <a:xfrm>
                     <a:off x="922320" y="2195280"/>
-                    <a:ext cx="8453880" cy="2286000"/>
+                    <a:ext cx="8453520" cy="2285640"/>
                   </a:xfrm>
                   <a:prstGeom prst="rect">
                     <a:avLst/>
@@ -25484,14 +25530,14 @@
       </p:grpSpPr>
       <p:sp>
         <p:nvSpPr>
-          <p:cNvPr id="319" name="CustomShape 1"/>
+          <p:cNvPr id="321" name="CustomShape 1"/>
           <p:cNvSpPr/>
           <p:nvPr/>
         </p:nvSpPr>
         <p:spPr>
           <a:xfrm>
             <a:off x="182520" y="1920600"/>
-            <a:ext cx="2649240" cy="2468160"/>
+            <a:ext cx="2648880" cy="2467800"/>
           </a:xfrm>
           <a:prstGeom prst="rect">
             <a:avLst/>
@@ -25514,14 +25560,14 @@
       </p:sp>
       <p:sp>
         <p:nvSpPr>
-          <p:cNvPr id="320" name="CustomShape 2"/>
+          <p:cNvPr id="322" name="CustomShape 2"/>
           <p:cNvSpPr/>
           <p:nvPr/>
         </p:nvSpPr>
         <p:spPr>
           <a:xfrm>
             <a:off x="833760" y="277200"/>
-            <a:ext cx="8408160" cy="1368000"/>
+            <a:ext cx="8407800" cy="1367640"/>
           </a:xfrm>
           <a:prstGeom prst="rect">
             <a:avLst/>
@@ -25719,7 +25765,7 @@
       </p:sp>
       <p:pic>
         <p:nvPicPr>
-          <p:cNvPr id="321" name="" descr=""/>
+          <p:cNvPr id="323" name="" descr=""/>
           <p:cNvPicPr/>
           <p:nvPr/>
         </p:nvPicPr>
@@ -25730,7 +25776,7 @@
         <p:spPr>
           <a:xfrm>
             <a:off x="3747240" y="1554840"/>
-            <a:ext cx="5848560" cy="4788000"/>
+            <a:ext cx="5848200" cy="4787640"/>
           </a:xfrm>
           <a:prstGeom prst="rect">
             <a:avLst/>
@@ -25742,14 +25788,14 @@
       </p:pic>
       <p:sp>
         <p:nvSpPr>
-          <p:cNvPr id="322" name="CustomShape 3"/>
+          <p:cNvPr id="324" name="CustomShape 3"/>
           <p:cNvSpPr/>
           <p:nvPr/>
         </p:nvSpPr>
         <p:spPr>
           <a:xfrm>
             <a:off x="273960" y="2286720"/>
-            <a:ext cx="3288960" cy="1637640"/>
+            <a:ext cx="3288600" cy="1637280"/>
           </a:xfrm>
           <a:prstGeom prst="rect">
             <a:avLst/>
@@ -25881,14 +25927,14 @@
       </p:sp>
       <p:sp>
         <p:nvSpPr>
-          <p:cNvPr id="323" name="CustomShape 4"/>
+          <p:cNvPr id="325" name="CustomShape 4"/>
           <p:cNvSpPr/>
           <p:nvPr/>
         </p:nvSpPr>
         <p:spPr>
           <a:xfrm>
             <a:off x="2924640" y="2926800"/>
-            <a:ext cx="1004040" cy="455760"/>
+            <a:ext cx="1003680" cy="455400"/>
           </a:xfrm>
           <a:custGeom>
             <a:avLst/>
@@ -25945,14 +25991,14 @@
       </p:sp>
       <p:sp>
         <p:nvSpPr>
-          <p:cNvPr id="324" name="CustomShape 5"/>
+          <p:cNvPr id="326" name="CustomShape 5"/>
           <p:cNvSpPr/>
           <p:nvPr/>
         </p:nvSpPr>
         <p:spPr>
           <a:xfrm>
             <a:off x="456840" y="6585840"/>
-            <a:ext cx="3289320" cy="456120"/>
+            <a:ext cx="3288960" cy="455760"/>
           </a:xfrm>
           <a:prstGeom prst="rect">
             <a:avLst/>
@@ -25999,6 +26045,211 @@
             </a:endParaRPr>
           </a:p>
         </p:txBody>
+      </p:sp>
+      <p:sp>
+        <p:nvSpPr>
+          <p:cNvPr id="327" name="CustomShape 6"/>
+          <p:cNvSpPr/>
+          <p:nvPr/>
+        </p:nvSpPr>
+        <p:spPr>
+          <a:xfrm>
+            <a:off x="185760" y="4555800"/>
+            <a:ext cx="2648880" cy="1097280"/>
+          </a:xfrm>
+          <a:prstGeom prst="rect">
+            <a:avLst/>
+          </a:prstGeom>
+          <a:solidFill>
+            <a:srgbClr val="b0c4de"/>
+          </a:solidFill>
+          <a:ln>
+            <a:solidFill>
+              <a:srgbClr val="3465a4"/>
+            </a:solidFill>
+          </a:ln>
+        </p:spPr>
+        <p:style>
+          <a:lnRef idx="0"/>
+          <a:fillRef idx="0"/>
+          <a:effectRef idx="0"/>
+          <a:fontRef idx="minor"/>
+        </p:style>
+      </p:sp>
+      <p:sp>
+        <p:nvSpPr>
+          <p:cNvPr id="328" name="CustomShape 7"/>
+          <p:cNvSpPr/>
+          <p:nvPr/>
+        </p:nvSpPr>
+        <p:spPr>
+          <a:xfrm>
+            <a:off x="186120" y="4021200"/>
+            <a:ext cx="3288600" cy="1637280"/>
+          </a:xfrm>
+          <a:prstGeom prst="rect">
+            <a:avLst/>
+          </a:prstGeom>
+          <a:noFill/>
+          <a:ln>
+            <a:noFill/>
+          </a:ln>
+        </p:spPr>
+        <p:style>
+          <a:lnRef idx="0"/>
+          <a:fillRef idx="0"/>
+          <a:effectRef idx="0"/>
+          <a:fontRef idx="minor"/>
+        </p:style>
+        <p:txBody>
+          <a:bodyPr lIns="90000" rIns="90000" tIns="45000" bIns="45000"/>
+          <a:p>
+            <a:endParaRPr b="0" lang="en-US" sz="1800" spc="-1" strike="noStrike">
+              <a:solidFill>
+                <a:srgbClr val="000000"/>
+              </a:solidFill>
+              <a:uFill>
+                <a:solidFill>
+                  <a:srgbClr val="ffffff"/>
+                </a:solidFill>
+              </a:uFill>
+              <a:latin typeface="Arial"/>
+            </a:endParaRPr>
+          </a:p>
+          <a:p>
+            <a:endParaRPr b="0" lang="en-US" sz="1800" spc="-1" strike="noStrike">
+              <a:solidFill>
+                <a:srgbClr val="000000"/>
+              </a:solidFill>
+              <a:uFill>
+                <a:solidFill>
+                  <a:srgbClr val="ffffff"/>
+                </a:solidFill>
+              </a:uFill>
+              <a:latin typeface="Arial"/>
+            </a:endParaRPr>
+          </a:p>
+          <a:p>
+            <a:r>
+              <a:rPr b="0" lang="en-US" sz="2200" spc="-1" strike="noStrike">
+                <a:solidFill>
+                  <a:srgbClr val="000000"/>
+                </a:solidFill>
+                <a:uFill>
+                  <a:solidFill>
+                    <a:srgbClr val="ffffff"/>
+                  </a:solidFill>
+                </a:uFill>
+                <a:latin typeface="Arial"/>
+                <a:ea typeface="DejaVu Sans"/>
+              </a:rPr>
+              <a:t>Lasso </a:t>
+            </a:r>
+            <a:endParaRPr b="0" lang="en-US" sz="2200" spc="-1" strike="noStrike">
+              <a:solidFill>
+                <a:srgbClr val="000000"/>
+              </a:solidFill>
+              <a:uFill>
+                <a:solidFill>
+                  <a:srgbClr val="ffffff"/>
+                </a:solidFill>
+              </a:uFill>
+              <a:latin typeface="Arial"/>
+            </a:endParaRPr>
+          </a:p>
+          <a:p>
+            <a:r>
+              <a:rPr b="0" lang="en-US" sz="2200" spc="-1" strike="noStrike">
+                <a:solidFill>
+                  <a:srgbClr val="000000"/>
+                </a:solidFill>
+                <a:uFill>
+                  <a:solidFill>
+                    <a:srgbClr val="ffffff"/>
+                  </a:solidFill>
+                </a:uFill>
+                <a:latin typeface="Arial"/>
+                <a:ea typeface="DejaVu Sans"/>
+              </a:rPr>
+              <a:t>Meta Regressor</a:t>
+            </a:r>
+            <a:endParaRPr b="0" lang="en-US" sz="2200" spc="-1" strike="noStrike">
+              <a:solidFill>
+                <a:srgbClr val="000000"/>
+              </a:solidFill>
+              <a:uFill>
+                <a:solidFill>
+                  <a:srgbClr val="ffffff"/>
+                </a:solidFill>
+              </a:uFill>
+              <a:latin typeface="Arial"/>
+            </a:endParaRPr>
+          </a:p>
+        </p:txBody>
+      </p:sp>
+      <p:sp>
+        <p:nvSpPr>
+          <p:cNvPr id="329" name="CustomShape 8"/>
+          <p:cNvSpPr/>
+          <p:nvPr/>
+        </p:nvSpPr>
+        <p:spPr>
+          <a:xfrm>
+            <a:off x="2926080" y="4756680"/>
+            <a:ext cx="2194560" cy="455400"/>
+          </a:xfrm>
+          <a:custGeom>
+            <a:avLst/>
+            <a:gdLst/>
+            <a:ahLst/>
+            <a:rect l="l" t="t" r="r" b="b"/>
+            <a:pathLst>
+              <a:path w="2796" h="1272">
+                <a:moveTo>
+                  <a:pt x="0" y="317"/>
+                </a:moveTo>
+                <a:lnTo>
+                  <a:pt x="2096" y="317"/>
+                </a:lnTo>
+                <a:lnTo>
+                  <a:pt x="2096" y="0"/>
+                </a:lnTo>
+                <a:lnTo>
+                  <a:pt x="2795" y="635"/>
+                </a:lnTo>
+                <a:lnTo>
+                  <a:pt x="2096" y="1271"/>
+                </a:lnTo>
+                <a:lnTo>
+                  <a:pt x="2096" y="953"/>
+                </a:lnTo>
+                <a:lnTo>
+                  <a:pt x="0" y="953"/>
+                </a:lnTo>
+                <a:lnTo>
+                  <a:pt x="349" y="635"/>
+                </a:lnTo>
+                <a:lnTo>
+                  <a:pt x="0" y="317"/>
+                </a:lnTo>
+              </a:path>
+            </a:pathLst>
+          </a:custGeom>
+          <a:solidFill>
+            <a:srgbClr val="729fcf"/>
+          </a:solidFill>
+          <a:ln>
+            <a:solidFill>
+              <a:srgbClr val="3465a4"/>
+            </a:solidFill>
+          </a:ln>
+        </p:spPr>
+        <p:style>
+          <a:lnRef idx="0"/>
+          <a:fillRef idx="0"/>
+          <a:effectRef idx="0"/>
+          <a:fontRef idx="minor"/>
+        </p:style>
       </p:sp>
     </p:spTree>
   </p:cSld>
@@ -26051,14 +26302,14 @@
       </p:grpSpPr>
       <p:sp>
         <p:nvSpPr>
-          <p:cNvPr id="325" name="CustomShape 1"/>
+          <p:cNvPr id="330" name="CustomShape 1"/>
           <p:cNvSpPr/>
           <p:nvPr/>
         </p:nvSpPr>
         <p:spPr>
           <a:xfrm>
             <a:off x="2227680" y="1063080"/>
-            <a:ext cx="5997240" cy="1335960"/>
+            <a:ext cx="5996880" cy="1335600"/>
           </a:xfrm>
           <a:prstGeom prst="rect">
             <a:avLst/>
@@ -26113,13 +26364,13 @@
       </p:sp>
       <p:graphicFrame>
         <p:nvGraphicFramePr>
-          <p:cNvPr id="326" name="Object 2"/>
+          <p:cNvPr id="331" name="Object 2"/>
           <p:cNvGraphicFramePr/>
           <p:nvPr/>
         </p:nvGraphicFramePr>
         <p:xfrm>
           <a:off x="1333800" y="3056400"/>
-          <a:ext cx="7877520" cy="1515960"/>
+          <a:ext cx="7877160" cy="1515600"/>
         </p:xfrm>
         <a:graphic>
           <a:graphicData uri="http://schemas.openxmlformats.org/presentationml/2006/ole">
@@ -26127,7 +26378,7 @@
               <p:embed/>
               <p:pic>
                 <p:nvPicPr>
-                  <p:cNvPr id="327" name="" descr=""/>
+                  <p:cNvPr id="332" name="" descr=""/>
                   <p:cNvPicPr/>
                   <p:nvPr/>
                 </p:nvPicPr>
@@ -26138,7 +26389,7 @@
                 <p:spPr>
                   <a:xfrm>
                     <a:off x="1333800" y="3056400"/>
-                    <a:ext cx="7877520" cy="1515960"/>
+                    <a:ext cx="7877160" cy="1515600"/>
                   </a:xfrm>
                   <a:prstGeom prst="rect">
                     <a:avLst/>
@@ -26203,13 +26454,13 @@
       </p:grpSpPr>
       <p:graphicFrame>
         <p:nvGraphicFramePr>
-          <p:cNvPr id="328" name="Object 1"/>
+          <p:cNvPr id="333" name="Object 1"/>
           <p:cNvGraphicFramePr/>
           <p:nvPr/>
         </p:nvGraphicFramePr>
         <p:xfrm>
           <a:off x="1279440" y="3018240"/>
-          <a:ext cx="7687440" cy="2656800"/>
+          <a:ext cx="7687080" cy="2656440"/>
         </p:xfrm>
         <a:graphic>
           <a:graphicData uri="http://schemas.openxmlformats.org/presentationml/2006/ole">
@@ -26217,7 +26468,7 @@
               <p:embed/>
               <p:pic>
                 <p:nvPicPr>
-                  <p:cNvPr id="329" name="" descr=""/>
+                  <p:cNvPr id="334" name="" descr=""/>
                   <p:cNvPicPr/>
                   <p:nvPr/>
                 </p:nvPicPr>
@@ -26228,7 +26479,7 @@
                 <p:spPr>
                   <a:xfrm>
                     <a:off x="1279440" y="3018240"/>
-                    <a:ext cx="7687440" cy="2656800"/>
+                    <a:ext cx="7687080" cy="2656440"/>
                   </a:xfrm>
                   <a:prstGeom prst="rect">
                     <a:avLst/>
@@ -26244,14 +26495,14 @@
       </p:graphicFrame>
       <p:sp>
         <p:nvSpPr>
-          <p:cNvPr id="330" name="CustomShape 2"/>
+          <p:cNvPr id="335" name="CustomShape 2"/>
           <p:cNvSpPr/>
           <p:nvPr/>
         </p:nvSpPr>
         <p:spPr>
           <a:xfrm>
             <a:off x="503640" y="301680"/>
-            <a:ext cx="9067680" cy="1261440"/>
+            <a:ext cx="9067320" cy="1261080"/>
           </a:xfrm>
           <a:prstGeom prst="rect">
             <a:avLst/>
@@ -26363,7 +26614,7 @@
         <p:spPr>
           <a:xfrm>
             <a:off x="503640" y="301320"/>
-            <a:ext cx="9065880" cy="1260360"/>
+            <a:ext cx="9065520" cy="1260000"/>
           </a:xfrm>
           <a:prstGeom prst="rect">
             <a:avLst/>
@@ -26429,7 +26680,7 @@
         <p:spPr>
           <a:xfrm>
             <a:off x="456840" y="1486800"/>
-            <a:ext cx="9235800" cy="5702040"/>
+            <a:ext cx="9235440" cy="5701680"/>
           </a:xfrm>
           <a:prstGeom prst="rect">
             <a:avLst/>
@@ -26490,14 +26741,14 @@
       </p:grpSpPr>
       <p:sp>
         <p:nvSpPr>
-          <p:cNvPr id="331" name="CustomShape 1"/>
+          <p:cNvPr id="336" name="CustomShape 1"/>
           <p:cNvSpPr/>
           <p:nvPr/>
         </p:nvSpPr>
         <p:spPr>
           <a:xfrm>
             <a:off x="503640" y="301320"/>
-            <a:ext cx="9067680" cy="1261440"/>
+            <a:ext cx="9067320" cy="1261080"/>
           </a:xfrm>
           <a:prstGeom prst="rect">
             <a:avLst/>
@@ -26552,14 +26803,14 @@
       </p:sp>
       <p:sp>
         <p:nvSpPr>
-          <p:cNvPr id="332" name="CustomShape 2"/>
+          <p:cNvPr id="337" name="CustomShape 2"/>
           <p:cNvSpPr/>
           <p:nvPr/>
         </p:nvSpPr>
         <p:spPr>
           <a:xfrm>
             <a:off x="503640" y="2108520"/>
-            <a:ext cx="9067680" cy="4384800"/>
+            <a:ext cx="9067320" cy="4384440"/>
           </a:xfrm>
           <a:prstGeom prst="rect">
             <a:avLst/>
@@ -26580,7 +26831,7 @@
             <a:normAutofit/>
           </a:bodyPr>
           <a:p>
-            <a:pPr marL="432000" indent="-323280">
+            <a:pPr marL="432000" indent="-322920">
               <a:lnSpc>
                 <a:spcPct val="100000"/>
               </a:lnSpc>
@@ -26622,7 +26873,7 @@
             </a:endParaRPr>
           </a:p>
           <a:p>
-            <a:pPr lvl="1" marL="864000" indent="-323280">
+            <a:pPr lvl="1" marL="864000" indent="-322920">
               <a:lnSpc>
                 <a:spcPct val="100000"/>
               </a:lnSpc>
@@ -26664,7 +26915,7 @@
             </a:endParaRPr>
           </a:p>
           <a:p>
-            <a:pPr lvl="2" marL="1296000" indent="-287280">
+            <a:pPr lvl="2" marL="1296000" indent="-286920">
               <a:lnSpc>
                 <a:spcPct val="100000"/>
               </a:lnSpc>
@@ -26706,7 +26957,7 @@
             </a:endParaRPr>
           </a:p>
           <a:p>
-            <a:pPr lvl="1" marL="864000" indent="-323280">
+            <a:pPr lvl="1" marL="864000" indent="-322920">
               <a:lnSpc>
                 <a:spcPct val="100000"/>
               </a:lnSpc>
@@ -26748,7 +26999,7 @@
             </a:endParaRPr>
           </a:p>
           <a:p>
-            <a:pPr marL="432000" indent="-323280">
+            <a:pPr marL="432000" indent="-322920">
               <a:lnSpc>
                 <a:spcPct val="100000"/>
               </a:lnSpc>
@@ -26790,7 +27041,7 @@
             </a:endParaRPr>
           </a:p>
           <a:p>
-            <a:pPr lvl="1" marL="864000" indent="-323280">
+            <a:pPr lvl="1" marL="864000" indent="-322920">
               <a:lnSpc>
                 <a:spcPct val="100000"/>
               </a:lnSpc>
@@ -26846,7 +27097,7 @@
             </a:endParaRPr>
           </a:p>
           <a:p>
-            <a:pPr lvl="1" marL="864000" indent="-323280">
+            <a:pPr lvl="1" marL="864000" indent="-322920">
               <a:lnSpc>
                 <a:spcPct val="100000"/>
               </a:lnSpc>
@@ -26961,7 +27212,7 @@
         <p:spPr>
           <a:xfrm>
             <a:off x="539640" y="180000"/>
-            <a:ext cx="9065160" cy="1259640"/>
+            <a:ext cx="9064800" cy="1259280"/>
           </a:xfrm>
           <a:prstGeom prst="rect">
             <a:avLst/>
@@ -27027,7 +27278,7 @@
         <p:spPr>
           <a:xfrm>
             <a:off x="539640" y="1224720"/>
-            <a:ext cx="9282960" cy="5922000"/>
+            <a:ext cx="9282600" cy="5921640"/>
           </a:xfrm>
           <a:prstGeom prst="rect">
             <a:avLst/>
@@ -27095,7 +27346,7 @@
         <p:spPr>
           <a:xfrm>
             <a:off x="503640" y="301320"/>
-            <a:ext cx="9065160" cy="1259640"/>
+            <a:ext cx="9064800" cy="1259280"/>
           </a:xfrm>
           <a:prstGeom prst="rect">
             <a:avLst/>
@@ -27161,7 +27412,7 @@
         <p:spPr>
           <a:xfrm>
             <a:off x="1079280" y="1440360"/>
-            <a:ext cx="8157240" cy="5204160"/>
+            <a:ext cx="8156880" cy="5203800"/>
           </a:xfrm>
           <a:prstGeom prst="rect">
             <a:avLst/>
@@ -27229,7 +27480,7 @@
         <p:spPr>
           <a:xfrm>
             <a:off x="503640" y="301320"/>
-            <a:ext cx="9065160" cy="1259640"/>
+            <a:ext cx="9064800" cy="1259280"/>
           </a:xfrm>
           <a:prstGeom prst="rect">
             <a:avLst/>
@@ -27295,7 +27546,7 @@
         <p:spPr>
           <a:xfrm>
             <a:off x="1233360" y="1800360"/>
-            <a:ext cx="7390800" cy="4714920"/>
+            <a:ext cx="7390440" cy="4714560"/>
           </a:xfrm>
           <a:prstGeom prst="rect">
             <a:avLst/>
@@ -27363,7 +27614,7 @@
         <p:spPr>
           <a:xfrm>
             <a:off x="503640" y="301320"/>
-            <a:ext cx="9066240" cy="1260720"/>
+            <a:ext cx="9065880" cy="1260360"/>
           </a:xfrm>
           <a:prstGeom prst="rect">
             <a:avLst/>
@@ -27429,7 +27680,7 @@
         <p:spPr>
           <a:xfrm>
             <a:off x="955440" y="1756080"/>
-            <a:ext cx="7887600" cy="5670000"/>
+            <a:ext cx="7887240" cy="5669640"/>
           </a:xfrm>
           <a:prstGeom prst="rect">
             <a:avLst/>
@@ -27497,7 +27748,7 @@
         <p:spPr>
           <a:xfrm>
             <a:off x="503640" y="301320"/>
-            <a:ext cx="9066240" cy="1260720"/>
+            <a:ext cx="9065880" cy="1260360"/>
           </a:xfrm>
           <a:prstGeom prst="rect">
             <a:avLst/>
@@ -27563,7 +27814,7 @@
         <p:spPr>
           <a:xfrm>
             <a:off x="966600" y="1563840"/>
-            <a:ext cx="7825680" cy="5663160"/>
+            <a:ext cx="7825320" cy="5662800"/>
           </a:xfrm>
           <a:prstGeom prst="rect">
             <a:avLst/>
